--- a/MOCUIPlugin-final.pptx
+++ b/MOCUIPlugin-final.pptx
@@ -6041,7 +6041,7 @@
                                           </p:stCondLst>
                                         </p:cTn>
                                         <p:tgtEl>
-                                          <p:spTgt spid="6"/>
+                                          <p:spTgt spid="2"/>
                                         </p:tgtEl>
                                         <p:attrNameLst>
                                           <p:attrName>style.visibility</p:attrName>
@@ -6055,6 +6055,59 @@
                                       <p:cBhvr>
                                         <p:cTn id="7" dur="500"/>
                                         <p:tgtEl>
+                                          <p:spTgt spid="2"/>
+                                        </p:tgtEl>
+                                      </p:cBhvr>
+                                    </p:animEffect>
+                                  </p:childTnLst>
+                                </p:cTn>
+                              </p:par>
+                            </p:childTnLst>
+                          </p:cTn>
+                        </p:par>
+                      </p:childTnLst>
+                    </p:cTn>
+                  </p:par>
+                  <p:par>
+                    <p:cTn id="8" fill="hold">
+                      <p:stCondLst>
+                        <p:cond delay="indefinite"/>
+                      </p:stCondLst>
+                      <p:childTnLst>
+                        <p:par>
+                          <p:cTn id="9" fill="hold">
+                            <p:stCondLst>
+                              <p:cond delay="0"/>
+                            </p:stCondLst>
+                            <p:childTnLst>
+                              <p:par>
+                                <p:cTn id="10" presetID="10" presetClass="entr" presetSubtype="0" fill="hold" grpId="0" nodeType="clickEffect">
+                                  <p:stCondLst>
+                                    <p:cond delay="0"/>
+                                  </p:stCondLst>
+                                  <p:childTnLst>
+                                    <p:set>
+                                      <p:cBhvr>
+                                        <p:cTn id="11" dur="1" fill="hold">
+                                          <p:stCondLst>
+                                            <p:cond delay="0"/>
+                                          </p:stCondLst>
+                                        </p:cTn>
+                                        <p:tgtEl>
+                                          <p:spTgt spid="6"/>
+                                        </p:tgtEl>
+                                        <p:attrNameLst>
+                                          <p:attrName>style.visibility</p:attrName>
+                                        </p:attrNameLst>
+                                      </p:cBhvr>
+                                      <p:to>
+                                        <p:strVal val="visible"/>
+                                      </p:to>
+                                    </p:set>
+                                    <p:animEffect transition="in" filter="fade">
+                                      <p:cBhvr>
+                                        <p:cTn id="12" dur="500"/>
+                                        <p:tgtEl>
                                           <p:spTgt spid="6"/>
                                         </p:tgtEl>
                                       </p:cBhvr>
@@ -6063,14 +6116,14 @@
                                 </p:cTn>
                               </p:par>
                               <p:par>
-                                <p:cTn id="8" presetID="10" presetClass="entr" presetSubtype="0" fill="hold" grpId="0" nodeType="withEffect">
+                                <p:cTn id="13" presetID="10" presetClass="entr" presetSubtype="0" fill="hold" grpId="0" nodeType="withEffect">
                                   <p:stCondLst>
                                     <p:cond delay="0"/>
                                   </p:stCondLst>
                                   <p:childTnLst>
                                     <p:set>
                                       <p:cBhvr>
-                                        <p:cTn id="9" dur="1" fill="hold">
+                                        <p:cTn id="14" dur="1" fill="hold">
                                           <p:stCondLst>
                                             <p:cond delay="0"/>
                                           </p:stCondLst>
@@ -6088,7 +6141,7 @@
                                     </p:set>
                                     <p:animEffect transition="in" filter="fade">
                                       <p:cBhvr>
-                                        <p:cTn id="10" dur="500"/>
+                                        <p:cTn id="15" dur="500"/>
                                         <p:tgtEl>
                                           <p:spTgt spid="17"/>
                                         </p:tgtEl>
@@ -6104,26 +6157,26 @@
                     </p:cTn>
                   </p:par>
                   <p:par>
-                    <p:cTn id="11" fill="hold">
+                    <p:cTn id="16" fill="hold">
                       <p:stCondLst>
                         <p:cond delay="indefinite"/>
                       </p:stCondLst>
                       <p:childTnLst>
                         <p:par>
-                          <p:cTn id="12" fill="hold">
+                          <p:cTn id="17" fill="hold">
                             <p:stCondLst>
                               <p:cond delay="0"/>
                             </p:stCondLst>
                             <p:childTnLst>
                               <p:par>
-                                <p:cTn id="13" presetID="10" presetClass="entr" presetSubtype="0" fill="hold" grpId="0" nodeType="clickEffect">
+                                <p:cTn id="18" presetID="10" presetClass="entr" presetSubtype="0" fill="hold" grpId="0" nodeType="clickEffect">
                                   <p:stCondLst>
                                     <p:cond delay="0"/>
                                   </p:stCondLst>
                                   <p:childTnLst>
                                     <p:set>
                                       <p:cBhvr>
-                                        <p:cTn id="14" dur="1" fill="hold">
+                                        <p:cTn id="19" dur="1" fill="hold">
                                           <p:stCondLst>
                                             <p:cond delay="0"/>
                                           </p:stCondLst>
@@ -6141,7 +6194,7 @@
                                     </p:set>
                                     <p:animEffect transition="in" filter="fade">
                                       <p:cBhvr>
-                                        <p:cTn id="15" dur="500"/>
+                                        <p:cTn id="20" dur="500"/>
                                         <p:tgtEl>
                                           <p:spTgt spid="22"/>
                                         </p:tgtEl>
@@ -6151,14 +6204,14 @@
                                 </p:cTn>
                               </p:par>
                               <p:par>
-                                <p:cTn id="16" presetID="10" presetClass="entr" presetSubtype="0" fill="hold" grpId="0" nodeType="withEffect">
+                                <p:cTn id="21" presetID="10" presetClass="entr" presetSubtype="0" fill="hold" grpId="0" nodeType="withEffect">
                                   <p:stCondLst>
                                     <p:cond delay="0"/>
                                   </p:stCondLst>
                                   <p:childTnLst>
                                     <p:set>
                                       <p:cBhvr>
-                                        <p:cTn id="17" dur="1" fill="hold">
+                                        <p:cTn id="22" dur="1" fill="hold">
                                           <p:stCondLst>
                                             <p:cond delay="0"/>
                                           </p:stCondLst>
@@ -6176,7 +6229,7 @@
                                     </p:set>
                                     <p:animEffect transition="in" filter="fade">
                                       <p:cBhvr>
-                                        <p:cTn id="18" dur="500"/>
+                                        <p:cTn id="23" dur="500"/>
                                         <p:tgtEl>
                                           <p:spTgt spid="18"/>
                                         </p:tgtEl>
@@ -6186,14 +6239,14 @@
                                 </p:cTn>
                               </p:par>
                               <p:par>
-                                <p:cTn id="19" presetID="10" presetClass="entr" presetSubtype="0" fill="hold" nodeType="withEffect">
+                                <p:cTn id="24" presetID="10" presetClass="entr" presetSubtype="0" fill="hold" nodeType="withEffect">
                                   <p:stCondLst>
                                     <p:cond delay="0"/>
                                   </p:stCondLst>
                                   <p:childTnLst>
                                     <p:set>
                                       <p:cBhvr>
-                                        <p:cTn id="20" dur="1" fill="hold">
+                                        <p:cTn id="25" dur="1" fill="hold">
                                           <p:stCondLst>
                                             <p:cond delay="0"/>
                                           </p:stCondLst>
@@ -6211,7 +6264,7 @@
                                     </p:set>
                                     <p:animEffect transition="in" filter="fade">
                                       <p:cBhvr>
-                                        <p:cTn id="21" dur="500"/>
+                                        <p:cTn id="26" dur="500"/>
                                         <p:tgtEl>
                                           <p:spTgt spid="11"/>
                                         </p:tgtEl>
@@ -6221,14 +6274,14 @@
                                 </p:cTn>
                               </p:par>
                               <p:par>
-                                <p:cTn id="22" presetID="10" presetClass="entr" presetSubtype="0" fill="hold" nodeType="withEffect">
+                                <p:cTn id="27" presetID="10" presetClass="entr" presetSubtype="0" fill="hold" nodeType="withEffect">
                                   <p:stCondLst>
                                     <p:cond delay="0"/>
                                   </p:stCondLst>
                                   <p:childTnLst>
                                     <p:set>
                                       <p:cBhvr>
-                                        <p:cTn id="23" dur="1" fill="hold">
+                                        <p:cTn id="28" dur="1" fill="hold">
                                           <p:stCondLst>
                                             <p:cond delay="0"/>
                                           </p:stCondLst>
@@ -6246,7 +6299,7 @@
                                     </p:set>
                                     <p:animEffect transition="in" filter="fade">
                                       <p:cBhvr>
-                                        <p:cTn id="24" dur="500"/>
+                                        <p:cTn id="29" dur="500"/>
                                         <p:tgtEl>
                                           <p:spTgt spid="15"/>
                                         </p:tgtEl>
@@ -6262,26 +6315,26 @@
                     </p:cTn>
                   </p:par>
                   <p:par>
-                    <p:cTn id="25" fill="hold">
+                    <p:cTn id="30" fill="hold">
                       <p:stCondLst>
                         <p:cond delay="indefinite"/>
                       </p:stCondLst>
                       <p:childTnLst>
                         <p:par>
-                          <p:cTn id="26" fill="hold">
+                          <p:cTn id="31" fill="hold">
                             <p:stCondLst>
                               <p:cond delay="0"/>
                             </p:stCondLst>
                             <p:childTnLst>
                               <p:par>
-                                <p:cTn id="27" presetID="10" presetClass="entr" presetSubtype="0" fill="hold" grpId="0" nodeType="clickEffect">
+                                <p:cTn id="32" presetID="10" presetClass="entr" presetSubtype="0" fill="hold" grpId="0" nodeType="clickEffect">
                                   <p:stCondLst>
                                     <p:cond delay="0"/>
                                   </p:stCondLst>
                                   <p:childTnLst>
                                     <p:set>
                                       <p:cBhvr>
-                                        <p:cTn id="28" dur="1" fill="hold">
+                                        <p:cTn id="33" dur="1" fill="hold">
                                           <p:stCondLst>
                                             <p:cond delay="0"/>
                                           </p:stCondLst>
@@ -6299,7 +6352,7 @@
                                     </p:set>
                                     <p:animEffect transition="in" filter="fade">
                                       <p:cBhvr>
-                                        <p:cTn id="29" dur="500"/>
+                                        <p:cTn id="34" dur="500"/>
                                         <p:tgtEl>
                                           <p:spTgt spid="3"/>
                                         </p:tgtEl>
@@ -6309,14 +6362,49 @@
                                 </p:cTn>
                               </p:par>
                               <p:par>
-                                <p:cTn id="30" presetID="10" presetClass="entr" presetSubtype="0" fill="hold" grpId="0" nodeType="withEffect">
+                                <p:cTn id="35" presetID="10" presetClass="entr" presetSubtype="0" fill="hold" grpId="0" nodeType="withEffect">
                                   <p:stCondLst>
                                     <p:cond delay="0"/>
                                   </p:stCondLst>
                                   <p:childTnLst>
                                     <p:set>
                                       <p:cBhvr>
-                                        <p:cTn id="31" dur="1" fill="hold">
+                                        <p:cTn id="36" dur="1" fill="hold">
+                                          <p:stCondLst>
+                                            <p:cond delay="0"/>
+                                          </p:stCondLst>
+                                        </p:cTn>
+                                        <p:tgtEl>
+                                          <p:spTgt spid="16"/>
+                                        </p:tgtEl>
+                                        <p:attrNameLst>
+                                          <p:attrName>style.visibility</p:attrName>
+                                        </p:attrNameLst>
+                                      </p:cBhvr>
+                                      <p:to>
+                                        <p:strVal val="visible"/>
+                                      </p:to>
+                                    </p:set>
+                                    <p:animEffect transition="in" filter="fade">
+                                      <p:cBhvr>
+                                        <p:cTn id="37" dur="500"/>
+                                        <p:tgtEl>
+                                          <p:spTgt spid="16"/>
+                                        </p:tgtEl>
+                                      </p:cBhvr>
+                                    </p:animEffect>
+                                  </p:childTnLst>
+                                </p:cTn>
+                              </p:par>
+                              <p:par>
+                                <p:cTn id="38" presetID="10" presetClass="entr" presetSubtype="0" fill="hold" grpId="0" nodeType="withEffect">
+                                  <p:stCondLst>
+                                    <p:cond delay="0"/>
+                                  </p:stCondLst>
+                                  <p:childTnLst>
+                                    <p:set>
+                                      <p:cBhvr>
+                                        <p:cTn id="39" dur="1" fill="hold">
                                           <p:stCondLst>
                                             <p:cond delay="0"/>
                                           </p:stCondLst>
@@ -6334,97 +6422,9 @@
                                     </p:set>
                                     <p:animEffect transition="in" filter="fade">
                                       <p:cBhvr>
-                                        <p:cTn id="32" dur="500"/>
+                                        <p:cTn id="40" dur="500"/>
                                         <p:tgtEl>
                                           <p:spTgt spid="13"/>
-                                        </p:tgtEl>
-                                      </p:cBhvr>
-                                    </p:animEffect>
-                                  </p:childTnLst>
-                                </p:cTn>
-                              </p:par>
-                              <p:par>
-                                <p:cTn id="33" presetID="10" presetClass="entr" presetSubtype="0" fill="hold" grpId="0" nodeType="withEffect">
-                                  <p:stCondLst>
-                                    <p:cond delay="0"/>
-                                  </p:stCondLst>
-                                  <p:childTnLst>
-                                    <p:set>
-                                      <p:cBhvr>
-                                        <p:cTn id="34" dur="1" fill="hold">
-                                          <p:stCondLst>
-                                            <p:cond delay="0"/>
-                                          </p:stCondLst>
-                                        </p:cTn>
-                                        <p:tgtEl>
-                                          <p:spTgt spid="14"/>
-                                        </p:tgtEl>
-                                        <p:attrNameLst>
-                                          <p:attrName>style.visibility</p:attrName>
-                                        </p:attrNameLst>
-                                      </p:cBhvr>
-                                      <p:to>
-                                        <p:strVal val="visible"/>
-                                      </p:to>
-                                    </p:set>
-                                    <p:animEffect transition="in" filter="fade">
-                                      <p:cBhvr>
-                                        <p:cTn id="35" dur="500"/>
-                                        <p:tgtEl>
-                                          <p:spTgt spid="14"/>
-                                        </p:tgtEl>
-                                      </p:cBhvr>
-                                    </p:animEffect>
-                                  </p:childTnLst>
-                                </p:cTn>
-                              </p:par>
-                            </p:childTnLst>
-                          </p:cTn>
-                        </p:par>
-                      </p:childTnLst>
-                    </p:cTn>
-                  </p:par>
-                  <p:par>
-                    <p:cTn id="36" fill="hold">
-                      <p:stCondLst>
-                        <p:cond delay="indefinite"/>
-                      </p:stCondLst>
-                      <p:childTnLst>
-                        <p:par>
-                          <p:cTn id="37" fill="hold">
-                            <p:stCondLst>
-                              <p:cond delay="0"/>
-                            </p:stCondLst>
-                            <p:childTnLst>
-                              <p:par>
-                                <p:cTn id="38" presetID="10" presetClass="entr" presetSubtype="0" fill="hold" nodeType="clickEffect">
-                                  <p:stCondLst>
-                                    <p:cond delay="0"/>
-                                  </p:stCondLst>
-                                  <p:childTnLst>
-                                    <p:set>
-                                      <p:cBhvr>
-                                        <p:cTn id="39" dur="1" fill="hold">
-                                          <p:stCondLst>
-                                            <p:cond delay="0"/>
-                                          </p:stCondLst>
-                                        </p:cTn>
-                                        <p:tgtEl>
-                                          <p:spTgt spid="7"/>
-                                        </p:tgtEl>
-                                        <p:attrNameLst>
-                                          <p:attrName>style.visibility</p:attrName>
-                                        </p:attrNameLst>
-                                      </p:cBhvr>
-                                      <p:to>
-                                        <p:strVal val="visible"/>
-                                      </p:to>
-                                    </p:set>
-                                    <p:animEffect transition="in" filter="fade">
-                                      <p:cBhvr>
-                                        <p:cTn id="40" dur="500"/>
-                                        <p:tgtEl>
-                                          <p:spTgt spid="7"/>
                                         </p:tgtEl>
                                       </p:cBhvr>
                                     </p:animEffect>
@@ -6445,7 +6445,7 @@
                                           </p:stCondLst>
                                         </p:cTn>
                                         <p:tgtEl>
-                                          <p:spTgt spid="4"/>
+                                          <p:spTgt spid="14"/>
                                         </p:tgtEl>
                                         <p:attrNameLst>
                                           <p:attrName>style.visibility</p:attrName>
@@ -6459,6 +6459,164 @@
                                       <p:cBhvr>
                                         <p:cTn id="43" dur="500"/>
                                         <p:tgtEl>
+                                          <p:spTgt spid="14"/>
+                                        </p:tgtEl>
+                                      </p:cBhvr>
+                                    </p:animEffect>
+                                  </p:childTnLst>
+                                </p:cTn>
+                              </p:par>
+                              <p:par>
+                                <p:cTn id="44" presetID="10" presetClass="entr" presetSubtype="0" fill="hold" grpId="0" nodeType="withEffect">
+                                  <p:stCondLst>
+                                    <p:cond delay="0"/>
+                                  </p:stCondLst>
+                                  <p:childTnLst>
+                                    <p:set>
+                                      <p:cBhvr>
+                                        <p:cTn id="45" dur="1" fill="hold">
+                                          <p:stCondLst>
+                                            <p:cond delay="0"/>
+                                          </p:stCondLst>
+                                        </p:cTn>
+                                        <p:tgtEl>
+                                          <p:spTgt spid="28"/>
+                                        </p:tgtEl>
+                                        <p:attrNameLst>
+                                          <p:attrName>style.visibility</p:attrName>
+                                        </p:attrNameLst>
+                                      </p:cBhvr>
+                                      <p:to>
+                                        <p:strVal val="visible"/>
+                                      </p:to>
+                                    </p:set>
+                                    <p:animEffect transition="in" filter="fade">
+                                      <p:cBhvr>
+                                        <p:cTn id="46" dur="500"/>
+                                        <p:tgtEl>
+                                          <p:spTgt spid="28"/>
+                                        </p:tgtEl>
+                                      </p:cBhvr>
+                                    </p:animEffect>
+                                  </p:childTnLst>
+                                </p:cTn>
+                              </p:par>
+                              <p:par>
+                                <p:cTn id="47" presetID="10" presetClass="entr" presetSubtype="0" fill="hold" grpId="0" nodeType="withEffect">
+                                  <p:stCondLst>
+                                    <p:cond delay="0"/>
+                                  </p:stCondLst>
+                                  <p:childTnLst>
+                                    <p:set>
+                                      <p:cBhvr>
+                                        <p:cTn id="48" dur="1" fill="hold">
+                                          <p:stCondLst>
+                                            <p:cond delay="0"/>
+                                          </p:stCondLst>
+                                        </p:cTn>
+                                        <p:tgtEl>
+                                          <p:spTgt spid="21"/>
+                                        </p:tgtEl>
+                                        <p:attrNameLst>
+                                          <p:attrName>style.visibility</p:attrName>
+                                        </p:attrNameLst>
+                                      </p:cBhvr>
+                                      <p:to>
+                                        <p:strVal val="visible"/>
+                                      </p:to>
+                                    </p:set>
+                                    <p:animEffect transition="in" filter="fade">
+                                      <p:cBhvr>
+                                        <p:cTn id="49" dur="500"/>
+                                        <p:tgtEl>
+                                          <p:spTgt spid="21"/>
+                                        </p:tgtEl>
+                                      </p:cBhvr>
+                                    </p:animEffect>
+                                  </p:childTnLst>
+                                </p:cTn>
+                              </p:par>
+                            </p:childTnLst>
+                          </p:cTn>
+                        </p:par>
+                      </p:childTnLst>
+                    </p:cTn>
+                  </p:par>
+                  <p:par>
+                    <p:cTn id="50" fill="hold">
+                      <p:stCondLst>
+                        <p:cond delay="indefinite"/>
+                      </p:stCondLst>
+                      <p:childTnLst>
+                        <p:par>
+                          <p:cTn id="51" fill="hold">
+                            <p:stCondLst>
+                              <p:cond delay="0"/>
+                            </p:stCondLst>
+                            <p:childTnLst>
+                              <p:par>
+                                <p:cTn id="52" presetID="10" presetClass="entr" presetSubtype="0" fill="hold" nodeType="clickEffect">
+                                  <p:stCondLst>
+                                    <p:cond delay="0"/>
+                                  </p:stCondLst>
+                                  <p:childTnLst>
+                                    <p:set>
+                                      <p:cBhvr>
+                                        <p:cTn id="53" dur="1" fill="hold">
+                                          <p:stCondLst>
+                                            <p:cond delay="0"/>
+                                          </p:stCondLst>
+                                        </p:cTn>
+                                        <p:tgtEl>
+                                          <p:spTgt spid="7"/>
+                                        </p:tgtEl>
+                                        <p:attrNameLst>
+                                          <p:attrName>style.visibility</p:attrName>
+                                        </p:attrNameLst>
+                                      </p:cBhvr>
+                                      <p:to>
+                                        <p:strVal val="visible"/>
+                                      </p:to>
+                                    </p:set>
+                                    <p:animEffect transition="in" filter="fade">
+                                      <p:cBhvr>
+                                        <p:cTn id="54" dur="500"/>
+                                        <p:tgtEl>
+                                          <p:spTgt spid="7"/>
+                                        </p:tgtEl>
+                                      </p:cBhvr>
+                                    </p:animEffect>
+                                  </p:childTnLst>
+                                </p:cTn>
+                              </p:par>
+                              <p:par>
+                                <p:cTn id="55" presetID="10" presetClass="entr" presetSubtype="0" fill="hold" grpId="0" nodeType="withEffect">
+                                  <p:stCondLst>
+                                    <p:cond delay="0"/>
+                                  </p:stCondLst>
+                                  <p:childTnLst>
+                                    <p:set>
+                                      <p:cBhvr>
+                                        <p:cTn id="56" dur="1" fill="hold">
+                                          <p:stCondLst>
+                                            <p:cond delay="0"/>
+                                          </p:stCondLst>
+                                        </p:cTn>
+                                        <p:tgtEl>
+                                          <p:spTgt spid="4"/>
+                                        </p:tgtEl>
+                                        <p:attrNameLst>
+                                          <p:attrName>style.visibility</p:attrName>
+                                        </p:attrNameLst>
+                                      </p:cBhvr>
+                                      <p:to>
+                                        <p:strVal val="visible"/>
+                                      </p:to>
+                                    </p:set>
+                                    <p:animEffect transition="in" filter="fade">
+                                      <p:cBhvr>
+                                        <p:cTn id="57" dur="500"/>
+                                        <p:tgtEl>
                                           <p:spTgt spid="4"/>
                                         </p:tgtEl>
                                       </p:cBhvr>
@@ -6467,14 +6625,14 @@
                                 </p:cTn>
                               </p:par>
                               <p:par>
-                                <p:cTn id="44" presetID="10" presetClass="entr" presetSubtype="0" fill="hold" nodeType="withEffect">
+                                <p:cTn id="58" presetID="10" presetClass="entr" presetSubtype="0" fill="hold" nodeType="withEffect">
                                   <p:stCondLst>
                                     <p:cond delay="0"/>
                                   </p:stCondLst>
                                   <p:childTnLst>
                                     <p:set>
                                       <p:cBhvr>
-                                        <p:cTn id="45" dur="1" fill="hold">
+                                        <p:cTn id="59" dur="1" fill="hold">
                                           <p:stCondLst>
                                             <p:cond delay="0"/>
                                           </p:stCondLst>
@@ -6492,7 +6650,7 @@
                                     </p:set>
                                     <p:animEffect transition="in" filter="fade">
                                       <p:cBhvr>
-                                        <p:cTn id="46" dur="500"/>
+                                        <p:cTn id="60" dur="500"/>
                                         <p:tgtEl>
                                           <p:spTgt spid="1026"/>
                                         </p:tgtEl>
@@ -6502,14 +6660,14 @@
                                 </p:cTn>
                               </p:par>
                               <p:par>
-                                <p:cTn id="47" presetID="10" presetClass="entr" presetSubtype="0" fill="hold" nodeType="withEffect">
+                                <p:cTn id="61" presetID="10" presetClass="entr" presetSubtype="0" fill="hold" nodeType="withEffect">
                                   <p:stCondLst>
                                     <p:cond delay="0"/>
                                   </p:stCondLst>
                                   <p:childTnLst>
                                     <p:set>
                                       <p:cBhvr>
-                                        <p:cTn id="48" dur="1" fill="hold">
+                                        <p:cTn id="62" dur="1" fill="hold">
                                           <p:stCondLst>
                                             <p:cond delay="0"/>
                                           </p:stCondLst>
@@ -6527,7 +6685,7 @@
                                     </p:set>
                                     <p:animEffect transition="in" filter="fade">
                                       <p:cBhvr>
-                                        <p:cTn id="49" dur="500"/>
+                                        <p:cTn id="63" dur="500"/>
                                         <p:tgtEl>
                                           <p:spTgt spid="9"/>
                                         </p:tgtEl>
@@ -6537,14 +6695,14 @@
                                 </p:cTn>
                               </p:par>
                               <p:par>
-                                <p:cTn id="50" presetID="10" presetClass="entr" presetSubtype="0" fill="hold" grpId="0" nodeType="withEffect">
+                                <p:cTn id="64" presetID="10" presetClass="entr" presetSubtype="0" fill="hold" grpId="0" nodeType="withEffect">
                                   <p:stCondLst>
                                     <p:cond delay="0"/>
                                   </p:stCondLst>
                                   <p:childTnLst>
                                     <p:set>
                                       <p:cBhvr>
-                                        <p:cTn id="51" dur="1" fill="hold">
+                                        <p:cTn id="65" dur="1" fill="hold">
                                           <p:stCondLst>
                                             <p:cond delay="0"/>
                                           </p:stCondLst>
@@ -6562,7 +6720,7 @@
                                     </p:set>
                                     <p:animEffect transition="in" filter="fade">
                                       <p:cBhvr>
-                                        <p:cTn id="52" dur="500"/>
+                                        <p:cTn id="66" dur="500"/>
                                         <p:tgtEl>
                                           <p:spTgt spid="20"/>
                                         </p:tgtEl>
@@ -6572,14 +6730,14 @@
                                 </p:cTn>
                               </p:par>
                               <p:par>
-                                <p:cTn id="53" presetID="10" presetClass="entr" presetSubtype="0" fill="hold" grpId="0" nodeType="withEffect">
+                                <p:cTn id="67" presetID="10" presetClass="entr" presetSubtype="0" fill="hold" grpId="0" nodeType="withEffect">
                                   <p:stCondLst>
                                     <p:cond delay="0"/>
                                   </p:stCondLst>
                                   <p:childTnLst>
                                     <p:set>
                                       <p:cBhvr>
-                                        <p:cTn id="54" dur="1" fill="hold">
+                                        <p:cTn id="68" dur="1" fill="hold">
                                           <p:stCondLst>
                                             <p:cond delay="0"/>
                                           </p:stCondLst>
@@ -6597,62 +6755,9 @@
                                     </p:set>
                                     <p:animEffect transition="in" filter="fade">
                                       <p:cBhvr>
-                                        <p:cTn id="55" dur="500"/>
+                                        <p:cTn id="69" dur="500"/>
                                         <p:tgtEl>
                                           <p:spTgt spid="19"/>
-                                        </p:tgtEl>
-                                      </p:cBhvr>
-                                    </p:animEffect>
-                                  </p:childTnLst>
-                                </p:cTn>
-                              </p:par>
-                            </p:childTnLst>
-                          </p:cTn>
-                        </p:par>
-                      </p:childTnLst>
-                    </p:cTn>
-                  </p:par>
-                  <p:par>
-                    <p:cTn id="56" fill="hold">
-                      <p:stCondLst>
-                        <p:cond delay="indefinite"/>
-                      </p:stCondLst>
-                      <p:childTnLst>
-                        <p:par>
-                          <p:cTn id="57" fill="hold">
-                            <p:stCondLst>
-                              <p:cond delay="0"/>
-                            </p:stCondLst>
-                            <p:childTnLst>
-                              <p:par>
-                                <p:cTn id="58" presetID="10" presetClass="entr" presetSubtype="0" fill="hold" grpId="0" nodeType="clickEffect">
-                                  <p:stCondLst>
-                                    <p:cond delay="0"/>
-                                  </p:stCondLst>
-                                  <p:childTnLst>
-                                    <p:set>
-                                      <p:cBhvr>
-                                        <p:cTn id="59" dur="1" fill="hold">
-                                          <p:stCondLst>
-                                            <p:cond delay="0"/>
-                                          </p:stCondLst>
-                                        </p:cTn>
-                                        <p:tgtEl>
-                                          <p:spTgt spid="21"/>
-                                        </p:tgtEl>
-                                        <p:attrNameLst>
-                                          <p:attrName>style.visibility</p:attrName>
-                                        </p:attrNameLst>
-                                      </p:cBhvr>
-                                      <p:to>
-                                        <p:strVal val="visible"/>
-                                      </p:to>
-                                    </p:set>
-                                    <p:animEffect transition="in" filter="fade">
-                                      <p:cBhvr>
-                                        <p:cTn id="60" dur="500"/>
-                                        <p:tgtEl>
-                                          <p:spTgt spid="21"/>
                                         </p:tgtEl>
                                       </p:cBhvr>
                                     </p:animEffect>
@@ -6687,8 +6792,10 @@
       </p:par>
     </p:tnLst>
     <p:bldLst>
+      <p:bldP spid="2" grpId="0"/>
       <p:bldP spid="3" grpId="0" animBg="1"/>
       <p:bldP spid="4" grpId="0" animBg="1"/>
+      <p:bldP spid="16" grpId="0" animBg="1"/>
       <p:bldP spid="6" grpId="0" animBg="1"/>
       <p:bldP spid="13" grpId="0"/>
       <p:bldP spid="14" grpId="0"/>
@@ -6697,6 +6804,7 @@
       <p:bldP spid="19" grpId="0"/>
       <p:bldP spid="20" grpId="0"/>
       <p:bldP spid="21" grpId="0" animBg="1"/>
+      <p:bldP spid="28" grpId="0"/>
       <p:bldP spid="22" grpId="0" animBg="1"/>
     </p:bldLst>
   </p:timing>
@@ -12395,33 +12503,15 @@
                                   </p:childTnLst>
                                 </p:cTn>
                               </p:par>
-                            </p:childTnLst>
-                          </p:cTn>
-                        </p:par>
-                      </p:childTnLst>
-                    </p:cTn>
-                  </p:par>
-                  <p:par>
-                    <p:cTn id="33" fill="hold">
-                      <p:stCondLst>
-                        <p:cond delay="indefinite"/>
-                      </p:stCondLst>
-                      <p:childTnLst>
-                        <p:par>
-                          <p:cTn id="34" fill="hold">
-                            <p:stCondLst>
-                              <p:cond delay="0"/>
-                            </p:stCondLst>
-                            <p:childTnLst>
                               <p:par>
-                                <p:cTn id="35" presetID="10" presetClass="entr" presetSubtype="0" fill="hold" nodeType="clickEffect">
+                                <p:cTn id="33" presetID="10" presetClass="entr" presetSubtype="0" fill="hold" nodeType="withEffect">
                                   <p:stCondLst>
                                     <p:cond delay="0"/>
                                   </p:stCondLst>
                                   <p:childTnLst>
                                     <p:set>
                                       <p:cBhvr>
-                                        <p:cTn id="36" dur="1" fill="hold">
+                                        <p:cTn id="34" dur="1" fill="hold">
                                           <p:stCondLst>
                                             <p:cond delay="0"/>
                                           </p:stCondLst>
@@ -12439,7 +12529,7 @@
                                     </p:set>
                                     <p:animEffect transition="in" filter="fade">
                                       <p:cBhvr>
-                                        <p:cTn id="37" dur="500"/>
+                                        <p:cTn id="35" dur="500"/>
                                         <p:tgtEl>
                                           <p:spTgt spid="112"/>
                                         </p:tgtEl>
@@ -12448,33 +12538,15 @@
                                   </p:childTnLst>
                                 </p:cTn>
                               </p:par>
-                            </p:childTnLst>
-                          </p:cTn>
-                        </p:par>
-                      </p:childTnLst>
-                    </p:cTn>
-                  </p:par>
-                  <p:par>
-                    <p:cTn id="38" fill="hold">
-                      <p:stCondLst>
-                        <p:cond delay="indefinite"/>
-                      </p:stCondLst>
-                      <p:childTnLst>
-                        <p:par>
-                          <p:cTn id="39" fill="hold">
-                            <p:stCondLst>
-                              <p:cond delay="0"/>
-                            </p:stCondLst>
-                            <p:childTnLst>
                               <p:par>
-                                <p:cTn id="40" presetID="10" presetClass="entr" presetSubtype="0" fill="hold" nodeType="clickEffect">
+                                <p:cTn id="36" presetID="10" presetClass="entr" presetSubtype="0" fill="hold" nodeType="withEffect">
                                   <p:stCondLst>
                                     <p:cond delay="0"/>
                                   </p:stCondLst>
                                   <p:childTnLst>
                                     <p:set>
                                       <p:cBhvr>
-                                        <p:cTn id="41" dur="1" fill="hold">
+                                        <p:cTn id="37" dur="1" fill="hold">
                                           <p:stCondLst>
                                             <p:cond delay="0"/>
                                           </p:stCondLst>
@@ -12492,7 +12564,7 @@
                                     </p:set>
                                     <p:animEffect transition="in" filter="fade">
                                       <p:cBhvr>
-                                        <p:cTn id="42" dur="500"/>
+                                        <p:cTn id="38" dur="500"/>
                                         <p:tgtEl>
                                           <p:spTgt spid="113"/>
                                         </p:tgtEl>
@@ -12508,26 +12580,26 @@
                     </p:cTn>
                   </p:par>
                   <p:par>
-                    <p:cTn id="43" fill="hold">
+                    <p:cTn id="39" fill="hold">
                       <p:stCondLst>
                         <p:cond delay="indefinite"/>
                       </p:stCondLst>
                       <p:childTnLst>
                         <p:par>
-                          <p:cTn id="44" fill="hold">
+                          <p:cTn id="40" fill="hold">
                             <p:stCondLst>
                               <p:cond delay="0"/>
                             </p:stCondLst>
                             <p:childTnLst>
                               <p:par>
-                                <p:cTn id="45" presetID="10" presetClass="entr" presetSubtype="0" fill="hold" nodeType="clickEffect">
+                                <p:cTn id="41" presetID="10" presetClass="entr" presetSubtype="0" fill="hold" nodeType="clickEffect">
                                   <p:stCondLst>
                                     <p:cond delay="0"/>
                                   </p:stCondLst>
                                   <p:childTnLst>
                                     <p:set>
                                       <p:cBhvr>
-                                        <p:cTn id="46" dur="1" fill="hold">
+                                        <p:cTn id="42" dur="1" fill="hold">
                                           <p:stCondLst>
                                             <p:cond delay="0"/>
                                           </p:stCondLst>
@@ -12545,7 +12617,7 @@
                                     </p:set>
                                     <p:animEffect transition="in" filter="fade">
                                       <p:cBhvr>
-                                        <p:cTn id="47" dur="500"/>
+                                        <p:cTn id="43" dur="500"/>
                                         <p:tgtEl>
                                           <p:spTgt spid="114"/>
                                         </p:tgtEl>
@@ -12561,26 +12633,26 @@
                     </p:cTn>
                   </p:par>
                   <p:par>
-                    <p:cTn id="48" fill="hold">
+                    <p:cTn id="44" fill="hold">
                       <p:stCondLst>
                         <p:cond delay="indefinite"/>
                       </p:stCondLst>
                       <p:childTnLst>
                         <p:par>
-                          <p:cTn id="49" fill="hold">
+                          <p:cTn id="45" fill="hold">
                             <p:stCondLst>
                               <p:cond delay="0"/>
                             </p:stCondLst>
                             <p:childTnLst>
                               <p:par>
-                                <p:cTn id="50" presetID="10" presetClass="entr" presetSubtype="0" fill="hold" nodeType="clickEffect">
+                                <p:cTn id="46" presetID="10" presetClass="entr" presetSubtype="0" fill="hold" nodeType="clickEffect">
                                   <p:stCondLst>
                                     <p:cond delay="0"/>
                                   </p:stCondLst>
                                   <p:childTnLst>
                                     <p:set>
                                       <p:cBhvr>
-                                        <p:cTn id="51" dur="1" fill="hold">
+                                        <p:cTn id="47" dur="1" fill="hold">
                                           <p:stCondLst>
                                             <p:cond delay="0"/>
                                           </p:stCondLst>
@@ -12598,7 +12670,7 @@
                                     </p:set>
                                     <p:animEffect transition="in" filter="fade">
                                       <p:cBhvr>
-                                        <p:cTn id="52" dur="500"/>
+                                        <p:cTn id="48" dur="500"/>
                                         <p:tgtEl>
                                           <p:spTgt spid="115"/>
                                         </p:tgtEl>
@@ -12614,26 +12686,26 @@
                     </p:cTn>
                   </p:par>
                   <p:par>
-                    <p:cTn id="53" fill="hold">
+                    <p:cTn id="49" fill="hold">
                       <p:stCondLst>
                         <p:cond delay="indefinite"/>
                       </p:stCondLst>
                       <p:childTnLst>
                         <p:par>
-                          <p:cTn id="54" fill="hold">
+                          <p:cTn id="50" fill="hold">
                             <p:stCondLst>
                               <p:cond delay="0"/>
                             </p:stCondLst>
                             <p:childTnLst>
                               <p:par>
-                                <p:cTn id="55" presetID="10" presetClass="entr" presetSubtype="0" fill="hold" nodeType="clickEffect">
+                                <p:cTn id="51" presetID="10" presetClass="entr" presetSubtype="0" fill="hold" nodeType="clickEffect">
                                   <p:stCondLst>
                                     <p:cond delay="0"/>
                                   </p:stCondLst>
                                   <p:childTnLst>
                                     <p:set>
                                       <p:cBhvr>
-                                        <p:cTn id="56" dur="1" fill="hold">
+                                        <p:cTn id="52" dur="1" fill="hold">
                                           <p:stCondLst>
                                             <p:cond delay="0"/>
                                           </p:stCondLst>
@@ -12651,7 +12723,7 @@
                                     </p:set>
                                     <p:animEffect transition="in" filter="fade">
                                       <p:cBhvr>
-                                        <p:cTn id="57" dur="500"/>
+                                        <p:cTn id="53" dur="500"/>
                                         <p:tgtEl>
                                           <p:spTgt spid="116"/>
                                         </p:tgtEl>

--- a/MOCUIPlugin-final.pptx
+++ b/MOCUIPlugin-final.pptx
@@ -5,14 +5,15 @@
     <p:sldMasterId id="2147483648" r:id="rId2"/>
   </p:sldMasterIdLst>
   <p:notesMasterIdLst>
-    <p:notesMasterId r:id="rId8"/>
+    <p:notesMasterId r:id="rId9"/>
   </p:notesMasterIdLst>
   <p:sldIdLst>
     <p:sldId id="256" r:id="rId3"/>
     <p:sldId id="304" r:id="rId4"/>
     <p:sldId id="305" r:id="rId5"/>
     <p:sldId id="276" r:id="rId6"/>
-    <p:sldId id="278" r:id="rId7"/>
+    <p:sldId id="306" r:id="rId7"/>
+    <p:sldId id="278" r:id="rId8"/>
   </p:sldIdLst>
   <p:sldSz cx="9144000" cy="5143500" type="screen16x9"/>
   <p:notesSz cx="6858000" cy="9144000"/>
@@ -6019,6 +6020,9 @@
                     <p:cTn id="3" fill="hold">
                       <p:stCondLst>
                         <p:cond delay="indefinite"/>
+                        <p:cond evt="onBegin" delay="0">
+                          <p:tn val="2"/>
+                        </p:cond>
                       </p:stCondLst>
                       <p:childTnLst>
                         <p:par>
@@ -6028,7 +6032,7 @@
                             </p:stCondLst>
                             <p:childTnLst>
                               <p:par>
-                                <p:cTn id="5" presetID="10" presetClass="entr" presetSubtype="0" fill="hold" grpId="0" nodeType="clickEffect">
+                                <p:cTn id="5" presetID="10" presetClass="entr" presetSubtype="0" fill="hold" grpId="0" nodeType="withEffect">
                                   <p:stCondLst>
                                     <p:cond delay="0"/>
                                   </p:stCondLst>
@@ -12785,6 +12789,1965 @@
       </p:grpSpPr>
       <p:sp>
         <p:nvSpPr>
+          <p:cNvPr id="99" name="Freeform 98"/>
+          <p:cNvSpPr/>
+          <p:nvPr/>
+        </p:nvSpPr>
+        <p:spPr>
+          <a:xfrm>
+            <a:off x="1438275" y="1390650"/>
+            <a:ext cx="6505575" cy="361950"/>
+          </a:xfrm>
+          <a:custGeom>
+            <a:avLst/>
+            <a:gdLst>
+              <a:gd name="connsiteX0" fmla="*/ 0 w 6505575"/>
+              <a:gd name="connsiteY0" fmla="*/ 361950 h 361950"/>
+              <a:gd name="connsiteX1" fmla="*/ 3219450 w 6505575"/>
+              <a:gd name="connsiteY1" fmla="*/ 0 h 361950"/>
+              <a:gd name="connsiteX2" fmla="*/ 6505575 w 6505575"/>
+              <a:gd name="connsiteY2" fmla="*/ 361950 h 361950"/>
+              <a:gd name="connsiteX0" fmla="*/ 0 w 6505575"/>
+              <a:gd name="connsiteY0" fmla="*/ 361950 h 361950"/>
+              <a:gd name="connsiteX1" fmla="*/ 3219450 w 6505575"/>
+              <a:gd name="connsiteY1" fmla="*/ 0 h 361950"/>
+              <a:gd name="connsiteX2" fmla="*/ 6505575 w 6505575"/>
+              <a:gd name="connsiteY2" fmla="*/ 361950 h 361950"/>
+            </a:gdLst>
+            <a:ahLst/>
+            <a:cxnLst>
+              <a:cxn ang="0">
+                <a:pos x="connsiteX0" y="connsiteY0"/>
+              </a:cxn>
+              <a:cxn ang="0">
+                <a:pos x="connsiteX1" y="connsiteY1"/>
+              </a:cxn>
+              <a:cxn ang="0">
+                <a:pos x="connsiteX2" y="connsiteY2"/>
+              </a:cxn>
+            </a:cxnLst>
+            <a:rect l="l" t="t" r="r" b="b"/>
+            <a:pathLst>
+              <a:path w="6505575" h="361950">
+                <a:moveTo>
+                  <a:pt x="0" y="361950"/>
+                </a:moveTo>
+                <a:cubicBezTo>
+                  <a:pt x="1067594" y="180975"/>
+                  <a:pt x="2135188" y="0"/>
+                  <a:pt x="3219450" y="0"/>
+                </a:cubicBezTo>
+                <a:cubicBezTo>
+                  <a:pt x="4303712" y="0"/>
+                  <a:pt x="5404643" y="180975"/>
+                  <a:pt x="6505575" y="361950"/>
+                </a:cubicBezTo>
+              </a:path>
+            </a:pathLst>
+          </a:custGeom>
+          <a:noFill/>
+          <a:ln w="38100">
+            <a:solidFill>
+              <a:srgbClr val="00B0F0"/>
+            </a:solidFill>
+          </a:ln>
+        </p:spPr>
+        <p:style>
+          <a:lnRef idx="2">
+            <a:schemeClr val="accent1">
+              <a:shade val="50000"/>
+            </a:schemeClr>
+          </a:lnRef>
+          <a:fillRef idx="1">
+            <a:schemeClr val="accent1"/>
+          </a:fillRef>
+          <a:effectRef idx="0">
+            <a:schemeClr val="accent1"/>
+          </a:effectRef>
+          <a:fontRef idx="minor">
+            <a:schemeClr val="lt1"/>
+          </a:fontRef>
+        </p:style>
+        <p:txBody>
+          <a:bodyPr rtlCol="0" anchor="ctr"/>
+          <a:lstStyle/>
+          <a:p>
+            <a:pPr algn="ctr"/>
+            <a:endParaRPr lang="en-US"/>
+          </a:p>
+        </p:txBody>
+      </p:sp>
+      <p:cxnSp>
+        <p:nvCxnSpPr>
+          <p:cNvPr id="60" name="Straight Connector 59"/>
+          <p:cNvCxnSpPr/>
+          <p:nvPr/>
+        </p:nvCxnSpPr>
+        <p:spPr>
+          <a:xfrm>
+            <a:off x="1472227" y="3952062"/>
+            <a:ext cx="1" cy="219888"/>
+          </a:xfrm>
+          <a:prstGeom prst="line">
+            <a:avLst/>
+          </a:prstGeom>
+          <a:ln w="38100"/>
+        </p:spPr>
+        <p:style>
+          <a:lnRef idx="1">
+            <a:schemeClr val="accent1"/>
+          </a:lnRef>
+          <a:fillRef idx="0">
+            <a:schemeClr val="accent1"/>
+          </a:fillRef>
+          <a:effectRef idx="0">
+            <a:schemeClr val="accent1"/>
+          </a:effectRef>
+          <a:fontRef idx="minor">
+            <a:schemeClr val="tx1"/>
+          </a:fontRef>
+        </p:style>
+      </p:cxnSp>
+      <p:cxnSp>
+        <p:nvCxnSpPr>
+          <p:cNvPr id="62" name="Straight Connector 61"/>
+          <p:cNvCxnSpPr/>
+          <p:nvPr/>
+        </p:nvCxnSpPr>
+        <p:spPr>
+          <a:xfrm>
+            <a:off x="1472227" y="2952989"/>
+            <a:ext cx="1" cy="219888"/>
+          </a:xfrm>
+          <a:prstGeom prst="line">
+            <a:avLst/>
+          </a:prstGeom>
+          <a:ln w="38100"/>
+        </p:spPr>
+        <p:style>
+          <a:lnRef idx="1">
+            <a:schemeClr val="accent1"/>
+          </a:lnRef>
+          <a:fillRef idx="0">
+            <a:schemeClr val="accent1"/>
+          </a:fillRef>
+          <a:effectRef idx="0">
+            <a:schemeClr val="accent1"/>
+          </a:effectRef>
+          <a:fontRef idx="minor">
+            <a:schemeClr val="tx1"/>
+          </a:fontRef>
+        </p:style>
+      </p:cxnSp>
+      <p:sp>
+        <p:nvSpPr>
+          <p:cNvPr id="2" name="Title 1"/>
+          <p:cNvSpPr>
+            <a:spLocks noGrp="1"/>
+          </p:cNvSpPr>
+          <p:nvPr>
+            <p:ph type="title"/>
+          </p:nvPr>
+        </p:nvSpPr>
+        <p:spPr/>
+        <p:txBody>
+          <a:bodyPr/>
+          <a:lstStyle/>
+          <a:p>
+            <a:r>
+              <a:rPr lang="en-US" dirty="0" err="1" smtClean="0"/>
+              <a:t>HaaS</a:t>
+            </a:r>
+            <a:r>
+              <a:rPr lang="en-US" dirty="0" smtClean="0"/>
+              <a:t> Structure</a:t>
+            </a:r>
+            <a:endParaRPr lang="en-US" dirty="0"/>
+          </a:p>
+        </p:txBody>
+      </p:sp>
+      <p:sp>
+        <p:nvSpPr>
+          <p:cNvPr id="15" name="Freeform 14"/>
+          <p:cNvSpPr/>
+          <p:nvPr/>
+        </p:nvSpPr>
+        <p:spPr>
+          <a:xfrm>
+            <a:off x="3733800" y="1736677"/>
+            <a:ext cx="2027187" cy="1216312"/>
+          </a:xfrm>
+          <a:custGeom>
+            <a:avLst/>
+            <a:gdLst>
+              <a:gd name="connsiteX0" fmla="*/ 0 w 2027187"/>
+              <a:gd name="connsiteY0" fmla="*/ 0 h 1216312"/>
+              <a:gd name="connsiteX1" fmla="*/ 2027187 w 2027187"/>
+              <a:gd name="connsiteY1" fmla="*/ 0 h 1216312"/>
+              <a:gd name="connsiteX2" fmla="*/ 2027187 w 2027187"/>
+              <a:gd name="connsiteY2" fmla="*/ 1216312 h 1216312"/>
+              <a:gd name="connsiteX3" fmla="*/ 0 w 2027187"/>
+              <a:gd name="connsiteY3" fmla="*/ 1216312 h 1216312"/>
+              <a:gd name="connsiteX4" fmla="*/ 0 w 2027187"/>
+              <a:gd name="connsiteY4" fmla="*/ 0 h 1216312"/>
+            </a:gdLst>
+            <a:ahLst/>
+            <a:cxnLst>
+              <a:cxn ang="0">
+                <a:pos x="connsiteX0" y="connsiteY0"/>
+              </a:cxn>
+              <a:cxn ang="0">
+                <a:pos x="connsiteX1" y="connsiteY1"/>
+              </a:cxn>
+              <a:cxn ang="0">
+                <a:pos x="connsiteX2" y="connsiteY2"/>
+              </a:cxn>
+              <a:cxn ang="0">
+                <a:pos x="connsiteX3" y="connsiteY3"/>
+              </a:cxn>
+              <a:cxn ang="0">
+                <a:pos x="connsiteX4" y="connsiteY4"/>
+              </a:cxn>
+            </a:cxnLst>
+            <a:rect l="l" t="t" r="r" b="b"/>
+            <a:pathLst>
+              <a:path w="2027187" h="1216312">
+                <a:moveTo>
+                  <a:pt x="0" y="0"/>
+                </a:moveTo>
+                <a:lnTo>
+                  <a:pt x="2027187" y="0"/>
+                </a:lnTo>
+                <a:lnTo>
+                  <a:pt x="2027187" y="1216312"/>
+                </a:lnTo>
+                <a:lnTo>
+                  <a:pt x="0" y="1216312"/>
+                </a:lnTo>
+                <a:lnTo>
+                  <a:pt x="0" y="0"/>
+                </a:lnTo>
+                <a:close/>
+              </a:path>
+            </a:pathLst>
+          </a:custGeom>
+          <a:solidFill>
+            <a:schemeClr val="accent3"/>
+          </a:solidFill>
+        </p:spPr>
+        <p:style>
+          <a:lnRef idx="2">
+            <a:schemeClr val="lt1">
+              <a:hueOff val="0"/>
+              <a:satOff val="0"/>
+              <a:lumOff val="0"/>
+              <a:alphaOff val="0"/>
+            </a:schemeClr>
+          </a:lnRef>
+          <a:fillRef idx="1">
+            <a:schemeClr val="accent1">
+              <a:hueOff val="0"/>
+              <a:satOff val="0"/>
+              <a:lumOff val="0"/>
+              <a:alphaOff val="0"/>
+            </a:schemeClr>
+          </a:fillRef>
+          <a:effectRef idx="0">
+            <a:schemeClr val="accent1">
+              <a:hueOff val="0"/>
+              <a:satOff val="0"/>
+              <a:lumOff val="0"/>
+              <a:alphaOff val="0"/>
+            </a:schemeClr>
+          </a:effectRef>
+          <a:fontRef idx="minor">
+            <a:schemeClr val="lt1"/>
+          </a:fontRef>
+        </p:style>
+        <p:txBody>
+          <a:bodyPr spcFirstLastPara="0" vert="horz" wrap="square" lIns="118110" tIns="118110" rIns="118110" bIns="118110" numCol="1" spcCol="1270" anchor="ctr" anchorCtr="0">
+            <a:noAutofit/>
+          </a:bodyPr>
+          <a:lstStyle/>
+          <a:p>
+            <a:pPr lvl="0" algn="ctr" defTabSz="1377950">
+              <a:lnSpc>
+                <a:spcPct val="90000"/>
+              </a:lnSpc>
+              <a:spcBef>
+                <a:spcPct val="0"/>
+              </a:spcBef>
+              <a:spcAft>
+                <a:spcPct val="35000"/>
+              </a:spcAft>
+            </a:pPr>
+            <a:r>
+              <a:rPr lang="en-US" sz="3100" kern="1200" dirty="0" smtClean="0"/>
+              <a:t>Nodes</a:t>
+            </a:r>
+            <a:endParaRPr lang="en-US" sz="3100" kern="1200" dirty="0"/>
+          </a:p>
+        </p:txBody>
+      </p:sp>
+      <p:sp>
+        <p:nvSpPr>
+          <p:cNvPr id="16" name="Freeform 15"/>
+          <p:cNvSpPr/>
+          <p:nvPr/>
+        </p:nvSpPr>
+        <p:spPr>
+          <a:xfrm>
+            <a:off x="5638800" y="3127511"/>
+            <a:ext cx="1384609" cy="830765"/>
+          </a:xfrm>
+          <a:custGeom>
+            <a:avLst/>
+            <a:gdLst>
+              <a:gd name="connsiteX0" fmla="*/ 0 w 1384609"/>
+              <a:gd name="connsiteY0" fmla="*/ 0 h 830765"/>
+              <a:gd name="connsiteX1" fmla="*/ 1384609 w 1384609"/>
+              <a:gd name="connsiteY1" fmla="*/ 0 h 830765"/>
+              <a:gd name="connsiteX2" fmla="*/ 1384609 w 1384609"/>
+              <a:gd name="connsiteY2" fmla="*/ 830765 h 830765"/>
+              <a:gd name="connsiteX3" fmla="*/ 0 w 1384609"/>
+              <a:gd name="connsiteY3" fmla="*/ 830765 h 830765"/>
+              <a:gd name="connsiteX4" fmla="*/ 0 w 1384609"/>
+              <a:gd name="connsiteY4" fmla="*/ 0 h 830765"/>
+            </a:gdLst>
+            <a:ahLst/>
+            <a:cxnLst>
+              <a:cxn ang="0">
+                <a:pos x="connsiteX0" y="connsiteY0"/>
+              </a:cxn>
+              <a:cxn ang="0">
+                <a:pos x="connsiteX1" y="connsiteY1"/>
+              </a:cxn>
+              <a:cxn ang="0">
+                <a:pos x="connsiteX2" y="connsiteY2"/>
+              </a:cxn>
+              <a:cxn ang="0">
+                <a:pos x="connsiteX3" y="connsiteY3"/>
+              </a:cxn>
+              <a:cxn ang="0">
+                <a:pos x="connsiteX4" y="connsiteY4"/>
+              </a:cxn>
+            </a:cxnLst>
+            <a:rect l="l" t="t" r="r" b="b"/>
+            <a:pathLst>
+              <a:path w="1384609" h="830765">
+                <a:moveTo>
+                  <a:pt x="0" y="0"/>
+                </a:moveTo>
+                <a:lnTo>
+                  <a:pt x="1384609" y="0"/>
+                </a:lnTo>
+                <a:lnTo>
+                  <a:pt x="1384609" y="830765"/>
+                </a:lnTo>
+                <a:lnTo>
+                  <a:pt x="0" y="830765"/>
+                </a:lnTo>
+                <a:lnTo>
+                  <a:pt x="0" y="0"/>
+                </a:lnTo>
+                <a:close/>
+              </a:path>
+            </a:pathLst>
+          </a:custGeom>
+          <a:solidFill>
+            <a:srgbClr val="FF0066"/>
+          </a:solidFill>
+        </p:spPr>
+        <p:style>
+          <a:lnRef idx="2">
+            <a:schemeClr val="lt1">
+              <a:hueOff val="0"/>
+              <a:satOff val="0"/>
+              <a:lumOff val="0"/>
+              <a:alphaOff val="0"/>
+            </a:schemeClr>
+          </a:lnRef>
+          <a:fillRef idx="1">
+            <a:schemeClr val="accent1">
+              <a:hueOff val="0"/>
+              <a:satOff val="0"/>
+              <a:lumOff val="0"/>
+              <a:alphaOff val="0"/>
+            </a:schemeClr>
+          </a:fillRef>
+          <a:effectRef idx="0">
+            <a:schemeClr val="accent1">
+              <a:hueOff val="0"/>
+              <a:satOff val="0"/>
+              <a:lumOff val="0"/>
+              <a:alphaOff val="0"/>
+            </a:schemeClr>
+          </a:effectRef>
+          <a:fontRef idx="minor">
+            <a:schemeClr val="lt1"/>
+          </a:fontRef>
+        </p:style>
+        <p:txBody>
+          <a:bodyPr spcFirstLastPara="0" vert="horz" wrap="square" lIns="118110" tIns="118110" rIns="118110" bIns="118110" numCol="1" spcCol="1270" anchor="ctr" anchorCtr="0">
+            <a:noAutofit/>
+          </a:bodyPr>
+          <a:lstStyle/>
+          <a:p>
+            <a:pPr lvl="0" algn="ctr" defTabSz="1377950">
+              <a:lnSpc>
+                <a:spcPct val="90000"/>
+              </a:lnSpc>
+              <a:spcBef>
+                <a:spcPct val="0"/>
+              </a:spcBef>
+              <a:spcAft>
+                <a:spcPct val="35000"/>
+              </a:spcAft>
+            </a:pPr>
+            <a:r>
+              <a:rPr lang="en-US" sz="3100" kern="1200" dirty="0" smtClean="0"/>
+              <a:t>NICs</a:t>
+            </a:r>
+            <a:endParaRPr lang="en-US" sz="3100" kern="1200" dirty="0"/>
+          </a:p>
+        </p:txBody>
+      </p:sp>
+      <p:sp>
+        <p:nvSpPr>
+          <p:cNvPr id="20" name="Freeform 19"/>
+          <p:cNvSpPr/>
+          <p:nvPr/>
+        </p:nvSpPr>
+        <p:spPr>
+          <a:xfrm>
+            <a:off x="4451624" y="4192098"/>
+            <a:ext cx="1351027" cy="810617"/>
+          </a:xfrm>
+          <a:custGeom>
+            <a:avLst/>
+            <a:gdLst>
+              <a:gd name="connsiteX0" fmla="*/ 0 w 1523066"/>
+              <a:gd name="connsiteY0" fmla="*/ 0 h 913840"/>
+              <a:gd name="connsiteX1" fmla="*/ 1523066 w 1523066"/>
+              <a:gd name="connsiteY1" fmla="*/ 0 h 913840"/>
+              <a:gd name="connsiteX2" fmla="*/ 1523066 w 1523066"/>
+              <a:gd name="connsiteY2" fmla="*/ 913840 h 913840"/>
+              <a:gd name="connsiteX3" fmla="*/ 0 w 1523066"/>
+              <a:gd name="connsiteY3" fmla="*/ 913840 h 913840"/>
+              <a:gd name="connsiteX4" fmla="*/ 0 w 1523066"/>
+              <a:gd name="connsiteY4" fmla="*/ 0 h 913840"/>
+            </a:gdLst>
+            <a:ahLst/>
+            <a:cxnLst>
+              <a:cxn ang="0">
+                <a:pos x="connsiteX0" y="connsiteY0"/>
+              </a:cxn>
+              <a:cxn ang="0">
+                <a:pos x="connsiteX1" y="connsiteY1"/>
+              </a:cxn>
+              <a:cxn ang="0">
+                <a:pos x="connsiteX2" y="connsiteY2"/>
+              </a:cxn>
+              <a:cxn ang="0">
+                <a:pos x="connsiteX3" y="connsiteY3"/>
+              </a:cxn>
+              <a:cxn ang="0">
+                <a:pos x="connsiteX4" y="connsiteY4"/>
+              </a:cxn>
+            </a:cxnLst>
+            <a:rect l="l" t="t" r="r" b="b"/>
+            <a:pathLst>
+              <a:path w="1523066" h="913840">
+                <a:moveTo>
+                  <a:pt x="0" y="0"/>
+                </a:moveTo>
+                <a:lnTo>
+                  <a:pt x="1523066" y="0"/>
+                </a:lnTo>
+                <a:lnTo>
+                  <a:pt x="1523066" y="913840"/>
+                </a:lnTo>
+                <a:lnTo>
+                  <a:pt x="0" y="913840"/>
+                </a:lnTo>
+                <a:lnTo>
+                  <a:pt x="0" y="0"/>
+                </a:lnTo>
+                <a:close/>
+              </a:path>
+            </a:pathLst>
+          </a:custGeom>
+          <a:solidFill>
+            <a:schemeClr val="accent6">
+              <a:lumMod val="75000"/>
+            </a:schemeClr>
+          </a:solidFill>
+        </p:spPr>
+        <p:style>
+          <a:lnRef idx="2">
+            <a:schemeClr val="lt1">
+              <a:hueOff val="0"/>
+              <a:satOff val="0"/>
+              <a:lumOff val="0"/>
+              <a:alphaOff val="0"/>
+            </a:schemeClr>
+          </a:lnRef>
+          <a:fillRef idx="1">
+            <a:schemeClr val="accent1">
+              <a:hueOff val="0"/>
+              <a:satOff val="0"/>
+              <a:lumOff val="0"/>
+              <a:alphaOff val="0"/>
+            </a:schemeClr>
+          </a:fillRef>
+          <a:effectRef idx="0">
+            <a:schemeClr val="accent1">
+              <a:hueOff val="0"/>
+              <a:satOff val="0"/>
+              <a:lumOff val="0"/>
+              <a:alphaOff val="0"/>
+            </a:schemeClr>
+          </a:effectRef>
+          <a:fontRef idx="minor">
+            <a:schemeClr val="lt1"/>
+          </a:fontRef>
+        </p:style>
+        <p:txBody>
+          <a:bodyPr spcFirstLastPara="0" vert="horz" wrap="square" lIns="118110" tIns="118110" rIns="118110" bIns="118110" numCol="1" spcCol="1270" anchor="ctr" anchorCtr="0">
+            <a:noAutofit/>
+          </a:bodyPr>
+          <a:lstStyle/>
+          <a:p>
+            <a:pPr lvl="0" algn="ctr" defTabSz="1377950">
+              <a:lnSpc>
+                <a:spcPct val="90000"/>
+              </a:lnSpc>
+              <a:spcBef>
+                <a:spcPct val="0"/>
+              </a:spcBef>
+              <a:spcAft>
+                <a:spcPct val="35000"/>
+              </a:spcAft>
+            </a:pPr>
+            <a:r>
+              <a:rPr lang="en-US" sz="3100" kern="1200" dirty="0" smtClean="0"/>
+              <a:t>HNICs</a:t>
+            </a:r>
+            <a:endParaRPr lang="en-US" sz="3100" kern="1200" dirty="0"/>
+          </a:p>
+        </p:txBody>
+      </p:sp>
+      <p:sp>
+        <p:nvSpPr>
+          <p:cNvPr id="21" name="Freeform 20"/>
+          <p:cNvSpPr/>
+          <p:nvPr/>
+        </p:nvSpPr>
+        <p:spPr>
+          <a:xfrm>
+            <a:off x="779923" y="3121297"/>
+            <a:ext cx="1384609" cy="830765"/>
+          </a:xfrm>
+          <a:custGeom>
+            <a:avLst/>
+            <a:gdLst>
+              <a:gd name="connsiteX0" fmla="*/ 0 w 1384609"/>
+              <a:gd name="connsiteY0" fmla="*/ 0 h 830765"/>
+              <a:gd name="connsiteX1" fmla="*/ 1384609 w 1384609"/>
+              <a:gd name="connsiteY1" fmla="*/ 0 h 830765"/>
+              <a:gd name="connsiteX2" fmla="*/ 1384609 w 1384609"/>
+              <a:gd name="connsiteY2" fmla="*/ 830765 h 830765"/>
+              <a:gd name="connsiteX3" fmla="*/ 0 w 1384609"/>
+              <a:gd name="connsiteY3" fmla="*/ 830765 h 830765"/>
+              <a:gd name="connsiteX4" fmla="*/ 0 w 1384609"/>
+              <a:gd name="connsiteY4" fmla="*/ 0 h 830765"/>
+            </a:gdLst>
+            <a:ahLst/>
+            <a:cxnLst>
+              <a:cxn ang="0">
+                <a:pos x="connsiteX0" y="connsiteY0"/>
+              </a:cxn>
+              <a:cxn ang="0">
+                <a:pos x="connsiteX1" y="connsiteY1"/>
+              </a:cxn>
+              <a:cxn ang="0">
+                <a:pos x="connsiteX2" y="connsiteY2"/>
+              </a:cxn>
+              <a:cxn ang="0">
+                <a:pos x="connsiteX3" y="connsiteY3"/>
+              </a:cxn>
+              <a:cxn ang="0">
+                <a:pos x="connsiteX4" y="connsiteY4"/>
+              </a:cxn>
+            </a:cxnLst>
+            <a:rect l="l" t="t" r="r" b="b"/>
+            <a:pathLst>
+              <a:path w="1384609" h="830765">
+                <a:moveTo>
+                  <a:pt x="0" y="0"/>
+                </a:moveTo>
+                <a:lnTo>
+                  <a:pt x="1384609" y="0"/>
+                </a:lnTo>
+                <a:lnTo>
+                  <a:pt x="1384609" y="830765"/>
+                </a:lnTo>
+                <a:lnTo>
+                  <a:pt x="0" y="830765"/>
+                </a:lnTo>
+                <a:lnTo>
+                  <a:pt x="0" y="0"/>
+                </a:lnTo>
+                <a:close/>
+              </a:path>
+            </a:pathLst>
+          </a:custGeom>
+          <a:solidFill>
+            <a:schemeClr val="accent2">
+              <a:lumMod val="50000"/>
+            </a:schemeClr>
+          </a:solidFill>
+        </p:spPr>
+        <p:style>
+          <a:lnRef idx="2">
+            <a:schemeClr val="lt1">
+              <a:hueOff val="0"/>
+              <a:satOff val="0"/>
+              <a:lumOff val="0"/>
+              <a:alphaOff val="0"/>
+            </a:schemeClr>
+          </a:lnRef>
+          <a:fillRef idx="1">
+            <a:schemeClr val="accent1">
+              <a:hueOff val="0"/>
+              <a:satOff val="0"/>
+              <a:lumOff val="0"/>
+              <a:alphaOff val="0"/>
+            </a:schemeClr>
+          </a:fillRef>
+          <a:effectRef idx="0">
+            <a:schemeClr val="accent1">
+              <a:hueOff val="0"/>
+              <a:satOff val="0"/>
+              <a:lumOff val="0"/>
+              <a:alphaOff val="0"/>
+            </a:schemeClr>
+          </a:effectRef>
+          <a:fontRef idx="minor">
+            <a:schemeClr val="lt1"/>
+          </a:fontRef>
+        </p:style>
+        <p:txBody>
+          <a:bodyPr spcFirstLastPara="0" vert="horz" wrap="square" lIns="118110" tIns="118110" rIns="118110" bIns="118110" numCol="1" spcCol="1270" anchor="ctr" anchorCtr="0">
+            <a:noAutofit/>
+          </a:bodyPr>
+          <a:lstStyle/>
+          <a:p>
+            <a:pPr lvl="0" algn="ctr" defTabSz="1377950">
+              <a:lnSpc>
+                <a:spcPct val="90000"/>
+              </a:lnSpc>
+              <a:spcBef>
+                <a:spcPct val="0"/>
+              </a:spcBef>
+              <a:spcAft>
+                <a:spcPct val="35000"/>
+              </a:spcAft>
+            </a:pPr>
+            <a:r>
+              <a:rPr lang="en-US" sz="2800" dirty="0" smtClean="0"/>
+              <a:t>Head-nodes</a:t>
+            </a:r>
+            <a:endParaRPr lang="en-US" dirty="0"/>
+          </a:p>
+        </p:txBody>
+      </p:sp>
+      <p:sp>
+        <p:nvSpPr>
+          <p:cNvPr id="22" name="Freeform 21"/>
+          <p:cNvSpPr/>
+          <p:nvPr/>
+        </p:nvSpPr>
+        <p:spPr>
+          <a:xfrm>
+            <a:off x="779923" y="4171950"/>
+            <a:ext cx="1384609" cy="830765"/>
+          </a:xfrm>
+          <a:custGeom>
+            <a:avLst/>
+            <a:gdLst>
+              <a:gd name="connsiteX0" fmla="*/ 0 w 1384609"/>
+              <a:gd name="connsiteY0" fmla="*/ 0 h 830765"/>
+              <a:gd name="connsiteX1" fmla="*/ 1384609 w 1384609"/>
+              <a:gd name="connsiteY1" fmla="*/ 0 h 830765"/>
+              <a:gd name="connsiteX2" fmla="*/ 1384609 w 1384609"/>
+              <a:gd name="connsiteY2" fmla="*/ 830765 h 830765"/>
+              <a:gd name="connsiteX3" fmla="*/ 0 w 1384609"/>
+              <a:gd name="connsiteY3" fmla="*/ 830765 h 830765"/>
+              <a:gd name="connsiteX4" fmla="*/ 0 w 1384609"/>
+              <a:gd name="connsiteY4" fmla="*/ 0 h 830765"/>
+            </a:gdLst>
+            <a:ahLst/>
+            <a:cxnLst>
+              <a:cxn ang="0">
+                <a:pos x="connsiteX0" y="connsiteY0"/>
+              </a:cxn>
+              <a:cxn ang="0">
+                <a:pos x="connsiteX1" y="connsiteY1"/>
+              </a:cxn>
+              <a:cxn ang="0">
+                <a:pos x="connsiteX2" y="connsiteY2"/>
+              </a:cxn>
+              <a:cxn ang="0">
+                <a:pos x="connsiteX3" y="connsiteY3"/>
+              </a:cxn>
+              <a:cxn ang="0">
+                <a:pos x="connsiteX4" y="connsiteY4"/>
+              </a:cxn>
+            </a:cxnLst>
+            <a:rect l="l" t="t" r="r" b="b"/>
+            <a:pathLst>
+              <a:path w="1384609" h="830765">
+                <a:moveTo>
+                  <a:pt x="0" y="0"/>
+                </a:moveTo>
+                <a:lnTo>
+                  <a:pt x="1384609" y="0"/>
+                </a:lnTo>
+                <a:lnTo>
+                  <a:pt x="1384609" y="830765"/>
+                </a:lnTo>
+                <a:lnTo>
+                  <a:pt x="0" y="830765"/>
+                </a:lnTo>
+                <a:lnTo>
+                  <a:pt x="0" y="0"/>
+                </a:lnTo>
+                <a:close/>
+              </a:path>
+            </a:pathLst>
+          </a:custGeom>
+          <a:solidFill>
+            <a:schemeClr val="accent2">
+              <a:lumMod val="75000"/>
+            </a:schemeClr>
+          </a:solidFill>
+        </p:spPr>
+        <p:style>
+          <a:lnRef idx="2">
+            <a:schemeClr val="lt1">
+              <a:hueOff val="0"/>
+              <a:satOff val="0"/>
+              <a:lumOff val="0"/>
+              <a:alphaOff val="0"/>
+            </a:schemeClr>
+          </a:lnRef>
+          <a:fillRef idx="1">
+            <a:schemeClr val="accent1">
+              <a:hueOff val="0"/>
+              <a:satOff val="0"/>
+              <a:lumOff val="0"/>
+              <a:alphaOff val="0"/>
+            </a:schemeClr>
+          </a:fillRef>
+          <a:effectRef idx="0">
+            <a:schemeClr val="accent1">
+              <a:hueOff val="0"/>
+              <a:satOff val="0"/>
+              <a:lumOff val="0"/>
+              <a:alphaOff val="0"/>
+            </a:schemeClr>
+          </a:effectRef>
+          <a:fontRef idx="minor">
+            <a:schemeClr val="lt1"/>
+          </a:fontRef>
+        </p:style>
+        <p:txBody>
+          <a:bodyPr spcFirstLastPara="0" vert="horz" wrap="square" lIns="118110" tIns="118110" rIns="118110" bIns="118110" numCol="1" spcCol="1270" anchor="ctr" anchorCtr="0">
+            <a:noAutofit/>
+          </a:bodyPr>
+          <a:lstStyle/>
+          <a:p>
+            <a:pPr lvl="0" algn="ctr" defTabSz="1377950">
+              <a:lnSpc>
+                <a:spcPct val="90000"/>
+              </a:lnSpc>
+              <a:spcBef>
+                <a:spcPct val="0"/>
+              </a:spcBef>
+              <a:spcAft>
+                <a:spcPct val="35000"/>
+              </a:spcAft>
+            </a:pPr>
+            <a:r>
+              <a:rPr lang="en-US" sz="3100" kern="1200" dirty="0" smtClean="0"/>
+              <a:t>Base Images</a:t>
+            </a:r>
+            <a:endParaRPr lang="en-US" sz="3100" kern="1200" dirty="0"/>
+          </a:p>
+        </p:txBody>
+      </p:sp>
+      <p:sp>
+        <p:nvSpPr>
+          <p:cNvPr id="17" name="Freeform 16"/>
+          <p:cNvSpPr/>
+          <p:nvPr/>
+        </p:nvSpPr>
+        <p:spPr>
+          <a:xfrm>
+            <a:off x="6874951" y="1736677"/>
+            <a:ext cx="2027187" cy="1216312"/>
+          </a:xfrm>
+          <a:custGeom>
+            <a:avLst/>
+            <a:gdLst>
+              <a:gd name="connsiteX0" fmla="*/ 0 w 2027187"/>
+              <a:gd name="connsiteY0" fmla="*/ 0 h 1216312"/>
+              <a:gd name="connsiteX1" fmla="*/ 2027187 w 2027187"/>
+              <a:gd name="connsiteY1" fmla="*/ 0 h 1216312"/>
+              <a:gd name="connsiteX2" fmla="*/ 2027187 w 2027187"/>
+              <a:gd name="connsiteY2" fmla="*/ 1216312 h 1216312"/>
+              <a:gd name="connsiteX3" fmla="*/ 0 w 2027187"/>
+              <a:gd name="connsiteY3" fmla="*/ 1216312 h 1216312"/>
+              <a:gd name="connsiteX4" fmla="*/ 0 w 2027187"/>
+              <a:gd name="connsiteY4" fmla="*/ 0 h 1216312"/>
+            </a:gdLst>
+            <a:ahLst/>
+            <a:cxnLst>
+              <a:cxn ang="0">
+                <a:pos x="connsiteX0" y="connsiteY0"/>
+              </a:cxn>
+              <a:cxn ang="0">
+                <a:pos x="connsiteX1" y="connsiteY1"/>
+              </a:cxn>
+              <a:cxn ang="0">
+                <a:pos x="connsiteX2" y="connsiteY2"/>
+              </a:cxn>
+              <a:cxn ang="0">
+                <a:pos x="connsiteX3" y="connsiteY3"/>
+              </a:cxn>
+              <a:cxn ang="0">
+                <a:pos x="connsiteX4" y="connsiteY4"/>
+              </a:cxn>
+            </a:cxnLst>
+            <a:rect l="l" t="t" r="r" b="b"/>
+            <a:pathLst>
+              <a:path w="2027187" h="1216312">
+                <a:moveTo>
+                  <a:pt x="0" y="0"/>
+                </a:moveTo>
+                <a:lnTo>
+                  <a:pt x="2027187" y="0"/>
+                </a:lnTo>
+                <a:lnTo>
+                  <a:pt x="2027187" y="1216312"/>
+                </a:lnTo>
+                <a:lnTo>
+                  <a:pt x="0" y="1216312"/>
+                </a:lnTo>
+                <a:lnTo>
+                  <a:pt x="0" y="0"/>
+                </a:lnTo>
+                <a:close/>
+              </a:path>
+            </a:pathLst>
+          </a:custGeom>
+          <a:solidFill>
+            <a:schemeClr val="accent5"/>
+          </a:solidFill>
+        </p:spPr>
+        <p:style>
+          <a:lnRef idx="2">
+            <a:schemeClr val="lt1">
+              <a:hueOff val="0"/>
+              <a:satOff val="0"/>
+              <a:lumOff val="0"/>
+              <a:alphaOff val="0"/>
+            </a:schemeClr>
+          </a:lnRef>
+          <a:fillRef idx="1">
+            <a:schemeClr val="accent1">
+              <a:hueOff val="0"/>
+              <a:satOff val="0"/>
+              <a:lumOff val="0"/>
+              <a:alphaOff val="0"/>
+            </a:schemeClr>
+          </a:fillRef>
+          <a:effectRef idx="0">
+            <a:schemeClr val="accent1">
+              <a:hueOff val="0"/>
+              <a:satOff val="0"/>
+              <a:lumOff val="0"/>
+              <a:alphaOff val="0"/>
+            </a:schemeClr>
+          </a:effectRef>
+          <a:fontRef idx="minor">
+            <a:schemeClr val="lt1"/>
+          </a:fontRef>
+        </p:style>
+        <p:txBody>
+          <a:bodyPr spcFirstLastPara="0" vert="horz" wrap="square" lIns="118110" tIns="118110" rIns="118110" bIns="118110" numCol="1" spcCol="1270" anchor="ctr" anchorCtr="0">
+            <a:noAutofit/>
+          </a:bodyPr>
+          <a:lstStyle/>
+          <a:p>
+            <a:pPr lvl="0" algn="ctr" defTabSz="1377950">
+              <a:lnSpc>
+                <a:spcPct val="90000"/>
+              </a:lnSpc>
+              <a:spcBef>
+                <a:spcPct val="0"/>
+              </a:spcBef>
+              <a:spcAft>
+                <a:spcPct val="35000"/>
+              </a:spcAft>
+            </a:pPr>
+            <a:r>
+              <a:rPr lang="en-US" sz="3100" kern="1200" dirty="0" smtClean="0"/>
+              <a:t>Networks</a:t>
+            </a:r>
+            <a:endParaRPr lang="en-US" sz="3100" kern="1200" dirty="0"/>
+          </a:p>
+        </p:txBody>
+      </p:sp>
+      <p:sp>
+        <p:nvSpPr>
+          <p:cNvPr id="14" name="Freeform 13"/>
+          <p:cNvSpPr/>
+          <p:nvPr/>
+        </p:nvSpPr>
+        <p:spPr>
+          <a:xfrm>
+            <a:off x="458635" y="1736677"/>
+            <a:ext cx="2027187" cy="1216312"/>
+          </a:xfrm>
+          <a:custGeom>
+            <a:avLst/>
+            <a:gdLst>
+              <a:gd name="connsiteX0" fmla="*/ 0 w 2027187"/>
+              <a:gd name="connsiteY0" fmla="*/ 0 h 1216312"/>
+              <a:gd name="connsiteX1" fmla="*/ 2027187 w 2027187"/>
+              <a:gd name="connsiteY1" fmla="*/ 0 h 1216312"/>
+              <a:gd name="connsiteX2" fmla="*/ 2027187 w 2027187"/>
+              <a:gd name="connsiteY2" fmla="*/ 1216312 h 1216312"/>
+              <a:gd name="connsiteX3" fmla="*/ 0 w 2027187"/>
+              <a:gd name="connsiteY3" fmla="*/ 1216312 h 1216312"/>
+              <a:gd name="connsiteX4" fmla="*/ 0 w 2027187"/>
+              <a:gd name="connsiteY4" fmla="*/ 0 h 1216312"/>
+            </a:gdLst>
+            <a:ahLst/>
+            <a:cxnLst>
+              <a:cxn ang="0">
+                <a:pos x="connsiteX0" y="connsiteY0"/>
+              </a:cxn>
+              <a:cxn ang="0">
+                <a:pos x="connsiteX1" y="connsiteY1"/>
+              </a:cxn>
+              <a:cxn ang="0">
+                <a:pos x="connsiteX2" y="connsiteY2"/>
+              </a:cxn>
+              <a:cxn ang="0">
+                <a:pos x="connsiteX3" y="connsiteY3"/>
+              </a:cxn>
+              <a:cxn ang="0">
+                <a:pos x="connsiteX4" y="connsiteY4"/>
+              </a:cxn>
+            </a:cxnLst>
+            <a:rect l="l" t="t" r="r" b="b"/>
+            <a:pathLst>
+              <a:path w="2027187" h="1216312">
+                <a:moveTo>
+                  <a:pt x="0" y="0"/>
+                </a:moveTo>
+                <a:lnTo>
+                  <a:pt x="2027187" y="0"/>
+                </a:lnTo>
+                <a:lnTo>
+                  <a:pt x="2027187" y="1216312"/>
+                </a:lnTo>
+                <a:lnTo>
+                  <a:pt x="0" y="1216312"/>
+                </a:lnTo>
+                <a:lnTo>
+                  <a:pt x="0" y="0"/>
+                </a:lnTo>
+                <a:close/>
+              </a:path>
+            </a:pathLst>
+          </a:custGeom>
+          <a:solidFill>
+            <a:schemeClr val="accent2"/>
+          </a:solidFill>
+        </p:spPr>
+        <p:style>
+          <a:lnRef idx="2">
+            <a:schemeClr val="lt1">
+              <a:hueOff val="0"/>
+              <a:satOff val="0"/>
+              <a:lumOff val="0"/>
+              <a:alphaOff val="0"/>
+            </a:schemeClr>
+          </a:lnRef>
+          <a:fillRef idx="1">
+            <a:schemeClr val="accent1">
+              <a:hueOff val="0"/>
+              <a:satOff val="0"/>
+              <a:lumOff val="0"/>
+              <a:alphaOff val="0"/>
+            </a:schemeClr>
+          </a:fillRef>
+          <a:effectRef idx="0">
+            <a:schemeClr val="accent1">
+              <a:hueOff val="0"/>
+              <a:satOff val="0"/>
+              <a:lumOff val="0"/>
+              <a:alphaOff val="0"/>
+            </a:schemeClr>
+          </a:effectRef>
+          <a:fontRef idx="minor">
+            <a:schemeClr val="lt1"/>
+          </a:fontRef>
+        </p:style>
+        <p:txBody>
+          <a:bodyPr spcFirstLastPara="0" vert="horz" wrap="square" lIns="118110" tIns="118110" rIns="118110" bIns="118110" numCol="1" spcCol="1270" anchor="ctr" anchorCtr="0">
+            <a:noAutofit/>
+          </a:bodyPr>
+          <a:lstStyle/>
+          <a:p>
+            <a:pPr lvl="0" algn="ctr" defTabSz="1377950">
+              <a:lnSpc>
+                <a:spcPct val="90000"/>
+              </a:lnSpc>
+              <a:spcBef>
+                <a:spcPct val="0"/>
+              </a:spcBef>
+              <a:spcAft>
+                <a:spcPct val="35000"/>
+              </a:spcAft>
+            </a:pPr>
+            <a:r>
+              <a:rPr lang="en-US" sz="3100" kern="1200" dirty="0" smtClean="0"/>
+              <a:t>Projects</a:t>
+            </a:r>
+            <a:endParaRPr lang="en-US" sz="3100" kern="1200" dirty="0"/>
+          </a:p>
+        </p:txBody>
+      </p:sp>
+      <p:cxnSp>
+        <p:nvCxnSpPr>
+          <p:cNvPr id="43" name="Straight Arrow Connector 42"/>
+          <p:cNvCxnSpPr/>
+          <p:nvPr/>
+        </p:nvCxnSpPr>
+        <p:spPr>
+          <a:xfrm>
+            <a:off x="2485822" y="2344833"/>
+            <a:ext cx="1247978" cy="0"/>
+          </a:xfrm>
+          <a:prstGeom prst="straightConnector1">
+            <a:avLst/>
+          </a:prstGeom>
+          <a:ln w="38100">
+            <a:headEnd type="arrow"/>
+            <a:tailEnd type="arrow"/>
+          </a:ln>
+        </p:spPr>
+        <p:style>
+          <a:lnRef idx="1">
+            <a:schemeClr val="accent1"/>
+          </a:lnRef>
+          <a:fillRef idx="0">
+            <a:schemeClr val="accent1"/>
+          </a:fillRef>
+          <a:effectRef idx="0">
+            <a:schemeClr val="accent1"/>
+          </a:effectRef>
+          <a:fontRef idx="minor">
+            <a:schemeClr val="tx1"/>
+          </a:fontRef>
+        </p:style>
+      </p:cxnSp>
+      <p:cxnSp>
+        <p:nvCxnSpPr>
+          <p:cNvPr id="64" name="Curved Connector 63"/>
+          <p:cNvCxnSpPr/>
+          <p:nvPr/>
+        </p:nvCxnSpPr>
+        <p:spPr>
+          <a:xfrm>
+            <a:off x="4747393" y="2952989"/>
+            <a:ext cx="891407" cy="589904"/>
+          </a:xfrm>
+          <a:prstGeom prst="straightConnector1">
+            <a:avLst/>
+          </a:prstGeom>
+          <a:ln w="38100">
+            <a:headEnd type="arrow"/>
+            <a:tailEnd type="arrow"/>
+          </a:ln>
+        </p:spPr>
+        <p:style>
+          <a:lnRef idx="1">
+            <a:schemeClr val="accent1"/>
+          </a:lnRef>
+          <a:fillRef idx="0">
+            <a:schemeClr val="accent1"/>
+          </a:fillRef>
+          <a:effectRef idx="0">
+            <a:schemeClr val="accent1"/>
+          </a:effectRef>
+          <a:fontRef idx="minor">
+            <a:schemeClr val="tx1"/>
+          </a:fontRef>
+        </p:style>
+      </p:cxnSp>
+      <p:cxnSp>
+        <p:nvCxnSpPr>
+          <p:cNvPr id="70" name="Straight Arrow Connector 69"/>
+          <p:cNvCxnSpPr/>
+          <p:nvPr/>
+        </p:nvCxnSpPr>
+        <p:spPr>
+          <a:xfrm flipH="1">
+            <a:off x="7023409" y="2952989"/>
+            <a:ext cx="865135" cy="583690"/>
+          </a:xfrm>
+          <a:prstGeom prst="straightConnector1">
+            <a:avLst/>
+          </a:prstGeom>
+          <a:ln w="38100">
+            <a:headEnd type="arrow"/>
+            <a:tailEnd type="arrow"/>
+          </a:ln>
+        </p:spPr>
+        <p:style>
+          <a:lnRef idx="1">
+            <a:schemeClr val="accent1"/>
+          </a:lnRef>
+          <a:fillRef idx="0">
+            <a:schemeClr val="accent1"/>
+          </a:fillRef>
+          <a:effectRef idx="0">
+            <a:schemeClr val="accent1"/>
+          </a:effectRef>
+          <a:fontRef idx="minor">
+            <a:schemeClr val="tx1"/>
+          </a:fontRef>
+        </p:style>
+      </p:cxnSp>
+      <p:cxnSp>
+        <p:nvCxnSpPr>
+          <p:cNvPr id="74" name="Curved Connector 73"/>
+          <p:cNvCxnSpPr/>
+          <p:nvPr/>
+        </p:nvCxnSpPr>
+        <p:spPr>
+          <a:xfrm>
+            <a:off x="2164532" y="3536679"/>
+            <a:ext cx="2287092" cy="1060727"/>
+          </a:xfrm>
+          <a:prstGeom prst="curvedConnector3">
+            <a:avLst>
+              <a:gd name="adj1" fmla="val 49584"/>
+            </a:avLst>
+          </a:prstGeom>
+          <a:ln w="38100">
+            <a:headEnd type="arrow"/>
+            <a:tailEnd type="arrow"/>
+          </a:ln>
+        </p:spPr>
+        <p:style>
+          <a:lnRef idx="1">
+            <a:schemeClr val="accent1"/>
+          </a:lnRef>
+          <a:fillRef idx="0">
+            <a:schemeClr val="accent1"/>
+          </a:fillRef>
+          <a:effectRef idx="0">
+            <a:schemeClr val="accent1"/>
+          </a:effectRef>
+          <a:fontRef idx="minor">
+            <a:schemeClr val="tx1"/>
+          </a:fontRef>
+        </p:style>
+      </p:cxnSp>
+      <p:cxnSp>
+        <p:nvCxnSpPr>
+          <p:cNvPr id="76" name="Curved Connector 75"/>
+          <p:cNvCxnSpPr/>
+          <p:nvPr/>
+        </p:nvCxnSpPr>
+        <p:spPr>
+          <a:xfrm flipV="1">
+            <a:off x="5802651" y="2952989"/>
+            <a:ext cx="2198349" cy="1634343"/>
+          </a:xfrm>
+          <a:prstGeom prst="curvedConnector3">
+            <a:avLst>
+              <a:gd name="adj1" fmla="val 100260"/>
+            </a:avLst>
+          </a:prstGeom>
+          <a:ln w="38100">
+            <a:headEnd type="arrow"/>
+            <a:tailEnd type="arrow"/>
+          </a:ln>
+        </p:spPr>
+        <p:style>
+          <a:lnRef idx="1">
+            <a:schemeClr val="accent1"/>
+          </a:lnRef>
+          <a:fillRef idx="0">
+            <a:schemeClr val="accent1"/>
+          </a:fillRef>
+          <a:effectRef idx="0">
+            <a:schemeClr val="accent1"/>
+          </a:effectRef>
+          <a:fontRef idx="minor">
+            <a:schemeClr val="tx1"/>
+          </a:fontRef>
+        </p:style>
+      </p:cxnSp>
+    </p:spTree>
+    <p:extLst>
+      <p:ext uri="{BB962C8B-B14F-4D97-AF65-F5344CB8AC3E}">
+        <p14:creationId xmlns:p14="http://schemas.microsoft.com/office/powerpoint/2010/main" val="281827384"/>
+      </p:ext>
+    </p:extLst>
+  </p:cSld>
+  <p:clrMapOvr>
+    <a:masterClrMapping/>
+  </p:clrMapOvr>
+  <p:timing>
+    <p:tnLst>
+      <p:par>
+        <p:cTn id="1" dur="indefinite" restart="never" nodeType="tmRoot">
+          <p:childTnLst>
+            <p:seq concurrent="1" nextAc="seek">
+              <p:cTn id="2" dur="indefinite" nodeType="mainSeq">
+                <p:childTnLst>
+                  <p:par>
+                    <p:cTn id="3" fill="hold">
+                      <p:stCondLst>
+                        <p:cond delay="indefinite"/>
+                      </p:stCondLst>
+                      <p:childTnLst>
+                        <p:par>
+                          <p:cTn id="4" fill="hold">
+                            <p:stCondLst>
+                              <p:cond delay="0"/>
+                            </p:stCondLst>
+                            <p:childTnLst>
+                              <p:par>
+                                <p:cTn id="5" presetID="10" presetClass="entr" presetSubtype="0" fill="hold" grpId="0" nodeType="clickEffect">
+                                  <p:stCondLst>
+                                    <p:cond delay="0"/>
+                                  </p:stCondLst>
+                                  <p:childTnLst>
+                                    <p:set>
+                                      <p:cBhvr>
+                                        <p:cTn id="6" dur="1" fill="hold">
+                                          <p:stCondLst>
+                                            <p:cond delay="0"/>
+                                          </p:stCondLst>
+                                        </p:cTn>
+                                        <p:tgtEl>
+                                          <p:spTgt spid="2"/>
+                                        </p:tgtEl>
+                                        <p:attrNameLst>
+                                          <p:attrName>style.visibility</p:attrName>
+                                        </p:attrNameLst>
+                                      </p:cBhvr>
+                                      <p:to>
+                                        <p:strVal val="visible"/>
+                                      </p:to>
+                                    </p:set>
+                                    <p:animEffect transition="in" filter="fade">
+                                      <p:cBhvr>
+                                        <p:cTn id="7" dur="500"/>
+                                        <p:tgtEl>
+                                          <p:spTgt spid="2"/>
+                                        </p:tgtEl>
+                                      </p:cBhvr>
+                                    </p:animEffect>
+                                  </p:childTnLst>
+                                </p:cTn>
+                              </p:par>
+                            </p:childTnLst>
+                          </p:cTn>
+                        </p:par>
+                      </p:childTnLst>
+                    </p:cTn>
+                  </p:par>
+                  <p:par>
+                    <p:cTn id="8" fill="hold">
+                      <p:stCondLst>
+                        <p:cond delay="indefinite"/>
+                      </p:stCondLst>
+                      <p:childTnLst>
+                        <p:par>
+                          <p:cTn id="9" fill="hold">
+                            <p:stCondLst>
+                              <p:cond delay="0"/>
+                            </p:stCondLst>
+                            <p:childTnLst>
+                              <p:par>
+                                <p:cTn id="10" presetID="10" presetClass="entr" presetSubtype="0" fill="hold" grpId="0" nodeType="clickEffect">
+                                  <p:stCondLst>
+                                    <p:cond delay="0"/>
+                                  </p:stCondLst>
+                                  <p:childTnLst>
+                                    <p:set>
+                                      <p:cBhvr>
+                                        <p:cTn id="11" dur="1" fill="hold">
+                                          <p:stCondLst>
+                                            <p:cond delay="0"/>
+                                          </p:stCondLst>
+                                        </p:cTn>
+                                        <p:tgtEl>
+                                          <p:spTgt spid="14"/>
+                                        </p:tgtEl>
+                                        <p:attrNameLst>
+                                          <p:attrName>style.visibility</p:attrName>
+                                        </p:attrNameLst>
+                                      </p:cBhvr>
+                                      <p:to>
+                                        <p:strVal val="visible"/>
+                                      </p:to>
+                                    </p:set>
+                                    <p:animEffect transition="in" filter="fade">
+                                      <p:cBhvr>
+                                        <p:cTn id="12" dur="500"/>
+                                        <p:tgtEl>
+                                          <p:spTgt spid="14"/>
+                                        </p:tgtEl>
+                                      </p:cBhvr>
+                                    </p:animEffect>
+                                  </p:childTnLst>
+                                </p:cTn>
+                              </p:par>
+                              <p:par>
+                                <p:cTn id="13" presetID="10" presetClass="entr" presetSubtype="0" fill="hold" grpId="0" nodeType="withEffect">
+                                  <p:stCondLst>
+                                    <p:cond delay="0"/>
+                                  </p:stCondLst>
+                                  <p:childTnLst>
+                                    <p:set>
+                                      <p:cBhvr>
+                                        <p:cTn id="14" dur="1" fill="hold">
+                                          <p:stCondLst>
+                                            <p:cond delay="0"/>
+                                          </p:stCondLst>
+                                        </p:cTn>
+                                        <p:tgtEl>
+                                          <p:spTgt spid="15"/>
+                                        </p:tgtEl>
+                                        <p:attrNameLst>
+                                          <p:attrName>style.visibility</p:attrName>
+                                        </p:attrNameLst>
+                                      </p:cBhvr>
+                                      <p:to>
+                                        <p:strVal val="visible"/>
+                                      </p:to>
+                                    </p:set>
+                                    <p:animEffect transition="in" filter="fade">
+                                      <p:cBhvr>
+                                        <p:cTn id="15" dur="500"/>
+                                        <p:tgtEl>
+                                          <p:spTgt spid="15"/>
+                                        </p:tgtEl>
+                                      </p:cBhvr>
+                                    </p:animEffect>
+                                  </p:childTnLst>
+                                </p:cTn>
+                              </p:par>
+                              <p:par>
+                                <p:cTn id="16" presetID="10" presetClass="entr" presetSubtype="0" fill="hold" grpId="0" nodeType="withEffect">
+                                  <p:stCondLst>
+                                    <p:cond delay="0"/>
+                                  </p:stCondLst>
+                                  <p:childTnLst>
+                                    <p:set>
+                                      <p:cBhvr>
+                                        <p:cTn id="17" dur="1" fill="hold">
+                                          <p:stCondLst>
+                                            <p:cond delay="0"/>
+                                          </p:stCondLst>
+                                        </p:cTn>
+                                        <p:tgtEl>
+                                          <p:spTgt spid="17"/>
+                                        </p:tgtEl>
+                                        <p:attrNameLst>
+                                          <p:attrName>style.visibility</p:attrName>
+                                        </p:attrNameLst>
+                                      </p:cBhvr>
+                                      <p:to>
+                                        <p:strVal val="visible"/>
+                                      </p:to>
+                                    </p:set>
+                                    <p:animEffect transition="in" filter="fade">
+                                      <p:cBhvr>
+                                        <p:cTn id="18" dur="500"/>
+                                        <p:tgtEl>
+                                          <p:spTgt spid="17"/>
+                                        </p:tgtEl>
+                                      </p:cBhvr>
+                                    </p:animEffect>
+                                  </p:childTnLst>
+                                </p:cTn>
+                              </p:par>
+                            </p:childTnLst>
+                          </p:cTn>
+                        </p:par>
+                      </p:childTnLst>
+                    </p:cTn>
+                  </p:par>
+                  <p:par>
+                    <p:cTn id="19" fill="hold">
+                      <p:stCondLst>
+                        <p:cond delay="indefinite"/>
+                      </p:stCondLst>
+                      <p:childTnLst>
+                        <p:par>
+                          <p:cTn id="20" fill="hold">
+                            <p:stCondLst>
+                              <p:cond delay="0"/>
+                            </p:stCondLst>
+                            <p:childTnLst>
+                              <p:par>
+                                <p:cTn id="21" presetID="10" presetClass="entr" presetSubtype="0" fill="hold" nodeType="clickEffect">
+                                  <p:stCondLst>
+                                    <p:cond delay="0"/>
+                                  </p:stCondLst>
+                                  <p:childTnLst>
+                                    <p:set>
+                                      <p:cBhvr>
+                                        <p:cTn id="22" dur="1" fill="hold">
+                                          <p:stCondLst>
+                                            <p:cond delay="0"/>
+                                          </p:stCondLst>
+                                        </p:cTn>
+                                        <p:tgtEl>
+                                          <p:spTgt spid="43"/>
+                                        </p:tgtEl>
+                                        <p:attrNameLst>
+                                          <p:attrName>style.visibility</p:attrName>
+                                        </p:attrNameLst>
+                                      </p:cBhvr>
+                                      <p:to>
+                                        <p:strVal val="visible"/>
+                                      </p:to>
+                                    </p:set>
+                                    <p:animEffect transition="in" filter="fade">
+                                      <p:cBhvr>
+                                        <p:cTn id="23" dur="500"/>
+                                        <p:tgtEl>
+                                          <p:spTgt spid="43"/>
+                                        </p:tgtEl>
+                                      </p:cBhvr>
+                                    </p:animEffect>
+                                  </p:childTnLst>
+                                </p:cTn>
+                              </p:par>
+                              <p:par>
+                                <p:cTn id="24" presetID="10" presetClass="entr" presetSubtype="0" fill="hold" grpId="0" nodeType="withEffect">
+                                  <p:stCondLst>
+                                    <p:cond delay="0"/>
+                                  </p:stCondLst>
+                                  <p:childTnLst>
+                                    <p:set>
+                                      <p:cBhvr>
+                                        <p:cTn id="25" dur="1" fill="hold">
+                                          <p:stCondLst>
+                                            <p:cond delay="0"/>
+                                          </p:stCondLst>
+                                        </p:cTn>
+                                        <p:tgtEl>
+                                          <p:spTgt spid="99"/>
+                                        </p:tgtEl>
+                                        <p:attrNameLst>
+                                          <p:attrName>style.visibility</p:attrName>
+                                        </p:attrNameLst>
+                                      </p:cBhvr>
+                                      <p:to>
+                                        <p:strVal val="visible"/>
+                                      </p:to>
+                                    </p:set>
+                                    <p:animEffect transition="in" filter="fade">
+                                      <p:cBhvr>
+                                        <p:cTn id="26" dur="500"/>
+                                        <p:tgtEl>
+                                          <p:spTgt spid="99"/>
+                                        </p:tgtEl>
+                                      </p:cBhvr>
+                                    </p:animEffect>
+                                  </p:childTnLst>
+                                </p:cTn>
+                              </p:par>
+                            </p:childTnLst>
+                          </p:cTn>
+                        </p:par>
+                      </p:childTnLst>
+                    </p:cTn>
+                  </p:par>
+                  <p:par>
+                    <p:cTn id="27" fill="hold">
+                      <p:stCondLst>
+                        <p:cond delay="indefinite"/>
+                      </p:stCondLst>
+                      <p:childTnLst>
+                        <p:par>
+                          <p:cTn id="28" fill="hold">
+                            <p:stCondLst>
+                              <p:cond delay="0"/>
+                            </p:stCondLst>
+                            <p:childTnLst>
+                              <p:par>
+                                <p:cTn id="29" presetID="10" presetClass="entr" presetSubtype="0" fill="hold" nodeType="clickEffect">
+                                  <p:stCondLst>
+                                    <p:cond delay="0"/>
+                                  </p:stCondLst>
+                                  <p:childTnLst>
+                                    <p:set>
+                                      <p:cBhvr>
+                                        <p:cTn id="30" dur="1" fill="hold">
+                                          <p:stCondLst>
+                                            <p:cond delay="0"/>
+                                          </p:stCondLst>
+                                        </p:cTn>
+                                        <p:tgtEl>
+                                          <p:spTgt spid="64"/>
+                                        </p:tgtEl>
+                                        <p:attrNameLst>
+                                          <p:attrName>style.visibility</p:attrName>
+                                        </p:attrNameLst>
+                                      </p:cBhvr>
+                                      <p:to>
+                                        <p:strVal val="visible"/>
+                                      </p:to>
+                                    </p:set>
+                                    <p:animEffect transition="in" filter="fade">
+                                      <p:cBhvr>
+                                        <p:cTn id="31" dur="500"/>
+                                        <p:tgtEl>
+                                          <p:spTgt spid="64"/>
+                                        </p:tgtEl>
+                                      </p:cBhvr>
+                                    </p:animEffect>
+                                  </p:childTnLst>
+                                </p:cTn>
+                              </p:par>
+                              <p:par>
+                                <p:cTn id="32" presetID="10" presetClass="entr" presetSubtype="0" fill="hold" grpId="0" nodeType="withEffect">
+                                  <p:stCondLst>
+                                    <p:cond delay="0"/>
+                                  </p:stCondLst>
+                                  <p:childTnLst>
+                                    <p:set>
+                                      <p:cBhvr>
+                                        <p:cTn id="33" dur="1" fill="hold">
+                                          <p:stCondLst>
+                                            <p:cond delay="0"/>
+                                          </p:stCondLst>
+                                        </p:cTn>
+                                        <p:tgtEl>
+                                          <p:spTgt spid="16"/>
+                                        </p:tgtEl>
+                                        <p:attrNameLst>
+                                          <p:attrName>style.visibility</p:attrName>
+                                        </p:attrNameLst>
+                                      </p:cBhvr>
+                                      <p:to>
+                                        <p:strVal val="visible"/>
+                                      </p:to>
+                                    </p:set>
+                                    <p:animEffect transition="in" filter="fade">
+                                      <p:cBhvr>
+                                        <p:cTn id="34" dur="500"/>
+                                        <p:tgtEl>
+                                          <p:spTgt spid="16"/>
+                                        </p:tgtEl>
+                                      </p:cBhvr>
+                                    </p:animEffect>
+                                  </p:childTnLst>
+                                </p:cTn>
+                              </p:par>
+                              <p:par>
+                                <p:cTn id="35" presetID="10" presetClass="entr" presetSubtype="0" fill="hold" nodeType="withEffect">
+                                  <p:stCondLst>
+                                    <p:cond delay="0"/>
+                                  </p:stCondLst>
+                                  <p:childTnLst>
+                                    <p:set>
+                                      <p:cBhvr>
+                                        <p:cTn id="36" dur="1" fill="hold">
+                                          <p:stCondLst>
+                                            <p:cond delay="0"/>
+                                          </p:stCondLst>
+                                        </p:cTn>
+                                        <p:tgtEl>
+                                          <p:spTgt spid="70"/>
+                                        </p:tgtEl>
+                                        <p:attrNameLst>
+                                          <p:attrName>style.visibility</p:attrName>
+                                        </p:attrNameLst>
+                                      </p:cBhvr>
+                                      <p:to>
+                                        <p:strVal val="visible"/>
+                                      </p:to>
+                                    </p:set>
+                                    <p:animEffect transition="in" filter="fade">
+                                      <p:cBhvr>
+                                        <p:cTn id="37" dur="500"/>
+                                        <p:tgtEl>
+                                          <p:spTgt spid="70"/>
+                                        </p:tgtEl>
+                                      </p:cBhvr>
+                                    </p:animEffect>
+                                  </p:childTnLst>
+                                </p:cTn>
+                              </p:par>
+                            </p:childTnLst>
+                          </p:cTn>
+                        </p:par>
+                      </p:childTnLst>
+                    </p:cTn>
+                  </p:par>
+                  <p:par>
+                    <p:cTn id="38" fill="hold">
+                      <p:stCondLst>
+                        <p:cond delay="indefinite"/>
+                      </p:stCondLst>
+                      <p:childTnLst>
+                        <p:par>
+                          <p:cTn id="39" fill="hold">
+                            <p:stCondLst>
+                              <p:cond delay="0"/>
+                            </p:stCondLst>
+                            <p:childTnLst>
+                              <p:par>
+                                <p:cTn id="40" presetID="10" presetClass="entr" presetSubtype="0" fill="hold" nodeType="clickEffect">
+                                  <p:stCondLst>
+                                    <p:cond delay="0"/>
+                                  </p:stCondLst>
+                                  <p:childTnLst>
+                                    <p:set>
+                                      <p:cBhvr>
+                                        <p:cTn id="41" dur="1" fill="hold">
+                                          <p:stCondLst>
+                                            <p:cond delay="0"/>
+                                          </p:stCondLst>
+                                        </p:cTn>
+                                        <p:tgtEl>
+                                          <p:spTgt spid="62"/>
+                                        </p:tgtEl>
+                                        <p:attrNameLst>
+                                          <p:attrName>style.visibility</p:attrName>
+                                        </p:attrNameLst>
+                                      </p:cBhvr>
+                                      <p:to>
+                                        <p:strVal val="visible"/>
+                                      </p:to>
+                                    </p:set>
+                                    <p:animEffect transition="in" filter="fade">
+                                      <p:cBhvr>
+                                        <p:cTn id="42" dur="500"/>
+                                        <p:tgtEl>
+                                          <p:spTgt spid="62"/>
+                                        </p:tgtEl>
+                                      </p:cBhvr>
+                                    </p:animEffect>
+                                  </p:childTnLst>
+                                </p:cTn>
+                              </p:par>
+                              <p:par>
+                                <p:cTn id="43" presetID="10" presetClass="entr" presetSubtype="0" fill="hold" grpId="0" nodeType="withEffect">
+                                  <p:stCondLst>
+                                    <p:cond delay="0"/>
+                                  </p:stCondLst>
+                                  <p:childTnLst>
+                                    <p:set>
+                                      <p:cBhvr>
+                                        <p:cTn id="44" dur="1" fill="hold">
+                                          <p:stCondLst>
+                                            <p:cond delay="0"/>
+                                          </p:stCondLst>
+                                        </p:cTn>
+                                        <p:tgtEl>
+                                          <p:spTgt spid="21"/>
+                                        </p:tgtEl>
+                                        <p:attrNameLst>
+                                          <p:attrName>style.visibility</p:attrName>
+                                        </p:attrNameLst>
+                                      </p:cBhvr>
+                                      <p:to>
+                                        <p:strVal val="visible"/>
+                                      </p:to>
+                                    </p:set>
+                                    <p:animEffect transition="in" filter="fade">
+                                      <p:cBhvr>
+                                        <p:cTn id="45" dur="500"/>
+                                        <p:tgtEl>
+                                          <p:spTgt spid="21"/>
+                                        </p:tgtEl>
+                                      </p:cBhvr>
+                                    </p:animEffect>
+                                  </p:childTnLst>
+                                </p:cTn>
+                              </p:par>
+                              <p:par>
+                                <p:cTn id="46" presetID="10" presetClass="entr" presetSubtype="0" fill="hold" nodeType="withEffect">
+                                  <p:stCondLst>
+                                    <p:cond delay="0"/>
+                                  </p:stCondLst>
+                                  <p:childTnLst>
+                                    <p:set>
+                                      <p:cBhvr>
+                                        <p:cTn id="47" dur="1" fill="hold">
+                                          <p:stCondLst>
+                                            <p:cond delay="0"/>
+                                          </p:stCondLst>
+                                        </p:cTn>
+                                        <p:tgtEl>
+                                          <p:spTgt spid="60"/>
+                                        </p:tgtEl>
+                                        <p:attrNameLst>
+                                          <p:attrName>style.visibility</p:attrName>
+                                        </p:attrNameLst>
+                                      </p:cBhvr>
+                                      <p:to>
+                                        <p:strVal val="visible"/>
+                                      </p:to>
+                                    </p:set>
+                                    <p:animEffect transition="in" filter="fade">
+                                      <p:cBhvr>
+                                        <p:cTn id="48" dur="500"/>
+                                        <p:tgtEl>
+                                          <p:spTgt spid="60"/>
+                                        </p:tgtEl>
+                                      </p:cBhvr>
+                                    </p:animEffect>
+                                  </p:childTnLst>
+                                </p:cTn>
+                              </p:par>
+                              <p:par>
+                                <p:cTn id="49" presetID="10" presetClass="entr" presetSubtype="0" fill="hold" grpId="0" nodeType="withEffect">
+                                  <p:stCondLst>
+                                    <p:cond delay="0"/>
+                                  </p:stCondLst>
+                                  <p:childTnLst>
+                                    <p:set>
+                                      <p:cBhvr>
+                                        <p:cTn id="50" dur="1" fill="hold">
+                                          <p:stCondLst>
+                                            <p:cond delay="0"/>
+                                          </p:stCondLst>
+                                        </p:cTn>
+                                        <p:tgtEl>
+                                          <p:spTgt spid="22"/>
+                                        </p:tgtEl>
+                                        <p:attrNameLst>
+                                          <p:attrName>style.visibility</p:attrName>
+                                        </p:attrNameLst>
+                                      </p:cBhvr>
+                                      <p:to>
+                                        <p:strVal val="visible"/>
+                                      </p:to>
+                                    </p:set>
+                                    <p:animEffect transition="in" filter="fade">
+                                      <p:cBhvr>
+                                        <p:cTn id="51" dur="500"/>
+                                        <p:tgtEl>
+                                          <p:spTgt spid="22"/>
+                                        </p:tgtEl>
+                                      </p:cBhvr>
+                                    </p:animEffect>
+                                  </p:childTnLst>
+                                </p:cTn>
+                              </p:par>
+                            </p:childTnLst>
+                          </p:cTn>
+                        </p:par>
+                      </p:childTnLst>
+                    </p:cTn>
+                  </p:par>
+                  <p:par>
+                    <p:cTn id="52" fill="hold">
+                      <p:stCondLst>
+                        <p:cond delay="indefinite"/>
+                      </p:stCondLst>
+                      <p:childTnLst>
+                        <p:par>
+                          <p:cTn id="53" fill="hold">
+                            <p:stCondLst>
+                              <p:cond delay="0"/>
+                            </p:stCondLst>
+                            <p:childTnLst>
+                              <p:par>
+                                <p:cTn id="54" presetID="10" presetClass="entr" presetSubtype="0" fill="hold" nodeType="clickEffect">
+                                  <p:stCondLst>
+                                    <p:cond delay="0"/>
+                                  </p:stCondLst>
+                                  <p:childTnLst>
+                                    <p:set>
+                                      <p:cBhvr>
+                                        <p:cTn id="55" dur="1" fill="hold">
+                                          <p:stCondLst>
+                                            <p:cond delay="0"/>
+                                          </p:stCondLst>
+                                        </p:cTn>
+                                        <p:tgtEl>
+                                          <p:spTgt spid="74"/>
+                                        </p:tgtEl>
+                                        <p:attrNameLst>
+                                          <p:attrName>style.visibility</p:attrName>
+                                        </p:attrNameLst>
+                                      </p:cBhvr>
+                                      <p:to>
+                                        <p:strVal val="visible"/>
+                                      </p:to>
+                                    </p:set>
+                                    <p:animEffect transition="in" filter="fade">
+                                      <p:cBhvr>
+                                        <p:cTn id="56" dur="500"/>
+                                        <p:tgtEl>
+                                          <p:spTgt spid="74"/>
+                                        </p:tgtEl>
+                                      </p:cBhvr>
+                                    </p:animEffect>
+                                  </p:childTnLst>
+                                </p:cTn>
+                              </p:par>
+                              <p:par>
+                                <p:cTn id="57" presetID="10" presetClass="entr" presetSubtype="0" fill="hold" grpId="0" nodeType="withEffect">
+                                  <p:stCondLst>
+                                    <p:cond delay="0"/>
+                                  </p:stCondLst>
+                                  <p:childTnLst>
+                                    <p:set>
+                                      <p:cBhvr>
+                                        <p:cTn id="58" dur="1" fill="hold">
+                                          <p:stCondLst>
+                                            <p:cond delay="0"/>
+                                          </p:stCondLst>
+                                        </p:cTn>
+                                        <p:tgtEl>
+                                          <p:spTgt spid="20"/>
+                                        </p:tgtEl>
+                                        <p:attrNameLst>
+                                          <p:attrName>style.visibility</p:attrName>
+                                        </p:attrNameLst>
+                                      </p:cBhvr>
+                                      <p:to>
+                                        <p:strVal val="visible"/>
+                                      </p:to>
+                                    </p:set>
+                                    <p:animEffect transition="in" filter="fade">
+                                      <p:cBhvr>
+                                        <p:cTn id="59" dur="500"/>
+                                        <p:tgtEl>
+                                          <p:spTgt spid="20"/>
+                                        </p:tgtEl>
+                                      </p:cBhvr>
+                                    </p:animEffect>
+                                  </p:childTnLst>
+                                </p:cTn>
+                              </p:par>
+                              <p:par>
+                                <p:cTn id="60" presetID="10" presetClass="entr" presetSubtype="0" fill="hold" nodeType="withEffect">
+                                  <p:stCondLst>
+                                    <p:cond delay="0"/>
+                                  </p:stCondLst>
+                                  <p:childTnLst>
+                                    <p:set>
+                                      <p:cBhvr>
+                                        <p:cTn id="61" dur="1" fill="hold">
+                                          <p:stCondLst>
+                                            <p:cond delay="0"/>
+                                          </p:stCondLst>
+                                        </p:cTn>
+                                        <p:tgtEl>
+                                          <p:spTgt spid="76"/>
+                                        </p:tgtEl>
+                                        <p:attrNameLst>
+                                          <p:attrName>style.visibility</p:attrName>
+                                        </p:attrNameLst>
+                                      </p:cBhvr>
+                                      <p:to>
+                                        <p:strVal val="visible"/>
+                                      </p:to>
+                                    </p:set>
+                                    <p:animEffect transition="in" filter="fade">
+                                      <p:cBhvr>
+                                        <p:cTn id="62" dur="500"/>
+                                        <p:tgtEl>
+                                          <p:spTgt spid="76"/>
+                                        </p:tgtEl>
+                                      </p:cBhvr>
+                                    </p:animEffect>
+                                  </p:childTnLst>
+                                </p:cTn>
+                              </p:par>
+                            </p:childTnLst>
+                          </p:cTn>
+                        </p:par>
+                      </p:childTnLst>
+                    </p:cTn>
+                  </p:par>
+                </p:childTnLst>
+              </p:cTn>
+              <p:prevCondLst>
+                <p:cond evt="onPrev" delay="0">
+                  <p:tgtEl>
+                    <p:sldTgt/>
+                  </p:tgtEl>
+                </p:cond>
+              </p:prevCondLst>
+              <p:nextCondLst>
+                <p:cond evt="onNext" delay="0">
+                  <p:tgtEl>
+                    <p:sldTgt/>
+                  </p:tgtEl>
+                </p:cond>
+              </p:nextCondLst>
+            </p:seq>
+          </p:childTnLst>
+        </p:cTn>
+      </p:par>
+    </p:tnLst>
+    <p:bldLst>
+      <p:bldP spid="99" grpId="0" animBg="1"/>
+      <p:bldP spid="2" grpId="0"/>
+      <p:bldP spid="15" grpId="0" animBg="1"/>
+      <p:bldP spid="16" grpId="0" animBg="1"/>
+      <p:bldP spid="20" grpId="0" animBg="1"/>
+      <p:bldP spid="21" grpId="0" animBg="1"/>
+      <p:bldP spid="22" grpId="0" animBg="1"/>
+      <p:bldP spid="17" grpId="0" animBg="1"/>
+      <p:bldP spid="14" grpId="0" animBg="1"/>
+    </p:bldLst>
+  </p:timing>
+</p:sld>
+</file>
+
+<file path=ppt/slides/slide6.xml><?xml version="1.0" encoding="utf-8"?>
+<p:sld xmlns:a="http://schemas.openxmlformats.org/drawingml/2006/main" xmlns:r="http://schemas.openxmlformats.org/officeDocument/2006/relationships" xmlns:p="http://schemas.openxmlformats.org/presentationml/2006/main">
+  <p:cSld>
+    <p:spTree>
+      <p:nvGrpSpPr>
+        <p:cNvPr id="1" name=""/>
+        <p:cNvGrpSpPr/>
+        <p:nvPr/>
+      </p:nvGrpSpPr>
+      <p:grpSpPr>
+        <a:xfrm>
+          <a:off x="0" y="0"/>
+          <a:ext cx="0" cy="0"/>
+          <a:chOff x="0" y="0"/>
+          <a:chExt cx="0" cy="0"/>
+        </a:xfrm>
+      </p:grpSpPr>
+      <p:sp>
+        <p:nvSpPr>
           <p:cNvPr id="2" name="Title 1"/>
           <p:cNvSpPr>
             <a:spLocks noGrp="1"/>

--- a/MOCUIPlugin-final.pptx
+++ b/MOCUIPlugin-final.pptx
@@ -5,15 +5,17 @@
     <p:sldMasterId id="2147483648" r:id="rId2"/>
   </p:sldMasterIdLst>
   <p:notesMasterIdLst>
-    <p:notesMasterId r:id="rId9"/>
+    <p:notesMasterId r:id="rId11"/>
   </p:notesMasterIdLst>
   <p:sldIdLst>
     <p:sldId id="256" r:id="rId3"/>
-    <p:sldId id="304" r:id="rId4"/>
-    <p:sldId id="305" r:id="rId5"/>
-    <p:sldId id="276" r:id="rId6"/>
-    <p:sldId id="306" r:id="rId7"/>
-    <p:sldId id="278" r:id="rId8"/>
+    <p:sldId id="307" r:id="rId4"/>
+    <p:sldId id="308" r:id="rId5"/>
+    <p:sldId id="304" r:id="rId6"/>
+    <p:sldId id="305" r:id="rId7"/>
+    <p:sldId id="276" r:id="rId8"/>
+    <p:sldId id="306" r:id="rId9"/>
+    <p:sldId id="278" r:id="rId10"/>
   </p:sldIdLst>
   <p:sldSz cx="9144000" cy="5143500" type="screen16x9"/>
   <p:notesSz cx="6858000" cy="9144000"/>
@@ -127,6 +129,2631 @@
     </p:ext>
   </p:extLst>
 </p:presentation>
+</file>
+
+<file path=ppt/diagrams/colors1.xml><?xml version="1.0" encoding="utf-8"?>
+<dgm:colorsDef xmlns:dgm="http://schemas.openxmlformats.org/drawingml/2006/diagram" xmlns:a="http://schemas.openxmlformats.org/drawingml/2006/main" uniqueId="urn:microsoft.com/office/officeart/2005/8/colors/accent1_2">
+  <dgm:title val=""/>
+  <dgm:desc val=""/>
+  <dgm:catLst>
+    <dgm:cat type="accent1" pri="11200"/>
+  </dgm:catLst>
+  <dgm:styleLbl name="node0">
+    <dgm:fillClrLst meth="repeat">
+      <a:schemeClr val="accent1"/>
+    </dgm:fillClrLst>
+    <dgm:linClrLst meth="repeat">
+      <a:schemeClr val="lt1"/>
+    </dgm:linClrLst>
+    <dgm:effectClrLst/>
+    <dgm:txLinClrLst/>
+    <dgm:txFillClrLst/>
+    <dgm:txEffectClrLst/>
+  </dgm:styleLbl>
+  <dgm:styleLbl name="alignNode1">
+    <dgm:fillClrLst meth="repeat">
+      <a:schemeClr val="accent1"/>
+    </dgm:fillClrLst>
+    <dgm:linClrLst meth="repeat">
+      <a:schemeClr val="accent1"/>
+    </dgm:linClrLst>
+    <dgm:effectClrLst/>
+    <dgm:txLinClrLst/>
+    <dgm:txFillClrLst/>
+    <dgm:txEffectClrLst/>
+  </dgm:styleLbl>
+  <dgm:styleLbl name="node1">
+    <dgm:fillClrLst meth="repeat">
+      <a:schemeClr val="accent1"/>
+    </dgm:fillClrLst>
+    <dgm:linClrLst meth="repeat">
+      <a:schemeClr val="lt1"/>
+    </dgm:linClrLst>
+    <dgm:effectClrLst/>
+    <dgm:txLinClrLst/>
+    <dgm:txFillClrLst/>
+    <dgm:txEffectClrLst/>
+  </dgm:styleLbl>
+  <dgm:styleLbl name="lnNode1">
+    <dgm:fillClrLst meth="repeat">
+      <a:schemeClr val="accent1"/>
+    </dgm:fillClrLst>
+    <dgm:linClrLst meth="repeat">
+      <a:schemeClr val="lt1"/>
+    </dgm:linClrLst>
+    <dgm:effectClrLst/>
+    <dgm:txLinClrLst/>
+    <dgm:txFillClrLst/>
+    <dgm:txEffectClrLst/>
+  </dgm:styleLbl>
+  <dgm:styleLbl name="vennNode1">
+    <dgm:fillClrLst meth="repeat">
+      <a:schemeClr val="accent1">
+        <a:alpha val="50000"/>
+      </a:schemeClr>
+    </dgm:fillClrLst>
+    <dgm:linClrLst meth="repeat">
+      <a:schemeClr val="lt1"/>
+    </dgm:linClrLst>
+    <dgm:effectClrLst/>
+    <dgm:txLinClrLst/>
+    <dgm:txFillClrLst/>
+    <dgm:txEffectClrLst/>
+  </dgm:styleLbl>
+  <dgm:styleLbl name="node2">
+    <dgm:fillClrLst meth="repeat">
+      <a:schemeClr val="accent1"/>
+    </dgm:fillClrLst>
+    <dgm:linClrLst meth="repeat">
+      <a:schemeClr val="lt1"/>
+    </dgm:linClrLst>
+    <dgm:effectClrLst/>
+    <dgm:txLinClrLst/>
+    <dgm:txFillClrLst/>
+    <dgm:txEffectClrLst/>
+  </dgm:styleLbl>
+  <dgm:styleLbl name="node3">
+    <dgm:fillClrLst meth="repeat">
+      <a:schemeClr val="accent1"/>
+    </dgm:fillClrLst>
+    <dgm:linClrLst meth="repeat">
+      <a:schemeClr val="lt1"/>
+    </dgm:linClrLst>
+    <dgm:effectClrLst/>
+    <dgm:txLinClrLst/>
+    <dgm:txFillClrLst/>
+    <dgm:txEffectClrLst/>
+  </dgm:styleLbl>
+  <dgm:styleLbl name="node4">
+    <dgm:fillClrLst meth="repeat">
+      <a:schemeClr val="accent1"/>
+    </dgm:fillClrLst>
+    <dgm:linClrLst meth="repeat">
+      <a:schemeClr val="lt1"/>
+    </dgm:linClrLst>
+    <dgm:effectClrLst/>
+    <dgm:txLinClrLst/>
+    <dgm:txFillClrLst/>
+    <dgm:txEffectClrLst/>
+  </dgm:styleLbl>
+  <dgm:styleLbl name="fgImgPlace1">
+    <dgm:fillClrLst meth="repeat">
+      <a:schemeClr val="accent1">
+        <a:tint val="50000"/>
+      </a:schemeClr>
+    </dgm:fillClrLst>
+    <dgm:linClrLst meth="repeat">
+      <a:schemeClr val="lt1"/>
+    </dgm:linClrLst>
+    <dgm:effectClrLst/>
+    <dgm:txLinClrLst/>
+    <dgm:txFillClrLst meth="repeat">
+      <a:schemeClr val="lt1"/>
+    </dgm:txFillClrLst>
+    <dgm:txEffectClrLst/>
+  </dgm:styleLbl>
+  <dgm:styleLbl name="alignImgPlace1">
+    <dgm:fillClrLst meth="repeat">
+      <a:schemeClr val="accent1">
+        <a:tint val="50000"/>
+      </a:schemeClr>
+    </dgm:fillClrLst>
+    <dgm:linClrLst meth="repeat">
+      <a:schemeClr val="lt1"/>
+    </dgm:linClrLst>
+    <dgm:effectClrLst/>
+    <dgm:txLinClrLst/>
+    <dgm:txFillClrLst meth="repeat">
+      <a:schemeClr val="lt1"/>
+    </dgm:txFillClrLst>
+    <dgm:txEffectClrLst/>
+  </dgm:styleLbl>
+  <dgm:styleLbl name="bgImgPlace1">
+    <dgm:fillClrLst meth="repeat">
+      <a:schemeClr val="accent1">
+        <a:tint val="50000"/>
+      </a:schemeClr>
+    </dgm:fillClrLst>
+    <dgm:linClrLst meth="repeat">
+      <a:schemeClr val="lt1"/>
+    </dgm:linClrLst>
+    <dgm:effectClrLst/>
+    <dgm:txLinClrLst/>
+    <dgm:txFillClrLst meth="repeat">
+      <a:schemeClr val="lt1"/>
+    </dgm:txFillClrLst>
+    <dgm:txEffectClrLst/>
+  </dgm:styleLbl>
+  <dgm:styleLbl name="sibTrans2D1">
+    <dgm:fillClrLst meth="repeat">
+      <a:schemeClr val="accent1">
+        <a:tint val="60000"/>
+      </a:schemeClr>
+    </dgm:fillClrLst>
+    <dgm:linClrLst meth="repeat">
+      <a:schemeClr val="accent1">
+        <a:tint val="60000"/>
+      </a:schemeClr>
+    </dgm:linClrLst>
+    <dgm:effectClrLst/>
+    <dgm:txLinClrLst/>
+    <dgm:txFillClrLst/>
+    <dgm:txEffectClrLst/>
+  </dgm:styleLbl>
+  <dgm:styleLbl name="fgSibTrans2D1">
+    <dgm:fillClrLst meth="repeat">
+      <a:schemeClr val="accent1">
+        <a:tint val="60000"/>
+      </a:schemeClr>
+    </dgm:fillClrLst>
+    <dgm:linClrLst meth="repeat">
+      <a:schemeClr val="accent1">
+        <a:tint val="60000"/>
+      </a:schemeClr>
+    </dgm:linClrLst>
+    <dgm:effectClrLst/>
+    <dgm:txLinClrLst/>
+    <dgm:txFillClrLst/>
+    <dgm:txEffectClrLst/>
+  </dgm:styleLbl>
+  <dgm:styleLbl name="bgSibTrans2D1">
+    <dgm:fillClrLst meth="repeat">
+      <a:schemeClr val="accent1">
+        <a:tint val="60000"/>
+      </a:schemeClr>
+    </dgm:fillClrLst>
+    <dgm:linClrLst meth="repeat">
+      <a:schemeClr val="accent1">
+        <a:tint val="60000"/>
+      </a:schemeClr>
+    </dgm:linClrLst>
+    <dgm:effectClrLst/>
+    <dgm:txLinClrLst/>
+    <dgm:txFillClrLst/>
+    <dgm:txEffectClrLst/>
+  </dgm:styleLbl>
+  <dgm:styleLbl name="sibTrans1D1">
+    <dgm:fillClrLst meth="repeat">
+      <a:schemeClr val="accent1"/>
+    </dgm:fillClrLst>
+    <dgm:linClrLst meth="repeat">
+      <a:schemeClr val="accent1"/>
+    </dgm:linClrLst>
+    <dgm:effectClrLst/>
+    <dgm:txLinClrLst/>
+    <dgm:txFillClrLst meth="repeat">
+      <a:schemeClr val="tx1"/>
+    </dgm:txFillClrLst>
+    <dgm:txEffectClrLst/>
+  </dgm:styleLbl>
+  <dgm:styleLbl name="callout">
+    <dgm:fillClrLst meth="repeat">
+      <a:schemeClr val="accent1"/>
+    </dgm:fillClrLst>
+    <dgm:linClrLst meth="repeat">
+      <a:schemeClr val="accent1">
+        <a:tint val="50000"/>
+      </a:schemeClr>
+    </dgm:linClrLst>
+    <dgm:effectClrLst/>
+    <dgm:txLinClrLst/>
+    <dgm:txFillClrLst meth="repeat">
+      <a:schemeClr val="tx1"/>
+    </dgm:txFillClrLst>
+    <dgm:txEffectClrLst/>
+  </dgm:styleLbl>
+  <dgm:styleLbl name="asst0">
+    <dgm:fillClrLst meth="repeat">
+      <a:schemeClr val="accent1"/>
+    </dgm:fillClrLst>
+    <dgm:linClrLst meth="repeat">
+      <a:schemeClr val="lt1"/>
+    </dgm:linClrLst>
+    <dgm:effectClrLst/>
+    <dgm:txLinClrLst/>
+    <dgm:txFillClrLst/>
+    <dgm:txEffectClrLst/>
+  </dgm:styleLbl>
+  <dgm:styleLbl name="asst1">
+    <dgm:fillClrLst meth="repeat">
+      <a:schemeClr val="accent1"/>
+    </dgm:fillClrLst>
+    <dgm:linClrLst meth="repeat">
+      <a:schemeClr val="lt1"/>
+    </dgm:linClrLst>
+    <dgm:effectClrLst/>
+    <dgm:txLinClrLst/>
+    <dgm:txFillClrLst/>
+    <dgm:txEffectClrLst/>
+  </dgm:styleLbl>
+  <dgm:styleLbl name="asst2">
+    <dgm:fillClrLst meth="repeat">
+      <a:schemeClr val="accent1"/>
+    </dgm:fillClrLst>
+    <dgm:linClrLst meth="repeat">
+      <a:schemeClr val="lt1"/>
+    </dgm:linClrLst>
+    <dgm:effectClrLst/>
+    <dgm:txLinClrLst/>
+    <dgm:txFillClrLst/>
+    <dgm:txEffectClrLst/>
+  </dgm:styleLbl>
+  <dgm:styleLbl name="asst3">
+    <dgm:fillClrLst meth="repeat">
+      <a:schemeClr val="accent1"/>
+    </dgm:fillClrLst>
+    <dgm:linClrLst meth="repeat">
+      <a:schemeClr val="lt1"/>
+    </dgm:linClrLst>
+    <dgm:effectClrLst/>
+    <dgm:txLinClrLst/>
+    <dgm:txFillClrLst/>
+    <dgm:txEffectClrLst/>
+  </dgm:styleLbl>
+  <dgm:styleLbl name="asst4">
+    <dgm:fillClrLst meth="repeat">
+      <a:schemeClr val="accent1"/>
+    </dgm:fillClrLst>
+    <dgm:linClrLst meth="repeat">
+      <a:schemeClr val="lt1"/>
+    </dgm:linClrLst>
+    <dgm:effectClrLst/>
+    <dgm:txLinClrLst/>
+    <dgm:txFillClrLst/>
+    <dgm:txEffectClrLst/>
+  </dgm:styleLbl>
+  <dgm:styleLbl name="parChTrans2D1">
+    <dgm:fillClrLst meth="repeat">
+      <a:schemeClr val="accent1">
+        <a:tint val="60000"/>
+      </a:schemeClr>
+    </dgm:fillClrLst>
+    <dgm:linClrLst meth="repeat">
+      <a:schemeClr val="accent1">
+        <a:tint val="60000"/>
+      </a:schemeClr>
+    </dgm:linClrLst>
+    <dgm:effectClrLst/>
+    <dgm:txLinClrLst/>
+    <dgm:txFillClrLst meth="repeat">
+      <a:schemeClr val="lt1"/>
+    </dgm:txFillClrLst>
+    <dgm:txEffectClrLst/>
+  </dgm:styleLbl>
+  <dgm:styleLbl name="parChTrans2D2">
+    <dgm:fillClrLst meth="repeat">
+      <a:schemeClr val="accent1"/>
+    </dgm:fillClrLst>
+    <dgm:linClrLst meth="repeat">
+      <a:schemeClr val="accent1"/>
+    </dgm:linClrLst>
+    <dgm:effectClrLst/>
+    <dgm:txLinClrLst/>
+    <dgm:txFillClrLst meth="repeat">
+      <a:schemeClr val="lt1"/>
+    </dgm:txFillClrLst>
+    <dgm:txEffectClrLst/>
+  </dgm:styleLbl>
+  <dgm:styleLbl name="parChTrans2D3">
+    <dgm:fillClrLst meth="repeat">
+      <a:schemeClr val="accent1"/>
+    </dgm:fillClrLst>
+    <dgm:linClrLst meth="repeat">
+      <a:schemeClr val="accent1"/>
+    </dgm:linClrLst>
+    <dgm:effectClrLst/>
+    <dgm:txLinClrLst/>
+    <dgm:txFillClrLst meth="repeat">
+      <a:schemeClr val="lt1"/>
+    </dgm:txFillClrLst>
+    <dgm:txEffectClrLst/>
+  </dgm:styleLbl>
+  <dgm:styleLbl name="parChTrans2D4">
+    <dgm:fillClrLst meth="repeat">
+      <a:schemeClr val="accent1"/>
+    </dgm:fillClrLst>
+    <dgm:linClrLst meth="repeat">
+      <a:schemeClr val="accent1"/>
+    </dgm:linClrLst>
+    <dgm:effectClrLst/>
+    <dgm:txLinClrLst/>
+    <dgm:txFillClrLst meth="repeat">
+      <a:schemeClr val="lt1"/>
+    </dgm:txFillClrLst>
+    <dgm:txEffectClrLst/>
+  </dgm:styleLbl>
+  <dgm:styleLbl name="parChTrans1D1">
+    <dgm:fillClrLst meth="repeat">
+      <a:schemeClr val="accent1"/>
+    </dgm:fillClrLst>
+    <dgm:linClrLst meth="repeat">
+      <a:schemeClr val="accent1">
+        <a:shade val="60000"/>
+      </a:schemeClr>
+    </dgm:linClrLst>
+    <dgm:effectClrLst/>
+    <dgm:txLinClrLst/>
+    <dgm:txFillClrLst meth="repeat">
+      <a:schemeClr val="tx1"/>
+    </dgm:txFillClrLst>
+    <dgm:txEffectClrLst/>
+  </dgm:styleLbl>
+  <dgm:styleLbl name="parChTrans1D2">
+    <dgm:fillClrLst meth="repeat">
+      <a:schemeClr val="accent1"/>
+    </dgm:fillClrLst>
+    <dgm:linClrLst meth="repeat">
+      <a:schemeClr val="accent1">
+        <a:shade val="60000"/>
+      </a:schemeClr>
+    </dgm:linClrLst>
+    <dgm:effectClrLst/>
+    <dgm:txLinClrLst/>
+    <dgm:txFillClrLst meth="repeat">
+      <a:schemeClr val="tx1"/>
+    </dgm:txFillClrLst>
+    <dgm:txEffectClrLst/>
+  </dgm:styleLbl>
+  <dgm:styleLbl name="parChTrans1D3">
+    <dgm:fillClrLst meth="repeat">
+      <a:schemeClr val="accent1"/>
+    </dgm:fillClrLst>
+    <dgm:linClrLst meth="repeat">
+      <a:schemeClr val="accent1">
+        <a:shade val="80000"/>
+      </a:schemeClr>
+    </dgm:linClrLst>
+    <dgm:effectClrLst/>
+    <dgm:txLinClrLst/>
+    <dgm:txFillClrLst meth="repeat">
+      <a:schemeClr val="tx1"/>
+    </dgm:txFillClrLst>
+    <dgm:txEffectClrLst/>
+  </dgm:styleLbl>
+  <dgm:styleLbl name="parChTrans1D4">
+    <dgm:fillClrLst meth="repeat">
+      <a:schemeClr val="accent1"/>
+    </dgm:fillClrLst>
+    <dgm:linClrLst meth="repeat">
+      <a:schemeClr val="accent1">
+        <a:shade val="80000"/>
+      </a:schemeClr>
+    </dgm:linClrLst>
+    <dgm:effectClrLst/>
+    <dgm:txLinClrLst/>
+    <dgm:txFillClrLst meth="repeat">
+      <a:schemeClr val="tx1"/>
+    </dgm:txFillClrLst>
+    <dgm:txEffectClrLst/>
+  </dgm:styleLbl>
+  <dgm:styleLbl name="fgAcc1">
+    <dgm:fillClrLst meth="repeat">
+      <a:schemeClr val="lt1">
+        <a:alpha val="90000"/>
+      </a:schemeClr>
+    </dgm:fillClrLst>
+    <dgm:linClrLst meth="repeat">
+      <a:schemeClr val="accent1"/>
+    </dgm:linClrLst>
+    <dgm:effectClrLst/>
+    <dgm:txLinClrLst/>
+    <dgm:txFillClrLst meth="repeat">
+      <a:schemeClr val="dk1"/>
+    </dgm:txFillClrLst>
+    <dgm:txEffectClrLst/>
+  </dgm:styleLbl>
+  <dgm:styleLbl name="conFgAcc1">
+    <dgm:fillClrLst meth="repeat">
+      <a:schemeClr val="lt1">
+        <a:alpha val="90000"/>
+      </a:schemeClr>
+    </dgm:fillClrLst>
+    <dgm:linClrLst meth="repeat">
+      <a:schemeClr val="accent1"/>
+    </dgm:linClrLst>
+    <dgm:effectClrLst/>
+    <dgm:txLinClrLst/>
+    <dgm:txFillClrLst meth="repeat">
+      <a:schemeClr val="dk1"/>
+    </dgm:txFillClrLst>
+    <dgm:txEffectClrLst/>
+  </dgm:styleLbl>
+  <dgm:styleLbl name="alignAcc1">
+    <dgm:fillClrLst meth="repeat">
+      <a:schemeClr val="lt1">
+        <a:alpha val="90000"/>
+      </a:schemeClr>
+    </dgm:fillClrLst>
+    <dgm:linClrLst meth="repeat">
+      <a:schemeClr val="accent1"/>
+    </dgm:linClrLst>
+    <dgm:effectClrLst/>
+    <dgm:txLinClrLst/>
+    <dgm:txFillClrLst meth="repeat">
+      <a:schemeClr val="dk1"/>
+    </dgm:txFillClrLst>
+    <dgm:txEffectClrLst/>
+  </dgm:styleLbl>
+  <dgm:styleLbl name="trAlignAcc1">
+    <dgm:fillClrLst meth="repeat">
+      <a:schemeClr val="lt1">
+        <a:alpha val="40000"/>
+      </a:schemeClr>
+    </dgm:fillClrLst>
+    <dgm:linClrLst meth="repeat">
+      <a:schemeClr val="accent1"/>
+    </dgm:linClrLst>
+    <dgm:effectClrLst/>
+    <dgm:txLinClrLst/>
+    <dgm:txFillClrLst meth="repeat">
+      <a:schemeClr val="dk1"/>
+    </dgm:txFillClrLst>
+    <dgm:txEffectClrLst/>
+  </dgm:styleLbl>
+  <dgm:styleLbl name="bgAcc1">
+    <dgm:fillClrLst meth="repeat">
+      <a:schemeClr val="lt1">
+        <a:alpha val="90000"/>
+      </a:schemeClr>
+    </dgm:fillClrLst>
+    <dgm:linClrLst meth="repeat">
+      <a:schemeClr val="accent1"/>
+    </dgm:linClrLst>
+    <dgm:effectClrLst/>
+    <dgm:txLinClrLst/>
+    <dgm:txFillClrLst meth="repeat">
+      <a:schemeClr val="dk1"/>
+    </dgm:txFillClrLst>
+    <dgm:txEffectClrLst/>
+  </dgm:styleLbl>
+  <dgm:styleLbl name="solidFgAcc1">
+    <dgm:fillClrLst meth="repeat">
+      <a:schemeClr val="lt1"/>
+    </dgm:fillClrLst>
+    <dgm:linClrLst meth="repeat">
+      <a:schemeClr val="accent1"/>
+    </dgm:linClrLst>
+    <dgm:effectClrLst/>
+    <dgm:txLinClrLst/>
+    <dgm:txFillClrLst meth="repeat">
+      <a:schemeClr val="dk1"/>
+    </dgm:txFillClrLst>
+    <dgm:txEffectClrLst/>
+  </dgm:styleLbl>
+  <dgm:styleLbl name="solidAlignAcc1">
+    <dgm:fillClrLst meth="repeat">
+      <a:schemeClr val="lt1"/>
+    </dgm:fillClrLst>
+    <dgm:linClrLst meth="repeat">
+      <a:schemeClr val="accent1"/>
+    </dgm:linClrLst>
+    <dgm:effectClrLst/>
+    <dgm:txLinClrLst/>
+    <dgm:txFillClrLst meth="repeat">
+      <a:schemeClr val="dk1"/>
+    </dgm:txFillClrLst>
+    <dgm:txEffectClrLst/>
+  </dgm:styleLbl>
+  <dgm:styleLbl name="solidBgAcc1">
+    <dgm:fillClrLst meth="repeat">
+      <a:schemeClr val="lt1"/>
+    </dgm:fillClrLst>
+    <dgm:linClrLst meth="repeat">
+      <a:schemeClr val="accent1"/>
+    </dgm:linClrLst>
+    <dgm:effectClrLst/>
+    <dgm:txLinClrLst/>
+    <dgm:txFillClrLst meth="repeat">
+      <a:schemeClr val="dk1"/>
+    </dgm:txFillClrLst>
+    <dgm:txEffectClrLst/>
+  </dgm:styleLbl>
+  <dgm:styleLbl name="fgAccFollowNode1">
+    <dgm:fillClrLst meth="repeat">
+      <a:schemeClr val="accent1">
+        <a:alpha val="90000"/>
+        <a:tint val="40000"/>
+      </a:schemeClr>
+    </dgm:fillClrLst>
+    <dgm:linClrLst meth="repeat">
+      <a:schemeClr val="accent1">
+        <a:alpha val="90000"/>
+        <a:tint val="40000"/>
+      </a:schemeClr>
+    </dgm:linClrLst>
+    <dgm:effectClrLst/>
+    <dgm:txLinClrLst/>
+    <dgm:txFillClrLst meth="repeat">
+      <a:schemeClr val="dk1"/>
+    </dgm:txFillClrLst>
+    <dgm:txEffectClrLst/>
+  </dgm:styleLbl>
+  <dgm:styleLbl name="alignAccFollowNode1">
+    <dgm:fillClrLst meth="repeat">
+      <a:schemeClr val="accent1">
+        <a:alpha val="90000"/>
+        <a:tint val="40000"/>
+      </a:schemeClr>
+    </dgm:fillClrLst>
+    <dgm:linClrLst meth="repeat">
+      <a:schemeClr val="accent1">
+        <a:alpha val="90000"/>
+        <a:tint val="40000"/>
+      </a:schemeClr>
+    </dgm:linClrLst>
+    <dgm:effectClrLst/>
+    <dgm:txLinClrLst/>
+    <dgm:txFillClrLst meth="repeat">
+      <a:schemeClr val="dk1"/>
+    </dgm:txFillClrLst>
+    <dgm:txEffectClrLst/>
+  </dgm:styleLbl>
+  <dgm:styleLbl name="bgAccFollowNode1">
+    <dgm:fillClrLst meth="repeat">
+      <a:schemeClr val="accent1">
+        <a:alpha val="90000"/>
+        <a:tint val="40000"/>
+      </a:schemeClr>
+    </dgm:fillClrLst>
+    <dgm:linClrLst meth="repeat">
+      <a:schemeClr val="accent1">
+        <a:alpha val="90000"/>
+        <a:tint val="40000"/>
+      </a:schemeClr>
+    </dgm:linClrLst>
+    <dgm:effectClrLst/>
+    <dgm:txLinClrLst/>
+    <dgm:txFillClrLst meth="repeat">
+      <a:schemeClr val="dk1"/>
+    </dgm:txFillClrLst>
+    <dgm:txEffectClrLst/>
+  </dgm:styleLbl>
+  <dgm:styleLbl name="fgAcc0">
+    <dgm:fillClrLst meth="repeat">
+      <a:schemeClr val="lt1">
+        <a:alpha val="90000"/>
+      </a:schemeClr>
+    </dgm:fillClrLst>
+    <dgm:linClrLst meth="repeat">
+      <a:schemeClr val="accent1"/>
+    </dgm:linClrLst>
+    <dgm:effectClrLst/>
+    <dgm:txLinClrLst/>
+    <dgm:txFillClrLst meth="repeat">
+      <a:schemeClr val="dk1"/>
+    </dgm:txFillClrLst>
+    <dgm:txEffectClrLst/>
+  </dgm:styleLbl>
+  <dgm:styleLbl name="fgAcc2">
+    <dgm:fillClrLst meth="repeat">
+      <a:schemeClr val="lt1">
+        <a:alpha val="90000"/>
+      </a:schemeClr>
+    </dgm:fillClrLst>
+    <dgm:linClrLst meth="repeat">
+      <a:schemeClr val="accent1"/>
+    </dgm:linClrLst>
+    <dgm:effectClrLst/>
+    <dgm:txLinClrLst/>
+    <dgm:txFillClrLst meth="repeat">
+      <a:schemeClr val="dk1"/>
+    </dgm:txFillClrLst>
+    <dgm:txEffectClrLst/>
+  </dgm:styleLbl>
+  <dgm:styleLbl name="fgAcc3">
+    <dgm:fillClrLst meth="repeat">
+      <a:schemeClr val="lt1">
+        <a:alpha val="90000"/>
+      </a:schemeClr>
+    </dgm:fillClrLst>
+    <dgm:linClrLst meth="repeat">
+      <a:schemeClr val="accent1"/>
+    </dgm:linClrLst>
+    <dgm:effectClrLst/>
+    <dgm:txLinClrLst/>
+    <dgm:txFillClrLst meth="repeat">
+      <a:schemeClr val="dk1"/>
+    </dgm:txFillClrLst>
+    <dgm:txEffectClrLst/>
+  </dgm:styleLbl>
+  <dgm:styleLbl name="fgAcc4">
+    <dgm:fillClrLst meth="repeat">
+      <a:schemeClr val="lt1">
+        <a:alpha val="90000"/>
+      </a:schemeClr>
+    </dgm:fillClrLst>
+    <dgm:linClrLst meth="repeat">
+      <a:schemeClr val="accent1"/>
+    </dgm:linClrLst>
+    <dgm:effectClrLst/>
+    <dgm:txLinClrLst/>
+    <dgm:txFillClrLst meth="repeat">
+      <a:schemeClr val="dk1"/>
+    </dgm:txFillClrLst>
+    <dgm:txEffectClrLst/>
+  </dgm:styleLbl>
+  <dgm:styleLbl name="bgShp">
+    <dgm:fillClrLst meth="repeat">
+      <a:schemeClr val="accent1">
+        <a:tint val="40000"/>
+      </a:schemeClr>
+    </dgm:fillClrLst>
+    <dgm:linClrLst meth="repeat">
+      <a:schemeClr val="accent1"/>
+    </dgm:linClrLst>
+    <dgm:effectClrLst/>
+    <dgm:txLinClrLst/>
+    <dgm:txFillClrLst meth="repeat">
+      <a:schemeClr val="dk1"/>
+    </dgm:txFillClrLst>
+    <dgm:txEffectClrLst/>
+  </dgm:styleLbl>
+  <dgm:styleLbl name="dkBgShp">
+    <dgm:fillClrLst meth="repeat">
+      <a:schemeClr val="accent1">
+        <a:shade val="80000"/>
+      </a:schemeClr>
+    </dgm:fillClrLst>
+    <dgm:linClrLst meth="repeat">
+      <a:schemeClr val="accent1"/>
+    </dgm:linClrLst>
+    <dgm:effectClrLst/>
+    <dgm:txLinClrLst/>
+    <dgm:txFillClrLst meth="repeat">
+      <a:schemeClr val="lt1"/>
+    </dgm:txFillClrLst>
+    <dgm:txEffectClrLst/>
+  </dgm:styleLbl>
+  <dgm:styleLbl name="trBgShp">
+    <dgm:fillClrLst meth="repeat">
+      <a:schemeClr val="accent1">
+        <a:tint val="50000"/>
+        <a:alpha val="40000"/>
+      </a:schemeClr>
+    </dgm:fillClrLst>
+    <dgm:linClrLst meth="repeat">
+      <a:schemeClr val="accent1"/>
+    </dgm:linClrLst>
+    <dgm:effectClrLst/>
+    <dgm:txLinClrLst/>
+    <dgm:txFillClrLst meth="repeat">
+      <a:schemeClr val="lt1"/>
+    </dgm:txFillClrLst>
+    <dgm:txEffectClrLst/>
+  </dgm:styleLbl>
+  <dgm:styleLbl name="fgShp">
+    <dgm:fillClrLst meth="repeat">
+      <a:schemeClr val="accent1">
+        <a:tint val="60000"/>
+      </a:schemeClr>
+    </dgm:fillClrLst>
+    <dgm:linClrLst meth="repeat">
+      <a:schemeClr val="lt1"/>
+    </dgm:linClrLst>
+    <dgm:effectClrLst/>
+    <dgm:txLinClrLst/>
+    <dgm:txFillClrLst meth="repeat">
+      <a:schemeClr val="dk1"/>
+    </dgm:txFillClrLst>
+    <dgm:txEffectClrLst/>
+  </dgm:styleLbl>
+  <dgm:styleLbl name="revTx">
+    <dgm:fillClrLst meth="repeat">
+      <a:schemeClr val="lt1">
+        <a:alpha val="0"/>
+      </a:schemeClr>
+    </dgm:fillClrLst>
+    <dgm:linClrLst meth="repeat">
+      <a:schemeClr val="dk1">
+        <a:alpha val="0"/>
+      </a:schemeClr>
+    </dgm:linClrLst>
+    <dgm:effectClrLst/>
+    <dgm:txLinClrLst/>
+    <dgm:txFillClrLst meth="repeat">
+      <a:schemeClr val="tx1"/>
+    </dgm:txFillClrLst>
+    <dgm:txEffectClrLst/>
+  </dgm:styleLbl>
+</dgm:colorsDef>
+</file>
+
+<file path=ppt/diagrams/data1.xml><?xml version="1.0" encoding="utf-8"?>
+<dgm:dataModel xmlns:dgm="http://schemas.openxmlformats.org/drawingml/2006/diagram" xmlns:a="http://schemas.openxmlformats.org/drawingml/2006/main">
+  <dgm:ptLst>
+    <dgm:pt modelId="{DCE7B4F7-0717-6543-93C9-47756FDF8E5C}" type="doc">
+      <dgm:prSet loTypeId="urn:microsoft.com/office/officeart/2005/8/layout/pyramid1" loCatId="" qsTypeId="urn:microsoft.com/office/officeart/2005/8/quickstyle/3D5" qsCatId="3D" csTypeId="urn:microsoft.com/office/officeart/2005/8/colors/accent1_2" csCatId="accent1" phldr="1"/>
+      <dgm:spPr/>
+    </dgm:pt>
+    <dgm:pt modelId="{463497ED-E0E2-7542-AC5E-B4BF3A69E2D9}">
+      <dgm:prSet phldrT="[Text]"/>
+      <dgm:spPr/>
+      <dgm:t>
+        <a:bodyPr/>
+        <a:lstStyle/>
+        <a:p>
+          <a:r>
+            <a:rPr lang="en-US" dirty="0" smtClean="0"/>
+            <a:t>Software-as-a-Service</a:t>
+          </a:r>
+          <a:endParaRPr lang="en-US" dirty="0"/>
+        </a:p>
+      </dgm:t>
+    </dgm:pt>
+    <dgm:pt modelId="{9F87FB96-D78E-0440-ABF9-754D0863C5C0}" type="parTrans" cxnId="{7806E36D-EC2A-0942-83D1-A1EB71444710}">
+      <dgm:prSet/>
+      <dgm:spPr/>
+      <dgm:t>
+        <a:bodyPr/>
+        <a:lstStyle/>
+        <a:p>
+          <a:endParaRPr lang="en-US"/>
+        </a:p>
+      </dgm:t>
+    </dgm:pt>
+    <dgm:pt modelId="{F1007C82-9CC2-F04B-B898-312929A68477}" type="sibTrans" cxnId="{7806E36D-EC2A-0942-83D1-A1EB71444710}">
+      <dgm:prSet/>
+      <dgm:spPr/>
+      <dgm:t>
+        <a:bodyPr/>
+        <a:lstStyle/>
+        <a:p>
+          <a:endParaRPr lang="en-US"/>
+        </a:p>
+      </dgm:t>
+    </dgm:pt>
+    <dgm:pt modelId="{4E9BD0BE-2937-6448-BF83-4AD76DE67E5B}">
+      <dgm:prSet phldrT="[Text]"/>
+      <dgm:spPr/>
+      <dgm:t>
+        <a:bodyPr/>
+        <a:lstStyle/>
+        <a:p>
+          <a:r>
+            <a:rPr lang="en-US" dirty="0" smtClean="0"/>
+            <a:t>Platform-as-a-Service</a:t>
+          </a:r>
+          <a:endParaRPr lang="en-US" dirty="0"/>
+        </a:p>
+      </dgm:t>
+    </dgm:pt>
+    <dgm:pt modelId="{2D253641-ADEA-354C-B18B-9DFC8A8A6DB9}" type="parTrans" cxnId="{116DFD73-190B-7B44-93AB-02505E9B17C4}">
+      <dgm:prSet/>
+      <dgm:spPr/>
+      <dgm:t>
+        <a:bodyPr/>
+        <a:lstStyle/>
+        <a:p>
+          <a:endParaRPr lang="en-US"/>
+        </a:p>
+      </dgm:t>
+    </dgm:pt>
+    <dgm:pt modelId="{56573B77-0D84-D24E-9DDB-B55EF7AE5D2D}" type="sibTrans" cxnId="{116DFD73-190B-7B44-93AB-02505E9B17C4}">
+      <dgm:prSet/>
+      <dgm:spPr/>
+      <dgm:t>
+        <a:bodyPr/>
+        <a:lstStyle/>
+        <a:p>
+          <a:endParaRPr lang="en-US"/>
+        </a:p>
+      </dgm:t>
+    </dgm:pt>
+    <dgm:pt modelId="{F4858C5F-2910-C14B-AE65-5EC1486E1D33}">
+      <dgm:prSet phldrT="[Text]"/>
+      <dgm:spPr/>
+      <dgm:t>
+        <a:bodyPr/>
+        <a:lstStyle/>
+        <a:p>
+          <a:r>
+            <a:rPr lang="en-US" dirty="0" smtClean="0"/>
+            <a:t>Infrastructure-as-a-Service</a:t>
+          </a:r>
+          <a:endParaRPr lang="en-US" dirty="0"/>
+        </a:p>
+      </dgm:t>
+    </dgm:pt>
+    <dgm:pt modelId="{B234DB13-B1E2-784F-9ACB-C199CD54B54E}" type="parTrans" cxnId="{22BEC169-42B4-934A-AD5C-35C05F575F36}">
+      <dgm:prSet/>
+      <dgm:spPr/>
+      <dgm:t>
+        <a:bodyPr/>
+        <a:lstStyle/>
+        <a:p>
+          <a:endParaRPr lang="en-US"/>
+        </a:p>
+      </dgm:t>
+    </dgm:pt>
+    <dgm:pt modelId="{580F1A18-344A-2346-9AB6-D72EAF720ADB}" type="sibTrans" cxnId="{22BEC169-42B4-934A-AD5C-35C05F575F36}">
+      <dgm:prSet/>
+      <dgm:spPr/>
+      <dgm:t>
+        <a:bodyPr/>
+        <a:lstStyle/>
+        <a:p>
+          <a:endParaRPr lang="en-US"/>
+        </a:p>
+      </dgm:t>
+    </dgm:pt>
+    <dgm:pt modelId="{C5375A42-A305-8945-A9AE-42E1E1941F90}" type="pres">
+      <dgm:prSet presAssocID="{DCE7B4F7-0717-6543-93C9-47756FDF8E5C}" presName="Name0" presStyleCnt="0">
+        <dgm:presLayoutVars>
+          <dgm:dir/>
+          <dgm:animLvl val="lvl"/>
+          <dgm:resizeHandles val="exact"/>
+        </dgm:presLayoutVars>
+      </dgm:prSet>
+      <dgm:spPr/>
+    </dgm:pt>
+    <dgm:pt modelId="{9377526D-6290-2D4E-864B-C98F673B539B}" type="pres">
+      <dgm:prSet presAssocID="{463497ED-E0E2-7542-AC5E-B4BF3A69E2D9}" presName="Name8" presStyleCnt="0"/>
+      <dgm:spPr/>
+    </dgm:pt>
+    <dgm:pt modelId="{FFEF248A-9CDD-0C4E-AC18-CF912B6168D5}" type="pres">
+      <dgm:prSet presAssocID="{463497ED-E0E2-7542-AC5E-B4BF3A69E2D9}" presName="level" presStyleLbl="node1" presStyleIdx="0" presStyleCnt="3">
+        <dgm:presLayoutVars>
+          <dgm:chMax val="1"/>
+          <dgm:bulletEnabled val="1"/>
+        </dgm:presLayoutVars>
+      </dgm:prSet>
+      <dgm:spPr/>
+      <dgm:t>
+        <a:bodyPr/>
+        <a:lstStyle/>
+        <a:p>
+          <a:endParaRPr lang="en-US"/>
+        </a:p>
+      </dgm:t>
+    </dgm:pt>
+    <dgm:pt modelId="{671FD104-BF24-DF42-A3CF-ABEF6EFA5A28}" type="pres">
+      <dgm:prSet presAssocID="{463497ED-E0E2-7542-AC5E-B4BF3A69E2D9}" presName="levelTx" presStyleLbl="revTx" presStyleIdx="0" presStyleCnt="0">
+        <dgm:presLayoutVars>
+          <dgm:chMax val="1"/>
+          <dgm:bulletEnabled val="1"/>
+        </dgm:presLayoutVars>
+      </dgm:prSet>
+      <dgm:spPr/>
+      <dgm:t>
+        <a:bodyPr/>
+        <a:lstStyle/>
+        <a:p>
+          <a:endParaRPr lang="en-US"/>
+        </a:p>
+      </dgm:t>
+    </dgm:pt>
+    <dgm:pt modelId="{57C73AB3-571E-1948-9C9B-C6AD9632CC21}" type="pres">
+      <dgm:prSet presAssocID="{4E9BD0BE-2937-6448-BF83-4AD76DE67E5B}" presName="Name8" presStyleCnt="0"/>
+      <dgm:spPr/>
+    </dgm:pt>
+    <dgm:pt modelId="{5DB06A7B-4B37-0046-87D0-B6F4E9A214F7}" type="pres">
+      <dgm:prSet presAssocID="{4E9BD0BE-2937-6448-BF83-4AD76DE67E5B}" presName="level" presStyleLbl="node1" presStyleIdx="1" presStyleCnt="3">
+        <dgm:presLayoutVars>
+          <dgm:chMax val="1"/>
+          <dgm:bulletEnabled val="1"/>
+        </dgm:presLayoutVars>
+      </dgm:prSet>
+      <dgm:spPr/>
+      <dgm:t>
+        <a:bodyPr/>
+        <a:lstStyle/>
+        <a:p>
+          <a:endParaRPr lang="en-US"/>
+        </a:p>
+      </dgm:t>
+    </dgm:pt>
+    <dgm:pt modelId="{766CF9A7-B66E-6A46-BCC8-441490CF598F}" type="pres">
+      <dgm:prSet presAssocID="{4E9BD0BE-2937-6448-BF83-4AD76DE67E5B}" presName="levelTx" presStyleLbl="revTx" presStyleIdx="0" presStyleCnt="0">
+        <dgm:presLayoutVars>
+          <dgm:chMax val="1"/>
+          <dgm:bulletEnabled val="1"/>
+        </dgm:presLayoutVars>
+      </dgm:prSet>
+      <dgm:spPr/>
+      <dgm:t>
+        <a:bodyPr/>
+        <a:lstStyle/>
+        <a:p>
+          <a:endParaRPr lang="en-US"/>
+        </a:p>
+      </dgm:t>
+    </dgm:pt>
+    <dgm:pt modelId="{F58E8FF2-EA6D-F54E-B0E6-F10473E915B7}" type="pres">
+      <dgm:prSet presAssocID="{F4858C5F-2910-C14B-AE65-5EC1486E1D33}" presName="Name8" presStyleCnt="0"/>
+      <dgm:spPr/>
+    </dgm:pt>
+    <dgm:pt modelId="{66FFD7BE-09E7-DA40-A903-F11A86160C9F}" type="pres">
+      <dgm:prSet presAssocID="{F4858C5F-2910-C14B-AE65-5EC1486E1D33}" presName="level" presStyleLbl="node1" presStyleIdx="2" presStyleCnt="3">
+        <dgm:presLayoutVars>
+          <dgm:chMax val="1"/>
+          <dgm:bulletEnabled val="1"/>
+        </dgm:presLayoutVars>
+      </dgm:prSet>
+      <dgm:spPr/>
+      <dgm:t>
+        <a:bodyPr/>
+        <a:lstStyle/>
+        <a:p>
+          <a:endParaRPr lang="en-US"/>
+        </a:p>
+      </dgm:t>
+    </dgm:pt>
+    <dgm:pt modelId="{DD308B38-ED00-B646-B2CB-26EE36FBD94C}" type="pres">
+      <dgm:prSet presAssocID="{F4858C5F-2910-C14B-AE65-5EC1486E1D33}" presName="levelTx" presStyleLbl="revTx" presStyleIdx="0" presStyleCnt="0">
+        <dgm:presLayoutVars>
+          <dgm:chMax val="1"/>
+          <dgm:bulletEnabled val="1"/>
+        </dgm:presLayoutVars>
+      </dgm:prSet>
+      <dgm:spPr/>
+      <dgm:t>
+        <a:bodyPr/>
+        <a:lstStyle/>
+        <a:p>
+          <a:endParaRPr lang="en-US"/>
+        </a:p>
+      </dgm:t>
+    </dgm:pt>
+  </dgm:ptLst>
+  <dgm:cxnLst>
+    <dgm:cxn modelId="{2D9C3DD1-7828-4E10-AA4A-EDB3433FBF29}" type="presOf" srcId="{DCE7B4F7-0717-6543-93C9-47756FDF8E5C}" destId="{C5375A42-A305-8945-A9AE-42E1E1941F90}" srcOrd="0" destOrd="0" presId="urn:microsoft.com/office/officeart/2005/8/layout/pyramid1"/>
+    <dgm:cxn modelId="{DAD67794-D282-47E3-B322-73B5893F6822}" type="presOf" srcId="{463497ED-E0E2-7542-AC5E-B4BF3A69E2D9}" destId="{671FD104-BF24-DF42-A3CF-ABEF6EFA5A28}" srcOrd="1" destOrd="0" presId="urn:microsoft.com/office/officeart/2005/8/layout/pyramid1"/>
+    <dgm:cxn modelId="{7806E36D-EC2A-0942-83D1-A1EB71444710}" srcId="{DCE7B4F7-0717-6543-93C9-47756FDF8E5C}" destId="{463497ED-E0E2-7542-AC5E-B4BF3A69E2D9}" srcOrd="0" destOrd="0" parTransId="{9F87FB96-D78E-0440-ABF9-754D0863C5C0}" sibTransId="{F1007C82-9CC2-F04B-B898-312929A68477}"/>
+    <dgm:cxn modelId="{6E81EC71-E600-477B-93CD-406B82DF27F4}" type="presOf" srcId="{4E9BD0BE-2937-6448-BF83-4AD76DE67E5B}" destId="{766CF9A7-B66E-6A46-BCC8-441490CF598F}" srcOrd="1" destOrd="0" presId="urn:microsoft.com/office/officeart/2005/8/layout/pyramid1"/>
+    <dgm:cxn modelId="{19BD7A9F-DAED-400D-AF68-0A85041F3F11}" type="presOf" srcId="{4E9BD0BE-2937-6448-BF83-4AD76DE67E5B}" destId="{5DB06A7B-4B37-0046-87D0-B6F4E9A214F7}" srcOrd="0" destOrd="0" presId="urn:microsoft.com/office/officeart/2005/8/layout/pyramid1"/>
+    <dgm:cxn modelId="{8F5A726F-1B3B-4D1F-8B1B-D9809B58AABF}" type="presOf" srcId="{F4858C5F-2910-C14B-AE65-5EC1486E1D33}" destId="{66FFD7BE-09E7-DA40-A903-F11A86160C9F}" srcOrd="0" destOrd="0" presId="urn:microsoft.com/office/officeart/2005/8/layout/pyramid1"/>
+    <dgm:cxn modelId="{DDAB17A6-AD81-44B7-BADC-6CE41847579E}" type="presOf" srcId="{463497ED-E0E2-7542-AC5E-B4BF3A69E2D9}" destId="{FFEF248A-9CDD-0C4E-AC18-CF912B6168D5}" srcOrd="0" destOrd="0" presId="urn:microsoft.com/office/officeart/2005/8/layout/pyramid1"/>
+    <dgm:cxn modelId="{22BEC169-42B4-934A-AD5C-35C05F575F36}" srcId="{DCE7B4F7-0717-6543-93C9-47756FDF8E5C}" destId="{F4858C5F-2910-C14B-AE65-5EC1486E1D33}" srcOrd="2" destOrd="0" parTransId="{B234DB13-B1E2-784F-9ACB-C199CD54B54E}" sibTransId="{580F1A18-344A-2346-9AB6-D72EAF720ADB}"/>
+    <dgm:cxn modelId="{3C111C00-9819-40BC-B6B5-3A95EC1C9935}" type="presOf" srcId="{F4858C5F-2910-C14B-AE65-5EC1486E1D33}" destId="{DD308B38-ED00-B646-B2CB-26EE36FBD94C}" srcOrd="1" destOrd="0" presId="urn:microsoft.com/office/officeart/2005/8/layout/pyramid1"/>
+    <dgm:cxn modelId="{116DFD73-190B-7B44-93AB-02505E9B17C4}" srcId="{DCE7B4F7-0717-6543-93C9-47756FDF8E5C}" destId="{4E9BD0BE-2937-6448-BF83-4AD76DE67E5B}" srcOrd="1" destOrd="0" parTransId="{2D253641-ADEA-354C-B18B-9DFC8A8A6DB9}" sibTransId="{56573B77-0D84-D24E-9DDB-B55EF7AE5D2D}"/>
+    <dgm:cxn modelId="{ABB40FD4-CC27-447B-A664-A2163598D634}" type="presParOf" srcId="{C5375A42-A305-8945-A9AE-42E1E1941F90}" destId="{9377526D-6290-2D4E-864B-C98F673B539B}" srcOrd="0" destOrd="0" presId="urn:microsoft.com/office/officeart/2005/8/layout/pyramid1"/>
+    <dgm:cxn modelId="{A60EA3AC-276C-422F-AD55-AA6A8C371C82}" type="presParOf" srcId="{9377526D-6290-2D4E-864B-C98F673B539B}" destId="{FFEF248A-9CDD-0C4E-AC18-CF912B6168D5}" srcOrd="0" destOrd="0" presId="urn:microsoft.com/office/officeart/2005/8/layout/pyramid1"/>
+    <dgm:cxn modelId="{BAED7D49-3EDB-4269-95D8-CB36214EE693}" type="presParOf" srcId="{9377526D-6290-2D4E-864B-C98F673B539B}" destId="{671FD104-BF24-DF42-A3CF-ABEF6EFA5A28}" srcOrd="1" destOrd="0" presId="urn:microsoft.com/office/officeart/2005/8/layout/pyramid1"/>
+    <dgm:cxn modelId="{8C16E97C-6B60-4C8B-8A07-6E310D54A1F3}" type="presParOf" srcId="{C5375A42-A305-8945-A9AE-42E1E1941F90}" destId="{57C73AB3-571E-1948-9C9B-C6AD9632CC21}" srcOrd="1" destOrd="0" presId="urn:microsoft.com/office/officeart/2005/8/layout/pyramid1"/>
+    <dgm:cxn modelId="{7B0AB3CC-63A3-493A-B434-4E5E54750ED9}" type="presParOf" srcId="{57C73AB3-571E-1948-9C9B-C6AD9632CC21}" destId="{5DB06A7B-4B37-0046-87D0-B6F4E9A214F7}" srcOrd="0" destOrd="0" presId="urn:microsoft.com/office/officeart/2005/8/layout/pyramid1"/>
+    <dgm:cxn modelId="{8BE72F2D-7705-4B1F-B854-9CE19AE78A4D}" type="presParOf" srcId="{57C73AB3-571E-1948-9C9B-C6AD9632CC21}" destId="{766CF9A7-B66E-6A46-BCC8-441490CF598F}" srcOrd="1" destOrd="0" presId="urn:microsoft.com/office/officeart/2005/8/layout/pyramid1"/>
+    <dgm:cxn modelId="{FA1CC995-67D1-4000-B06E-D848B919F3A1}" type="presParOf" srcId="{C5375A42-A305-8945-A9AE-42E1E1941F90}" destId="{F58E8FF2-EA6D-F54E-B0E6-F10473E915B7}" srcOrd="2" destOrd="0" presId="urn:microsoft.com/office/officeart/2005/8/layout/pyramid1"/>
+    <dgm:cxn modelId="{29B75B11-8F3C-431B-AD64-9A8DE39646C9}" type="presParOf" srcId="{F58E8FF2-EA6D-F54E-B0E6-F10473E915B7}" destId="{66FFD7BE-09E7-DA40-A903-F11A86160C9F}" srcOrd="0" destOrd="0" presId="urn:microsoft.com/office/officeart/2005/8/layout/pyramid1"/>
+    <dgm:cxn modelId="{28E7E640-0D69-47E7-9309-7FD05AAA4437}" type="presParOf" srcId="{F58E8FF2-EA6D-F54E-B0E6-F10473E915B7}" destId="{DD308B38-ED00-B646-B2CB-26EE36FBD94C}" srcOrd="1" destOrd="0" presId="urn:microsoft.com/office/officeart/2005/8/layout/pyramid1"/>
+  </dgm:cxnLst>
+  <dgm:bg/>
+  <dgm:whole/>
+  <dgm:extLst>
+    <a:ext uri="http://schemas.microsoft.com/office/drawing/2008/diagram">
+      <dsp:dataModelExt xmlns:dsp="http://schemas.microsoft.com/office/drawing/2008/diagram" relId="rId6" minVer="http://schemas.openxmlformats.org/drawingml/2006/diagram"/>
+    </a:ext>
+  </dgm:extLst>
+</dgm:dataModel>
+</file>
+
+<file path=ppt/diagrams/drawing1.xml><?xml version="1.0" encoding="utf-8"?>
+<dsp:drawing xmlns:dgm="http://schemas.openxmlformats.org/drawingml/2006/diagram" xmlns:dsp="http://schemas.microsoft.com/office/drawing/2008/diagram" xmlns:a="http://schemas.openxmlformats.org/drawingml/2006/main">
+  <dsp:spTree>
+    <dsp:nvGrpSpPr>
+      <dsp:cNvPr id="0" name=""/>
+      <dsp:cNvGrpSpPr/>
+    </dsp:nvGrpSpPr>
+    <dsp:grpSpPr/>
+    <dsp:sp modelId="{FFEF248A-9CDD-0C4E-AC18-CF912B6168D5}">
+      <dsp:nvSpPr>
+        <dsp:cNvPr id="0" name=""/>
+        <dsp:cNvSpPr/>
+      </dsp:nvSpPr>
+      <dsp:spPr>
+        <a:xfrm>
+          <a:off x="1959152" y="0"/>
+          <a:ext cx="1959152" cy="1252386"/>
+        </a:xfrm>
+        <a:prstGeom prst="trapezoid">
+          <a:avLst>
+            <a:gd name="adj" fmla="val 78217"/>
+          </a:avLst>
+        </a:prstGeom>
+        <a:solidFill>
+          <a:schemeClr val="accent1">
+            <a:hueOff val="0"/>
+            <a:satOff val="0"/>
+            <a:lumOff val="0"/>
+            <a:alphaOff val="0"/>
+          </a:schemeClr>
+        </a:solidFill>
+        <a:ln>
+          <a:noFill/>
+        </a:ln>
+        <a:effectLst/>
+        <a:sp3d extrusionH="381000" contourW="38100" prstMaterial="matte">
+          <a:contourClr>
+            <a:schemeClr val="lt1"/>
+          </a:contourClr>
+        </a:sp3d>
+      </dsp:spPr>
+      <dsp:style>
+        <a:lnRef idx="0">
+          <a:scrgbClr r="0" g="0" b="0"/>
+        </a:lnRef>
+        <a:fillRef idx="1">
+          <a:scrgbClr r="0" g="0" b="0"/>
+        </a:fillRef>
+        <a:effectRef idx="0">
+          <a:scrgbClr r="0" g="0" b="0"/>
+        </a:effectRef>
+        <a:fontRef idx="minor">
+          <a:schemeClr val="lt1"/>
+        </a:fontRef>
+      </dsp:style>
+      <dsp:txBody>
+        <a:bodyPr spcFirstLastPara="0" vert="horz" wrap="square" lIns="39370" tIns="39370" rIns="39370" bIns="39370" numCol="1" spcCol="1270" anchor="ctr" anchorCtr="0">
+          <a:noAutofit/>
+        </a:bodyPr>
+        <a:lstStyle/>
+        <a:p>
+          <a:pPr lvl="0" algn="ctr" defTabSz="1377950">
+            <a:lnSpc>
+              <a:spcPct val="90000"/>
+            </a:lnSpc>
+            <a:spcBef>
+              <a:spcPct val="0"/>
+            </a:spcBef>
+            <a:spcAft>
+              <a:spcPct val="35000"/>
+            </a:spcAft>
+          </a:pPr>
+          <a:r>
+            <a:rPr lang="en-US" sz="3100" kern="1200" dirty="0" smtClean="0"/>
+            <a:t>Software-as-a-Service</a:t>
+          </a:r>
+          <a:endParaRPr lang="en-US" sz="3100" kern="1200" dirty="0"/>
+        </a:p>
+      </dsp:txBody>
+      <dsp:txXfrm>
+        <a:off x="1959152" y="0"/>
+        <a:ext cx="1959152" cy="1252386"/>
+      </dsp:txXfrm>
+    </dsp:sp>
+    <dsp:sp modelId="{5DB06A7B-4B37-0046-87D0-B6F4E9A214F7}">
+      <dsp:nvSpPr>
+        <dsp:cNvPr id="0" name=""/>
+        <dsp:cNvSpPr/>
+      </dsp:nvSpPr>
+      <dsp:spPr>
+        <a:xfrm>
+          <a:off x="979576" y="1252386"/>
+          <a:ext cx="3918305" cy="1252386"/>
+        </a:xfrm>
+        <a:prstGeom prst="trapezoid">
+          <a:avLst>
+            <a:gd name="adj" fmla="val 78217"/>
+          </a:avLst>
+        </a:prstGeom>
+        <a:solidFill>
+          <a:schemeClr val="accent1">
+            <a:hueOff val="0"/>
+            <a:satOff val="0"/>
+            <a:lumOff val="0"/>
+            <a:alphaOff val="0"/>
+          </a:schemeClr>
+        </a:solidFill>
+        <a:ln>
+          <a:noFill/>
+        </a:ln>
+        <a:effectLst/>
+        <a:sp3d extrusionH="381000" contourW="38100" prstMaterial="matte">
+          <a:contourClr>
+            <a:schemeClr val="lt1"/>
+          </a:contourClr>
+        </a:sp3d>
+      </dsp:spPr>
+      <dsp:style>
+        <a:lnRef idx="0">
+          <a:scrgbClr r="0" g="0" b="0"/>
+        </a:lnRef>
+        <a:fillRef idx="1">
+          <a:scrgbClr r="0" g="0" b="0"/>
+        </a:fillRef>
+        <a:effectRef idx="0">
+          <a:scrgbClr r="0" g="0" b="0"/>
+        </a:effectRef>
+        <a:fontRef idx="minor">
+          <a:schemeClr val="lt1"/>
+        </a:fontRef>
+      </dsp:style>
+      <dsp:txBody>
+        <a:bodyPr spcFirstLastPara="0" vert="horz" wrap="square" lIns="39370" tIns="39370" rIns="39370" bIns="39370" numCol="1" spcCol="1270" anchor="ctr" anchorCtr="0">
+          <a:noAutofit/>
+        </a:bodyPr>
+        <a:lstStyle/>
+        <a:p>
+          <a:pPr lvl="0" algn="ctr" defTabSz="1377950">
+            <a:lnSpc>
+              <a:spcPct val="90000"/>
+            </a:lnSpc>
+            <a:spcBef>
+              <a:spcPct val="0"/>
+            </a:spcBef>
+            <a:spcAft>
+              <a:spcPct val="35000"/>
+            </a:spcAft>
+          </a:pPr>
+          <a:r>
+            <a:rPr lang="en-US" sz="3100" kern="1200" dirty="0" smtClean="0"/>
+            <a:t>Platform-as-a-Service</a:t>
+          </a:r>
+          <a:endParaRPr lang="en-US" sz="3100" kern="1200" dirty="0"/>
+        </a:p>
+      </dsp:txBody>
+      <dsp:txXfrm>
+        <a:off x="1665279" y="1252386"/>
+        <a:ext cx="2546898" cy="1252386"/>
+      </dsp:txXfrm>
+    </dsp:sp>
+    <dsp:sp modelId="{66FFD7BE-09E7-DA40-A903-F11A86160C9F}">
+      <dsp:nvSpPr>
+        <dsp:cNvPr id="0" name=""/>
+        <dsp:cNvSpPr/>
+      </dsp:nvSpPr>
+      <dsp:spPr>
+        <a:xfrm>
+          <a:off x="0" y="2504772"/>
+          <a:ext cx="5877457" cy="1252386"/>
+        </a:xfrm>
+        <a:prstGeom prst="trapezoid">
+          <a:avLst>
+            <a:gd name="adj" fmla="val 78217"/>
+          </a:avLst>
+        </a:prstGeom>
+        <a:solidFill>
+          <a:schemeClr val="accent1">
+            <a:hueOff val="0"/>
+            <a:satOff val="0"/>
+            <a:lumOff val="0"/>
+            <a:alphaOff val="0"/>
+          </a:schemeClr>
+        </a:solidFill>
+        <a:ln>
+          <a:noFill/>
+        </a:ln>
+        <a:effectLst/>
+        <a:sp3d extrusionH="381000" contourW="38100" prstMaterial="matte">
+          <a:contourClr>
+            <a:schemeClr val="lt1"/>
+          </a:contourClr>
+        </a:sp3d>
+      </dsp:spPr>
+      <dsp:style>
+        <a:lnRef idx="0">
+          <a:scrgbClr r="0" g="0" b="0"/>
+        </a:lnRef>
+        <a:fillRef idx="1">
+          <a:scrgbClr r="0" g="0" b="0"/>
+        </a:fillRef>
+        <a:effectRef idx="0">
+          <a:scrgbClr r="0" g="0" b="0"/>
+        </a:effectRef>
+        <a:fontRef idx="minor">
+          <a:schemeClr val="lt1"/>
+        </a:fontRef>
+      </dsp:style>
+      <dsp:txBody>
+        <a:bodyPr spcFirstLastPara="0" vert="horz" wrap="square" lIns="39370" tIns="39370" rIns="39370" bIns="39370" numCol="1" spcCol="1270" anchor="ctr" anchorCtr="0">
+          <a:noAutofit/>
+        </a:bodyPr>
+        <a:lstStyle/>
+        <a:p>
+          <a:pPr lvl="0" algn="ctr" defTabSz="1377950">
+            <a:lnSpc>
+              <a:spcPct val="90000"/>
+            </a:lnSpc>
+            <a:spcBef>
+              <a:spcPct val="0"/>
+            </a:spcBef>
+            <a:spcAft>
+              <a:spcPct val="35000"/>
+            </a:spcAft>
+          </a:pPr>
+          <a:r>
+            <a:rPr lang="en-US" sz="3100" kern="1200" dirty="0" smtClean="0"/>
+            <a:t>Infrastructure-as-a-Service</a:t>
+          </a:r>
+          <a:endParaRPr lang="en-US" sz="3100" kern="1200" dirty="0"/>
+        </a:p>
+      </dsp:txBody>
+      <dsp:txXfrm>
+        <a:off x="1028555" y="2504772"/>
+        <a:ext cx="3820347" cy="1252386"/>
+      </dsp:txXfrm>
+    </dsp:sp>
+  </dsp:spTree>
+</dsp:drawing>
+</file>
+
+<file path=ppt/diagrams/layout1.xml><?xml version="1.0" encoding="utf-8"?>
+<dgm:layoutDef xmlns:dgm="http://schemas.openxmlformats.org/drawingml/2006/diagram" xmlns:a="http://schemas.openxmlformats.org/drawingml/2006/main" uniqueId="urn:microsoft.com/office/officeart/2005/8/layout/pyramid1">
+  <dgm:title val=""/>
+  <dgm:desc val=""/>
+  <dgm:catLst>
+    <dgm:cat type="pyramid" pri="1000"/>
+  </dgm:catLst>
+  <dgm:sampData useDef="1">
+    <dgm:dataModel>
+      <dgm:ptLst/>
+      <dgm:bg/>
+      <dgm:whole/>
+    </dgm:dataModel>
+  </dgm:sampData>
+  <dgm:styleData>
+    <dgm:dataModel>
+      <dgm:ptLst>
+        <dgm:pt modelId="0" type="doc"/>
+        <dgm:pt modelId="1"/>
+        <dgm:pt modelId="2"/>
+      </dgm:ptLst>
+      <dgm:cxnLst>
+        <dgm:cxn modelId="3" srcId="0" destId="1" srcOrd="0" destOrd="0"/>
+        <dgm:cxn modelId="4" srcId="0" destId="2" srcOrd="1" destOrd="0"/>
+      </dgm:cxnLst>
+      <dgm:bg/>
+      <dgm:whole/>
+    </dgm:dataModel>
+  </dgm:styleData>
+  <dgm:clrData>
+    <dgm:dataModel>
+      <dgm:ptLst>
+        <dgm:pt modelId="0" type="doc"/>
+        <dgm:pt modelId="1"/>
+        <dgm:pt modelId="2"/>
+        <dgm:pt modelId="3"/>
+        <dgm:pt modelId="4"/>
+      </dgm:ptLst>
+      <dgm:cxnLst>
+        <dgm:cxn modelId="5" srcId="0" destId="1" srcOrd="0" destOrd="0"/>
+        <dgm:cxn modelId="6" srcId="0" destId="2" srcOrd="1" destOrd="0"/>
+        <dgm:cxn modelId="7" srcId="0" destId="3" srcOrd="2" destOrd="0"/>
+        <dgm:cxn modelId="8" srcId="0" destId="4" srcOrd="3" destOrd="0"/>
+      </dgm:cxnLst>
+      <dgm:bg/>
+      <dgm:whole/>
+    </dgm:dataModel>
+  </dgm:clrData>
+  <dgm:layoutNode name="Name0">
+    <dgm:varLst>
+      <dgm:dir/>
+      <dgm:animLvl val="lvl"/>
+      <dgm:resizeHandles val="exact"/>
+    </dgm:varLst>
+    <dgm:choose name="Name1">
+      <dgm:if name="Name2" func="var" arg="dir" op="equ" val="norm">
+        <dgm:alg type="pyra">
+          <dgm:param type="linDir" val="fromB"/>
+          <dgm:param type="txDir" val="fromT"/>
+          <dgm:param type="pyraAcctPos" val="aft"/>
+          <dgm:param type="pyraAcctTxMar" val="step"/>
+          <dgm:param type="pyraAcctBkgdNode" val="acctBkgd"/>
+          <dgm:param type="pyraAcctTxNode" val="acctTx"/>
+          <dgm:param type="pyraLvlNode" val="level"/>
+        </dgm:alg>
+      </dgm:if>
+      <dgm:else name="Name3">
+        <dgm:alg type="pyra">
+          <dgm:param type="linDir" val="fromB"/>
+          <dgm:param type="txDir" val="fromT"/>
+          <dgm:param type="pyraAcctPos" val="bef"/>
+          <dgm:param type="pyraAcctTxMar" val="step"/>
+          <dgm:param type="pyraAcctBkgdNode" val="acctBkgd"/>
+          <dgm:param type="pyraAcctTxNode" val="acctTx"/>
+          <dgm:param type="pyraLvlNode" val="level"/>
+        </dgm:alg>
+      </dgm:else>
+    </dgm:choose>
+    <dgm:shape xmlns:r="http://schemas.openxmlformats.org/officeDocument/2006/relationships" r:blip="">
+      <dgm:adjLst/>
+    </dgm:shape>
+    <dgm:presOf/>
+    <dgm:choose name="Name4">
+      <dgm:if name="Name5" axis="root des" ptType="all node" func="maxDepth" op="gte" val="2">
+        <dgm:constrLst>
+          <dgm:constr type="primFontSz" for="des" forName="levelTx" op="equ"/>
+          <dgm:constr type="secFontSz" for="des" forName="acctTx" op="equ"/>
+          <dgm:constr type="pyraAcctRatio" val="0.32"/>
+        </dgm:constrLst>
+      </dgm:if>
+      <dgm:else name="Name6">
+        <dgm:constrLst>
+          <dgm:constr type="primFontSz" for="des" forName="levelTx" op="equ"/>
+          <dgm:constr type="secFontSz" for="des" forName="acctTx" op="equ"/>
+          <dgm:constr type="pyraAcctRatio"/>
+        </dgm:constrLst>
+      </dgm:else>
+    </dgm:choose>
+    <dgm:ruleLst/>
+    <dgm:forEach name="Name7" axis="ch" ptType="node">
+      <dgm:layoutNode name="Name8">
+        <dgm:alg type="composite">
+          <dgm:param type="horzAlign" val="none"/>
+        </dgm:alg>
+        <dgm:shape xmlns:r="http://schemas.openxmlformats.org/officeDocument/2006/relationships" r:blip="">
+          <dgm:adjLst/>
+        </dgm:shape>
+        <dgm:presOf/>
+        <dgm:choose name="Name9">
+          <dgm:if name="Name10" axis="self" ptType="node" func="pos" op="equ" val="1">
+            <dgm:constrLst>
+              <dgm:constr type="ctrX" for="ch" forName="acctBkgd" val="1"/>
+              <dgm:constr type="ctrY" for="ch" forName="acctBkgd" val="1"/>
+              <dgm:constr type="w" for="ch" forName="acctBkgd" val="1"/>
+              <dgm:constr type="h" for="ch" forName="acctBkgd" val="1"/>
+              <dgm:constr type="ctrX" for="ch" forName="acctTx" val="1"/>
+              <dgm:constr type="ctrY" for="ch" forName="acctTx" val="1"/>
+              <dgm:constr type="w" for="ch" forName="acctTx" val="1"/>
+              <dgm:constr type="h" for="ch" forName="acctTx" val="1"/>
+              <dgm:constr type="ctrX" for="ch" forName="level" val="1"/>
+              <dgm:constr type="ctrY" for="ch" forName="level" val="1"/>
+              <dgm:constr type="w" for="ch" forName="level" val="1"/>
+              <dgm:constr type="h" for="ch" forName="level" val="1"/>
+              <dgm:constr type="ctrX" for="ch" forName="levelTx" refType="ctrX" refFor="ch" refForName="level"/>
+              <dgm:constr type="ctrY" for="ch" forName="levelTx" refType="ctrY" refFor="ch" refForName="level"/>
+              <dgm:constr type="w" for="ch" forName="levelTx" refType="w" refFor="ch" refForName="level"/>
+              <dgm:constr type="h" for="ch" forName="levelTx" refType="h" refFor="ch" refForName="level"/>
+            </dgm:constrLst>
+          </dgm:if>
+          <dgm:else name="Name11">
+            <dgm:constrLst>
+              <dgm:constr type="ctrX" for="ch" forName="acctBkgd" val="1"/>
+              <dgm:constr type="ctrY" for="ch" forName="acctBkgd" val="1"/>
+              <dgm:constr type="w" for="ch" forName="acctBkgd" val="1"/>
+              <dgm:constr type="h" for="ch" forName="acctBkgd" val="1"/>
+              <dgm:constr type="ctrX" for="ch" forName="acctTx" val="1"/>
+              <dgm:constr type="ctrY" for="ch" forName="acctTx" val="1"/>
+              <dgm:constr type="w" for="ch" forName="acctTx" val="1"/>
+              <dgm:constr type="h" for="ch" forName="acctTx" val="1"/>
+              <dgm:constr type="ctrX" for="ch" forName="level" val="1"/>
+              <dgm:constr type="ctrY" for="ch" forName="level" val="1"/>
+              <dgm:constr type="w" for="ch" forName="level" val="1"/>
+              <dgm:constr type="h" for="ch" forName="level" val="1"/>
+              <dgm:constr type="ctrX" for="ch" forName="levelTx" refType="ctrX" refFor="ch" refForName="level"/>
+              <dgm:constr type="ctrY" for="ch" forName="levelTx" refType="ctrY" refFor="ch" refForName="level"/>
+              <dgm:constr type="w" for="ch" forName="levelTx" refType="w" refFor="ch" refForName="level" fact="0.65"/>
+              <dgm:constr type="h" for="ch" forName="levelTx" refType="h" refFor="ch" refForName="level"/>
+            </dgm:constrLst>
+          </dgm:else>
+        </dgm:choose>
+        <dgm:ruleLst/>
+        <dgm:choose name="Name12">
+          <dgm:if name="Name13" axis="ch" ptType="node" func="cnt" op="gte" val="1">
+            <dgm:layoutNode name="acctBkgd" styleLbl="alignAcc1">
+              <dgm:alg type="sp"/>
+              <dgm:shape xmlns:r="http://schemas.openxmlformats.org/officeDocument/2006/relationships" type="nonIsoscelesTrapezoid" r:blip="">
+                <dgm:adjLst/>
+              </dgm:shape>
+              <dgm:presOf axis="des" ptType="node"/>
+              <dgm:constrLst/>
+              <dgm:ruleLst/>
+            </dgm:layoutNode>
+            <dgm:layoutNode name="acctTx" styleLbl="alignAcc1">
+              <dgm:varLst>
+                <dgm:bulletEnabled val="1"/>
+              </dgm:varLst>
+              <dgm:alg type="tx">
+                <dgm:param type="stBulletLvl" val="1"/>
+                <dgm:param type="txAnchorVertCh" val="mid"/>
+              </dgm:alg>
+              <dgm:shape xmlns:r="http://schemas.openxmlformats.org/officeDocument/2006/relationships" type="nonIsoscelesTrapezoid" r:blip="" hideGeom="1">
+                <dgm:adjLst/>
+              </dgm:shape>
+              <dgm:presOf axis="des" ptType="node"/>
+              <dgm:constrLst>
+                <dgm:constr type="secFontSz" val="65"/>
+                <dgm:constr type="primFontSz" refType="secFontSz"/>
+                <dgm:constr type="tMarg" refType="secFontSz" fact="0.3"/>
+                <dgm:constr type="bMarg" refType="secFontSz" fact="0.3"/>
+                <dgm:constr type="lMarg" refType="secFontSz" fact="0.3"/>
+                <dgm:constr type="rMarg" refType="secFontSz" fact="0.3"/>
+              </dgm:constrLst>
+              <dgm:ruleLst>
+                <dgm:rule type="secFontSz" val="5" fact="NaN" max="NaN"/>
+              </dgm:ruleLst>
+            </dgm:layoutNode>
+          </dgm:if>
+          <dgm:else name="Name14"/>
+        </dgm:choose>
+        <dgm:layoutNode name="level">
+          <dgm:varLst>
+            <dgm:chMax val="1"/>
+            <dgm:bulletEnabled val="1"/>
+          </dgm:varLst>
+          <dgm:alg type="sp"/>
+          <dgm:shape xmlns:r="http://schemas.openxmlformats.org/officeDocument/2006/relationships" type="trapezoid" r:blip="">
+            <dgm:adjLst/>
+          </dgm:shape>
+          <dgm:presOf axis="self"/>
+          <dgm:constrLst>
+            <dgm:constr type="h" val="500"/>
+            <dgm:constr type="w" val="1"/>
+          </dgm:constrLst>
+          <dgm:ruleLst/>
+        </dgm:layoutNode>
+        <dgm:layoutNode name="levelTx" styleLbl="revTx">
+          <dgm:varLst>
+            <dgm:chMax val="1"/>
+            <dgm:bulletEnabled val="1"/>
+          </dgm:varLst>
+          <dgm:alg type="tx"/>
+          <dgm:shape xmlns:r="http://schemas.openxmlformats.org/officeDocument/2006/relationships" type="rect" r:blip="" hideGeom="1">
+            <dgm:adjLst/>
+          </dgm:shape>
+          <dgm:presOf axis="self"/>
+          <dgm:constrLst>
+            <dgm:constr type="tMarg" refType="primFontSz" fact="0.1"/>
+            <dgm:constr type="bMarg" refType="primFontSz" fact="0.1"/>
+            <dgm:constr type="lMarg" refType="primFontSz" fact="0.1"/>
+            <dgm:constr type="rMarg" refType="primFontSz" fact="0.1"/>
+            <dgm:constr type="primFontSz" val="65"/>
+          </dgm:constrLst>
+          <dgm:ruleLst>
+            <dgm:rule type="primFontSz" val="5" fact="NaN" max="NaN"/>
+          </dgm:ruleLst>
+        </dgm:layoutNode>
+      </dgm:layoutNode>
+    </dgm:forEach>
+  </dgm:layoutNode>
+</dgm:layoutDef>
+</file>
+
+<file path=ppt/diagrams/quickStyle1.xml><?xml version="1.0" encoding="utf-8"?>
+<dgm:styleDef xmlns:dgm="http://schemas.openxmlformats.org/drawingml/2006/diagram" xmlns:a="http://schemas.openxmlformats.org/drawingml/2006/main" uniqueId="urn:microsoft.com/office/officeart/2005/8/quickstyle/3D5">
+  <dgm:title val=""/>
+  <dgm:desc val=""/>
+  <dgm:catLst>
+    <dgm:cat type="3D" pri="11500"/>
+  </dgm:catLst>
+  <dgm:scene3d>
+    <a:camera prst="isometricOffAxis2Left" zoom="95000"/>
+    <a:lightRig rig="flat" dir="t"/>
+  </dgm:scene3d>
+  <dgm:styleLbl name="node0">
+    <dgm:scene3d>
+      <a:camera prst="orthographicFront"/>
+      <a:lightRig rig="threePt" dir="t"/>
+    </dgm:scene3d>
+    <dgm:sp3d extrusionH="381000" contourW="38100" prstMaterial="matte">
+      <a:contourClr>
+        <a:schemeClr val="lt1"/>
+      </a:contourClr>
+    </dgm:sp3d>
+    <dgm:txPr/>
+    <dgm:style>
+      <a:lnRef idx="0">
+        <a:scrgbClr r="0" g="0" b="0"/>
+      </a:lnRef>
+      <a:fillRef idx="1">
+        <a:scrgbClr r="0" g="0" b="0"/>
+      </a:fillRef>
+      <a:effectRef idx="0">
+        <a:scrgbClr r="0" g="0" b="0"/>
+      </a:effectRef>
+      <a:fontRef idx="minor">
+        <a:schemeClr val="lt1"/>
+      </a:fontRef>
+    </dgm:style>
+  </dgm:styleLbl>
+  <dgm:styleLbl name="lnNode1">
+    <dgm:scene3d>
+      <a:camera prst="orthographicFront"/>
+      <a:lightRig rig="threePt" dir="t"/>
+    </dgm:scene3d>
+    <dgm:sp3d extrusionH="381000" contourW="38100" prstMaterial="matte">
+      <a:contourClr>
+        <a:schemeClr val="lt1"/>
+      </a:contourClr>
+    </dgm:sp3d>
+    <dgm:txPr/>
+    <dgm:style>
+      <a:lnRef idx="0">
+        <a:scrgbClr r="0" g="0" b="0"/>
+      </a:lnRef>
+      <a:fillRef idx="1">
+        <a:scrgbClr r="0" g="0" b="0"/>
+      </a:fillRef>
+      <a:effectRef idx="0">
+        <a:scrgbClr r="0" g="0" b="0"/>
+      </a:effectRef>
+      <a:fontRef idx="minor">
+        <a:schemeClr val="lt1"/>
+      </a:fontRef>
+    </dgm:style>
+  </dgm:styleLbl>
+  <dgm:styleLbl name="vennNode1">
+    <dgm:scene3d>
+      <a:camera prst="orthographicFront"/>
+      <a:lightRig rig="threePt" dir="t"/>
+    </dgm:scene3d>
+    <dgm:sp3d extrusionH="381000" contourW="38100" prstMaterial="matte">
+      <a:contourClr>
+        <a:schemeClr val="lt1"/>
+      </a:contourClr>
+    </dgm:sp3d>
+    <dgm:txPr/>
+    <dgm:style>
+      <a:lnRef idx="0">
+        <a:scrgbClr r="0" g="0" b="0"/>
+      </a:lnRef>
+      <a:fillRef idx="1">
+        <a:scrgbClr r="0" g="0" b="0"/>
+      </a:fillRef>
+      <a:effectRef idx="0">
+        <a:scrgbClr r="0" g="0" b="0"/>
+      </a:effectRef>
+      <a:fontRef idx="minor">
+        <a:schemeClr val="tx1"/>
+      </a:fontRef>
+    </dgm:style>
+  </dgm:styleLbl>
+  <dgm:styleLbl name="alignNode1">
+    <dgm:scene3d>
+      <a:camera prst="orthographicFront"/>
+      <a:lightRig rig="threePt" dir="t"/>
+    </dgm:scene3d>
+    <dgm:sp3d extrusionH="381000" contourW="38100" prstMaterial="matte">
+      <a:contourClr>
+        <a:schemeClr val="lt1"/>
+      </a:contourClr>
+    </dgm:sp3d>
+    <dgm:txPr/>
+    <dgm:style>
+      <a:lnRef idx="1">
+        <a:scrgbClr r="0" g="0" b="0"/>
+      </a:lnRef>
+      <a:fillRef idx="1">
+        <a:scrgbClr r="0" g="0" b="0"/>
+      </a:fillRef>
+      <a:effectRef idx="0">
+        <a:scrgbClr r="0" g="0" b="0"/>
+      </a:effectRef>
+      <a:fontRef idx="minor">
+        <a:schemeClr val="lt1"/>
+      </a:fontRef>
+    </dgm:style>
+  </dgm:styleLbl>
+  <dgm:styleLbl name="node1">
+    <dgm:scene3d>
+      <a:camera prst="orthographicFront"/>
+      <a:lightRig rig="threePt" dir="t"/>
+    </dgm:scene3d>
+    <dgm:sp3d extrusionH="381000" contourW="38100" prstMaterial="matte">
+      <a:contourClr>
+        <a:schemeClr val="lt1"/>
+      </a:contourClr>
+    </dgm:sp3d>
+    <dgm:txPr/>
+    <dgm:style>
+      <a:lnRef idx="0">
+        <a:scrgbClr r="0" g="0" b="0"/>
+      </a:lnRef>
+      <a:fillRef idx="1">
+        <a:scrgbClr r="0" g="0" b="0"/>
+      </a:fillRef>
+      <a:effectRef idx="0">
+        <a:scrgbClr r="0" g="0" b="0"/>
+      </a:effectRef>
+      <a:fontRef idx="minor">
+        <a:schemeClr val="lt1"/>
+      </a:fontRef>
+    </dgm:style>
+  </dgm:styleLbl>
+  <dgm:styleLbl name="node2">
+    <dgm:scene3d>
+      <a:camera prst="orthographicFront"/>
+      <a:lightRig rig="threePt" dir="t"/>
+    </dgm:scene3d>
+    <dgm:sp3d extrusionH="381000" contourW="38100" prstMaterial="matte">
+      <a:contourClr>
+        <a:schemeClr val="lt1"/>
+      </a:contourClr>
+    </dgm:sp3d>
+    <dgm:txPr/>
+    <dgm:style>
+      <a:lnRef idx="0">
+        <a:scrgbClr r="0" g="0" b="0"/>
+      </a:lnRef>
+      <a:fillRef idx="1">
+        <a:scrgbClr r="0" g="0" b="0"/>
+      </a:fillRef>
+      <a:effectRef idx="0">
+        <a:scrgbClr r="0" g="0" b="0"/>
+      </a:effectRef>
+      <a:fontRef idx="minor">
+        <a:schemeClr val="lt1"/>
+      </a:fontRef>
+    </dgm:style>
+  </dgm:styleLbl>
+  <dgm:styleLbl name="node3">
+    <dgm:scene3d>
+      <a:camera prst="orthographicFront"/>
+      <a:lightRig rig="threePt" dir="t"/>
+    </dgm:scene3d>
+    <dgm:sp3d extrusionH="381000" contourW="38100" prstMaterial="matte">
+      <a:contourClr>
+        <a:schemeClr val="lt1"/>
+      </a:contourClr>
+    </dgm:sp3d>
+    <dgm:txPr/>
+    <dgm:style>
+      <a:lnRef idx="0">
+        <a:scrgbClr r="0" g="0" b="0"/>
+      </a:lnRef>
+      <a:fillRef idx="1">
+        <a:scrgbClr r="0" g="0" b="0"/>
+      </a:fillRef>
+      <a:effectRef idx="0">
+        <a:scrgbClr r="0" g="0" b="0"/>
+      </a:effectRef>
+      <a:fontRef idx="minor">
+        <a:schemeClr val="lt1"/>
+      </a:fontRef>
+    </dgm:style>
+  </dgm:styleLbl>
+  <dgm:styleLbl name="node4">
+    <dgm:scene3d>
+      <a:camera prst="orthographicFront"/>
+      <a:lightRig rig="threePt" dir="t"/>
+    </dgm:scene3d>
+    <dgm:sp3d extrusionH="381000" contourW="38100" prstMaterial="matte">
+      <a:contourClr>
+        <a:schemeClr val="lt1"/>
+      </a:contourClr>
+    </dgm:sp3d>
+    <dgm:txPr/>
+    <dgm:style>
+      <a:lnRef idx="0">
+        <a:scrgbClr r="0" g="0" b="0"/>
+      </a:lnRef>
+      <a:fillRef idx="1">
+        <a:scrgbClr r="0" g="0" b="0"/>
+      </a:fillRef>
+      <a:effectRef idx="0">
+        <a:scrgbClr r="0" g="0" b="0"/>
+      </a:effectRef>
+      <a:fontRef idx="minor">
+        <a:schemeClr val="lt1"/>
+      </a:fontRef>
+    </dgm:style>
+  </dgm:styleLbl>
+  <dgm:styleLbl name="fgImgPlace1">
+    <dgm:scene3d>
+      <a:camera prst="orthographicFront"/>
+      <a:lightRig rig="threePt" dir="t"/>
+    </dgm:scene3d>
+    <dgm:sp3d z="57150" extrusionH="63500" contourW="12700" prstMaterial="matte">
+      <a:contourClr>
+        <a:schemeClr val="lt1"/>
+      </a:contourClr>
+    </dgm:sp3d>
+    <dgm:txPr/>
+    <dgm:style>
+      <a:lnRef idx="0">
+        <a:scrgbClr r="0" g="0" b="0"/>
+      </a:lnRef>
+      <a:fillRef idx="1">
+        <a:scrgbClr r="0" g="0" b="0"/>
+      </a:fillRef>
+      <a:effectRef idx="0">
+        <a:scrgbClr r="0" g="0" b="0"/>
+      </a:effectRef>
+      <a:fontRef idx="minor"/>
+    </dgm:style>
+  </dgm:styleLbl>
+  <dgm:styleLbl name="alignImgPlace1">
+    <dgm:scene3d>
+      <a:camera prst="orthographicFront"/>
+      <a:lightRig rig="threePt" dir="t"/>
+    </dgm:scene3d>
+    <dgm:sp3d extrusionH="63500" contourW="12700" prstMaterial="matte">
+      <a:contourClr>
+        <a:schemeClr val="lt1"/>
+      </a:contourClr>
+    </dgm:sp3d>
+    <dgm:txPr/>
+    <dgm:style>
+      <a:lnRef idx="0">
+        <a:scrgbClr r="0" g="0" b="0"/>
+      </a:lnRef>
+      <a:fillRef idx="1">
+        <a:scrgbClr r="0" g="0" b="0"/>
+      </a:fillRef>
+      <a:effectRef idx="0">
+        <a:scrgbClr r="0" g="0" b="0"/>
+      </a:effectRef>
+      <a:fontRef idx="minor"/>
+    </dgm:style>
+  </dgm:styleLbl>
+  <dgm:styleLbl name="bgImgPlace1">
+    <dgm:scene3d>
+      <a:camera prst="orthographicFront"/>
+      <a:lightRig rig="threePt" dir="t"/>
+    </dgm:scene3d>
+    <dgm:sp3d z="-381000" extrusionH="63500" contourW="12700" prstMaterial="matte">
+      <a:contourClr>
+        <a:schemeClr val="lt1"/>
+      </a:contourClr>
+    </dgm:sp3d>
+    <dgm:txPr/>
+    <dgm:style>
+      <a:lnRef idx="0">
+        <a:scrgbClr r="0" g="0" b="0"/>
+      </a:lnRef>
+      <a:fillRef idx="1">
+        <a:scrgbClr r="0" g="0" b="0"/>
+      </a:fillRef>
+      <a:effectRef idx="0">
+        <a:scrgbClr r="0" g="0" b="0"/>
+      </a:effectRef>
+      <a:fontRef idx="minor"/>
+    </dgm:style>
+  </dgm:styleLbl>
+  <dgm:styleLbl name="sibTrans2D1">
+    <dgm:scene3d>
+      <a:camera prst="orthographicFront"/>
+      <a:lightRig rig="threePt" dir="t"/>
+    </dgm:scene3d>
+    <dgm:sp3d z="-52400" extrusionH="181000" contourW="38100" prstMaterial="matte">
+      <a:contourClr>
+        <a:schemeClr val="lt1"/>
+      </a:contourClr>
+    </dgm:sp3d>
+    <dgm:txPr/>
+    <dgm:style>
+      <a:lnRef idx="0">
+        <a:scrgbClr r="0" g="0" b="0"/>
+      </a:lnRef>
+      <a:fillRef idx="1">
+        <a:scrgbClr r="0" g="0" b="0"/>
+      </a:fillRef>
+      <a:effectRef idx="0">
+        <a:scrgbClr r="0" g="0" b="0"/>
+      </a:effectRef>
+      <a:fontRef idx="minor">
+        <a:schemeClr val="lt1"/>
+      </a:fontRef>
+    </dgm:style>
+  </dgm:styleLbl>
+  <dgm:styleLbl name="fgSibTrans2D1">
+    <dgm:scene3d>
+      <a:camera prst="orthographicFront"/>
+      <a:lightRig rig="threePt" dir="t"/>
+    </dgm:scene3d>
+    <dgm:sp3d z="57150" extrusionH="63500" contourW="12700" prstMaterial="matte">
+      <a:contourClr>
+        <a:schemeClr val="dk1">
+          <a:tint val="20000"/>
+        </a:schemeClr>
+      </a:contourClr>
+    </dgm:sp3d>
+    <dgm:txPr/>
+    <dgm:style>
+      <a:lnRef idx="0">
+        <a:scrgbClr r="0" g="0" b="0"/>
+      </a:lnRef>
+      <a:fillRef idx="1">
+        <a:scrgbClr r="0" g="0" b="0"/>
+      </a:fillRef>
+      <a:effectRef idx="0">
+        <a:scrgbClr r="0" g="0" b="0"/>
+      </a:effectRef>
+      <a:fontRef idx="minor">
+        <a:schemeClr val="lt1"/>
+      </a:fontRef>
+    </dgm:style>
+  </dgm:styleLbl>
+  <dgm:styleLbl name="bgSibTrans2D1">
+    <dgm:scene3d>
+      <a:camera prst="orthographicFront"/>
+      <a:lightRig rig="threePt" dir="t"/>
+    </dgm:scene3d>
+    <dgm:sp3d z="-381000" extrusionH="63500" contourW="12700" prstMaterial="matte">
+      <a:contourClr>
+        <a:schemeClr val="dk1">
+          <a:tint val="20000"/>
+        </a:schemeClr>
+      </a:contourClr>
+    </dgm:sp3d>
+    <dgm:txPr/>
+    <dgm:style>
+      <a:lnRef idx="0">
+        <a:scrgbClr r="0" g="0" b="0"/>
+      </a:lnRef>
+      <a:fillRef idx="1">
+        <a:scrgbClr r="0" g="0" b="0"/>
+      </a:fillRef>
+      <a:effectRef idx="0">
+        <a:scrgbClr r="0" g="0" b="0"/>
+      </a:effectRef>
+      <a:fontRef idx="minor">
+        <a:schemeClr val="lt1"/>
+      </a:fontRef>
+    </dgm:style>
+  </dgm:styleLbl>
+  <dgm:styleLbl name="sibTrans1D1">
+    <dgm:scene3d>
+      <a:camera prst="orthographicFront"/>
+      <a:lightRig rig="threePt" dir="t"/>
+    </dgm:scene3d>
+    <dgm:sp3d z="-40000" prstMaterial="matte"/>
+    <dgm:txPr/>
+    <dgm:style>
+      <a:lnRef idx="1">
+        <a:scrgbClr r="0" g="0" b="0"/>
+      </a:lnRef>
+      <a:fillRef idx="0">
+        <a:scrgbClr r="0" g="0" b="0"/>
+      </a:fillRef>
+      <a:effectRef idx="0">
+        <a:scrgbClr r="0" g="0" b="0"/>
+      </a:effectRef>
+      <a:fontRef idx="minor"/>
+    </dgm:style>
+  </dgm:styleLbl>
+  <dgm:styleLbl name="callout">
+    <dgm:scene3d>
+      <a:camera prst="orthographicFront"/>
+      <a:lightRig rig="threePt" dir="t"/>
+    </dgm:scene3d>
+    <dgm:sp3d z="127000" prstMaterial="matte"/>
+    <dgm:txPr/>
+    <dgm:style>
+      <a:lnRef idx="2">
+        <a:scrgbClr r="0" g="0" b="0"/>
+      </a:lnRef>
+      <a:fillRef idx="1">
+        <a:scrgbClr r="0" g="0" b="0"/>
+      </a:fillRef>
+      <a:effectRef idx="0">
+        <a:scrgbClr r="0" g="0" b="0"/>
+      </a:effectRef>
+      <a:fontRef idx="minor"/>
+    </dgm:style>
+  </dgm:styleLbl>
+  <dgm:styleLbl name="asst0">
+    <dgm:scene3d>
+      <a:camera prst="orthographicFront"/>
+      <a:lightRig rig="threePt" dir="t"/>
+    </dgm:scene3d>
+    <dgm:sp3d extrusionH="381000" contourW="38100" prstMaterial="matte">
+      <a:contourClr>
+        <a:schemeClr val="lt1"/>
+      </a:contourClr>
+    </dgm:sp3d>
+    <dgm:txPr/>
+    <dgm:style>
+      <a:lnRef idx="0">
+        <a:scrgbClr r="0" g="0" b="0"/>
+      </a:lnRef>
+      <a:fillRef idx="1">
+        <a:scrgbClr r="0" g="0" b="0"/>
+      </a:fillRef>
+      <a:effectRef idx="0">
+        <a:scrgbClr r="0" g="0" b="0"/>
+      </a:effectRef>
+      <a:fontRef idx="minor">
+        <a:schemeClr val="lt1"/>
+      </a:fontRef>
+    </dgm:style>
+  </dgm:styleLbl>
+  <dgm:styleLbl name="asst1">
+    <dgm:scene3d>
+      <a:camera prst="orthographicFront"/>
+      <a:lightRig rig="threePt" dir="t"/>
+    </dgm:scene3d>
+    <dgm:sp3d extrusionH="381000" contourW="38100" prstMaterial="matte">
+      <a:contourClr>
+        <a:schemeClr val="lt1"/>
+      </a:contourClr>
+    </dgm:sp3d>
+    <dgm:txPr/>
+    <dgm:style>
+      <a:lnRef idx="0">
+        <a:scrgbClr r="0" g="0" b="0"/>
+      </a:lnRef>
+      <a:fillRef idx="1">
+        <a:scrgbClr r="0" g="0" b="0"/>
+      </a:fillRef>
+      <a:effectRef idx="0">
+        <a:scrgbClr r="0" g="0" b="0"/>
+      </a:effectRef>
+      <a:fontRef idx="minor">
+        <a:schemeClr val="lt1"/>
+      </a:fontRef>
+    </dgm:style>
+  </dgm:styleLbl>
+  <dgm:styleLbl name="asst2">
+    <dgm:scene3d>
+      <a:camera prst="orthographicFront"/>
+      <a:lightRig rig="threePt" dir="t"/>
+    </dgm:scene3d>
+    <dgm:sp3d extrusionH="381000" contourW="38100" prstMaterial="matte">
+      <a:contourClr>
+        <a:schemeClr val="lt1"/>
+      </a:contourClr>
+    </dgm:sp3d>
+    <dgm:txPr/>
+    <dgm:style>
+      <a:lnRef idx="0">
+        <a:scrgbClr r="0" g="0" b="0"/>
+      </a:lnRef>
+      <a:fillRef idx="1">
+        <a:scrgbClr r="0" g="0" b="0"/>
+      </a:fillRef>
+      <a:effectRef idx="0">
+        <a:scrgbClr r="0" g="0" b="0"/>
+      </a:effectRef>
+      <a:fontRef idx="minor">
+        <a:schemeClr val="lt1"/>
+      </a:fontRef>
+    </dgm:style>
+  </dgm:styleLbl>
+  <dgm:styleLbl name="asst3">
+    <dgm:scene3d>
+      <a:camera prst="orthographicFront"/>
+      <a:lightRig rig="threePt" dir="t"/>
+    </dgm:scene3d>
+    <dgm:sp3d extrusionH="381000" contourW="38100" prstMaterial="matte">
+      <a:contourClr>
+        <a:schemeClr val="lt1"/>
+      </a:contourClr>
+    </dgm:sp3d>
+    <dgm:txPr/>
+    <dgm:style>
+      <a:lnRef idx="0">
+        <a:scrgbClr r="0" g="0" b="0"/>
+      </a:lnRef>
+      <a:fillRef idx="1">
+        <a:scrgbClr r="0" g="0" b="0"/>
+      </a:fillRef>
+      <a:effectRef idx="0">
+        <a:scrgbClr r="0" g="0" b="0"/>
+      </a:effectRef>
+      <a:fontRef idx="minor">
+        <a:schemeClr val="lt1"/>
+      </a:fontRef>
+    </dgm:style>
+  </dgm:styleLbl>
+  <dgm:styleLbl name="parChTrans2D1">
+    <dgm:scene3d>
+      <a:camera prst="orthographicFront"/>
+      <a:lightRig rig="threePt" dir="t"/>
+    </dgm:scene3d>
+    <dgm:sp3d z="52400" extrusionH="381000" contourW="38100" prstMaterial="matte">
+      <a:contourClr>
+        <a:schemeClr val="lt1"/>
+      </a:contourClr>
+    </dgm:sp3d>
+    <dgm:txPr/>
+    <dgm:style>
+      <a:lnRef idx="0">
+        <a:scrgbClr r="0" g="0" b="0"/>
+      </a:lnRef>
+      <a:fillRef idx="1">
+        <a:scrgbClr r="0" g="0" b="0"/>
+      </a:fillRef>
+      <a:effectRef idx="0">
+        <a:scrgbClr r="0" g="0" b="0"/>
+      </a:effectRef>
+      <a:fontRef idx="minor">
+        <a:schemeClr val="lt1"/>
+      </a:fontRef>
+    </dgm:style>
+  </dgm:styleLbl>
+  <dgm:styleLbl name="parChTrans2D2">
+    <dgm:scene3d>
+      <a:camera prst="orthographicFront"/>
+      <a:lightRig rig="threePt" dir="t"/>
+    </dgm:scene3d>
+    <dgm:sp3d z="52400" extrusionH="381000" contourW="38100" prstMaterial="matte">
+      <a:contourClr>
+        <a:schemeClr val="lt1"/>
+      </a:contourClr>
+    </dgm:sp3d>
+    <dgm:txPr/>
+    <dgm:style>
+      <a:lnRef idx="0">
+        <a:scrgbClr r="0" g="0" b="0"/>
+      </a:lnRef>
+      <a:fillRef idx="1">
+        <a:scrgbClr r="0" g="0" b="0"/>
+      </a:fillRef>
+      <a:effectRef idx="0">
+        <a:scrgbClr r="0" g="0" b="0"/>
+      </a:effectRef>
+      <a:fontRef idx="minor">
+        <a:schemeClr val="lt1"/>
+      </a:fontRef>
+    </dgm:style>
+  </dgm:styleLbl>
+  <dgm:styleLbl name="parChTrans2D3">
+    <dgm:scene3d>
+      <a:camera prst="orthographicFront"/>
+      <a:lightRig rig="threePt" dir="t"/>
+    </dgm:scene3d>
+    <dgm:sp3d z="60000" prstMaterial="flat">
+      <a:bevelT w="120900" h="88900"/>
+      <a:bevelB w="88900" h="31750" prst="angle"/>
+    </dgm:sp3d>
+    <dgm:txPr/>
+    <dgm:style>
+      <a:lnRef idx="0">
+        <a:scrgbClr r="0" g="0" b="0"/>
+      </a:lnRef>
+      <a:fillRef idx="3">
+        <a:scrgbClr r="0" g="0" b="0"/>
+      </a:fillRef>
+      <a:effectRef idx="1">
+        <a:scrgbClr r="0" g="0" b="0"/>
+      </a:effectRef>
+      <a:fontRef idx="minor">
+        <a:schemeClr val="lt1"/>
+      </a:fontRef>
+    </dgm:style>
+  </dgm:styleLbl>
+  <dgm:styleLbl name="parChTrans2D4">
+    <dgm:scene3d>
+      <a:camera prst="orthographicFront"/>
+      <a:lightRig rig="threePt" dir="t"/>
+    </dgm:scene3d>
+    <dgm:sp3d z="60000" prstMaterial="flat">
+      <a:bevelT w="120900" h="88900"/>
+      <a:bevelB w="88900" h="31750" prst="angle"/>
+    </dgm:sp3d>
+    <dgm:txPr/>
+    <dgm:style>
+      <a:lnRef idx="0">
+        <a:scrgbClr r="0" g="0" b="0"/>
+      </a:lnRef>
+      <a:fillRef idx="3">
+        <a:scrgbClr r="0" g="0" b="0"/>
+      </a:fillRef>
+      <a:effectRef idx="1">
+        <a:scrgbClr r="0" g="0" b="0"/>
+      </a:effectRef>
+      <a:fontRef idx="minor">
+        <a:schemeClr val="lt1"/>
+      </a:fontRef>
+    </dgm:style>
+  </dgm:styleLbl>
+  <dgm:styleLbl name="parChTrans1D1">
+    <dgm:scene3d>
+      <a:camera prst="orthographicFront"/>
+      <a:lightRig rig="threePt" dir="t"/>
+    </dgm:scene3d>
+    <dgm:sp3d z="-40000" prstMaterial="matte"/>
+    <dgm:txPr/>
+    <dgm:style>
+      <a:lnRef idx="2">
+        <a:scrgbClr r="0" g="0" b="0"/>
+      </a:lnRef>
+      <a:fillRef idx="0">
+        <a:scrgbClr r="0" g="0" b="0"/>
+      </a:fillRef>
+      <a:effectRef idx="0">
+        <a:scrgbClr r="0" g="0" b="0"/>
+      </a:effectRef>
+      <a:fontRef idx="minor"/>
+    </dgm:style>
+  </dgm:styleLbl>
+  <dgm:styleLbl name="parChTrans1D2">
+    <dgm:scene3d>
+      <a:camera prst="orthographicFront"/>
+      <a:lightRig rig="threePt" dir="t"/>
+    </dgm:scene3d>
+    <dgm:sp3d z="-40000" prstMaterial="matte"/>
+    <dgm:txPr/>
+    <dgm:style>
+      <a:lnRef idx="2">
+        <a:scrgbClr r="0" g="0" b="0"/>
+      </a:lnRef>
+      <a:fillRef idx="0">
+        <a:scrgbClr r="0" g="0" b="0"/>
+      </a:fillRef>
+      <a:effectRef idx="0">
+        <a:scrgbClr r="0" g="0" b="0"/>
+      </a:effectRef>
+      <a:fontRef idx="minor"/>
+    </dgm:style>
+  </dgm:styleLbl>
+  <dgm:styleLbl name="parChTrans1D3">
+    <dgm:scene3d>
+      <a:camera prst="orthographicFront"/>
+      <a:lightRig rig="threePt" dir="t"/>
+    </dgm:scene3d>
+    <dgm:sp3d z="-40000" prstMaterial="matte"/>
+    <dgm:txPr/>
+    <dgm:style>
+      <a:lnRef idx="2">
+        <a:scrgbClr r="0" g="0" b="0"/>
+      </a:lnRef>
+      <a:fillRef idx="0">
+        <a:scrgbClr r="0" g="0" b="0"/>
+      </a:fillRef>
+      <a:effectRef idx="0">
+        <a:scrgbClr r="0" g="0" b="0"/>
+      </a:effectRef>
+      <a:fontRef idx="minor"/>
+    </dgm:style>
+  </dgm:styleLbl>
+  <dgm:styleLbl name="parChTrans1D4">
+    <dgm:scene3d>
+      <a:camera prst="orthographicFront"/>
+      <a:lightRig rig="threePt" dir="t"/>
+    </dgm:scene3d>
+    <dgm:sp3d z="-40000" prstMaterial="matte"/>
+    <dgm:txPr/>
+    <dgm:style>
+      <a:lnRef idx="2">
+        <a:scrgbClr r="0" g="0" b="0"/>
+      </a:lnRef>
+      <a:fillRef idx="0">
+        <a:scrgbClr r="0" g="0" b="0"/>
+      </a:fillRef>
+      <a:effectRef idx="0">
+        <a:scrgbClr r="0" g="0" b="0"/>
+      </a:effectRef>
+      <a:fontRef idx="minor"/>
+    </dgm:style>
+  </dgm:styleLbl>
+  <dgm:styleLbl name="fgAcc1">
+    <dgm:scene3d>
+      <a:camera prst="orthographicFront"/>
+      <a:lightRig rig="threePt" dir="t"/>
+    </dgm:scene3d>
+    <dgm:sp3d z="57150" extrusionH="63500" prstMaterial="matte"/>
+    <dgm:txPr/>
+    <dgm:style>
+      <a:lnRef idx="1">
+        <a:scrgbClr r="0" g="0" b="0"/>
+      </a:lnRef>
+      <a:fillRef idx="1">
+        <a:scrgbClr r="0" g="0" b="0"/>
+      </a:fillRef>
+      <a:effectRef idx="0">
+        <a:scrgbClr r="0" g="0" b="0"/>
+      </a:effectRef>
+      <a:fontRef idx="minor"/>
+    </dgm:style>
+  </dgm:styleLbl>
+  <dgm:styleLbl name="conFgAcc1">
+    <dgm:scene3d>
+      <a:camera prst="orthographicFront"/>
+      <a:lightRig rig="threePt" dir="t"/>
+    </dgm:scene3d>
+    <dgm:sp3d z="-60000" extrusionH="63500" prstMaterial="matte"/>
+    <dgm:txPr/>
+    <dgm:style>
+      <a:lnRef idx="1">
+        <a:scrgbClr r="0" g="0" b="0"/>
+      </a:lnRef>
+      <a:fillRef idx="1">
+        <a:scrgbClr r="0" g="0" b="0"/>
+      </a:fillRef>
+      <a:effectRef idx="0">
+        <a:scrgbClr r="0" g="0" b="0"/>
+      </a:effectRef>
+      <a:fontRef idx="minor"/>
+    </dgm:style>
+  </dgm:styleLbl>
+  <dgm:styleLbl name="alignAcc1">
+    <dgm:scene3d>
+      <a:camera prst="orthographicFront"/>
+      <a:lightRig rig="threePt" dir="t"/>
+    </dgm:scene3d>
+    <dgm:sp3d z="-60000" extrusionH="63500" prstMaterial="matte"/>
+    <dgm:txPr/>
+    <dgm:style>
+      <a:lnRef idx="1">
+        <a:scrgbClr r="0" g="0" b="0"/>
+      </a:lnRef>
+      <a:fillRef idx="1">
+        <a:scrgbClr r="0" g="0" b="0"/>
+      </a:fillRef>
+      <a:effectRef idx="0">
+        <a:scrgbClr r="0" g="0" b="0"/>
+      </a:effectRef>
+      <a:fontRef idx="minor"/>
+    </dgm:style>
+  </dgm:styleLbl>
+  <dgm:styleLbl name="trAlignAcc1">
+    <dgm:scene3d>
+      <a:camera prst="orthographicFront"/>
+      <a:lightRig rig="threePt" dir="t"/>
+    </dgm:scene3d>
+    <dgm:sp3d extrusionH="381000" prstMaterial="matte"/>
+    <dgm:txPr/>
+    <dgm:style>
+      <a:lnRef idx="1">
+        <a:scrgbClr r="0" g="0" b="0"/>
+      </a:lnRef>
+      <a:fillRef idx="1">
+        <a:scrgbClr r="0" g="0" b="0"/>
+      </a:fillRef>
+      <a:effectRef idx="0">
+        <a:scrgbClr r="0" g="0" b="0"/>
+      </a:effectRef>
+      <a:fontRef idx="minor"/>
+    </dgm:style>
+  </dgm:styleLbl>
+  <dgm:styleLbl name="bgAcc1">
+    <dgm:scene3d>
+      <a:camera prst="orthographicFront"/>
+      <a:lightRig rig="threePt" dir="t"/>
+    </dgm:scene3d>
+    <dgm:sp3d z="-400500" extrusionH="63500" prstMaterial="matte"/>
+    <dgm:txPr/>
+    <dgm:style>
+      <a:lnRef idx="1">
+        <a:scrgbClr r="0" g="0" b="0"/>
+      </a:lnRef>
+      <a:fillRef idx="1">
+        <a:scrgbClr r="0" g="0" b="0"/>
+      </a:fillRef>
+      <a:effectRef idx="0">
+        <a:scrgbClr r="0" g="0" b="0"/>
+      </a:effectRef>
+      <a:fontRef idx="minor"/>
+    </dgm:style>
+  </dgm:styleLbl>
+  <dgm:styleLbl name="solidFgAcc1">
+    <dgm:scene3d>
+      <a:camera prst="orthographicFront"/>
+      <a:lightRig rig="threePt" dir="t"/>
+    </dgm:scene3d>
+    <dgm:sp3d z="57150" extrusionH="12700" prstMaterial="flat">
+      <a:bevelT w="50800" h="50800"/>
+    </dgm:sp3d>
+    <dgm:txPr/>
+    <dgm:style>
+      <a:lnRef idx="1">
+        <a:scrgbClr r="0" g="0" b="0"/>
+      </a:lnRef>
+      <a:fillRef idx="1">
+        <a:scrgbClr r="0" g="0" b="0"/>
+      </a:fillRef>
+      <a:effectRef idx="2">
+        <a:scrgbClr r="0" g="0" b="0"/>
+      </a:effectRef>
+      <a:fontRef idx="minor"/>
+    </dgm:style>
+  </dgm:styleLbl>
+  <dgm:styleLbl name="solidAlignAcc1">
+    <dgm:scene3d>
+      <a:camera prst="orthographicFront"/>
+      <a:lightRig rig="threePt" dir="t"/>
+    </dgm:scene3d>
+    <dgm:sp3d extrusionH="12700" prstMaterial="flat">
+      <a:bevelT w="50800" h="50800"/>
+    </dgm:sp3d>
+    <dgm:txPr/>
+    <dgm:style>
+      <a:lnRef idx="1">
+        <a:scrgbClr r="0" g="0" b="0"/>
+      </a:lnRef>
+      <a:fillRef idx="1">
+        <a:scrgbClr r="0" g="0" b="0"/>
+      </a:fillRef>
+      <a:effectRef idx="2">
+        <a:scrgbClr r="0" g="0" b="0"/>
+      </a:effectRef>
+      <a:fontRef idx="minor"/>
+    </dgm:style>
+  </dgm:styleLbl>
+  <dgm:styleLbl name="solidBgAcc1">
+    <dgm:scene3d>
+      <a:camera prst="orthographicFront"/>
+      <a:lightRig rig="threePt" dir="t"/>
+    </dgm:scene3d>
+    <dgm:sp3d z="-63500" extrusionH="63500" prstMaterial="matte"/>
+    <dgm:txPr/>
+    <dgm:style>
+      <a:lnRef idx="1">
+        <a:scrgbClr r="0" g="0" b="0"/>
+      </a:lnRef>
+      <a:fillRef idx="1">
+        <a:scrgbClr r="0" g="0" b="0"/>
+      </a:fillRef>
+      <a:effectRef idx="0">
+        <a:scrgbClr r="0" g="0" b="0"/>
+      </a:effectRef>
+      <a:fontRef idx="minor"/>
+    </dgm:style>
+  </dgm:styleLbl>
+  <dgm:styleLbl name="fgAccFollowNode1">
+    <dgm:scene3d>
+      <a:camera prst="orthographicFront"/>
+      <a:lightRig rig="threePt" dir="t"/>
+    </dgm:scene3d>
+    <dgm:sp3d z="57150" extrusionH="63500" contourW="12700" prstMaterial="matte">
+      <a:contourClr>
+        <a:schemeClr val="dk1">
+          <a:tint val="20000"/>
+        </a:schemeClr>
+      </a:contourClr>
+    </dgm:sp3d>
+    <dgm:txPr/>
+    <dgm:style>
+      <a:lnRef idx="0">
+        <a:scrgbClr r="0" g="0" b="0"/>
+      </a:lnRef>
+      <a:fillRef idx="1">
+        <a:scrgbClr r="0" g="0" b="0"/>
+      </a:fillRef>
+      <a:effectRef idx="0">
+        <a:scrgbClr r="0" g="0" b="0"/>
+      </a:effectRef>
+      <a:fontRef idx="minor"/>
+    </dgm:style>
+  </dgm:styleLbl>
+  <dgm:styleLbl name="alignAccFollowNode1">
+    <dgm:scene3d>
+      <a:camera prst="orthographicFront"/>
+      <a:lightRig rig="threePt" dir="t"/>
+    </dgm:scene3d>
+    <dgm:sp3d extrusionH="381000" contourW="38100" prstMaterial="matte">
+      <a:contourClr>
+        <a:schemeClr val="lt1"/>
+      </a:contourClr>
+    </dgm:sp3d>
+    <dgm:txPr/>
+    <dgm:style>
+      <a:lnRef idx="0">
+        <a:scrgbClr r="0" g="0" b="0"/>
+      </a:lnRef>
+      <a:fillRef idx="1">
+        <a:scrgbClr r="0" g="0" b="0"/>
+      </a:fillRef>
+      <a:effectRef idx="0">
+        <a:scrgbClr r="0" g="0" b="0"/>
+      </a:effectRef>
+      <a:fontRef idx="minor"/>
+    </dgm:style>
+  </dgm:styleLbl>
+  <dgm:styleLbl name="bgAccFollowNode1">
+    <dgm:scene3d>
+      <a:camera prst="orthographicFront"/>
+      <a:lightRig rig="threePt" dir="t"/>
+    </dgm:scene3d>
+    <dgm:sp3d z="-400500" extrusionH="63500" contourW="12700" prstMaterial="matte">
+      <a:contourClr>
+        <a:schemeClr val="lt1"/>
+      </a:contourClr>
+    </dgm:sp3d>
+    <dgm:txPr/>
+    <dgm:style>
+      <a:lnRef idx="0">
+        <a:scrgbClr r="0" g="0" b="0"/>
+      </a:lnRef>
+      <a:fillRef idx="1">
+        <a:scrgbClr r="0" g="0" b="0"/>
+      </a:fillRef>
+      <a:effectRef idx="2">
+        <a:scrgbClr r="0" g="0" b="0"/>
+      </a:effectRef>
+      <a:fontRef idx="minor"/>
+    </dgm:style>
+  </dgm:styleLbl>
+  <dgm:styleLbl name="fgAcc0">
+    <dgm:scene3d>
+      <a:camera prst="orthographicFront"/>
+      <a:lightRig rig="threePt" dir="t"/>
+    </dgm:scene3d>
+    <dgm:sp3d z="57150" extrusionH="63500" prstMaterial="matte"/>
+    <dgm:txPr/>
+    <dgm:style>
+      <a:lnRef idx="1">
+        <a:scrgbClr r="0" g="0" b="0"/>
+      </a:lnRef>
+      <a:fillRef idx="1">
+        <a:scrgbClr r="0" g="0" b="0"/>
+      </a:fillRef>
+      <a:effectRef idx="0">
+        <a:scrgbClr r="0" g="0" b="0"/>
+      </a:effectRef>
+      <a:fontRef idx="minor"/>
+    </dgm:style>
+  </dgm:styleLbl>
+  <dgm:styleLbl name="fgAcc2">
+    <dgm:scene3d>
+      <a:camera prst="orthographicFront"/>
+      <a:lightRig rig="threePt" dir="t"/>
+    </dgm:scene3d>
+    <dgm:sp3d z="57150" extrusionH="63500" prstMaterial="matte"/>
+    <dgm:txPr/>
+    <dgm:style>
+      <a:lnRef idx="1">
+        <a:scrgbClr r="0" g="0" b="0"/>
+      </a:lnRef>
+      <a:fillRef idx="1">
+        <a:scrgbClr r="0" g="0" b="0"/>
+      </a:fillRef>
+      <a:effectRef idx="0">
+        <a:scrgbClr r="0" g="0" b="0"/>
+      </a:effectRef>
+      <a:fontRef idx="minor"/>
+    </dgm:style>
+  </dgm:styleLbl>
+  <dgm:styleLbl name="fgAcc3">
+    <dgm:scene3d>
+      <a:camera prst="orthographicFront"/>
+      <a:lightRig rig="threePt" dir="t"/>
+    </dgm:scene3d>
+    <dgm:sp3d z="57150" extrusionH="63500" prstMaterial="matte"/>
+    <dgm:txPr/>
+    <dgm:style>
+      <a:lnRef idx="1">
+        <a:scrgbClr r="0" g="0" b="0"/>
+      </a:lnRef>
+      <a:fillRef idx="1">
+        <a:scrgbClr r="0" g="0" b="0"/>
+      </a:fillRef>
+      <a:effectRef idx="0">
+        <a:scrgbClr r="0" g="0" b="0"/>
+      </a:effectRef>
+      <a:fontRef idx="minor"/>
+    </dgm:style>
+  </dgm:styleLbl>
+  <dgm:styleLbl name="fgAcc4">
+    <dgm:scene3d>
+      <a:camera prst="orthographicFront"/>
+      <a:lightRig rig="threePt" dir="t"/>
+    </dgm:scene3d>
+    <dgm:sp3d z="57150" extrusionH="63500" prstMaterial="matte"/>
+    <dgm:txPr/>
+    <dgm:style>
+      <a:lnRef idx="1">
+        <a:scrgbClr r="0" g="0" b="0"/>
+      </a:lnRef>
+      <a:fillRef idx="1">
+        <a:scrgbClr r="0" g="0" b="0"/>
+      </a:fillRef>
+      <a:effectRef idx="0">
+        <a:scrgbClr r="0" g="0" b="0"/>
+      </a:effectRef>
+      <a:fontRef idx="minor"/>
+    </dgm:style>
+  </dgm:styleLbl>
+  <dgm:styleLbl name="bgShp">
+    <dgm:scene3d>
+      <a:camera prst="orthographicFront"/>
+      <a:lightRig rig="threePt" dir="t"/>
+    </dgm:scene3d>
+    <dgm:sp3d z="-400500" extrusionH="63500" contourW="12700" prstMaterial="matte">
+      <a:contourClr>
+        <a:schemeClr val="lt1">
+          <a:tint val="50000"/>
+        </a:schemeClr>
+      </a:contourClr>
+    </dgm:sp3d>
+    <dgm:txPr/>
+    <dgm:style>
+      <a:lnRef idx="0">
+        <a:scrgbClr r="0" g="0" b="0"/>
+      </a:lnRef>
+      <a:fillRef idx="1">
+        <a:scrgbClr r="0" g="0" b="0"/>
+      </a:fillRef>
+      <a:effectRef idx="0">
+        <a:scrgbClr r="0" g="0" b="0"/>
+      </a:effectRef>
+      <a:fontRef idx="minor"/>
+    </dgm:style>
+  </dgm:styleLbl>
+  <dgm:styleLbl name="dkBgShp">
+    <dgm:scene3d>
+      <a:camera prst="orthographicFront"/>
+      <a:lightRig rig="threePt" dir="t"/>
+    </dgm:scene3d>
+    <dgm:sp3d extrusionH="381000" contourW="38100" prstMaterial="matte">
+      <a:contourClr>
+        <a:schemeClr val="lt1"/>
+      </a:contourClr>
+    </dgm:sp3d>
+    <dgm:txPr/>
+    <dgm:style>
+      <a:lnRef idx="0">
+        <a:scrgbClr r="0" g="0" b="0"/>
+      </a:lnRef>
+      <a:fillRef idx="1">
+        <a:scrgbClr r="0" g="0" b="0"/>
+      </a:fillRef>
+      <a:effectRef idx="0">
+        <a:scrgbClr r="0" g="0" b="0"/>
+      </a:effectRef>
+      <a:fontRef idx="minor">
+        <a:schemeClr val="lt1"/>
+      </a:fontRef>
+    </dgm:style>
+  </dgm:styleLbl>
+  <dgm:styleLbl name="trBgShp">
+    <dgm:scene3d>
+      <a:camera prst="orthographicFront"/>
+      <a:lightRig rig="threePt" dir="t"/>
+    </dgm:scene3d>
+    <dgm:sp3d z="-400500" prstMaterial="matte"/>
+    <dgm:txPr/>
+    <dgm:style>
+      <a:lnRef idx="0">
+        <a:scrgbClr r="0" g="0" b="0"/>
+      </a:lnRef>
+      <a:fillRef idx="1">
+        <a:scrgbClr r="0" g="0" b="0"/>
+      </a:fillRef>
+      <a:effectRef idx="0">
+        <a:scrgbClr r="0" g="0" b="0"/>
+      </a:effectRef>
+      <a:fontRef idx="minor"/>
+    </dgm:style>
+  </dgm:styleLbl>
+  <dgm:styleLbl name="fgShp">
+    <dgm:scene3d>
+      <a:camera prst="orthographicFront"/>
+      <a:lightRig rig="threePt" dir="t"/>
+    </dgm:scene3d>
+    <dgm:sp3d z="57150" extrusionH="63500" contourW="12700" prstMaterial="matte">
+      <a:contourClr>
+        <a:schemeClr val="lt1">
+          <a:tint val="50000"/>
+        </a:schemeClr>
+      </a:contourClr>
+    </dgm:sp3d>
+    <dgm:txPr/>
+    <dgm:style>
+      <a:lnRef idx="0">
+        <a:scrgbClr r="0" g="0" b="0"/>
+      </a:lnRef>
+      <a:fillRef idx="1">
+        <a:scrgbClr r="0" g="0" b="0"/>
+      </a:fillRef>
+      <a:effectRef idx="0">
+        <a:scrgbClr r="0" g="0" b="0"/>
+      </a:effectRef>
+      <a:fontRef idx="minor"/>
+    </dgm:style>
+  </dgm:styleLbl>
+  <dgm:styleLbl name="revTx">
+    <dgm:scene3d>
+      <a:camera prst="orthographicFront"/>
+      <a:lightRig rig="threePt" dir="t"/>
+    </dgm:scene3d>
+    <dgm:sp3d/>
+    <dgm:txPr/>
+    <dgm:style>
+      <a:lnRef idx="0">
+        <a:scrgbClr r="0" g="0" b="0"/>
+      </a:lnRef>
+      <a:fillRef idx="0">
+        <a:scrgbClr r="0" g="0" b="0"/>
+      </a:fillRef>
+      <a:effectRef idx="0">
+        <a:scrgbClr r="0" g="0" b="0"/>
+      </a:effectRef>
+      <a:fontRef idx="minor"/>
+    </dgm:style>
+  </dgm:styleLbl>
+</dgm:styleDef>
 </file>
 
 <file path=ppt/notesMasters/notesMaster1.xml><?xml version="1.0" encoding="utf-8"?>
@@ -4336,6 +6963,1210 @@
           <a:p>
             <a:r>
               <a:rPr lang="en-US" dirty="0" smtClean="0"/>
+              <a:t>Hardware-as-a-Service</a:t>
+            </a:r>
+            <a:endParaRPr lang="en-US" dirty="0"/>
+          </a:p>
+        </p:txBody>
+      </p:sp>
+      <p:pic>
+        <p:nvPicPr>
+          <p:cNvPr id="4" name="Picture 3" descr="computer-161933_1280.png"/>
+          <p:cNvPicPr>
+            <a:picLocks noChangeAspect="1"/>
+          </p:cNvPicPr>
+          <p:nvPr/>
+        </p:nvPicPr>
+        <p:blipFill>
+          <a:blip r:embed="rId2" cstate="print">
+            <a:extLst>
+              <a:ext uri="{28A0092B-C50C-407E-A947-70E740481C1C}">
+                <a14:useLocalDpi xmlns:a14="http://schemas.microsoft.com/office/drawing/2010/main" val="0"/>
+              </a:ext>
+            </a:extLst>
+          </a:blip>
+          <a:stretch>
+            <a:fillRect/>
+          </a:stretch>
+        </p:blipFill>
+        <p:spPr>
+          <a:xfrm>
+            <a:off x="533400" y="2190750"/>
+            <a:ext cx="4607258" cy="2800349"/>
+          </a:xfrm>
+          <a:prstGeom prst="rect">
+            <a:avLst/>
+          </a:prstGeom>
+        </p:spPr>
+      </p:pic>
+      <p:sp>
+        <p:nvSpPr>
+          <p:cNvPr id="5" name="Left-Up Arrow 4"/>
+          <p:cNvSpPr/>
+          <p:nvPr/>
+        </p:nvSpPr>
+        <p:spPr>
+          <a:xfrm>
+            <a:off x="4724400" y="3105150"/>
+            <a:ext cx="2743200" cy="914400"/>
+          </a:xfrm>
+          <a:prstGeom prst="leftUpArrow">
+            <a:avLst/>
+          </a:prstGeom>
+        </p:spPr>
+        <p:style>
+          <a:lnRef idx="1">
+            <a:schemeClr val="accent1"/>
+          </a:lnRef>
+          <a:fillRef idx="3">
+            <a:schemeClr val="accent1"/>
+          </a:fillRef>
+          <a:effectRef idx="2">
+            <a:schemeClr val="accent1"/>
+          </a:effectRef>
+          <a:fontRef idx="minor">
+            <a:schemeClr val="lt1"/>
+          </a:fontRef>
+        </p:style>
+        <p:txBody>
+          <a:bodyPr rtlCol="0" anchor="ctr"/>
+          <a:lstStyle/>
+          <a:p>
+            <a:pPr algn="ctr"/>
+            <a:endParaRPr lang="en-US">
+              <a:solidFill>
+                <a:prstClr val="white"/>
+              </a:solidFill>
+            </a:endParaRPr>
+          </a:p>
+        </p:txBody>
+      </p:sp>
+      <p:sp>
+        <p:nvSpPr>
+          <p:cNvPr id="6" name="Rounded Rectangle 5"/>
+          <p:cNvSpPr/>
+          <p:nvPr/>
+        </p:nvSpPr>
+        <p:spPr>
+          <a:xfrm>
+            <a:off x="6172200" y="1504950"/>
+            <a:ext cx="2209800" cy="1371600"/>
+          </a:xfrm>
+          <a:prstGeom prst="roundRect">
+            <a:avLst/>
+          </a:prstGeom>
+          <a:solidFill>
+            <a:schemeClr val="accent1">
+              <a:alpha val="50000"/>
+            </a:schemeClr>
+          </a:solidFill>
+        </p:spPr>
+        <p:style>
+          <a:lnRef idx="1">
+            <a:schemeClr val="accent1"/>
+          </a:lnRef>
+          <a:fillRef idx="3">
+            <a:schemeClr val="accent1"/>
+          </a:fillRef>
+          <a:effectRef idx="2">
+            <a:schemeClr val="accent1"/>
+          </a:effectRef>
+          <a:fontRef idx="minor">
+            <a:schemeClr val="lt1"/>
+          </a:fontRef>
+        </p:style>
+        <p:txBody>
+          <a:bodyPr rtlCol="0" anchor="ctr"/>
+          <a:lstStyle/>
+          <a:p>
+            <a:pPr algn="ctr"/>
+            <a:r>
+              <a:rPr lang="en-US" dirty="0" smtClean="0">
+                <a:solidFill>
+                  <a:prstClr val="white"/>
+                </a:solidFill>
+              </a:rPr>
+              <a:t>HaaS User Interface</a:t>
+            </a:r>
+            <a:endParaRPr lang="en-US" dirty="0">
+              <a:solidFill>
+                <a:prstClr val="white"/>
+              </a:solidFill>
+            </a:endParaRPr>
+          </a:p>
+        </p:txBody>
+      </p:sp>
+      <p:sp>
+        <p:nvSpPr>
+          <p:cNvPr id="8" name="Cloud 7"/>
+          <p:cNvSpPr/>
+          <p:nvPr/>
+        </p:nvSpPr>
+        <p:spPr>
+          <a:xfrm>
+            <a:off x="228600" y="1733550"/>
+            <a:ext cx="2057400" cy="762000"/>
+          </a:xfrm>
+          <a:prstGeom prst="cloud">
+            <a:avLst/>
+          </a:prstGeom>
+        </p:spPr>
+        <p:style>
+          <a:lnRef idx="1">
+            <a:schemeClr val="accent1"/>
+          </a:lnRef>
+          <a:fillRef idx="3">
+            <a:schemeClr val="accent1"/>
+          </a:fillRef>
+          <a:effectRef idx="2">
+            <a:schemeClr val="accent1"/>
+          </a:effectRef>
+          <a:fontRef idx="minor">
+            <a:schemeClr val="lt1"/>
+          </a:fontRef>
+        </p:style>
+        <p:txBody>
+          <a:bodyPr rtlCol="0" anchor="ctr"/>
+          <a:lstStyle/>
+          <a:p>
+            <a:pPr algn="ctr"/>
+            <a:r>
+              <a:rPr lang="en-US" dirty="0" smtClean="0">
+                <a:solidFill>
+                  <a:prstClr val="white"/>
+                </a:solidFill>
+              </a:rPr>
+              <a:t>MGHPCC</a:t>
+            </a:r>
+            <a:endParaRPr lang="en-US" dirty="0">
+              <a:solidFill>
+                <a:prstClr val="white"/>
+              </a:solidFill>
+            </a:endParaRPr>
+          </a:p>
+        </p:txBody>
+      </p:sp>
+    </p:spTree>
+    <p:extLst>
+      <p:ext uri="{BB962C8B-B14F-4D97-AF65-F5344CB8AC3E}">
+        <p14:creationId xmlns:p14="http://schemas.microsoft.com/office/powerpoint/2010/main" val="3799079902"/>
+      </p:ext>
+    </p:extLst>
+  </p:cSld>
+  <p:clrMapOvr>
+    <a:masterClrMapping/>
+  </p:clrMapOvr>
+  <p:timing>
+    <p:tnLst>
+      <p:par>
+        <p:cTn id="1" dur="indefinite" restart="never" nodeType="tmRoot">
+          <p:childTnLst>
+            <p:seq concurrent="1" nextAc="seek">
+              <p:cTn id="2" dur="indefinite" nodeType="mainSeq">
+                <p:childTnLst>
+                  <p:par>
+                    <p:cTn id="3" fill="hold">
+                      <p:stCondLst>
+                        <p:cond delay="indefinite"/>
+                        <p:cond evt="onBegin" delay="0">
+                          <p:tn val="2"/>
+                        </p:cond>
+                      </p:stCondLst>
+                      <p:childTnLst>
+                        <p:par>
+                          <p:cTn id="4" fill="hold">
+                            <p:stCondLst>
+                              <p:cond delay="0"/>
+                            </p:stCondLst>
+                            <p:childTnLst>
+                              <p:par>
+                                <p:cTn id="5" presetID="10" presetClass="entr" presetSubtype="0" fill="hold" grpId="0" nodeType="withEffect">
+                                  <p:stCondLst>
+                                    <p:cond delay="0"/>
+                                  </p:stCondLst>
+                                  <p:childTnLst>
+                                    <p:set>
+                                      <p:cBhvr>
+                                        <p:cTn id="6" dur="1" fill="hold">
+                                          <p:stCondLst>
+                                            <p:cond delay="0"/>
+                                          </p:stCondLst>
+                                        </p:cTn>
+                                        <p:tgtEl>
+                                          <p:spTgt spid="2"/>
+                                        </p:tgtEl>
+                                        <p:attrNameLst>
+                                          <p:attrName>style.visibility</p:attrName>
+                                        </p:attrNameLst>
+                                      </p:cBhvr>
+                                      <p:to>
+                                        <p:strVal val="visible"/>
+                                      </p:to>
+                                    </p:set>
+                                    <p:animEffect transition="in" filter="fade">
+                                      <p:cBhvr>
+                                        <p:cTn id="7" dur="500"/>
+                                        <p:tgtEl>
+                                          <p:spTgt spid="2"/>
+                                        </p:tgtEl>
+                                      </p:cBhvr>
+                                    </p:animEffect>
+                                  </p:childTnLst>
+                                </p:cTn>
+                              </p:par>
+                            </p:childTnLst>
+                          </p:cTn>
+                        </p:par>
+                      </p:childTnLst>
+                    </p:cTn>
+                  </p:par>
+                  <p:par>
+                    <p:cTn id="8" fill="hold">
+                      <p:stCondLst>
+                        <p:cond delay="indefinite"/>
+                      </p:stCondLst>
+                      <p:childTnLst>
+                        <p:par>
+                          <p:cTn id="9" fill="hold">
+                            <p:stCondLst>
+                              <p:cond delay="0"/>
+                            </p:stCondLst>
+                            <p:childTnLst>
+                              <p:par>
+                                <p:cTn id="10" presetID="10" presetClass="entr" presetSubtype="0" fill="hold" grpId="0" nodeType="clickEffect">
+                                  <p:stCondLst>
+                                    <p:cond delay="0"/>
+                                  </p:stCondLst>
+                                  <p:childTnLst>
+                                    <p:set>
+                                      <p:cBhvr>
+                                        <p:cTn id="11" dur="1" fill="hold">
+                                          <p:stCondLst>
+                                            <p:cond delay="0"/>
+                                          </p:stCondLst>
+                                        </p:cTn>
+                                        <p:tgtEl>
+                                          <p:spTgt spid="6"/>
+                                        </p:tgtEl>
+                                        <p:attrNameLst>
+                                          <p:attrName>style.visibility</p:attrName>
+                                        </p:attrNameLst>
+                                      </p:cBhvr>
+                                      <p:to>
+                                        <p:strVal val="visible"/>
+                                      </p:to>
+                                    </p:set>
+                                    <p:animEffect transition="in" filter="fade">
+                                      <p:cBhvr>
+                                        <p:cTn id="12" dur="500"/>
+                                        <p:tgtEl>
+                                          <p:spTgt spid="6"/>
+                                        </p:tgtEl>
+                                      </p:cBhvr>
+                                    </p:animEffect>
+                                  </p:childTnLst>
+                                </p:cTn>
+                              </p:par>
+                            </p:childTnLst>
+                          </p:cTn>
+                        </p:par>
+                      </p:childTnLst>
+                    </p:cTn>
+                  </p:par>
+                  <p:par>
+                    <p:cTn id="13" fill="hold">
+                      <p:stCondLst>
+                        <p:cond delay="indefinite"/>
+                      </p:stCondLst>
+                      <p:childTnLst>
+                        <p:par>
+                          <p:cTn id="14" fill="hold">
+                            <p:stCondLst>
+                              <p:cond delay="0"/>
+                            </p:stCondLst>
+                            <p:childTnLst>
+                              <p:par>
+                                <p:cTn id="15" presetID="10" presetClass="entr" presetSubtype="0" fill="hold" grpId="0" nodeType="clickEffect">
+                                  <p:stCondLst>
+                                    <p:cond delay="0"/>
+                                  </p:stCondLst>
+                                  <p:childTnLst>
+                                    <p:set>
+                                      <p:cBhvr>
+                                        <p:cTn id="16" dur="1" fill="hold">
+                                          <p:stCondLst>
+                                            <p:cond delay="0"/>
+                                          </p:stCondLst>
+                                        </p:cTn>
+                                        <p:tgtEl>
+                                          <p:spTgt spid="5"/>
+                                        </p:tgtEl>
+                                        <p:attrNameLst>
+                                          <p:attrName>style.visibility</p:attrName>
+                                        </p:attrNameLst>
+                                      </p:cBhvr>
+                                      <p:to>
+                                        <p:strVal val="visible"/>
+                                      </p:to>
+                                    </p:set>
+                                    <p:animEffect transition="in" filter="fade">
+                                      <p:cBhvr>
+                                        <p:cTn id="17" dur="500"/>
+                                        <p:tgtEl>
+                                          <p:spTgt spid="5"/>
+                                        </p:tgtEl>
+                                      </p:cBhvr>
+                                    </p:animEffect>
+                                  </p:childTnLst>
+                                </p:cTn>
+                              </p:par>
+                            </p:childTnLst>
+                          </p:cTn>
+                        </p:par>
+                      </p:childTnLst>
+                    </p:cTn>
+                  </p:par>
+                  <p:par>
+                    <p:cTn id="18" fill="hold">
+                      <p:stCondLst>
+                        <p:cond delay="indefinite"/>
+                      </p:stCondLst>
+                      <p:childTnLst>
+                        <p:par>
+                          <p:cTn id="19" fill="hold">
+                            <p:stCondLst>
+                              <p:cond delay="0"/>
+                            </p:stCondLst>
+                            <p:childTnLst>
+                              <p:par>
+                                <p:cTn id="20" presetID="10" presetClass="entr" presetSubtype="0" fill="hold" nodeType="clickEffect">
+                                  <p:stCondLst>
+                                    <p:cond delay="0"/>
+                                  </p:stCondLst>
+                                  <p:childTnLst>
+                                    <p:set>
+                                      <p:cBhvr>
+                                        <p:cTn id="21" dur="1" fill="hold">
+                                          <p:stCondLst>
+                                            <p:cond delay="0"/>
+                                          </p:stCondLst>
+                                        </p:cTn>
+                                        <p:tgtEl>
+                                          <p:spTgt spid="4"/>
+                                        </p:tgtEl>
+                                        <p:attrNameLst>
+                                          <p:attrName>style.visibility</p:attrName>
+                                        </p:attrNameLst>
+                                      </p:cBhvr>
+                                      <p:to>
+                                        <p:strVal val="visible"/>
+                                      </p:to>
+                                    </p:set>
+                                    <p:animEffect transition="in" filter="fade">
+                                      <p:cBhvr>
+                                        <p:cTn id="22" dur="500"/>
+                                        <p:tgtEl>
+                                          <p:spTgt spid="4"/>
+                                        </p:tgtEl>
+                                      </p:cBhvr>
+                                    </p:animEffect>
+                                  </p:childTnLst>
+                                </p:cTn>
+                              </p:par>
+                              <p:par>
+                                <p:cTn id="23" presetID="10" presetClass="entr" presetSubtype="0" fill="hold" grpId="0" nodeType="withEffect">
+                                  <p:stCondLst>
+                                    <p:cond delay="0"/>
+                                  </p:stCondLst>
+                                  <p:childTnLst>
+                                    <p:set>
+                                      <p:cBhvr>
+                                        <p:cTn id="24" dur="1" fill="hold">
+                                          <p:stCondLst>
+                                            <p:cond delay="0"/>
+                                          </p:stCondLst>
+                                        </p:cTn>
+                                        <p:tgtEl>
+                                          <p:spTgt spid="8"/>
+                                        </p:tgtEl>
+                                        <p:attrNameLst>
+                                          <p:attrName>style.visibility</p:attrName>
+                                        </p:attrNameLst>
+                                      </p:cBhvr>
+                                      <p:to>
+                                        <p:strVal val="visible"/>
+                                      </p:to>
+                                    </p:set>
+                                    <p:animEffect transition="in" filter="fade">
+                                      <p:cBhvr>
+                                        <p:cTn id="25" dur="500"/>
+                                        <p:tgtEl>
+                                          <p:spTgt spid="8"/>
+                                        </p:tgtEl>
+                                      </p:cBhvr>
+                                    </p:animEffect>
+                                  </p:childTnLst>
+                                </p:cTn>
+                              </p:par>
+                            </p:childTnLst>
+                          </p:cTn>
+                        </p:par>
+                      </p:childTnLst>
+                    </p:cTn>
+                  </p:par>
+                </p:childTnLst>
+              </p:cTn>
+              <p:prevCondLst>
+                <p:cond evt="onPrev" delay="0">
+                  <p:tgtEl>
+                    <p:sldTgt/>
+                  </p:tgtEl>
+                </p:cond>
+              </p:prevCondLst>
+              <p:nextCondLst>
+                <p:cond evt="onNext" delay="0">
+                  <p:tgtEl>
+                    <p:sldTgt/>
+                  </p:tgtEl>
+                </p:cond>
+              </p:nextCondLst>
+            </p:seq>
+          </p:childTnLst>
+        </p:cTn>
+      </p:par>
+    </p:tnLst>
+    <p:bldLst>
+      <p:bldP spid="2" grpId="0"/>
+      <p:bldP spid="5" grpId="0" animBg="1"/>
+      <p:bldP spid="6" grpId="0" animBg="1"/>
+      <p:bldP spid="8" grpId="0" animBg="1"/>
+    </p:bldLst>
+  </p:timing>
+</p:sld>
+</file>
+
+<file path=ppt/slides/slide3.xml><?xml version="1.0" encoding="utf-8"?>
+<p:sld xmlns:a="http://schemas.openxmlformats.org/drawingml/2006/main" xmlns:r="http://schemas.openxmlformats.org/officeDocument/2006/relationships" xmlns:p="http://schemas.openxmlformats.org/presentationml/2006/main">
+  <p:cSld>
+    <p:spTree>
+      <p:nvGrpSpPr>
+        <p:cNvPr id="1" name=""/>
+        <p:cNvGrpSpPr/>
+        <p:nvPr/>
+      </p:nvGrpSpPr>
+      <p:grpSpPr>
+        <a:xfrm>
+          <a:off x="0" y="0"/>
+          <a:ext cx="0" cy="0"/>
+          <a:chOff x="0" y="0"/>
+          <a:chExt cx="0" cy="0"/>
+        </a:xfrm>
+      </p:grpSpPr>
+      <p:graphicFrame>
+        <p:nvGraphicFramePr>
+          <p:cNvPr id="6" name="Diagram 5"/>
+          <p:cNvGraphicFramePr/>
+          <p:nvPr>
+            <p:extLst>
+              <p:ext uri="{D42A27DB-BD31-4B8C-83A1-F6EECF244321}">
+                <p14:modId xmlns:p14="http://schemas.microsoft.com/office/powerpoint/2010/main" val="3964736487"/>
+              </p:ext>
+            </p:extLst>
+          </p:nvPr>
+        </p:nvGraphicFramePr>
+        <p:xfrm>
+          <a:off x="-304800" y="1123950"/>
+          <a:ext cx="5877458" cy="3757158"/>
+        </p:xfrm>
+        <a:graphic>
+          <a:graphicData uri="http://schemas.openxmlformats.org/drawingml/2006/diagram">
+            <dgm:relIds xmlns:dgm="http://schemas.openxmlformats.org/drawingml/2006/diagram" xmlns:r="http://schemas.openxmlformats.org/officeDocument/2006/relationships" r:dm="rId2" r:lo="rId3" r:qs="rId4" r:cs="rId5"/>
+          </a:graphicData>
+        </a:graphic>
+      </p:graphicFrame>
+      <p:sp>
+        <p:nvSpPr>
+          <p:cNvPr id="8" name="Right Arrow 7"/>
+          <p:cNvSpPr/>
+          <p:nvPr/>
+        </p:nvSpPr>
+        <p:spPr>
+          <a:xfrm>
+            <a:off x="3733800" y="1657350"/>
+            <a:ext cx="2209800" cy="381000"/>
+          </a:xfrm>
+          <a:prstGeom prst="rightArrow">
+            <a:avLst/>
+          </a:prstGeom>
+        </p:spPr>
+        <p:style>
+          <a:lnRef idx="1">
+            <a:schemeClr val="accent1"/>
+          </a:lnRef>
+          <a:fillRef idx="3">
+            <a:schemeClr val="accent1"/>
+          </a:fillRef>
+          <a:effectRef idx="2">
+            <a:schemeClr val="accent1"/>
+          </a:effectRef>
+          <a:fontRef idx="minor">
+            <a:schemeClr val="lt1"/>
+          </a:fontRef>
+        </p:style>
+        <p:txBody>
+          <a:bodyPr rtlCol="0" anchor="ctr"/>
+          <a:lstStyle/>
+          <a:p>
+            <a:pPr algn="ctr"/>
+            <a:endParaRPr lang="en-US">
+              <a:solidFill>
+                <a:prstClr val="white"/>
+              </a:solidFill>
+            </a:endParaRPr>
+          </a:p>
+        </p:txBody>
+      </p:sp>
+      <p:sp>
+        <p:nvSpPr>
+          <p:cNvPr id="9" name="Right Arrow 8"/>
+          <p:cNvSpPr/>
+          <p:nvPr/>
+        </p:nvSpPr>
+        <p:spPr>
+          <a:xfrm>
+            <a:off x="4953000" y="3867150"/>
+            <a:ext cx="990600" cy="381000"/>
+          </a:xfrm>
+          <a:prstGeom prst="rightArrow">
+            <a:avLst/>
+          </a:prstGeom>
+        </p:spPr>
+        <p:style>
+          <a:lnRef idx="1">
+            <a:schemeClr val="accent1"/>
+          </a:lnRef>
+          <a:fillRef idx="3">
+            <a:schemeClr val="accent1"/>
+          </a:fillRef>
+          <a:effectRef idx="2">
+            <a:schemeClr val="accent1"/>
+          </a:effectRef>
+          <a:fontRef idx="minor">
+            <a:schemeClr val="lt1"/>
+          </a:fontRef>
+        </p:style>
+        <p:txBody>
+          <a:bodyPr rtlCol="0" anchor="ctr"/>
+          <a:lstStyle/>
+          <a:p>
+            <a:pPr algn="ctr"/>
+            <a:endParaRPr lang="en-US">
+              <a:solidFill>
+                <a:prstClr val="white"/>
+              </a:solidFill>
+            </a:endParaRPr>
+          </a:p>
+        </p:txBody>
+      </p:sp>
+      <p:sp>
+        <p:nvSpPr>
+          <p:cNvPr id="10" name="Right Arrow 9"/>
+          <p:cNvSpPr/>
+          <p:nvPr/>
+        </p:nvSpPr>
+        <p:spPr>
+          <a:xfrm>
+            <a:off x="4343400" y="2800350"/>
+            <a:ext cx="1600200" cy="381000"/>
+          </a:xfrm>
+          <a:prstGeom prst="rightArrow">
+            <a:avLst/>
+          </a:prstGeom>
+        </p:spPr>
+        <p:style>
+          <a:lnRef idx="1">
+            <a:schemeClr val="accent1"/>
+          </a:lnRef>
+          <a:fillRef idx="3">
+            <a:schemeClr val="accent1"/>
+          </a:fillRef>
+          <a:effectRef idx="2">
+            <a:schemeClr val="accent1"/>
+          </a:effectRef>
+          <a:fontRef idx="minor">
+            <a:schemeClr val="lt1"/>
+          </a:fontRef>
+        </p:style>
+        <p:txBody>
+          <a:bodyPr rtlCol="0" anchor="ctr"/>
+          <a:lstStyle/>
+          <a:p>
+            <a:pPr algn="ctr"/>
+            <a:endParaRPr lang="en-US">
+              <a:solidFill>
+                <a:prstClr val="white"/>
+              </a:solidFill>
+            </a:endParaRPr>
+          </a:p>
+        </p:txBody>
+      </p:sp>
+      <p:sp>
+        <p:nvSpPr>
+          <p:cNvPr id="11" name="TextBox 10"/>
+          <p:cNvSpPr txBox="1"/>
+          <p:nvPr/>
+        </p:nvSpPr>
+        <p:spPr>
+          <a:xfrm>
+            <a:off x="6096000" y="1657350"/>
+            <a:ext cx="2057400" cy="369332"/>
+          </a:xfrm>
+          <a:prstGeom prst="rect">
+            <a:avLst/>
+          </a:prstGeom>
+          <a:noFill/>
+        </p:spPr>
+        <p:txBody>
+          <a:bodyPr wrap="square" rtlCol="0">
+            <a:spAutoFit/>
+          </a:bodyPr>
+          <a:lstStyle/>
+          <a:p>
+            <a:r>
+              <a:rPr lang="en-US" dirty="0" smtClean="0">
+                <a:solidFill>
+                  <a:prstClr val="black"/>
+                </a:solidFill>
+              </a:rPr>
+              <a:t>End Users</a:t>
+            </a:r>
+            <a:endParaRPr lang="en-US" dirty="0">
+              <a:solidFill>
+                <a:prstClr val="black"/>
+              </a:solidFill>
+            </a:endParaRPr>
+          </a:p>
+        </p:txBody>
+      </p:sp>
+      <p:sp>
+        <p:nvSpPr>
+          <p:cNvPr id="12" name="TextBox 11"/>
+          <p:cNvSpPr txBox="1"/>
+          <p:nvPr/>
+        </p:nvSpPr>
+        <p:spPr>
+          <a:xfrm>
+            <a:off x="6096000" y="2800350"/>
+            <a:ext cx="2057400" cy="646331"/>
+          </a:xfrm>
+          <a:prstGeom prst="rect">
+            <a:avLst/>
+          </a:prstGeom>
+          <a:noFill/>
+        </p:spPr>
+        <p:txBody>
+          <a:bodyPr wrap="square" rtlCol="0">
+            <a:spAutoFit/>
+          </a:bodyPr>
+          <a:lstStyle/>
+          <a:p>
+            <a:r>
+              <a:rPr lang="en-US" dirty="0" smtClean="0">
+                <a:solidFill>
+                  <a:prstClr val="black"/>
+                </a:solidFill>
+              </a:rPr>
+              <a:t>Application Developers</a:t>
+            </a:r>
+            <a:endParaRPr lang="en-US" dirty="0">
+              <a:solidFill>
+                <a:prstClr val="black"/>
+              </a:solidFill>
+            </a:endParaRPr>
+          </a:p>
+        </p:txBody>
+      </p:sp>
+      <p:sp>
+        <p:nvSpPr>
+          <p:cNvPr id="13" name="TextBox 12"/>
+          <p:cNvSpPr txBox="1"/>
+          <p:nvPr/>
+        </p:nvSpPr>
+        <p:spPr>
+          <a:xfrm>
+            <a:off x="6096000" y="3867150"/>
+            <a:ext cx="2057400" cy="646331"/>
+          </a:xfrm>
+          <a:prstGeom prst="rect">
+            <a:avLst/>
+          </a:prstGeom>
+          <a:noFill/>
+        </p:spPr>
+        <p:txBody>
+          <a:bodyPr wrap="square" rtlCol="0">
+            <a:spAutoFit/>
+          </a:bodyPr>
+          <a:lstStyle/>
+          <a:p>
+            <a:r>
+              <a:rPr lang="en-US" dirty="0" smtClean="0">
+                <a:solidFill>
+                  <a:prstClr val="black"/>
+                </a:solidFill>
+              </a:rPr>
+              <a:t>Network </a:t>
+            </a:r>
+          </a:p>
+          <a:p>
+            <a:r>
+              <a:rPr lang="en-US" dirty="0" smtClean="0">
+                <a:solidFill>
+                  <a:prstClr val="black"/>
+                </a:solidFill>
+              </a:rPr>
+              <a:t>Architects</a:t>
+            </a:r>
+            <a:endParaRPr lang="en-US" dirty="0">
+              <a:solidFill>
+                <a:prstClr val="black"/>
+              </a:solidFill>
+            </a:endParaRPr>
+          </a:p>
+        </p:txBody>
+      </p:sp>
+      <p:grpSp>
+        <p:nvGrpSpPr>
+          <p:cNvPr id="15" name="Diagram group"/>
+          <p:cNvGrpSpPr/>
+          <p:nvPr/>
+        </p:nvGrpSpPr>
+        <p:grpSpPr>
+          <a:xfrm>
+            <a:off x="7086600" y="590550"/>
+            <a:ext cx="1959152" cy="1252386"/>
+            <a:chOff x="1959152" y="0"/>
+            <a:chExt cx="1959152" cy="1252386"/>
+          </a:xfrm>
+          <a:scene3d>
+            <a:camera prst="isometricOffAxis2Left" zoom="95000"/>
+            <a:lightRig rig="flat" dir="t"/>
+          </a:scene3d>
+        </p:grpSpPr>
+        <p:grpSp>
+          <p:nvGrpSpPr>
+            <p:cNvPr id="16" name="Group 15"/>
+            <p:cNvGrpSpPr/>
+            <p:nvPr/>
+          </p:nvGrpSpPr>
+          <p:grpSpPr>
+            <a:xfrm>
+              <a:off x="1959152" y="0"/>
+              <a:ext cx="1959152" cy="1252386"/>
+              <a:chOff x="1959152" y="0"/>
+              <a:chExt cx="1959152" cy="1252386"/>
+            </a:xfrm>
+          </p:grpSpPr>
+          <p:sp>
+            <p:nvSpPr>
+              <p:cNvPr id="17" name="Trapezoid 16"/>
+              <p:cNvSpPr/>
+              <p:nvPr/>
+            </p:nvSpPr>
+            <p:spPr>
+              <a:xfrm>
+                <a:off x="1959152" y="0"/>
+                <a:ext cx="1959152" cy="1252386"/>
+              </a:xfrm>
+              <a:prstGeom prst="trapezoid">
+                <a:avLst>
+                  <a:gd name="adj" fmla="val 78217"/>
+                </a:avLst>
+              </a:prstGeom>
+              <a:sp3d extrusionH="381000" contourW="38100" prstMaterial="matte">
+                <a:contourClr>
+                  <a:schemeClr val="lt1"/>
+                </a:contourClr>
+              </a:sp3d>
+            </p:spPr>
+            <p:style>
+              <a:lnRef idx="0">
+                <a:schemeClr val="lt1">
+                  <a:hueOff val="0"/>
+                  <a:satOff val="0"/>
+                  <a:lumOff val="0"/>
+                  <a:alphaOff val="0"/>
+                </a:schemeClr>
+              </a:lnRef>
+              <a:fillRef idx="1">
+                <a:schemeClr val="accent1">
+                  <a:hueOff val="0"/>
+                  <a:satOff val="0"/>
+                  <a:lumOff val="0"/>
+                  <a:alphaOff val="0"/>
+                </a:schemeClr>
+              </a:fillRef>
+              <a:effectRef idx="0">
+                <a:schemeClr val="accent1">
+                  <a:hueOff val="0"/>
+                  <a:satOff val="0"/>
+                  <a:lumOff val="0"/>
+                  <a:alphaOff val="0"/>
+                </a:schemeClr>
+              </a:effectRef>
+              <a:fontRef idx="minor">
+                <a:schemeClr val="lt1"/>
+              </a:fontRef>
+            </p:style>
+          </p:sp>
+          <p:sp>
+            <p:nvSpPr>
+              <p:cNvPr id="18" name="Trapezoid 4"/>
+              <p:cNvSpPr/>
+              <p:nvPr/>
+            </p:nvSpPr>
+            <p:spPr>
+              <a:xfrm>
+                <a:off x="1959152" y="0"/>
+                <a:ext cx="1959152" cy="1252386"/>
+              </a:xfrm>
+              <a:prstGeom prst="rect">
+                <a:avLst/>
+              </a:prstGeom>
+              <a:sp3d/>
+            </p:spPr>
+            <p:style>
+              <a:lnRef idx="0">
+                <a:scrgbClr r="0" g="0" b="0"/>
+              </a:lnRef>
+              <a:fillRef idx="0">
+                <a:scrgbClr r="0" g="0" b="0"/>
+              </a:fillRef>
+              <a:effectRef idx="0">
+                <a:scrgbClr r="0" g="0" b="0"/>
+              </a:effectRef>
+              <a:fontRef idx="minor">
+                <a:schemeClr val="lt1"/>
+              </a:fontRef>
+            </p:style>
+            <p:txBody>
+              <a:bodyPr spcFirstLastPara="0" vert="horz" wrap="square" lIns="36830" tIns="36830" rIns="36830" bIns="36830" numCol="1" spcCol="1270" anchor="ctr" anchorCtr="0">
+                <a:noAutofit/>
+              </a:bodyPr>
+              <a:lstStyle/>
+              <a:p>
+                <a:pPr algn="ctr" defTabSz="1289050">
+                  <a:lnSpc>
+                    <a:spcPct val="90000"/>
+                  </a:lnSpc>
+                  <a:spcBef>
+                    <a:spcPct val="0"/>
+                  </a:spcBef>
+                  <a:spcAft>
+                    <a:spcPct val="35000"/>
+                  </a:spcAft>
+                </a:pPr>
+                <a:r>
+                  <a:rPr lang="en-US" sz="2900" dirty="0" smtClean="0">
+                    <a:solidFill>
+                      <a:prstClr val="white"/>
+                    </a:solidFill>
+                  </a:rPr>
+                  <a:t>HaaS</a:t>
+                </a:r>
+                <a:endParaRPr lang="en-US" sz="2900" dirty="0">
+                  <a:solidFill>
+                    <a:prstClr val="white"/>
+                  </a:solidFill>
+                </a:endParaRPr>
+              </a:p>
+            </p:txBody>
+          </p:sp>
+        </p:grpSp>
+      </p:grpSp>
+      <p:sp>
+        <p:nvSpPr>
+          <p:cNvPr id="33" name="TextBox 32"/>
+          <p:cNvSpPr txBox="1"/>
+          <p:nvPr/>
+        </p:nvSpPr>
+        <p:spPr>
+          <a:xfrm>
+            <a:off x="7467600" y="2038350"/>
+            <a:ext cx="1524000" cy="646331"/>
+          </a:xfrm>
+          <a:prstGeom prst="rect">
+            <a:avLst/>
+          </a:prstGeom>
+          <a:solidFill>
+            <a:schemeClr val="accent1">
+              <a:lumMod val="40000"/>
+              <a:lumOff val="60000"/>
+            </a:schemeClr>
+          </a:solidFill>
+        </p:spPr>
+        <p:txBody>
+          <a:bodyPr wrap="square" rtlCol="0">
+            <a:spAutoFit/>
+          </a:bodyPr>
+          <a:lstStyle/>
+          <a:p>
+            <a:r>
+              <a:rPr lang="en-US" dirty="0" smtClean="0">
+                <a:solidFill>
+                  <a:prstClr val="black"/>
+                </a:solidFill>
+              </a:rPr>
+              <a:t>Where does HaaS fit?</a:t>
+            </a:r>
+            <a:endParaRPr lang="en-US" dirty="0">
+              <a:solidFill>
+                <a:prstClr val="black"/>
+              </a:solidFill>
+            </a:endParaRPr>
+          </a:p>
+        </p:txBody>
+      </p:sp>
+      <p:sp>
+        <p:nvSpPr>
+          <p:cNvPr id="35" name="Down Arrow 34"/>
+          <p:cNvSpPr/>
+          <p:nvPr/>
+        </p:nvSpPr>
+        <p:spPr>
+          <a:xfrm>
+            <a:off x="8153400" y="2800350"/>
+            <a:ext cx="304800" cy="1066800"/>
+          </a:xfrm>
+          <a:prstGeom prst="downArrow">
+            <a:avLst/>
+          </a:prstGeom>
+        </p:spPr>
+        <p:style>
+          <a:lnRef idx="1">
+            <a:schemeClr val="accent1"/>
+          </a:lnRef>
+          <a:fillRef idx="3">
+            <a:schemeClr val="accent1"/>
+          </a:fillRef>
+          <a:effectRef idx="2">
+            <a:schemeClr val="accent1"/>
+          </a:effectRef>
+          <a:fontRef idx="minor">
+            <a:schemeClr val="lt1"/>
+          </a:fontRef>
+        </p:style>
+        <p:txBody>
+          <a:bodyPr rtlCol="0" anchor="ctr"/>
+          <a:lstStyle/>
+          <a:p>
+            <a:pPr algn="ctr"/>
+            <a:endParaRPr lang="en-US">
+              <a:solidFill>
+                <a:prstClr val="white"/>
+              </a:solidFill>
+            </a:endParaRPr>
+          </a:p>
+        </p:txBody>
+      </p:sp>
+      <p:sp>
+        <p:nvSpPr>
+          <p:cNvPr id="36" name="TextBox 35"/>
+          <p:cNvSpPr txBox="1"/>
+          <p:nvPr/>
+        </p:nvSpPr>
+        <p:spPr>
+          <a:xfrm>
+            <a:off x="7620000" y="3943350"/>
+            <a:ext cx="1371600" cy="646331"/>
+          </a:xfrm>
+          <a:prstGeom prst="rect">
+            <a:avLst/>
+          </a:prstGeom>
+          <a:solidFill>
+            <a:schemeClr val="accent2">
+              <a:lumMod val="60000"/>
+              <a:lumOff val="40000"/>
+            </a:schemeClr>
+          </a:solidFill>
+        </p:spPr>
+        <p:txBody>
+          <a:bodyPr wrap="square" rtlCol="0">
+            <a:spAutoFit/>
+          </a:bodyPr>
+          <a:lstStyle/>
+          <a:p>
+            <a:r>
+              <a:rPr lang="en-US" dirty="0" smtClean="0">
+                <a:solidFill>
+                  <a:prstClr val="black"/>
+                </a:solidFill>
+              </a:rPr>
+              <a:t>Machine transparency</a:t>
+            </a:r>
+            <a:endParaRPr lang="en-US" dirty="0">
+              <a:solidFill>
+                <a:prstClr val="black"/>
+              </a:solidFill>
+            </a:endParaRPr>
+          </a:p>
+        </p:txBody>
+      </p:sp>
+      <p:sp>
+        <p:nvSpPr>
+          <p:cNvPr id="37" name="Title 36"/>
+          <p:cNvSpPr>
+            <a:spLocks noGrp="1"/>
+          </p:cNvSpPr>
+          <p:nvPr>
+            <p:ph type="title"/>
+          </p:nvPr>
+        </p:nvSpPr>
+        <p:spPr/>
+        <p:txBody>
+          <a:bodyPr/>
+          <a:lstStyle/>
+          <a:p>
+            <a:r>
+              <a:rPr lang="en-US" dirty="0" smtClean="0"/>
+              <a:t>Cloud Stack</a:t>
+            </a:r>
+            <a:endParaRPr lang="en-US" dirty="0"/>
+          </a:p>
+        </p:txBody>
+      </p:sp>
+    </p:spTree>
+    <p:extLst>
+      <p:ext uri="{BB962C8B-B14F-4D97-AF65-F5344CB8AC3E}">
+        <p14:creationId xmlns:p14="http://schemas.microsoft.com/office/powerpoint/2010/main" val="2158586776"/>
+      </p:ext>
+    </p:extLst>
+  </p:cSld>
+  <p:clrMapOvr>
+    <a:masterClrMapping/>
+  </p:clrMapOvr>
+  <p:timing>
+    <p:tnLst>
+      <p:par>
+        <p:cTn id="1" dur="indefinite" restart="never" nodeType="tmRoot">
+          <p:childTnLst>
+            <p:seq concurrent="1" nextAc="seek">
+              <p:cTn id="2" dur="indefinite" nodeType="mainSeq">
+                <p:childTnLst>
+                  <p:par>
+                    <p:cTn id="3" fill="hold">
+                      <p:stCondLst>
+                        <p:cond delay="indefinite"/>
+                      </p:stCondLst>
+                      <p:childTnLst>
+                        <p:par>
+                          <p:cTn id="4" fill="hold">
+                            <p:stCondLst>
+                              <p:cond delay="0"/>
+                            </p:stCondLst>
+                            <p:childTnLst>
+                              <p:par>
+                                <p:cTn id="5" presetID="10" presetClass="entr" presetSubtype="0" fill="hold" grpId="0" nodeType="clickEffect">
+                                  <p:stCondLst>
+                                    <p:cond delay="0"/>
+                                  </p:stCondLst>
+                                  <p:childTnLst>
+                                    <p:set>
+                                      <p:cBhvr>
+                                        <p:cTn id="6" dur="1" fill="hold">
+                                          <p:stCondLst>
+                                            <p:cond delay="0"/>
+                                          </p:stCondLst>
+                                        </p:cTn>
+                                        <p:tgtEl>
+                                          <p:spTgt spid="37"/>
+                                        </p:tgtEl>
+                                        <p:attrNameLst>
+                                          <p:attrName>style.visibility</p:attrName>
+                                        </p:attrNameLst>
+                                      </p:cBhvr>
+                                      <p:to>
+                                        <p:strVal val="visible"/>
+                                      </p:to>
+                                    </p:set>
+                                    <p:animEffect transition="in" filter="fade">
+                                      <p:cBhvr>
+                                        <p:cTn id="7" dur="500"/>
+                                        <p:tgtEl>
+                                          <p:spTgt spid="37"/>
+                                        </p:tgtEl>
+                                      </p:cBhvr>
+                                    </p:animEffect>
+                                  </p:childTnLst>
+                                </p:cTn>
+                              </p:par>
+                            </p:childTnLst>
+                          </p:cTn>
+                        </p:par>
+                      </p:childTnLst>
+                    </p:cTn>
+                  </p:par>
+                </p:childTnLst>
+              </p:cTn>
+              <p:prevCondLst>
+                <p:cond evt="onPrev" delay="0">
+                  <p:tgtEl>
+                    <p:sldTgt/>
+                  </p:tgtEl>
+                </p:cond>
+              </p:prevCondLst>
+              <p:nextCondLst>
+                <p:cond evt="onNext" delay="0">
+                  <p:tgtEl>
+                    <p:sldTgt/>
+                  </p:tgtEl>
+                </p:cond>
+              </p:nextCondLst>
+            </p:seq>
+          </p:childTnLst>
+        </p:cTn>
+      </p:par>
+    </p:tnLst>
+    <p:bldLst>
+      <p:bldP spid="37" grpId="0"/>
+    </p:bldLst>
+  </p:timing>
+</p:sld>
+</file>
+
+<file path=ppt/slides/slide4.xml><?xml version="1.0" encoding="utf-8"?>
+<p:sld xmlns:a="http://schemas.openxmlformats.org/drawingml/2006/main" xmlns:r="http://schemas.openxmlformats.org/officeDocument/2006/relationships" xmlns:p="http://schemas.openxmlformats.org/presentationml/2006/main">
+  <p:cSld>
+    <p:spTree>
+      <p:nvGrpSpPr>
+        <p:cNvPr id="1" name=""/>
+        <p:cNvGrpSpPr/>
+        <p:nvPr/>
+      </p:nvGrpSpPr>
+      <p:grpSpPr>
+        <a:xfrm>
+          <a:off x="0" y="0"/>
+          <a:ext cx="0" cy="0"/>
+          <a:chOff x="0" y="0"/>
+          <a:chExt cx="0" cy="0"/>
+        </a:xfrm>
+      </p:grpSpPr>
+      <p:sp>
+        <p:nvSpPr>
+          <p:cNvPr id="2" name="Title 1"/>
+          <p:cNvSpPr>
+            <a:spLocks noGrp="1"/>
+          </p:cNvSpPr>
+          <p:nvPr>
+            <p:ph type="title"/>
+          </p:nvPr>
+        </p:nvSpPr>
+        <p:spPr/>
+        <p:txBody>
+          <a:bodyPr/>
+          <a:lstStyle/>
+          <a:p>
+            <a:r>
+              <a:rPr lang="en-US" dirty="0" smtClean="0"/>
               <a:t>Massachusetts Open Cloud</a:t>
             </a:r>
             <a:endParaRPr lang="en-US" dirty="0"/>
@@ -5280,7 +9111,7 @@
 </p:sld>
 </file>
 
-<file path=ppt/slides/slide3.xml><?xml version="1.0" encoding="utf-8"?>
+<file path=ppt/slides/slide5.xml><?xml version="1.0" encoding="utf-8"?>
 <p:sld xmlns:a="http://schemas.openxmlformats.org/drawingml/2006/main" xmlns:r="http://schemas.openxmlformats.org/officeDocument/2006/relationships" xmlns:p="http://schemas.openxmlformats.org/presentationml/2006/main">
   <p:cSld>
     <p:spTree>
@@ -6815,7 +10646,7 @@
 </p:sld>
 </file>
 
-<file path=ppt/slides/slide4.xml><?xml version="1.0" encoding="utf-8"?>
+<file path=ppt/slides/slide6.xml><?xml version="1.0" encoding="utf-8"?>
 <p:sld xmlns:a="http://schemas.openxmlformats.org/drawingml/2006/main" xmlns:r="http://schemas.openxmlformats.org/officeDocument/2006/relationships" xmlns:p="http://schemas.openxmlformats.org/presentationml/2006/main">
   <p:cSld>
     <p:spTree>
@@ -12770,7 +16601,7 @@
 </p:sld>
 </file>
 
-<file path=ppt/slides/slide5.xml><?xml version="1.0" encoding="utf-8"?>
+<file path=ppt/slides/slide7.xml><?xml version="1.0" encoding="utf-8"?>
 <p:sld xmlns:a="http://schemas.openxmlformats.org/drawingml/2006/main" xmlns:r="http://schemas.openxmlformats.org/officeDocument/2006/relationships" xmlns:p="http://schemas.openxmlformats.org/presentationml/2006/main">
   <p:cSld>
     <p:spTree>
@@ -14729,7 +18560,7 @@
 </p:sld>
 </file>
 
-<file path=ppt/slides/slide6.xml><?xml version="1.0" encoding="utf-8"?>
+<file path=ppt/slides/slide8.xml><?xml version="1.0" encoding="utf-8"?>
 <p:sld xmlns:a="http://schemas.openxmlformats.org/drawingml/2006/main" xmlns:r="http://schemas.openxmlformats.org/officeDocument/2006/relationships" xmlns:p="http://schemas.openxmlformats.org/presentationml/2006/main">
   <p:cSld>
     <p:spTree>

--- a/MOCUIPlugin-final.pptx
+++ b/MOCUIPlugin-final.pptx
@@ -9,12 +9,12 @@
   </p:notesMasterIdLst>
   <p:sldIdLst>
     <p:sldId id="256" r:id="rId3"/>
-    <p:sldId id="307" r:id="rId4"/>
-    <p:sldId id="308" r:id="rId5"/>
-    <p:sldId id="304" r:id="rId6"/>
+    <p:sldId id="304" r:id="rId4"/>
+    <p:sldId id="307" r:id="rId5"/>
+    <p:sldId id="308" r:id="rId6"/>
     <p:sldId id="305" r:id="rId7"/>
-    <p:sldId id="276" r:id="rId8"/>
-    <p:sldId id="306" r:id="rId9"/>
+    <p:sldId id="306" r:id="rId8"/>
+    <p:sldId id="276" r:id="rId9"/>
     <p:sldId id="278" r:id="rId10"/>
   </p:sldIdLst>
   <p:sldSz cx="9144000" cy="5143500" type="screen16x9"/>
@@ -892,6 +892,7 @@
         <a:bodyPr/>
         <a:lstStyle/>
         <a:p>
+          <a:pPr algn="ctr"/>
           <a:r>
             <a:rPr lang="en-US" dirty="0" smtClean="0"/>
             <a:t>Software-as-a-Service</a:t>
@@ -907,6 +908,7 @@
         <a:bodyPr/>
         <a:lstStyle/>
         <a:p>
+          <a:pPr algn="ctr"/>
           <a:endParaRPr lang="en-US"/>
         </a:p>
       </dgm:t>
@@ -918,6 +920,7 @@
         <a:bodyPr/>
         <a:lstStyle/>
         <a:p>
+          <a:pPr algn="ctr"/>
           <a:endParaRPr lang="en-US"/>
         </a:p>
       </dgm:t>
@@ -929,6 +932,7 @@
         <a:bodyPr/>
         <a:lstStyle/>
         <a:p>
+          <a:pPr algn="ctr"/>
           <a:r>
             <a:rPr lang="en-US" dirty="0" smtClean="0"/>
             <a:t>Platform-as-a-Service</a:t>
@@ -944,6 +948,7 @@
         <a:bodyPr/>
         <a:lstStyle/>
         <a:p>
+          <a:pPr algn="ctr"/>
           <a:endParaRPr lang="en-US"/>
         </a:p>
       </dgm:t>
@@ -955,6 +960,7 @@
         <a:bodyPr/>
         <a:lstStyle/>
         <a:p>
+          <a:pPr algn="ctr"/>
           <a:endParaRPr lang="en-US"/>
         </a:p>
       </dgm:t>
@@ -966,6 +972,7 @@
         <a:bodyPr/>
         <a:lstStyle/>
         <a:p>
+          <a:pPr algn="ctr"/>
           <a:r>
             <a:rPr lang="en-US" dirty="0" smtClean="0"/>
             <a:t>Infrastructure-as-a-Service</a:t>
@@ -981,6 +988,7 @@
         <a:bodyPr/>
         <a:lstStyle/>
         <a:p>
+          <a:pPr algn="ctr"/>
           <a:endParaRPr lang="en-US"/>
         </a:p>
       </dgm:t>
@@ -992,6 +1000,51 @@
         <a:bodyPr/>
         <a:lstStyle/>
         <a:p>
+          <a:pPr algn="ctr"/>
+          <a:endParaRPr lang="en-US"/>
+        </a:p>
+      </dgm:t>
+    </dgm:pt>
+    <dgm:pt modelId="{69628AFF-EBCF-4229-93F1-768A27CDBF6C}">
+      <dgm:prSet phldrT="[Text]"/>
+      <dgm:spPr>
+        <a:solidFill>
+          <a:schemeClr val="accent2"/>
+        </a:solidFill>
+      </dgm:spPr>
+      <dgm:t>
+        <a:bodyPr/>
+        <a:lstStyle/>
+        <a:p>
+          <a:pPr algn="ctr"/>
+          <a:r>
+            <a:rPr lang="en-US" dirty="0" smtClean="0"/>
+            <a:t>Hardware-as-a-Service</a:t>
+          </a:r>
+          <a:endParaRPr lang="en-US" dirty="0"/>
+        </a:p>
+      </dgm:t>
+    </dgm:pt>
+    <dgm:pt modelId="{0F874767-CC34-4CC4-B624-32531BC29D74}" type="parTrans" cxnId="{F1159019-032A-4F99-9ED5-1010434EFB32}">
+      <dgm:prSet/>
+      <dgm:spPr/>
+      <dgm:t>
+        <a:bodyPr/>
+        <a:lstStyle/>
+        <a:p>
+          <a:pPr algn="ctr"/>
+          <a:endParaRPr lang="en-US"/>
+        </a:p>
+      </dgm:t>
+    </dgm:pt>
+    <dgm:pt modelId="{3F0A59F4-F3BF-4B9A-8719-5C98187B9BE6}" type="sibTrans" cxnId="{F1159019-032A-4F99-9ED5-1010434EFB32}">
+      <dgm:prSet/>
+      <dgm:spPr/>
+      <dgm:t>
+        <a:bodyPr/>
+        <a:lstStyle/>
+        <a:p>
+          <a:pPr algn="ctr"/>
           <a:endParaRPr lang="en-US"/>
         </a:p>
       </dgm:t>
@@ -1011,7 +1064,7 @@
       <dgm:spPr/>
     </dgm:pt>
     <dgm:pt modelId="{FFEF248A-9CDD-0C4E-AC18-CF912B6168D5}" type="pres">
-      <dgm:prSet presAssocID="{463497ED-E0E2-7542-AC5E-B4BF3A69E2D9}" presName="level" presStyleLbl="node1" presStyleIdx="0" presStyleCnt="3">
+      <dgm:prSet presAssocID="{463497ED-E0E2-7542-AC5E-B4BF3A69E2D9}" presName="level" presStyleLbl="node1" presStyleIdx="0" presStyleCnt="4">
         <dgm:presLayoutVars>
           <dgm:chMax val="1"/>
           <dgm:bulletEnabled val="1"/>
@@ -1047,7 +1100,7 @@
       <dgm:spPr/>
     </dgm:pt>
     <dgm:pt modelId="{5DB06A7B-4B37-0046-87D0-B6F4E9A214F7}" type="pres">
-      <dgm:prSet presAssocID="{4E9BD0BE-2937-6448-BF83-4AD76DE67E5B}" presName="level" presStyleLbl="node1" presStyleIdx="1" presStyleCnt="3">
+      <dgm:prSet presAssocID="{4E9BD0BE-2937-6448-BF83-4AD76DE67E5B}" presName="level" presStyleLbl="node1" presStyleIdx="1" presStyleCnt="4">
         <dgm:presLayoutVars>
           <dgm:chMax val="1"/>
           <dgm:bulletEnabled val="1"/>
@@ -1083,7 +1136,7 @@
       <dgm:spPr/>
     </dgm:pt>
     <dgm:pt modelId="{66FFD7BE-09E7-DA40-A903-F11A86160C9F}" type="pres">
-      <dgm:prSet presAssocID="{F4858C5F-2910-C14B-AE65-5EC1486E1D33}" presName="level" presStyleLbl="node1" presStyleIdx="2" presStyleCnt="3">
+      <dgm:prSet presAssocID="{F4858C5F-2910-C14B-AE65-5EC1486E1D33}" presName="level" presStyleLbl="node1" presStyleIdx="2" presStyleCnt="4">
         <dgm:presLayoutVars>
           <dgm:chMax val="1"/>
           <dgm:bulletEnabled val="1"/>
@@ -1114,15 +1167,54 @@
         </a:p>
       </dgm:t>
     </dgm:pt>
+    <dgm:pt modelId="{5C57244C-7739-4464-80BF-5C4FEAEE4F37}" type="pres">
+      <dgm:prSet presAssocID="{69628AFF-EBCF-4229-93F1-768A27CDBF6C}" presName="Name8" presStyleCnt="0"/>
+      <dgm:spPr/>
+    </dgm:pt>
+    <dgm:pt modelId="{7E401668-B05E-40B0-9442-4D8424AB595F}" type="pres">
+      <dgm:prSet presAssocID="{69628AFF-EBCF-4229-93F1-768A27CDBF6C}" presName="level" presStyleLbl="node1" presStyleIdx="3" presStyleCnt="4">
+        <dgm:presLayoutVars>
+          <dgm:chMax val="1"/>
+          <dgm:bulletEnabled val="1"/>
+        </dgm:presLayoutVars>
+      </dgm:prSet>
+      <dgm:spPr/>
+      <dgm:t>
+        <a:bodyPr/>
+        <a:lstStyle/>
+        <a:p>
+          <a:endParaRPr lang="en-US"/>
+        </a:p>
+      </dgm:t>
+    </dgm:pt>
+    <dgm:pt modelId="{47BF2EAB-77EC-4BD1-8420-096FC1EC99A1}" type="pres">
+      <dgm:prSet presAssocID="{69628AFF-EBCF-4229-93F1-768A27CDBF6C}" presName="levelTx" presStyleLbl="revTx" presStyleIdx="0" presStyleCnt="0">
+        <dgm:presLayoutVars>
+          <dgm:chMax val="1"/>
+          <dgm:bulletEnabled val="1"/>
+        </dgm:presLayoutVars>
+      </dgm:prSet>
+      <dgm:spPr/>
+      <dgm:t>
+        <a:bodyPr/>
+        <a:lstStyle/>
+        <a:p>
+          <a:endParaRPr lang="en-US"/>
+        </a:p>
+      </dgm:t>
+    </dgm:pt>
   </dgm:ptLst>
   <dgm:cxnLst>
     <dgm:cxn modelId="{2D9C3DD1-7828-4E10-AA4A-EDB3433FBF29}" type="presOf" srcId="{DCE7B4F7-0717-6543-93C9-47756FDF8E5C}" destId="{C5375A42-A305-8945-A9AE-42E1E1941F90}" srcOrd="0" destOrd="0" presId="urn:microsoft.com/office/officeart/2005/8/layout/pyramid1"/>
     <dgm:cxn modelId="{DAD67794-D282-47E3-B322-73B5893F6822}" type="presOf" srcId="{463497ED-E0E2-7542-AC5E-B4BF3A69E2D9}" destId="{671FD104-BF24-DF42-A3CF-ABEF6EFA5A28}" srcOrd="1" destOrd="0" presId="urn:microsoft.com/office/officeart/2005/8/layout/pyramid1"/>
+    <dgm:cxn modelId="{0E5BE658-9FE5-4B70-8A3A-A7F281937D68}" type="presOf" srcId="{69628AFF-EBCF-4229-93F1-768A27CDBF6C}" destId="{7E401668-B05E-40B0-9442-4D8424AB595F}" srcOrd="0" destOrd="0" presId="urn:microsoft.com/office/officeart/2005/8/layout/pyramid1"/>
     <dgm:cxn modelId="{7806E36D-EC2A-0942-83D1-A1EB71444710}" srcId="{DCE7B4F7-0717-6543-93C9-47756FDF8E5C}" destId="{463497ED-E0E2-7542-AC5E-B4BF3A69E2D9}" srcOrd="0" destOrd="0" parTransId="{9F87FB96-D78E-0440-ABF9-754D0863C5C0}" sibTransId="{F1007C82-9CC2-F04B-B898-312929A68477}"/>
     <dgm:cxn modelId="{6E81EC71-E600-477B-93CD-406B82DF27F4}" type="presOf" srcId="{4E9BD0BE-2937-6448-BF83-4AD76DE67E5B}" destId="{766CF9A7-B66E-6A46-BCC8-441490CF598F}" srcOrd="1" destOrd="0" presId="urn:microsoft.com/office/officeart/2005/8/layout/pyramid1"/>
+    <dgm:cxn modelId="{F1159019-032A-4F99-9ED5-1010434EFB32}" srcId="{DCE7B4F7-0717-6543-93C9-47756FDF8E5C}" destId="{69628AFF-EBCF-4229-93F1-768A27CDBF6C}" srcOrd="3" destOrd="0" parTransId="{0F874767-CC34-4CC4-B624-32531BC29D74}" sibTransId="{3F0A59F4-F3BF-4B9A-8719-5C98187B9BE6}"/>
     <dgm:cxn modelId="{19BD7A9F-DAED-400D-AF68-0A85041F3F11}" type="presOf" srcId="{4E9BD0BE-2937-6448-BF83-4AD76DE67E5B}" destId="{5DB06A7B-4B37-0046-87D0-B6F4E9A214F7}" srcOrd="0" destOrd="0" presId="urn:microsoft.com/office/officeart/2005/8/layout/pyramid1"/>
     <dgm:cxn modelId="{8F5A726F-1B3B-4D1F-8B1B-D9809B58AABF}" type="presOf" srcId="{F4858C5F-2910-C14B-AE65-5EC1486E1D33}" destId="{66FFD7BE-09E7-DA40-A903-F11A86160C9F}" srcOrd="0" destOrd="0" presId="urn:microsoft.com/office/officeart/2005/8/layout/pyramid1"/>
     <dgm:cxn modelId="{DDAB17A6-AD81-44B7-BADC-6CE41847579E}" type="presOf" srcId="{463497ED-E0E2-7542-AC5E-B4BF3A69E2D9}" destId="{FFEF248A-9CDD-0C4E-AC18-CF912B6168D5}" srcOrd="0" destOrd="0" presId="urn:microsoft.com/office/officeart/2005/8/layout/pyramid1"/>
+    <dgm:cxn modelId="{B5B1DAD5-7C20-4352-AF62-6EDA19C4B53D}" type="presOf" srcId="{69628AFF-EBCF-4229-93F1-768A27CDBF6C}" destId="{47BF2EAB-77EC-4BD1-8420-096FC1EC99A1}" srcOrd="1" destOrd="0" presId="urn:microsoft.com/office/officeart/2005/8/layout/pyramid1"/>
     <dgm:cxn modelId="{22BEC169-42B4-934A-AD5C-35C05F575F36}" srcId="{DCE7B4F7-0717-6543-93C9-47756FDF8E5C}" destId="{F4858C5F-2910-C14B-AE65-5EC1486E1D33}" srcOrd="2" destOrd="0" parTransId="{B234DB13-B1E2-784F-9ACB-C199CD54B54E}" sibTransId="{580F1A18-344A-2346-9AB6-D72EAF720ADB}"/>
     <dgm:cxn modelId="{3C111C00-9819-40BC-B6B5-3A95EC1C9935}" type="presOf" srcId="{F4858C5F-2910-C14B-AE65-5EC1486E1D33}" destId="{DD308B38-ED00-B646-B2CB-26EE36FBD94C}" srcOrd="1" destOrd="0" presId="urn:microsoft.com/office/officeart/2005/8/layout/pyramid1"/>
     <dgm:cxn modelId="{116DFD73-190B-7B44-93AB-02505E9B17C4}" srcId="{DCE7B4F7-0717-6543-93C9-47756FDF8E5C}" destId="{4E9BD0BE-2937-6448-BF83-4AD76DE67E5B}" srcOrd="1" destOrd="0" parTransId="{2D253641-ADEA-354C-B18B-9DFC8A8A6DB9}" sibTransId="{56573B77-0D84-D24E-9DDB-B55EF7AE5D2D}"/>
@@ -1135,6 +1227,9 @@
     <dgm:cxn modelId="{FA1CC995-67D1-4000-B06E-D848B919F3A1}" type="presParOf" srcId="{C5375A42-A305-8945-A9AE-42E1E1941F90}" destId="{F58E8FF2-EA6D-F54E-B0E6-F10473E915B7}" srcOrd="2" destOrd="0" presId="urn:microsoft.com/office/officeart/2005/8/layout/pyramid1"/>
     <dgm:cxn modelId="{29B75B11-8F3C-431B-AD64-9A8DE39646C9}" type="presParOf" srcId="{F58E8FF2-EA6D-F54E-B0E6-F10473E915B7}" destId="{66FFD7BE-09E7-DA40-A903-F11A86160C9F}" srcOrd="0" destOrd="0" presId="urn:microsoft.com/office/officeart/2005/8/layout/pyramid1"/>
     <dgm:cxn modelId="{28E7E640-0D69-47E7-9309-7FD05AAA4437}" type="presParOf" srcId="{F58E8FF2-EA6D-F54E-B0E6-F10473E915B7}" destId="{DD308B38-ED00-B646-B2CB-26EE36FBD94C}" srcOrd="1" destOrd="0" presId="urn:microsoft.com/office/officeart/2005/8/layout/pyramid1"/>
+    <dgm:cxn modelId="{F667F174-0679-4418-AD31-8512D8D45A7E}" type="presParOf" srcId="{C5375A42-A305-8945-A9AE-42E1E1941F90}" destId="{5C57244C-7739-4464-80BF-5C4FEAEE4F37}" srcOrd="3" destOrd="0" presId="urn:microsoft.com/office/officeart/2005/8/layout/pyramid1"/>
+    <dgm:cxn modelId="{984A20AA-0099-4E81-82F6-78FCB2DD81B8}" type="presParOf" srcId="{5C57244C-7739-4464-80BF-5C4FEAEE4F37}" destId="{7E401668-B05E-40B0-9442-4D8424AB595F}" srcOrd="0" destOrd="0" presId="urn:microsoft.com/office/officeart/2005/8/layout/pyramid1"/>
+    <dgm:cxn modelId="{7575C401-583F-4174-A7D9-DC94BFA15C6C}" type="presParOf" srcId="{5C57244C-7739-4464-80BF-5C4FEAEE4F37}" destId="{47BF2EAB-77EC-4BD1-8420-096FC1EC99A1}" srcOrd="1" destOrd="0" presId="urn:microsoft.com/office/officeart/2005/8/layout/pyramid1"/>
   </dgm:cxnLst>
   <dgm:bg/>
   <dgm:whole/>
@@ -1161,12 +1256,12 @@
       </dsp:nvSpPr>
       <dsp:spPr>
         <a:xfrm>
-          <a:off x="1959152" y="0"/>
-          <a:ext cx="1959152" cy="1252386"/>
+          <a:off x="2175471" y="0"/>
+          <a:ext cx="1450314" cy="903108"/>
         </a:xfrm>
         <a:prstGeom prst="trapezoid">
           <a:avLst>
-            <a:gd name="adj" fmla="val 78217"/>
+            <a:gd name="adj" fmla="val 80296"/>
           </a:avLst>
         </a:prstGeom>
         <a:solidFill>
@@ -1202,12 +1297,12 @@
         </a:fontRef>
       </dsp:style>
       <dsp:txBody>
-        <a:bodyPr spcFirstLastPara="0" vert="horz" wrap="square" lIns="39370" tIns="39370" rIns="39370" bIns="39370" numCol="1" spcCol="1270" anchor="ctr" anchorCtr="0">
+        <a:bodyPr spcFirstLastPara="0" vert="horz" wrap="square" lIns="27940" tIns="27940" rIns="27940" bIns="27940" numCol="1" spcCol="1270" anchor="ctr" anchorCtr="0">
           <a:noAutofit/>
         </a:bodyPr>
         <a:lstStyle/>
         <a:p>
-          <a:pPr lvl="0" algn="ctr" defTabSz="1377950">
+          <a:pPr lvl="0" algn="ctr" defTabSz="977900">
             <a:lnSpc>
               <a:spcPct val="90000"/>
             </a:lnSpc>
@@ -1219,15 +1314,15 @@
             </a:spcAft>
           </a:pPr>
           <a:r>
-            <a:rPr lang="en-US" sz="3100" kern="1200" dirty="0" smtClean="0"/>
+            <a:rPr lang="en-US" sz="2200" kern="1200" dirty="0" smtClean="0"/>
             <a:t>Software-as-a-Service</a:t>
           </a:r>
-          <a:endParaRPr lang="en-US" sz="3100" kern="1200" dirty="0"/>
+          <a:endParaRPr lang="en-US" sz="2200" kern="1200" dirty="0"/>
         </a:p>
       </dsp:txBody>
       <dsp:txXfrm>
-        <a:off x="1959152" y="0"/>
-        <a:ext cx="1959152" cy="1252386"/>
+        <a:off x="2175471" y="0"/>
+        <a:ext cx="1450314" cy="903108"/>
       </dsp:txXfrm>
     </dsp:sp>
     <dsp:sp modelId="{5DB06A7B-4B37-0046-87D0-B6F4E9A214F7}">
@@ -1237,12 +1332,12 @@
       </dsp:nvSpPr>
       <dsp:spPr>
         <a:xfrm>
-          <a:off x="979576" y="1252386"/>
-          <a:ext cx="3918305" cy="1252386"/>
+          <a:off x="1450314" y="903108"/>
+          <a:ext cx="2900629" cy="903108"/>
         </a:xfrm>
         <a:prstGeom prst="trapezoid">
           <a:avLst>
-            <a:gd name="adj" fmla="val 78217"/>
+            <a:gd name="adj" fmla="val 80296"/>
           </a:avLst>
         </a:prstGeom>
         <a:solidFill>
@@ -1278,12 +1373,12 @@
         </a:fontRef>
       </dsp:style>
       <dsp:txBody>
-        <a:bodyPr spcFirstLastPara="0" vert="horz" wrap="square" lIns="39370" tIns="39370" rIns="39370" bIns="39370" numCol="1" spcCol="1270" anchor="ctr" anchorCtr="0">
+        <a:bodyPr spcFirstLastPara="0" vert="horz" wrap="square" lIns="27940" tIns="27940" rIns="27940" bIns="27940" numCol="1" spcCol="1270" anchor="ctr" anchorCtr="0">
           <a:noAutofit/>
         </a:bodyPr>
         <a:lstStyle/>
         <a:p>
-          <a:pPr lvl="0" algn="ctr" defTabSz="1377950">
+          <a:pPr lvl="0" algn="ctr" defTabSz="977900">
             <a:lnSpc>
               <a:spcPct val="90000"/>
             </a:lnSpc>
@@ -1295,15 +1390,15 @@
             </a:spcAft>
           </a:pPr>
           <a:r>
-            <a:rPr lang="en-US" sz="3100" kern="1200" dirty="0" smtClean="0"/>
+            <a:rPr lang="en-US" sz="2200" kern="1200" dirty="0" smtClean="0"/>
             <a:t>Platform-as-a-Service</a:t>
           </a:r>
-          <a:endParaRPr lang="en-US" sz="3100" kern="1200" dirty="0"/>
+          <a:endParaRPr lang="en-US" sz="2200" kern="1200" dirty="0"/>
         </a:p>
       </dsp:txBody>
       <dsp:txXfrm>
-        <a:off x="1665279" y="1252386"/>
-        <a:ext cx="2546898" cy="1252386"/>
+        <a:off x="1957924" y="903108"/>
+        <a:ext cx="1885408" cy="903108"/>
       </dsp:txXfrm>
     </dsp:sp>
     <dsp:sp modelId="{66FFD7BE-09E7-DA40-A903-F11A86160C9F}">
@@ -1313,12 +1408,12 @@
       </dsp:nvSpPr>
       <dsp:spPr>
         <a:xfrm>
-          <a:off x="0" y="2504772"/>
-          <a:ext cx="5877457" cy="1252386"/>
+          <a:off x="725157" y="1806216"/>
+          <a:ext cx="4350943" cy="903108"/>
         </a:xfrm>
         <a:prstGeom prst="trapezoid">
           <a:avLst>
-            <a:gd name="adj" fmla="val 78217"/>
+            <a:gd name="adj" fmla="val 80296"/>
           </a:avLst>
         </a:prstGeom>
         <a:solidFill>
@@ -1354,12 +1449,12 @@
         </a:fontRef>
       </dsp:style>
       <dsp:txBody>
-        <a:bodyPr spcFirstLastPara="0" vert="horz" wrap="square" lIns="39370" tIns="39370" rIns="39370" bIns="39370" numCol="1" spcCol="1270" anchor="ctr" anchorCtr="0">
+        <a:bodyPr spcFirstLastPara="0" vert="horz" wrap="square" lIns="27940" tIns="27940" rIns="27940" bIns="27940" numCol="1" spcCol="1270" anchor="ctr" anchorCtr="0">
           <a:noAutofit/>
         </a:bodyPr>
         <a:lstStyle/>
         <a:p>
-          <a:pPr lvl="0" algn="ctr" defTabSz="1377950">
+          <a:pPr lvl="0" algn="ctr" defTabSz="977900">
             <a:lnSpc>
               <a:spcPct val="90000"/>
             </a:lnSpc>
@@ -1371,15 +1466,86 @@
             </a:spcAft>
           </a:pPr>
           <a:r>
-            <a:rPr lang="en-US" sz="3100" kern="1200" dirty="0" smtClean="0"/>
+            <a:rPr lang="en-US" sz="2200" kern="1200" dirty="0" smtClean="0"/>
             <a:t>Infrastructure-as-a-Service</a:t>
           </a:r>
-          <a:endParaRPr lang="en-US" sz="3100" kern="1200" dirty="0"/>
+          <a:endParaRPr lang="en-US" sz="2200" kern="1200" dirty="0"/>
         </a:p>
       </dsp:txBody>
       <dsp:txXfrm>
-        <a:off x="1028555" y="2504772"/>
-        <a:ext cx="3820347" cy="1252386"/>
+        <a:off x="1486572" y="1806216"/>
+        <a:ext cx="2828113" cy="903108"/>
+      </dsp:txXfrm>
+    </dsp:sp>
+    <dsp:sp modelId="{7E401668-B05E-40B0-9442-4D8424AB595F}">
+      <dsp:nvSpPr>
+        <dsp:cNvPr id="0" name=""/>
+        <dsp:cNvSpPr/>
+      </dsp:nvSpPr>
+      <dsp:spPr>
+        <a:xfrm>
+          <a:off x="0" y="2709324"/>
+          <a:ext cx="5801258" cy="903108"/>
+        </a:xfrm>
+        <a:prstGeom prst="trapezoid">
+          <a:avLst>
+            <a:gd name="adj" fmla="val 80296"/>
+          </a:avLst>
+        </a:prstGeom>
+        <a:solidFill>
+          <a:schemeClr val="accent2"/>
+        </a:solidFill>
+        <a:ln>
+          <a:noFill/>
+        </a:ln>
+        <a:effectLst/>
+        <a:sp3d extrusionH="381000" contourW="38100" prstMaterial="matte">
+          <a:contourClr>
+            <a:schemeClr val="lt1"/>
+          </a:contourClr>
+        </a:sp3d>
+      </dsp:spPr>
+      <dsp:style>
+        <a:lnRef idx="0">
+          <a:scrgbClr r="0" g="0" b="0"/>
+        </a:lnRef>
+        <a:fillRef idx="1">
+          <a:scrgbClr r="0" g="0" b="0"/>
+        </a:fillRef>
+        <a:effectRef idx="0">
+          <a:scrgbClr r="0" g="0" b="0"/>
+        </a:effectRef>
+        <a:fontRef idx="minor">
+          <a:schemeClr val="lt1"/>
+        </a:fontRef>
+      </dsp:style>
+      <dsp:txBody>
+        <a:bodyPr spcFirstLastPara="0" vert="horz" wrap="square" lIns="27940" tIns="27940" rIns="27940" bIns="27940" numCol="1" spcCol="1270" anchor="ctr" anchorCtr="0">
+          <a:noAutofit/>
+        </a:bodyPr>
+        <a:lstStyle/>
+        <a:p>
+          <a:pPr lvl="0" algn="ctr" defTabSz="977900">
+            <a:lnSpc>
+              <a:spcPct val="90000"/>
+            </a:lnSpc>
+            <a:spcBef>
+              <a:spcPct val="0"/>
+            </a:spcBef>
+            <a:spcAft>
+              <a:spcPct val="35000"/>
+            </a:spcAft>
+          </a:pPr>
+          <a:r>
+            <a:rPr lang="en-US" sz="2200" kern="1200" dirty="0" smtClean="0"/>
+            <a:t>Hardware-as-a-Service</a:t>
+          </a:r>
+          <a:endParaRPr lang="en-US" sz="2200" kern="1200" dirty="0"/>
+        </a:p>
+      </dsp:txBody>
+      <dsp:txXfrm>
+        <a:off x="1015220" y="2709324"/>
+        <a:ext cx="3770817" cy="903108"/>
       </dsp:txXfrm>
     </dsp:sp>
   </dsp:spTree>
@@ -6963,1210 +7129,6 @@
           <a:p>
             <a:r>
               <a:rPr lang="en-US" dirty="0" smtClean="0"/>
-              <a:t>Hardware-as-a-Service</a:t>
-            </a:r>
-            <a:endParaRPr lang="en-US" dirty="0"/>
-          </a:p>
-        </p:txBody>
-      </p:sp>
-      <p:pic>
-        <p:nvPicPr>
-          <p:cNvPr id="4" name="Picture 3" descr="computer-161933_1280.png"/>
-          <p:cNvPicPr>
-            <a:picLocks noChangeAspect="1"/>
-          </p:cNvPicPr>
-          <p:nvPr/>
-        </p:nvPicPr>
-        <p:blipFill>
-          <a:blip r:embed="rId2" cstate="print">
-            <a:extLst>
-              <a:ext uri="{28A0092B-C50C-407E-A947-70E740481C1C}">
-                <a14:useLocalDpi xmlns:a14="http://schemas.microsoft.com/office/drawing/2010/main" val="0"/>
-              </a:ext>
-            </a:extLst>
-          </a:blip>
-          <a:stretch>
-            <a:fillRect/>
-          </a:stretch>
-        </p:blipFill>
-        <p:spPr>
-          <a:xfrm>
-            <a:off x="533400" y="2190750"/>
-            <a:ext cx="4607258" cy="2800349"/>
-          </a:xfrm>
-          <a:prstGeom prst="rect">
-            <a:avLst/>
-          </a:prstGeom>
-        </p:spPr>
-      </p:pic>
-      <p:sp>
-        <p:nvSpPr>
-          <p:cNvPr id="5" name="Left-Up Arrow 4"/>
-          <p:cNvSpPr/>
-          <p:nvPr/>
-        </p:nvSpPr>
-        <p:spPr>
-          <a:xfrm>
-            <a:off x="4724400" y="3105150"/>
-            <a:ext cx="2743200" cy="914400"/>
-          </a:xfrm>
-          <a:prstGeom prst="leftUpArrow">
-            <a:avLst/>
-          </a:prstGeom>
-        </p:spPr>
-        <p:style>
-          <a:lnRef idx="1">
-            <a:schemeClr val="accent1"/>
-          </a:lnRef>
-          <a:fillRef idx="3">
-            <a:schemeClr val="accent1"/>
-          </a:fillRef>
-          <a:effectRef idx="2">
-            <a:schemeClr val="accent1"/>
-          </a:effectRef>
-          <a:fontRef idx="minor">
-            <a:schemeClr val="lt1"/>
-          </a:fontRef>
-        </p:style>
-        <p:txBody>
-          <a:bodyPr rtlCol="0" anchor="ctr"/>
-          <a:lstStyle/>
-          <a:p>
-            <a:pPr algn="ctr"/>
-            <a:endParaRPr lang="en-US">
-              <a:solidFill>
-                <a:prstClr val="white"/>
-              </a:solidFill>
-            </a:endParaRPr>
-          </a:p>
-        </p:txBody>
-      </p:sp>
-      <p:sp>
-        <p:nvSpPr>
-          <p:cNvPr id="6" name="Rounded Rectangle 5"/>
-          <p:cNvSpPr/>
-          <p:nvPr/>
-        </p:nvSpPr>
-        <p:spPr>
-          <a:xfrm>
-            <a:off x="6172200" y="1504950"/>
-            <a:ext cx="2209800" cy="1371600"/>
-          </a:xfrm>
-          <a:prstGeom prst="roundRect">
-            <a:avLst/>
-          </a:prstGeom>
-          <a:solidFill>
-            <a:schemeClr val="accent1">
-              <a:alpha val="50000"/>
-            </a:schemeClr>
-          </a:solidFill>
-        </p:spPr>
-        <p:style>
-          <a:lnRef idx="1">
-            <a:schemeClr val="accent1"/>
-          </a:lnRef>
-          <a:fillRef idx="3">
-            <a:schemeClr val="accent1"/>
-          </a:fillRef>
-          <a:effectRef idx="2">
-            <a:schemeClr val="accent1"/>
-          </a:effectRef>
-          <a:fontRef idx="minor">
-            <a:schemeClr val="lt1"/>
-          </a:fontRef>
-        </p:style>
-        <p:txBody>
-          <a:bodyPr rtlCol="0" anchor="ctr"/>
-          <a:lstStyle/>
-          <a:p>
-            <a:pPr algn="ctr"/>
-            <a:r>
-              <a:rPr lang="en-US" dirty="0" smtClean="0">
-                <a:solidFill>
-                  <a:prstClr val="white"/>
-                </a:solidFill>
-              </a:rPr>
-              <a:t>HaaS User Interface</a:t>
-            </a:r>
-            <a:endParaRPr lang="en-US" dirty="0">
-              <a:solidFill>
-                <a:prstClr val="white"/>
-              </a:solidFill>
-            </a:endParaRPr>
-          </a:p>
-        </p:txBody>
-      </p:sp>
-      <p:sp>
-        <p:nvSpPr>
-          <p:cNvPr id="8" name="Cloud 7"/>
-          <p:cNvSpPr/>
-          <p:nvPr/>
-        </p:nvSpPr>
-        <p:spPr>
-          <a:xfrm>
-            <a:off x="228600" y="1733550"/>
-            <a:ext cx="2057400" cy="762000"/>
-          </a:xfrm>
-          <a:prstGeom prst="cloud">
-            <a:avLst/>
-          </a:prstGeom>
-        </p:spPr>
-        <p:style>
-          <a:lnRef idx="1">
-            <a:schemeClr val="accent1"/>
-          </a:lnRef>
-          <a:fillRef idx="3">
-            <a:schemeClr val="accent1"/>
-          </a:fillRef>
-          <a:effectRef idx="2">
-            <a:schemeClr val="accent1"/>
-          </a:effectRef>
-          <a:fontRef idx="minor">
-            <a:schemeClr val="lt1"/>
-          </a:fontRef>
-        </p:style>
-        <p:txBody>
-          <a:bodyPr rtlCol="0" anchor="ctr"/>
-          <a:lstStyle/>
-          <a:p>
-            <a:pPr algn="ctr"/>
-            <a:r>
-              <a:rPr lang="en-US" dirty="0" smtClean="0">
-                <a:solidFill>
-                  <a:prstClr val="white"/>
-                </a:solidFill>
-              </a:rPr>
-              <a:t>MGHPCC</a:t>
-            </a:r>
-            <a:endParaRPr lang="en-US" dirty="0">
-              <a:solidFill>
-                <a:prstClr val="white"/>
-              </a:solidFill>
-            </a:endParaRPr>
-          </a:p>
-        </p:txBody>
-      </p:sp>
-    </p:spTree>
-    <p:extLst>
-      <p:ext uri="{BB962C8B-B14F-4D97-AF65-F5344CB8AC3E}">
-        <p14:creationId xmlns:p14="http://schemas.microsoft.com/office/powerpoint/2010/main" val="3799079902"/>
-      </p:ext>
-    </p:extLst>
-  </p:cSld>
-  <p:clrMapOvr>
-    <a:masterClrMapping/>
-  </p:clrMapOvr>
-  <p:timing>
-    <p:tnLst>
-      <p:par>
-        <p:cTn id="1" dur="indefinite" restart="never" nodeType="tmRoot">
-          <p:childTnLst>
-            <p:seq concurrent="1" nextAc="seek">
-              <p:cTn id="2" dur="indefinite" nodeType="mainSeq">
-                <p:childTnLst>
-                  <p:par>
-                    <p:cTn id="3" fill="hold">
-                      <p:stCondLst>
-                        <p:cond delay="indefinite"/>
-                        <p:cond evt="onBegin" delay="0">
-                          <p:tn val="2"/>
-                        </p:cond>
-                      </p:stCondLst>
-                      <p:childTnLst>
-                        <p:par>
-                          <p:cTn id="4" fill="hold">
-                            <p:stCondLst>
-                              <p:cond delay="0"/>
-                            </p:stCondLst>
-                            <p:childTnLst>
-                              <p:par>
-                                <p:cTn id="5" presetID="10" presetClass="entr" presetSubtype="0" fill="hold" grpId="0" nodeType="withEffect">
-                                  <p:stCondLst>
-                                    <p:cond delay="0"/>
-                                  </p:stCondLst>
-                                  <p:childTnLst>
-                                    <p:set>
-                                      <p:cBhvr>
-                                        <p:cTn id="6" dur="1" fill="hold">
-                                          <p:stCondLst>
-                                            <p:cond delay="0"/>
-                                          </p:stCondLst>
-                                        </p:cTn>
-                                        <p:tgtEl>
-                                          <p:spTgt spid="2"/>
-                                        </p:tgtEl>
-                                        <p:attrNameLst>
-                                          <p:attrName>style.visibility</p:attrName>
-                                        </p:attrNameLst>
-                                      </p:cBhvr>
-                                      <p:to>
-                                        <p:strVal val="visible"/>
-                                      </p:to>
-                                    </p:set>
-                                    <p:animEffect transition="in" filter="fade">
-                                      <p:cBhvr>
-                                        <p:cTn id="7" dur="500"/>
-                                        <p:tgtEl>
-                                          <p:spTgt spid="2"/>
-                                        </p:tgtEl>
-                                      </p:cBhvr>
-                                    </p:animEffect>
-                                  </p:childTnLst>
-                                </p:cTn>
-                              </p:par>
-                            </p:childTnLst>
-                          </p:cTn>
-                        </p:par>
-                      </p:childTnLst>
-                    </p:cTn>
-                  </p:par>
-                  <p:par>
-                    <p:cTn id="8" fill="hold">
-                      <p:stCondLst>
-                        <p:cond delay="indefinite"/>
-                      </p:stCondLst>
-                      <p:childTnLst>
-                        <p:par>
-                          <p:cTn id="9" fill="hold">
-                            <p:stCondLst>
-                              <p:cond delay="0"/>
-                            </p:stCondLst>
-                            <p:childTnLst>
-                              <p:par>
-                                <p:cTn id="10" presetID="10" presetClass="entr" presetSubtype="0" fill="hold" grpId="0" nodeType="clickEffect">
-                                  <p:stCondLst>
-                                    <p:cond delay="0"/>
-                                  </p:stCondLst>
-                                  <p:childTnLst>
-                                    <p:set>
-                                      <p:cBhvr>
-                                        <p:cTn id="11" dur="1" fill="hold">
-                                          <p:stCondLst>
-                                            <p:cond delay="0"/>
-                                          </p:stCondLst>
-                                        </p:cTn>
-                                        <p:tgtEl>
-                                          <p:spTgt spid="6"/>
-                                        </p:tgtEl>
-                                        <p:attrNameLst>
-                                          <p:attrName>style.visibility</p:attrName>
-                                        </p:attrNameLst>
-                                      </p:cBhvr>
-                                      <p:to>
-                                        <p:strVal val="visible"/>
-                                      </p:to>
-                                    </p:set>
-                                    <p:animEffect transition="in" filter="fade">
-                                      <p:cBhvr>
-                                        <p:cTn id="12" dur="500"/>
-                                        <p:tgtEl>
-                                          <p:spTgt spid="6"/>
-                                        </p:tgtEl>
-                                      </p:cBhvr>
-                                    </p:animEffect>
-                                  </p:childTnLst>
-                                </p:cTn>
-                              </p:par>
-                            </p:childTnLst>
-                          </p:cTn>
-                        </p:par>
-                      </p:childTnLst>
-                    </p:cTn>
-                  </p:par>
-                  <p:par>
-                    <p:cTn id="13" fill="hold">
-                      <p:stCondLst>
-                        <p:cond delay="indefinite"/>
-                      </p:stCondLst>
-                      <p:childTnLst>
-                        <p:par>
-                          <p:cTn id="14" fill="hold">
-                            <p:stCondLst>
-                              <p:cond delay="0"/>
-                            </p:stCondLst>
-                            <p:childTnLst>
-                              <p:par>
-                                <p:cTn id="15" presetID="10" presetClass="entr" presetSubtype="0" fill="hold" grpId="0" nodeType="clickEffect">
-                                  <p:stCondLst>
-                                    <p:cond delay="0"/>
-                                  </p:stCondLst>
-                                  <p:childTnLst>
-                                    <p:set>
-                                      <p:cBhvr>
-                                        <p:cTn id="16" dur="1" fill="hold">
-                                          <p:stCondLst>
-                                            <p:cond delay="0"/>
-                                          </p:stCondLst>
-                                        </p:cTn>
-                                        <p:tgtEl>
-                                          <p:spTgt spid="5"/>
-                                        </p:tgtEl>
-                                        <p:attrNameLst>
-                                          <p:attrName>style.visibility</p:attrName>
-                                        </p:attrNameLst>
-                                      </p:cBhvr>
-                                      <p:to>
-                                        <p:strVal val="visible"/>
-                                      </p:to>
-                                    </p:set>
-                                    <p:animEffect transition="in" filter="fade">
-                                      <p:cBhvr>
-                                        <p:cTn id="17" dur="500"/>
-                                        <p:tgtEl>
-                                          <p:spTgt spid="5"/>
-                                        </p:tgtEl>
-                                      </p:cBhvr>
-                                    </p:animEffect>
-                                  </p:childTnLst>
-                                </p:cTn>
-                              </p:par>
-                            </p:childTnLst>
-                          </p:cTn>
-                        </p:par>
-                      </p:childTnLst>
-                    </p:cTn>
-                  </p:par>
-                  <p:par>
-                    <p:cTn id="18" fill="hold">
-                      <p:stCondLst>
-                        <p:cond delay="indefinite"/>
-                      </p:stCondLst>
-                      <p:childTnLst>
-                        <p:par>
-                          <p:cTn id="19" fill="hold">
-                            <p:stCondLst>
-                              <p:cond delay="0"/>
-                            </p:stCondLst>
-                            <p:childTnLst>
-                              <p:par>
-                                <p:cTn id="20" presetID="10" presetClass="entr" presetSubtype="0" fill="hold" nodeType="clickEffect">
-                                  <p:stCondLst>
-                                    <p:cond delay="0"/>
-                                  </p:stCondLst>
-                                  <p:childTnLst>
-                                    <p:set>
-                                      <p:cBhvr>
-                                        <p:cTn id="21" dur="1" fill="hold">
-                                          <p:stCondLst>
-                                            <p:cond delay="0"/>
-                                          </p:stCondLst>
-                                        </p:cTn>
-                                        <p:tgtEl>
-                                          <p:spTgt spid="4"/>
-                                        </p:tgtEl>
-                                        <p:attrNameLst>
-                                          <p:attrName>style.visibility</p:attrName>
-                                        </p:attrNameLst>
-                                      </p:cBhvr>
-                                      <p:to>
-                                        <p:strVal val="visible"/>
-                                      </p:to>
-                                    </p:set>
-                                    <p:animEffect transition="in" filter="fade">
-                                      <p:cBhvr>
-                                        <p:cTn id="22" dur="500"/>
-                                        <p:tgtEl>
-                                          <p:spTgt spid="4"/>
-                                        </p:tgtEl>
-                                      </p:cBhvr>
-                                    </p:animEffect>
-                                  </p:childTnLst>
-                                </p:cTn>
-                              </p:par>
-                              <p:par>
-                                <p:cTn id="23" presetID="10" presetClass="entr" presetSubtype="0" fill="hold" grpId="0" nodeType="withEffect">
-                                  <p:stCondLst>
-                                    <p:cond delay="0"/>
-                                  </p:stCondLst>
-                                  <p:childTnLst>
-                                    <p:set>
-                                      <p:cBhvr>
-                                        <p:cTn id="24" dur="1" fill="hold">
-                                          <p:stCondLst>
-                                            <p:cond delay="0"/>
-                                          </p:stCondLst>
-                                        </p:cTn>
-                                        <p:tgtEl>
-                                          <p:spTgt spid="8"/>
-                                        </p:tgtEl>
-                                        <p:attrNameLst>
-                                          <p:attrName>style.visibility</p:attrName>
-                                        </p:attrNameLst>
-                                      </p:cBhvr>
-                                      <p:to>
-                                        <p:strVal val="visible"/>
-                                      </p:to>
-                                    </p:set>
-                                    <p:animEffect transition="in" filter="fade">
-                                      <p:cBhvr>
-                                        <p:cTn id="25" dur="500"/>
-                                        <p:tgtEl>
-                                          <p:spTgt spid="8"/>
-                                        </p:tgtEl>
-                                      </p:cBhvr>
-                                    </p:animEffect>
-                                  </p:childTnLst>
-                                </p:cTn>
-                              </p:par>
-                            </p:childTnLst>
-                          </p:cTn>
-                        </p:par>
-                      </p:childTnLst>
-                    </p:cTn>
-                  </p:par>
-                </p:childTnLst>
-              </p:cTn>
-              <p:prevCondLst>
-                <p:cond evt="onPrev" delay="0">
-                  <p:tgtEl>
-                    <p:sldTgt/>
-                  </p:tgtEl>
-                </p:cond>
-              </p:prevCondLst>
-              <p:nextCondLst>
-                <p:cond evt="onNext" delay="0">
-                  <p:tgtEl>
-                    <p:sldTgt/>
-                  </p:tgtEl>
-                </p:cond>
-              </p:nextCondLst>
-            </p:seq>
-          </p:childTnLst>
-        </p:cTn>
-      </p:par>
-    </p:tnLst>
-    <p:bldLst>
-      <p:bldP spid="2" grpId="0"/>
-      <p:bldP spid="5" grpId="0" animBg="1"/>
-      <p:bldP spid="6" grpId="0" animBg="1"/>
-      <p:bldP spid="8" grpId="0" animBg="1"/>
-    </p:bldLst>
-  </p:timing>
-</p:sld>
-</file>
-
-<file path=ppt/slides/slide3.xml><?xml version="1.0" encoding="utf-8"?>
-<p:sld xmlns:a="http://schemas.openxmlformats.org/drawingml/2006/main" xmlns:r="http://schemas.openxmlformats.org/officeDocument/2006/relationships" xmlns:p="http://schemas.openxmlformats.org/presentationml/2006/main">
-  <p:cSld>
-    <p:spTree>
-      <p:nvGrpSpPr>
-        <p:cNvPr id="1" name=""/>
-        <p:cNvGrpSpPr/>
-        <p:nvPr/>
-      </p:nvGrpSpPr>
-      <p:grpSpPr>
-        <a:xfrm>
-          <a:off x="0" y="0"/>
-          <a:ext cx="0" cy="0"/>
-          <a:chOff x="0" y="0"/>
-          <a:chExt cx="0" cy="0"/>
-        </a:xfrm>
-      </p:grpSpPr>
-      <p:graphicFrame>
-        <p:nvGraphicFramePr>
-          <p:cNvPr id="6" name="Diagram 5"/>
-          <p:cNvGraphicFramePr/>
-          <p:nvPr>
-            <p:extLst>
-              <p:ext uri="{D42A27DB-BD31-4B8C-83A1-F6EECF244321}">
-                <p14:modId xmlns:p14="http://schemas.microsoft.com/office/powerpoint/2010/main" val="3964736487"/>
-              </p:ext>
-            </p:extLst>
-          </p:nvPr>
-        </p:nvGraphicFramePr>
-        <p:xfrm>
-          <a:off x="-304800" y="1123950"/>
-          <a:ext cx="5877458" cy="3757158"/>
-        </p:xfrm>
-        <a:graphic>
-          <a:graphicData uri="http://schemas.openxmlformats.org/drawingml/2006/diagram">
-            <dgm:relIds xmlns:dgm="http://schemas.openxmlformats.org/drawingml/2006/diagram" xmlns:r="http://schemas.openxmlformats.org/officeDocument/2006/relationships" r:dm="rId2" r:lo="rId3" r:qs="rId4" r:cs="rId5"/>
-          </a:graphicData>
-        </a:graphic>
-      </p:graphicFrame>
-      <p:sp>
-        <p:nvSpPr>
-          <p:cNvPr id="8" name="Right Arrow 7"/>
-          <p:cNvSpPr/>
-          <p:nvPr/>
-        </p:nvSpPr>
-        <p:spPr>
-          <a:xfrm>
-            <a:off x="3733800" y="1657350"/>
-            <a:ext cx="2209800" cy="381000"/>
-          </a:xfrm>
-          <a:prstGeom prst="rightArrow">
-            <a:avLst/>
-          </a:prstGeom>
-        </p:spPr>
-        <p:style>
-          <a:lnRef idx="1">
-            <a:schemeClr val="accent1"/>
-          </a:lnRef>
-          <a:fillRef idx="3">
-            <a:schemeClr val="accent1"/>
-          </a:fillRef>
-          <a:effectRef idx="2">
-            <a:schemeClr val="accent1"/>
-          </a:effectRef>
-          <a:fontRef idx="minor">
-            <a:schemeClr val="lt1"/>
-          </a:fontRef>
-        </p:style>
-        <p:txBody>
-          <a:bodyPr rtlCol="0" anchor="ctr"/>
-          <a:lstStyle/>
-          <a:p>
-            <a:pPr algn="ctr"/>
-            <a:endParaRPr lang="en-US">
-              <a:solidFill>
-                <a:prstClr val="white"/>
-              </a:solidFill>
-            </a:endParaRPr>
-          </a:p>
-        </p:txBody>
-      </p:sp>
-      <p:sp>
-        <p:nvSpPr>
-          <p:cNvPr id="9" name="Right Arrow 8"/>
-          <p:cNvSpPr/>
-          <p:nvPr/>
-        </p:nvSpPr>
-        <p:spPr>
-          <a:xfrm>
-            <a:off x="4953000" y="3867150"/>
-            <a:ext cx="990600" cy="381000"/>
-          </a:xfrm>
-          <a:prstGeom prst="rightArrow">
-            <a:avLst/>
-          </a:prstGeom>
-        </p:spPr>
-        <p:style>
-          <a:lnRef idx="1">
-            <a:schemeClr val="accent1"/>
-          </a:lnRef>
-          <a:fillRef idx="3">
-            <a:schemeClr val="accent1"/>
-          </a:fillRef>
-          <a:effectRef idx="2">
-            <a:schemeClr val="accent1"/>
-          </a:effectRef>
-          <a:fontRef idx="minor">
-            <a:schemeClr val="lt1"/>
-          </a:fontRef>
-        </p:style>
-        <p:txBody>
-          <a:bodyPr rtlCol="0" anchor="ctr"/>
-          <a:lstStyle/>
-          <a:p>
-            <a:pPr algn="ctr"/>
-            <a:endParaRPr lang="en-US">
-              <a:solidFill>
-                <a:prstClr val="white"/>
-              </a:solidFill>
-            </a:endParaRPr>
-          </a:p>
-        </p:txBody>
-      </p:sp>
-      <p:sp>
-        <p:nvSpPr>
-          <p:cNvPr id="10" name="Right Arrow 9"/>
-          <p:cNvSpPr/>
-          <p:nvPr/>
-        </p:nvSpPr>
-        <p:spPr>
-          <a:xfrm>
-            <a:off x="4343400" y="2800350"/>
-            <a:ext cx="1600200" cy="381000"/>
-          </a:xfrm>
-          <a:prstGeom prst="rightArrow">
-            <a:avLst/>
-          </a:prstGeom>
-        </p:spPr>
-        <p:style>
-          <a:lnRef idx="1">
-            <a:schemeClr val="accent1"/>
-          </a:lnRef>
-          <a:fillRef idx="3">
-            <a:schemeClr val="accent1"/>
-          </a:fillRef>
-          <a:effectRef idx="2">
-            <a:schemeClr val="accent1"/>
-          </a:effectRef>
-          <a:fontRef idx="minor">
-            <a:schemeClr val="lt1"/>
-          </a:fontRef>
-        </p:style>
-        <p:txBody>
-          <a:bodyPr rtlCol="0" anchor="ctr"/>
-          <a:lstStyle/>
-          <a:p>
-            <a:pPr algn="ctr"/>
-            <a:endParaRPr lang="en-US">
-              <a:solidFill>
-                <a:prstClr val="white"/>
-              </a:solidFill>
-            </a:endParaRPr>
-          </a:p>
-        </p:txBody>
-      </p:sp>
-      <p:sp>
-        <p:nvSpPr>
-          <p:cNvPr id="11" name="TextBox 10"/>
-          <p:cNvSpPr txBox="1"/>
-          <p:nvPr/>
-        </p:nvSpPr>
-        <p:spPr>
-          <a:xfrm>
-            <a:off x="6096000" y="1657350"/>
-            <a:ext cx="2057400" cy="369332"/>
-          </a:xfrm>
-          <a:prstGeom prst="rect">
-            <a:avLst/>
-          </a:prstGeom>
-          <a:noFill/>
-        </p:spPr>
-        <p:txBody>
-          <a:bodyPr wrap="square" rtlCol="0">
-            <a:spAutoFit/>
-          </a:bodyPr>
-          <a:lstStyle/>
-          <a:p>
-            <a:r>
-              <a:rPr lang="en-US" dirty="0" smtClean="0">
-                <a:solidFill>
-                  <a:prstClr val="black"/>
-                </a:solidFill>
-              </a:rPr>
-              <a:t>End Users</a:t>
-            </a:r>
-            <a:endParaRPr lang="en-US" dirty="0">
-              <a:solidFill>
-                <a:prstClr val="black"/>
-              </a:solidFill>
-            </a:endParaRPr>
-          </a:p>
-        </p:txBody>
-      </p:sp>
-      <p:sp>
-        <p:nvSpPr>
-          <p:cNvPr id="12" name="TextBox 11"/>
-          <p:cNvSpPr txBox="1"/>
-          <p:nvPr/>
-        </p:nvSpPr>
-        <p:spPr>
-          <a:xfrm>
-            <a:off x="6096000" y="2800350"/>
-            <a:ext cx="2057400" cy="646331"/>
-          </a:xfrm>
-          <a:prstGeom prst="rect">
-            <a:avLst/>
-          </a:prstGeom>
-          <a:noFill/>
-        </p:spPr>
-        <p:txBody>
-          <a:bodyPr wrap="square" rtlCol="0">
-            <a:spAutoFit/>
-          </a:bodyPr>
-          <a:lstStyle/>
-          <a:p>
-            <a:r>
-              <a:rPr lang="en-US" dirty="0" smtClean="0">
-                <a:solidFill>
-                  <a:prstClr val="black"/>
-                </a:solidFill>
-              </a:rPr>
-              <a:t>Application Developers</a:t>
-            </a:r>
-            <a:endParaRPr lang="en-US" dirty="0">
-              <a:solidFill>
-                <a:prstClr val="black"/>
-              </a:solidFill>
-            </a:endParaRPr>
-          </a:p>
-        </p:txBody>
-      </p:sp>
-      <p:sp>
-        <p:nvSpPr>
-          <p:cNvPr id="13" name="TextBox 12"/>
-          <p:cNvSpPr txBox="1"/>
-          <p:nvPr/>
-        </p:nvSpPr>
-        <p:spPr>
-          <a:xfrm>
-            <a:off x="6096000" y="3867150"/>
-            <a:ext cx="2057400" cy="646331"/>
-          </a:xfrm>
-          <a:prstGeom prst="rect">
-            <a:avLst/>
-          </a:prstGeom>
-          <a:noFill/>
-        </p:spPr>
-        <p:txBody>
-          <a:bodyPr wrap="square" rtlCol="0">
-            <a:spAutoFit/>
-          </a:bodyPr>
-          <a:lstStyle/>
-          <a:p>
-            <a:r>
-              <a:rPr lang="en-US" dirty="0" smtClean="0">
-                <a:solidFill>
-                  <a:prstClr val="black"/>
-                </a:solidFill>
-              </a:rPr>
-              <a:t>Network </a:t>
-            </a:r>
-          </a:p>
-          <a:p>
-            <a:r>
-              <a:rPr lang="en-US" dirty="0" smtClean="0">
-                <a:solidFill>
-                  <a:prstClr val="black"/>
-                </a:solidFill>
-              </a:rPr>
-              <a:t>Architects</a:t>
-            </a:r>
-            <a:endParaRPr lang="en-US" dirty="0">
-              <a:solidFill>
-                <a:prstClr val="black"/>
-              </a:solidFill>
-            </a:endParaRPr>
-          </a:p>
-        </p:txBody>
-      </p:sp>
-      <p:grpSp>
-        <p:nvGrpSpPr>
-          <p:cNvPr id="15" name="Diagram group"/>
-          <p:cNvGrpSpPr/>
-          <p:nvPr/>
-        </p:nvGrpSpPr>
-        <p:grpSpPr>
-          <a:xfrm>
-            <a:off x="7086600" y="590550"/>
-            <a:ext cx="1959152" cy="1252386"/>
-            <a:chOff x="1959152" y="0"/>
-            <a:chExt cx="1959152" cy="1252386"/>
-          </a:xfrm>
-          <a:scene3d>
-            <a:camera prst="isometricOffAxis2Left" zoom="95000"/>
-            <a:lightRig rig="flat" dir="t"/>
-          </a:scene3d>
-        </p:grpSpPr>
-        <p:grpSp>
-          <p:nvGrpSpPr>
-            <p:cNvPr id="16" name="Group 15"/>
-            <p:cNvGrpSpPr/>
-            <p:nvPr/>
-          </p:nvGrpSpPr>
-          <p:grpSpPr>
-            <a:xfrm>
-              <a:off x="1959152" y="0"/>
-              <a:ext cx="1959152" cy="1252386"/>
-              <a:chOff x="1959152" y="0"/>
-              <a:chExt cx="1959152" cy="1252386"/>
-            </a:xfrm>
-          </p:grpSpPr>
-          <p:sp>
-            <p:nvSpPr>
-              <p:cNvPr id="17" name="Trapezoid 16"/>
-              <p:cNvSpPr/>
-              <p:nvPr/>
-            </p:nvSpPr>
-            <p:spPr>
-              <a:xfrm>
-                <a:off x="1959152" y="0"/>
-                <a:ext cx="1959152" cy="1252386"/>
-              </a:xfrm>
-              <a:prstGeom prst="trapezoid">
-                <a:avLst>
-                  <a:gd name="adj" fmla="val 78217"/>
-                </a:avLst>
-              </a:prstGeom>
-              <a:sp3d extrusionH="381000" contourW="38100" prstMaterial="matte">
-                <a:contourClr>
-                  <a:schemeClr val="lt1"/>
-                </a:contourClr>
-              </a:sp3d>
-            </p:spPr>
-            <p:style>
-              <a:lnRef idx="0">
-                <a:schemeClr val="lt1">
-                  <a:hueOff val="0"/>
-                  <a:satOff val="0"/>
-                  <a:lumOff val="0"/>
-                  <a:alphaOff val="0"/>
-                </a:schemeClr>
-              </a:lnRef>
-              <a:fillRef idx="1">
-                <a:schemeClr val="accent1">
-                  <a:hueOff val="0"/>
-                  <a:satOff val="0"/>
-                  <a:lumOff val="0"/>
-                  <a:alphaOff val="0"/>
-                </a:schemeClr>
-              </a:fillRef>
-              <a:effectRef idx="0">
-                <a:schemeClr val="accent1">
-                  <a:hueOff val="0"/>
-                  <a:satOff val="0"/>
-                  <a:lumOff val="0"/>
-                  <a:alphaOff val="0"/>
-                </a:schemeClr>
-              </a:effectRef>
-              <a:fontRef idx="minor">
-                <a:schemeClr val="lt1"/>
-              </a:fontRef>
-            </p:style>
-          </p:sp>
-          <p:sp>
-            <p:nvSpPr>
-              <p:cNvPr id="18" name="Trapezoid 4"/>
-              <p:cNvSpPr/>
-              <p:nvPr/>
-            </p:nvSpPr>
-            <p:spPr>
-              <a:xfrm>
-                <a:off x="1959152" y="0"/>
-                <a:ext cx="1959152" cy="1252386"/>
-              </a:xfrm>
-              <a:prstGeom prst="rect">
-                <a:avLst/>
-              </a:prstGeom>
-              <a:sp3d/>
-            </p:spPr>
-            <p:style>
-              <a:lnRef idx="0">
-                <a:scrgbClr r="0" g="0" b="0"/>
-              </a:lnRef>
-              <a:fillRef idx="0">
-                <a:scrgbClr r="0" g="0" b="0"/>
-              </a:fillRef>
-              <a:effectRef idx="0">
-                <a:scrgbClr r="0" g="0" b="0"/>
-              </a:effectRef>
-              <a:fontRef idx="minor">
-                <a:schemeClr val="lt1"/>
-              </a:fontRef>
-            </p:style>
-            <p:txBody>
-              <a:bodyPr spcFirstLastPara="0" vert="horz" wrap="square" lIns="36830" tIns="36830" rIns="36830" bIns="36830" numCol="1" spcCol="1270" anchor="ctr" anchorCtr="0">
-                <a:noAutofit/>
-              </a:bodyPr>
-              <a:lstStyle/>
-              <a:p>
-                <a:pPr algn="ctr" defTabSz="1289050">
-                  <a:lnSpc>
-                    <a:spcPct val="90000"/>
-                  </a:lnSpc>
-                  <a:spcBef>
-                    <a:spcPct val="0"/>
-                  </a:spcBef>
-                  <a:spcAft>
-                    <a:spcPct val="35000"/>
-                  </a:spcAft>
-                </a:pPr>
-                <a:r>
-                  <a:rPr lang="en-US" sz="2900" dirty="0" smtClean="0">
-                    <a:solidFill>
-                      <a:prstClr val="white"/>
-                    </a:solidFill>
-                  </a:rPr>
-                  <a:t>HaaS</a:t>
-                </a:r>
-                <a:endParaRPr lang="en-US" sz="2900" dirty="0">
-                  <a:solidFill>
-                    <a:prstClr val="white"/>
-                  </a:solidFill>
-                </a:endParaRPr>
-              </a:p>
-            </p:txBody>
-          </p:sp>
-        </p:grpSp>
-      </p:grpSp>
-      <p:sp>
-        <p:nvSpPr>
-          <p:cNvPr id="33" name="TextBox 32"/>
-          <p:cNvSpPr txBox="1"/>
-          <p:nvPr/>
-        </p:nvSpPr>
-        <p:spPr>
-          <a:xfrm>
-            <a:off x="7467600" y="2038350"/>
-            <a:ext cx="1524000" cy="646331"/>
-          </a:xfrm>
-          <a:prstGeom prst="rect">
-            <a:avLst/>
-          </a:prstGeom>
-          <a:solidFill>
-            <a:schemeClr val="accent1">
-              <a:lumMod val="40000"/>
-              <a:lumOff val="60000"/>
-            </a:schemeClr>
-          </a:solidFill>
-        </p:spPr>
-        <p:txBody>
-          <a:bodyPr wrap="square" rtlCol="0">
-            <a:spAutoFit/>
-          </a:bodyPr>
-          <a:lstStyle/>
-          <a:p>
-            <a:r>
-              <a:rPr lang="en-US" dirty="0" smtClean="0">
-                <a:solidFill>
-                  <a:prstClr val="black"/>
-                </a:solidFill>
-              </a:rPr>
-              <a:t>Where does HaaS fit?</a:t>
-            </a:r>
-            <a:endParaRPr lang="en-US" dirty="0">
-              <a:solidFill>
-                <a:prstClr val="black"/>
-              </a:solidFill>
-            </a:endParaRPr>
-          </a:p>
-        </p:txBody>
-      </p:sp>
-      <p:sp>
-        <p:nvSpPr>
-          <p:cNvPr id="35" name="Down Arrow 34"/>
-          <p:cNvSpPr/>
-          <p:nvPr/>
-        </p:nvSpPr>
-        <p:spPr>
-          <a:xfrm>
-            <a:off x="8153400" y="2800350"/>
-            <a:ext cx="304800" cy="1066800"/>
-          </a:xfrm>
-          <a:prstGeom prst="downArrow">
-            <a:avLst/>
-          </a:prstGeom>
-        </p:spPr>
-        <p:style>
-          <a:lnRef idx="1">
-            <a:schemeClr val="accent1"/>
-          </a:lnRef>
-          <a:fillRef idx="3">
-            <a:schemeClr val="accent1"/>
-          </a:fillRef>
-          <a:effectRef idx="2">
-            <a:schemeClr val="accent1"/>
-          </a:effectRef>
-          <a:fontRef idx="minor">
-            <a:schemeClr val="lt1"/>
-          </a:fontRef>
-        </p:style>
-        <p:txBody>
-          <a:bodyPr rtlCol="0" anchor="ctr"/>
-          <a:lstStyle/>
-          <a:p>
-            <a:pPr algn="ctr"/>
-            <a:endParaRPr lang="en-US">
-              <a:solidFill>
-                <a:prstClr val="white"/>
-              </a:solidFill>
-            </a:endParaRPr>
-          </a:p>
-        </p:txBody>
-      </p:sp>
-      <p:sp>
-        <p:nvSpPr>
-          <p:cNvPr id="36" name="TextBox 35"/>
-          <p:cNvSpPr txBox="1"/>
-          <p:nvPr/>
-        </p:nvSpPr>
-        <p:spPr>
-          <a:xfrm>
-            <a:off x="7620000" y="3943350"/>
-            <a:ext cx="1371600" cy="646331"/>
-          </a:xfrm>
-          <a:prstGeom prst="rect">
-            <a:avLst/>
-          </a:prstGeom>
-          <a:solidFill>
-            <a:schemeClr val="accent2">
-              <a:lumMod val="60000"/>
-              <a:lumOff val="40000"/>
-            </a:schemeClr>
-          </a:solidFill>
-        </p:spPr>
-        <p:txBody>
-          <a:bodyPr wrap="square" rtlCol="0">
-            <a:spAutoFit/>
-          </a:bodyPr>
-          <a:lstStyle/>
-          <a:p>
-            <a:r>
-              <a:rPr lang="en-US" dirty="0" smtClean="0">
-                <a:solidFill>
-                  <a:prstClr val="black"/>
-                </a:solidFill>
-              </a:rPr>
-              <a:t>Machine transparency</a:t>
-            </a:r>
-            <a:endParaRPr lang="en-US" dirty="0">
-              <a:solidFill>
-                <a:prstClr val="black"/>
-              </a:solidFill>
-            </a:endParaRPr>
-          </a:p>
-        </p:txBody>
-      </p:sp>
-      <p:sp>
-        <p:nvSpPr>
-          <p:cNvPr id="37" name="Title 36"/>
-          <p:cNvSpPr>
-            <a:spLocks noGrp="1"/>
-          </p:cNvSpPr>
-          <p:nvPr>
-            <p:ph type="title"/>
-          </p:nvPr>
-        </p:nvSpPr>
-        <p:spPr/>
-        <p:txBody>
-          <a:bodyPr/>
-          <a:lstStyle/>
-          <a:p>
-            <a:r>
-              <a:rPr lang="en-US" dirty="0" smtClean="0"/>
-              <a:t>Cloud Stack</a:t>
-            </a:r>
-            <a:endParaRPr lang="en-US" dirty="0"/>
-          </a:p>
-        </p:txBody>
-      </p:sp>
-    </p:spTree>
-    <p:extLst>
-      <p:ext uri="{BB962C8B-B14F-4D97-AF65-F5344CB8AC3E}">
-        <p14:creationId xmlns:p14="http://schemas.microsoft.com/office/powerpoint/2010/main" val="2158586776"/>
-      </p:ext>
-    </p:extLst>
-  </p:cSld>
-  <p:clrMapOvr>
-    <a:masterClrMapping/>
-  </p:clrMapOvr>
-  <p:timing>
-    <p:tnLst>
-      <p:par>
-        <p:cTn id="1" dur="indefinite" restart="never" nodeType="tmRoot">
-          <p:childTnLst>
-            <p:seq concurrent="1" nextAc="seek">
-              <p:cTn id="2" dur="indefinite" nodeType="mainSeq">
-                <p:childTnLst>
-                  <p:par>
-                    <p:cTn id="3" fill="hold">
-                      <p:stCondLst>
-                        <p:cond delay="indefinite"/>
-                      </p:stCondLst>
-                      <p:childTnLst>
-                        <p:par>
-                          <p:cTn id="4" fill="hold">
-                            <p:stCondLst>
-                              <p:cond delay="0"/>
-                            </p:stCondLst>
-                            <p:childTnLst>
-                              <p:par>
-                                <p:cTn id="5" presetID="10" presetClass="entr" presetSubtype="0" fill="hold" grpId="0" nodeType="clickEffect">
-                                  <p:stCondLst>
-                                    <p:cond delay="0"/>
-                                  </p:stCondLst>
-                                  <p:childTnLst>
-                                    <p:set>
-                                      <p:cBhvr>
-                                        <p:cTn id="6" dur="1" fill="hold">
-                                          <p:stCondLst>
-                                            <p:cond delay="0"/>
-                                          </p:stCondLst>
-                                        </p:cTn>
-                                        <p:tgtEl>
-                                          <p:spTgt spid="37"/>
-                                        </p:tgtEl>
-                                        <p:attrNameLst>
-                                          <p:attrName>style.visibility</p:attrName>
-                                        </p:attrNameLst>
-                                      </p:cBhvr>
-                                      <p:to>
-                                        <p:strVal val="visible"/>
-                                      </p:to>
-                                    </p:set>
-                                    <p:animEffect transition="in" filter="fade">
-                                      <p:cBhvr>
-                                        <p:cTn id="7" dur="500"/>
-                                        <p:tgtEl>
-                                          <p:spTgt spid="37"/>
-                                        </p:tgtEl>
-                                      </p:cBhvr>
-                                    </p:animEffect>
-                                  </p:childTnLst>
-                                </p:cTn>
-                              </p:par>
-                            </p:childTnLst>
-                          </p:cTn>
-                        </p:par>
-                      </p:childTnLst>
-                    </p:cTn>
-                  </p:par>
-                </p:childTnLst>
-              </p:cTn>
-              <p:prevCondLst>
-                <p:cond evt="onPrev" delay="0">
-                  <p:tgtEl>
-                    <p:sldTgt/>
-                  </p:tgtEl>
-                </p:cond>
-              </p:prevCondLst>
-              <p:nextCondLst>
-                <p:cond evt="onNext" delay="0">
-                  <p:tgtEl>
-                    <p:sldTgt/>
-                  </p:tgtEl>
-                </p:cond>
-              </p:nextCondLst>
-            </p:seq>
-          </p:childTnLst>
-        </p:cTn>
-      </p:par>
-    </p:tnLst>
-    <p:bldLst>
-      <p:bldP spid="37" grpId="0"/>
-    </p:bldLst>
-  </p:timing>
-</p:sld>
-</file>
-
-<file path=ppt/slides/slide4.xml><?xml version="1.0" encoding="utf-8"?>
-<p:sld xmlns:a="http://schemas.openxmlformats.org/drawingml/2006/main" xmlns:r="http://schemas.openxmlformats.org/officeDocument/2006/relationships" xmlns:p="http://schemas.openxmlformats.org/presentationml/2006/main">
-  <p:cSld>
-    <p:spTree>
-      <p:nvGrpSpPr>
-        <p:cNvPr id="1" name=""/>
-        <p:cNvGrpSpPr/>
-        <p:nvPr/>
-      </p:nvGrpSpPr>
-      <p:grpSpPr>
-        <a:xfrm>
-          <a:off x="0" y="0"/>
-          <a:ext cx="0" cy="0"/>
-          <a:chOff x="0" y="0"/>
-          <a:chExt cx="0" cy="0"/>
-        </a:xfrm>
-      </p:grpSpPr>
-      <p:sp>
-        <p:nvSpPr>
-          <p:cNvPr id="2" name="Title 1"/>
-          <p:cNvSpPr>
-            <a:spLocks noGrp="1"/>
-          </p:cNvSpPr>
-          <p:nvPr>
-            <p:ph type="title"/>
-          </p:nvPr>
-        </p:nvSpPr>
-        <p:spPr/>
-        <p:txBody>
-          <a:bodyPr/>
-          <a:lstStyle/>
-          <a:p>
-            <a:r>
-              <a:rPr lang="en-US" dirty="0" smtClean="0"/>
               <a:t>Massachusetts Open Cloud</a:t>
             </a:r>
             <a:endParaRPr lang="en-US" dirty="0"/>
@@ -9107,6 +8069,1056 @@
         </p:cTn>
       </p:par>
     </p:tnLst>
+  </p:timing>
+</p:sld>
+</file>
+
+<file path=ppt/slides/slide3.xml><?xml version="1.0" encoding="utf-8"?>
+<p:sld xmlns:a="http://schemas.openxmlformats.org/drawingml/2006/main" xmlns:r="http://schemas.openxmlformats.org/officeDocument/2006/relationships" xmlns:p="http://schemas.openxmlformats.org/presentationml/2006/main">
+  <p:cSld>
+    <p:spTree>
+      <p:nvGrpSpPr>
+        <p:cNvPr id="1" name=""/>
+        <p:cNvGrpSpPr/>
+        <p:nvPr/>
+      </p:nvGrpSpPr>
+      <p:grpSpPr>
+        <a:xfrm>
+          <a:off x="0" y="0"/>
+          <a:ext cx="0" cy="0"/>
+          <a:chOff x="0" y="0"/>
+          <a:chExt cx="0" cy="0"/>
+        </a:xfrm>
+      </p:grpSpPr>
+      <p:sp>
+        <p:nvSpPr>
+          <p:cNvPr id="2" name="Title 1"/>
+          <p:cNvSpPr>
+            <a:spLocks noGrp="1"/>
+          </p:cNvSpPr>
+          <p:nvPr>
+            <p:ph type="title"/>
+          </p:nvPr>
+        </p:nvSpPr>
+        <p:spPr/>
+        <p:txBody>
+          <a:bodyPr/>
+          <a:lstStyle/>
+          <a:p>
+            <a:r>
+              <a:rPr lang="en-US" dirty="0" smtClean="0"/>
+              <a:t>Hardware-as-a-Service</a:t>
+            </a:r>
+            <a:endParaRPr lang="en-US" dirty="0"/>
+          </a:p>
+        </p:txBody>
+      </p:sp>
+      <p:pic>
+        <p:nvPicPr>
+          <p:cNvPr id="4" name="Picture 3" descr="computer-161933_1280.png"/>
+          <p:cNvPicPr>
+            <a:picLocks noChangeAspect="1"/>
+          </p:cNvPicPr>
+          <p:nvPr/>
+        </p:nvPicPr>
+        <p:blipFill>
+          <a:blip r:embed="rId2" cstate="print">
+            <a:extLst>
+              <a:ext uri="{28A0092B-C50C-407E-A947-70E740481C1C}">
+                <a14:useLocalDpi xmlns:a14="http://schemas.microsoft.com/office/drawing/2010/main" val="0"/>
+              </a:ext>
+            </a:extLst>
+          </a:blip>
+          <a:stretch>
+            <a:fillRect/>
+          </a:stretch>
+        </p:blipFill>
+        <p:spPr>
+          <a:xfrm>
+            <a:off x="533400" y="2190750"/>
+            <a:ext cx="4607258" cy="2800349"/>
+          </a:xfrm>
+          <a:prstGeom prst="rect">
+            <a:avLst/>
+          </a:prstGeom>
+        </p:spPr>
+      </p:pic>
+      <p:sp>
+        <p:nvSpPr>
+          <p:cNvPr id="5" name="Left-Up Arrow 4"/>
+          <p:cNvSpPr/>
+          <p:nvPr/>
+        </p:nvSpPr>
+        <p:spPr>
+          <a:xfrm>
+            <a:off x="4724400" y="3105150"/>
+            <a:ext cx="2743200" cy="914400"/>
+          </a:xfrm>
+          <a:prstGeom prst="leftUpArrow">
+            <a:avLst/>
+          </a:prstGeom>
+        </p:spPr>
+        <p:style>
+          <a:lnRef idx="1">
+            <a:schemeClr val="accent1"/>
+          </a:lnRef>
+          <a:fillRef idx="3">
+            <a:schemeClr val="accent1"/>
+          </a:fillRef>
+          <a:effectRef idx="2">
+            <a:schemeClr val="accent1"/>
+          </a:effectRef>
+          <a:fontRef idx="minor">
+            <a:schemeClr val="lt1"/>
+          </a:fontRef>
+        </p:style>
+        <p:txBody>
+          <a:bodyPr rtlCol="0" anchor="ctr"/>
+          <a:lstStyle/>
+          <a:p>
+            <a:pPr algn="ctr"/>
+            <a:endParaRPr lang="en-US">
+              <a:solidFill>
+                <a:prstClr val="white"/>
+              </a:solidFill>
+            </a:endParaRPr>
+          </a:p>
+        </p:txBody>
+      </p:sp>
+      <p:sp>
+        <p:nvSpPr>
+          <p:cNvPr id="6" name="Rounded Rectangle 5"/>
+          <p:cNvSpPr/>
+          <p:nvPr/>
+        </p:nvSpPr>
+        <p:spPr>
+          <a:xfrm>
+            <a:off x="6172200" y="1504950"/>
+            <a:ext cx="2209800" cy="1371600"/>
+          </a:xfrm>
+          <a:prstGeom prst="roundRect">
+            <a:avLst/>
+          </a:prstGeom>
+          <a:solidFill>
+            <a:schemeClr val="accent1">
+              <a:alpha val="50000"/>
+            </a:schemeClr>
+          </a:solidFill>
+        </p:spPr>
+        <p:style>
+          <a:lnRef idx="1">
+            <a:schemeClr val="accent1"/>
+          </a:lnRef>
+          <a:fillRef idx="3">
+            <a:schemeClr val="accent1"/>
+          </a:fillRef>
+          <a:effectRef idx="2">
+            <a:schemeClr val="accent1"/>
+          </a:effectRef>
+          <a:fontRef idx="minor">
+            <a:schemeClr val="lt1"/>
+          </a:fontRef>
+        </p:style>
+        <p:txBody>
+          <a:bodyPr rtlCol="0" anchor="ctr"/>
+          <a:lstStyle/>
+          <a:p>
+            <a:pPr algn="ctr"/>
+            <a:r>
+              <a:rPr lang="en-US" dirty="0" smtClean="0">
+                <a:solidFill>
+                  <a:prstClr val="white"/>
+                </a:solidFill>
+              </a:rPr>
+              <a:t>HaaS User Interface</a:t>
+            </a:r>
+            <a:endParaRPr lang="en-US" dirty="0">
+              <a:solidFill>
+                <a:prstClr val="white"/>
+              </a:solidFill>
+            </a:endParaRPr>
+          </a:p>
+        </p:txBody>
+      </p:sp>
+      <p:sp>
+        <p:nvSpPr>
+          <p:cNvPr id="8" name="Cloud 7"/>
+          <p:cNvSpPr/>
+          <p:nvPr/>
+        </p:nvSpPr>
+        <p:spPr>
+          <a:xfrm>
+            <a:off x="228600" y="1733550"/>
+            <a:ext cx="2057400" cy="762000"/>
+          </a:xfrm>
+          <a:prstGeom prst="cloud">
+            <a:avLst/>
+          </a:prstGeom>
+        </p:spPr>
+        <p:style>
+          <a:lnRef idx="1">
+            <a:schemeClr val="accent1"/>
+          </a:lnRef>
+          <a:fillRef idx="3">
+            <a:schemeClr val="accent1"/>
+          </a:fillRef>
+          <a:effectRef idx="2">
+            <a:schemeClr val="accent1"/>
+          </a:effectRef>
+          <a:fontRef idx="minor">
+            <a:schemeClr val="lt1"/>
+          </a:fontRef>
+        </p:style>
+        <p:txBody>
+          <a:bodyPr rtlCol="0" anchor="ctr"/>
+          <a:lstStyle/>
+          <a:p>
+            <a:pPr algn="ctr"/>
+            <a:r>
+              <a:rPr lang="en-US" dirty="0" smtClean="0">
+                <a:solidFill>
+                  <a:prstClr val="white"/>
+                </a:solidFill>
+              </a:rPr>
+              <a:t>MGHPCC</a:t>
+            </a:r>
+            <a:endParaRPr lang="en-US" dirty="0">
+              <a:solidFill>
+                <a:prstClr val="white"/>
+              </a:solidFill>
+            </a:endParaRPr>
+          </a:p>
+        </p:txBody>
+      </p:sp>
+    </p:spTree>
+    <p:extLst>
+      <p:ext uri="{BB962C8B-B14F-4D97-AF65-F5344CB8AC3E}">
+        <p14:creationId xmlns:p14="http://schemas.microsoft.com/office/powerpoint/2010/main" val="3799079902"/>
+      </p:ext>
+    </p:extLst>
+  </p:cSld>
+  <p:clrMapOvr>
+    <a:masterClrMapping/>
+  </p:clrMapOvr>
+  <p:timing>
+    <p:tnLst>
+      <p:par>
+        <p:cTn id="1" dur="indefinite" restart="never" nodeType="tmRoot">
+          <p:childTnLst>
+            <p:seq concurrent="1" nextAc="seek">
+              <p:cTn id="2" dur="indefinite" nodeType="mainSeq">
+                <p:childTnLst>
+                  <p:par>
+                    <p:cTn id="3" fill="hold">
+                      <p:stCondLst>
+                        <p:cond delay="indefinite"/>
+                        <p:cond evt="onBegin" delay="0">
+                          <p:tn val="2"/>
+                        </p:cond>
+                      </p:stCondLst>
+                      <p:childTnLst>
+                        <p:par>
+                          <p:cTn id="4" fill="hold">
+                            <p:stCondLst>
+                              <p:cond delay="0"/>
+                            </p:stCondLst>
+                            <p:childTnLst>
+                              <p:par>
+                                <p:cTn id="5" presetID="10" presetClass="entr" presetSubtype="0" fill="hold" grpId="0" nodeType="withEffect">
+                                  <p:stCondLst>
+                                    <p:cond delay="0"/>
+                                  </p:stCondLst>
+                                  <p:childTnLst>
+                                    <p:set>
+                                      <p:cBhvr>
+                                        <p:cTn id="6" dur="1" fill="hold">
+                                          <p:stCondLst>
+                                            <p:cond delay="0"/>
+                                          </p:stCondLst>
+                                        </p:cTn>
+                                        <p:tgtEl>
+                                          <p:spTgt spid="2"/>
+                                        </p:tgtEl>
+                                        <p:attrNameLst>
+                                          <p:attrName>style.visibility</p:attrName>
+                                        </p:attrNameLst>
+                                      </p:cBhvr>
+                                      <p:to>
+                                        <p:strVal val="visible"/>
+                                      </p:to>
+                                    </p:set>
+                                    <p:animEffect transition="in" filter="fade">
+                                      <p:cBhvr>
+                                        <p:cTn id="7" dur="500"/>
+                                        <p:tgtEl>
+                                          <p:spTgt spid="2"/>
+                                        </p:tgtEl>
+                                      </p:cBhvr>
+                                    </p:animEffect>
+                                  </p:childTnLst>
+                                </p:cTn>
+                              </p:par>
+                            </p:childTnLst>
+                          </p:cTn>
+                        </p:par>
+                      </p:childTnLst>
+                    </p:cTn>
+                  </p:par>
+                  <p:par>
+                    <p:cTn id="8" fill="hold">
+                      <p:stCondLst>
+                        <p:cond delay="indefinite"/>
+                      </p:stCondLst>
+                      <p:childTnLst>
+                        <p:par>
+                          <p:cTn id="9" fill="hold">
+                            <p:stCondLst>
+                              <p:cond delay="0"/>
+                            </p:stCondLst>
+                            <p:childTnLst>
+                              <p:par>
+                                <p:cTn id="10" presetID="10" presetClass="entr" presetSubtype="0" fill="hold" nodeType="clickEffect">
+                                  <p:stCondLst>
+                                    <p:cond delay="0"/>
+                                  </p:stCondLst>
+                                  <p:childTnLst>
+                                    <p:set>
+                                      <p:cBhvr>
+                                        <p:cTn id="11" dur="1" fill="hold">
+                                          <p:stCondLst>
+                                            <p:cond delay="0"/>
+                                          </p:stCondLst>
+                                        </p:cTn>
+                                        <p:tgtEl>
+                                          <p:spTgt spid="4"/>
+                                        </p:tgtEl>
+                                        <p:attrNameLst>
+                                          <p:attrName>style.visibility</p:attrName>
+                                        </p:attrNameLst>
+                                      </p:cBhvr>
+                                      <p:to>
+                                        <p:strVal val="visible"/>
+                                      </p:to>
+                                    </p:set>
+                                    <p:animEffect transition="in" filter="fade">
+                                      <p:cBhvr>
+                                        <p:cTn id="12" dur="500"/>
+                                        <p:tgtEl>
+                                          <p:spTgt spid="4"/>
+                                        </p:tgtEl>
+                                      </p:cBhvr>
+                                    </p:animEffect>
+                                  </p:childTnLst>
+                                </p:cTn>
+                              </p:par>
+                              <p:par>
+                                <p:cTn id="13" presetID="10" presetClass="entr" presetSubtype="0" fill="hold" grpId="0" nodeType="withEffect">
+                                  <p:stCondLst>
+                                    <p:cond delay="0"/>
+                                  </p:stCondLst>
+                                  <p:childTnLst>
+                                    <p:set>
+                                      <p:cBhvr>
+                                        <p:cTn id="14" dur="1" fill="hold">
+                                          <p:stCondLst>
+                                            <p:cond delay="0"/>
+                                          </p:stCondLst>
+                                        </p:cTn>
+                                        <p:tgtEl>
+                                          <p:spTgt spid="8"/>
+                                        </p:tgtEl>
+                                        <p:attrNameLst>
+                                          <p:attrName>style.visibility</p:attrName>
+                                        </p:attrNameLst>
+                                      </p:cBhvr>
+                                      <p:to>
+                                        <p:strVal val="visible"/>
+                                      </p:to>
+                                    </p:set>
+                                    <p:animEffect transition="in" filter="fade">
+                                      <p:cBhvr>
+                                        <p:cTn id="15" dur="500"/>
+                                        <p:tgtEl>
+                                          <p:spTgt spid="8"/>
+                                        </p:tgtEl>
+                                      </p:cBhvr>
+                                    </p:animEffect>
+                                  </p:childTnLst>
+                                </p:cTn>
+                              </p:par>
+                            </p:childTnLst>
+                          </p:cTn>
+                        </p:par>
+                      </p:childTnLst>
+                    </p:cTn>
+                  </p:par>
+                  <p:par>
+                    <p:cTn id="16" fill="hold">
+                      <p:stCondLst>
+                        <p:cond delay="indefinite"/>
+                      </p:stCondLst>
+                      <p:childTnLst>
+                        <p:par>
+                          <p:cTn id="17" fill="hold">
+                            <p:stCondLst>
+                              <p:cond delay="0"/>
+                            </p:stCondLst>
+                            <p:childTnLst>
+                              <p:par>
+                                <p:cTn id="18" presetID="10" presetClass="entr" presetSubtype="0" fill="hold" grpId="0" nodeType="clickEffect">
+                                  <p:stCondLst>
+                                    <p:cond delay="0"/>
+                                  </p:stCondLst>
+                                  <p:childTnLst>
+                                    <p:set>
+                                      <p:cBhvr>
+                                        <p:cTn id="19" dur="1" fill="hold">
+                                          <p:stCondLst>
+                                            <p:cond delay="0"/>
+                                          </p:stCondLst>
+                                        </p:cTn>
+                                        <p:tgtEl>
+                                          <p:spTgt spid="5"/>
+                                        </p:tgtEl>
+                                        <p:attrNameLst>
+                                          <p:attrName>style.visibility</p:attrName>
+                                        </p:attrNameLst>
+                                      </p:cBhvr>
+                                      <p:to>
+                                        <p:strVal val="visible"/>
+                                      </p:to>
+                                    </p:set>
+                                    <p:animEffect transition="in" filter="fade">
+                                      <p:cBhvr>
+                                        <p:cTn id="20" dur="500"/>
+                                        <p:tgtEl>
+                                          <p:spTgt spid="5"/>
+                                        </p:tgtEl>
+                                      </p:cBhvr>
+                                    </p:animEffect>
+                                  </p:childTnLst>
+                                </p:cTn>
+                              </p:par>
+                              <p:par>
+                                <p:cTn id="21" presetID="10" presetClass="entr" presetSubtype="0" fill="hold" grpId="0" nodeType="withEffect">
+                                  <p:stCondLst>
+                                    <p:cond delay="0"/>
+                                  </p:stCondLst>
+                                  <p:childTnLst>
+                                    <p:set>
+                                      <p:cBhvr>
+                                        <p:cTn id="22" dur="1" fill="hold">
+                                          <p:stCondLst>
+                                            <p:cond delay="0"/>
+                                          </p:stCondLst>
+                                        </p:cTn>
+                                        <p:tgtEl>
+                                          <p:spTgt spid="6"/>
+                                        </p:tgtEl>
+                                        <p:attrNameLst>
+                                          <p:attrName>style.visibility</p:attrName>
+                                        </p:attrNameLst>
+                                      </p:cBhvr>
+                                      <p:to>
+                                        <p:strVal val="visible"/>
+                                      </p:to>
+                                    </p:set>
+                                    <p:animEffect transition="in" filter="fade">
+                                      <p:cBhvr>
+                                        <p:cTn id="23" dur="500"/>
+                                        <p:tgtEl>
+                                          <p:spTgt spid="6"/>
+                                        </p:tgtEl>
+                                      </p:cBhvr>
+                                    </p:animEffect>
+                                  </p:childTnLst>
+                                </p:cTn>
+                              </p:par>
+                            </p:childTnLst>
+                          </p:cTn>
+                        </p:par>
+                      </p:childTnLst>
+                    </p:cTn>
+                  </p:par>
+                </p:childTnLst>
+              </p:cTn>
+              <p:prevCondLst>
+                <p:cond evt="onPrev" delay="0">
+                  <p:tgtEl>
+                    <p:sldTgt/>
+                  </p:tgtEl>
+                </p:cond>
+              </p:prevCondLst>
+              <p:nextCondLst>
+                <p:cond evt="onNext" delay="0">
+                  <p:tgtEl>
+                    <p:sldTgt/>
+                  </p:tgtEl>
+                </p:cond>
+              </p:nextCondLst>
+            </p:seq>
+          </p:childTnLst>
+        </p:cTn>
+      </p:par>
+    </p:tnLst>
+    <p:bldLst>
+      <p:bldP spid="2" grpId="0"/>
+      <p:bldP spid="5" grpId="0" animBg="1"/>
+      <p:bldP spid="6" grpId="0" animBg="1"/>
+      <p:bldP spid="8" grpId="0" animBg="1"/>
+    </p:bldLst>
+  </p:timing>
+</p:sld>
+</file>
+
+<file path=ppt/slides/slide4.xml><?xml version="1.0" encoding="utf-8"?>
+<p:sld xmlns:a="http://schemas.openxmlformats.org/drawingml/2006/main" xmlns:r="http://schemas.openxmlformats.org/officeDocument/2006/relationships" xmlns:p="http://schemas.openxmlformats.org/presentationml/2006/main">
+  <p:cSld>
+    <p:spTree>
+      <p:nvGrpSpPr>
+        <p:cNvPr id="1" name=""/>
+        <p:cNvGrpSpPr/>
+        <p:nvPr/>
+      </p:nvGrpSpPr>
+      <p:grpSpPr>
+        <a:xfrm>
+          <a:off x="0" y="0"/>
+          <a:ext cx="0" cy="0"/>
+          <a:chOff x="0" y="0"/>
+          <a:chExt cx="0" cy="0"/>
+        </a:xfrm>
+      </p:grpSpPr>
+      <p:graphicFrame>
+        <p:nvGraphicFramePr>
+          <p:cNvPr id="6" name="Diagram 5"/>
+          <p:cNvGraphicFramePr/>
+          <p:nvPr>
+            <p:extLst>
+              <p:ext uri="{D42A27DB-BD31-4B8C-83A1-F6EECF244321}">
+                <p14:modId xmlns:p14="http://schemas.microsoft.com/office/powerpoint/2010/main" val="923886014"/>
+              </p:ext>
+            </p:extLst>
+          </p:nvPr>
+        </p:nvGraphicFramePr>
+        <p:xfrm>
+          <a:off x="914400" y="1233336"/>
+          <a:ext cx="5801258" cy="3612432"/>
+        </p:xfrm>
+        <a:graphic>
+          <a:graphicData uri="http://schemas.openxmlformats.org/drawingml/2006/diagram">
+            <dgm:relIds xmlns:dgm="http://schemas.openxmlformats.org/drawingml/2006/diagram" xmlns:r="http://schemas.openxmlformats.org/officeDocument/2006/relationships" r:dm="rId2" r:lo="rId3" r:qs="rId4" r:cs="rId5"/>
+          </a:graphicData>
+        </a:graphic>
+      </p:graphicFrame>
+      <p:sp>
+        <p:nvSpPr>
+          <p:cNvPr id="35" name="Down Arrow 34"/>
+          <p:cNvSpPr/>
+          <p:nvPr/>
+        </p:nvSpPr>
+        <p:spPr>
+          <a:xfrm rot="16200000">
+            <a:off x="6705600" y="3885515"/>
+            <a:ext cx="304800" cy="1066800"/>
+          </a:xfrm>
+          <a:prstGeom prst="downArrow">
+            <a:avLst/>
+          </a:prstGeom>
+          <a:solidFill>
+            <a:schemeClr val="accent2"/>
+          </a:solidFill>
+        </p:spPr>
+        <p:style>
+          <a:lnRef idx="1">
+            <a:schemeClr val="accent1"/>
+          </a:lnRef>
+          <a:fillRef idx="3">
+            <a:schemeClr val="accent1"/>
+          </a:fillRef>
+          <a:effectRef idx="2">
+            <a:schemeClr val="accent1"/>
+          </a:effectRef>
+          <a:fontRef idx="minor">
+            <a:schemeClr val="lt1"/>
+          </a:fontRef>
+        </p:style>
+        <p:txBody>
+          <a:bodyPr rtlCol="0" anchor="ctr"/>
+          <a:lstStyle/>
+          <a:p>
+            <a:pPr algn="ctr"/>
+            <a:endParaRPr lang="en-US">
+              <a:solidFill>
+                <a:prstClr val="white"/>
+              </a:solidFill>
+            </a:endParaRPr>
+          </a:p>
+        </p:txBody>
+      </p:sp>
+      <p:sp>
+        <p:nvSpPr>
+          <p:cNvPr id="36" name="TextBox 35"/>
+          <p:cNvSpPr txBox="1"/>
+          <p:nvPr/>
+        </p:nvSpPr>
+        <p:spPr>
+          <a:xfrm>
+            <a:off x="7648575" y="4171950"/>
+            <a:ext cx="1371600" cy="646331"/>
+          </a:xfrm>
+          <a:prstGeom prst="rect">
+            <a:avLst/>
+          </a:prstGeom>
+          <a:solidFill>
+            <a:schemeClr val="accent2"/>
+          </a:solidFill>
+        </p:spPr>
+        <p:txBody>
+          <a:bodyPr wrap="square" rtlCol="0">
+            <a:spAutoFit/>
+          </a:bodyPr>
+          <a:lstStyle/>
+          <a:p>
+            <a:r>
+              <a:rPr lang="en-US" dirty="0" smtClean="0">
+                <a:solidFill>
+                  <a:prstClr val="black"/>
+                </a:solidFill>
+              </a:rPr>
+              <a:t>Machine transparency</a:t>
+            </a:r>
+            <a:endParaRPr lang="en-US" dirty="0">
+              <a:solidFill>
+                <a:prstClr val="black"/>
+              </a:solidFill>
+            </a:endParaRPr>
+          </a:p>
+        </p:txBody>
+      </p:sp>
+      <p:sp>
+        <p:nvSpPr>
+          <p:cNvPr id="37" name="Title 36"/>
+          <p:cNvSpPr>
+            <a:spLocks noGrp="1"/>
+          </p:cNvSpPr>
+          <p:nvPr>
+            <p:ph type="title"/>
+          </p:nvPr>
+        </p:nvSpPr>
+        <p:spPr/>
+        <p:txBody>
+          <a:bodyPr/>
+          <a:lstStyle/>
+          <a:p>
+            <a:r>
+              <a:rPr lang="en-US" dirty="0" smtClean="0"/>
+              <a:t>Cloud Stack</a:t>
+            </a:r>
+            <a:endParaRPr lang="en-US" dirty="0"/>
+          </a:p>
+        </p:txBody>
+      </p:sp>
+    </p:spTree>
+    <p:extLst>
+      <p:ext uri="{BB962C8B-B14F-4D97-AF65-F5344CB8AC3E}">
+        <p14:creationId xmlns:p14="http://schemas.microsoft.com/office/powerpoint/2010/main" val="2158586776"/>
+      </p:ext>
+    </p:extLst>
+  </p:cSld>
+  <p:clrMapOvr>
+    <a:masterClrMapping/>
+  </p:clrMapOvr>
+  <p:timing>
+    <p:tnLst>
+      <p:par>
+        <p:cTn id="1" dur="indefinite" restart="never" nodeType="tmRoot">
+          <p:childTnLst>
+            <p:seq concurrent="1" nextAc="seek">
+              <p:cTn id="2" dur="indefinite" nodeType="mainSeq">
+                <p:childTnLst>
+                  <p:par>
+                    <p:cTn id="3" fill="hold">
+                      <p:stCondLst>
+                        <p:cond delay="indefinite"/>
+                        <p:cond evt="onBegin" delay="0">
+                          <p:tn val="2"/>
+                        </p:cond>
+                      </p:stCondLst>
+                      <p:childTnLst>
+                        <p:par>
+                          <p:cTn id="4" fill="hold">
+                            <p:stCondLst>
+                              <p:cond delay="0"/>
+                            </p:stCondLst>
+                            <p:childTnLst>
+                              <p:par>
+                                <p:cTn id="5" presetID="10" presetClass="entr" presetSubtype="0" fill="hold" grpId="0" nodeType="withEffect">
+                                  <p:stCondLst>
+                                    <p:cond delay="0"/>
+                                  </p:stCondLst>
+                                  <p:childTnLst>
+                                    <p:set>
+                                      <p:cBhvr>
+                                        <p:cTn id="6" dur="1" fill="hold">
+                                          <p:stCondLst>
+                                            <p:cond delay="0"/>
+                                          </p:stCondLst>
+                                        </p:cTn>
+                                        <p:tgtEl>
+                                          <p:spTgt spid="37"/>
+                                        </p:tgtEl>
+                                        <p:attrNameLst>
+                                          <p:attrName>style.visibility</p:attrName>
+                                        </p:attrNameLst>
+                                      </p:cBhvr>
+                                      <p:to>
+                                        <p:strVal val="visible"/>
+                                      </p:to>
+                                    </p:set>
+                                    <p:animEffect transition="in" filter="fade">
+                                      <p:cBhvr>
+                                        <p:cTn id="7" dur="500"/>
+                                        <p:tgtEl>
+                                          <p:spTgt spid="37"/>
+                                        </p:tgtEl>
+                                      </p:cBhvr>
+                                    </p:animEffect>
+                                  </p:childTnLst>
+                                </p:cTn>
+                              </p:par>
+                            </p:childTnLst>
+                          </p:cTn>
+                        </p:par>
+                      </p:childTnLst>
+                    </p:cTn>
+                  </p:par>
+                  <p:par>
+                    <p:cTn id="8" fill="hold">
+                      <p:stCondLst>
+                        <p:cond delay="indefinite"/>
+                      </p:stCondLst>
+                      <p:childTnLst>
+                        <p:par>
+                          <p:cTn id="9" fill="hold">
+                            <p:stCondLst>
+                              <p:cond delay="0"/>
+                            </p:stCondLst>
+                            <p:childTnLst>
+                              <p:par>
+                                <p:cTn id="10" presetID="10" presetClass="entr" presetSubtype="0" fill="hold" grpId="0" nodeType="clickEffect">
+                                  <p:stCondLst>
+                                    <p:cond delay="0"/>
+                                  </p:stCondLst>
+                                  <p:childTnLst>
+                                    <p:set>
+                                      <p:cBhvr>
+                                        <p:cTn id="11" dur="1" fill="hold">
+                                          <p:stCondLst>
+                                            <p:cond delay="0"/>
+                                          </p:stCondLst>
+                                        </p:cTn>
+                                        <p:tgtEl>
+                                          <p:spTgt spid="6">
+                                            <p:graphicEl>
+                                              <a:dgm id="{FFEF248A-9CDD-0C4E-AC18-CF912B6168D5}"/>
+                                            </p:graphicEl>
+                                          </p:spTgt>
+                                        </p:tgtEl>
+                                        <p:attrNameLst>
+                                          <p:attrName>style.visibility</p:attrName>
+                                        </p:attrNameLst>
+                                      </p:cBhvr>
+                                      <p:to>
+                                        <p:strVal val="visible"/>
+                                      </p:to>
+                                    </p:set>
+                                    <p:animEffect transition="in" filter="fade">
+                                      <p:cBhvr>
+                                        <p:cTn id="12" dur="500"/>
+                                        <p:tgtEl>
+                                          <p:spTgt spid="6">
+                                            <p:graphicEl>
+                                              <a:dgm id="{FFEF248A-9CDD-0C4E-AC18-CF912B6168D5}"/>
+                                            </p:graphicEl>
+                                          </p:spTgt>
+                                        </p:tgtEl>
+                                      </p:cBhvr>
+                                    </p:animEffect>
+                                  </p:childTnLst>
+                                </p:cTn>
+                              </p:par>
+                              <p:par>
+                                <p:cTn id="13" presetID="10" presetClass="entr" presetSubtype="0" fill="hold" grpId="0" nodeType="withEffect">
+                                  <p:stCondLst>
+                                    <p:cond delay="0"/>
+                                  </p:stCondLst>
+                                  <p:childTnLst>
+                                    <p:set>
+                                      <p:cBhvr>
+                                        <p:cTn id="14" dur="1" fill="hold">
+                                          <p:stCondLst>
+                                            <p:cond delay="0"/>
+                                          </p:stCondLst>
+                                        </p:cTn>
+                                        <p:tgtEl>
+                                          <p:spTgt spid="6">
+                                            <p:graphicEl>
+                                              <a:dgm id="{5DB06A7B-4B37-0046-87D0-B6F4E9A214F7}"/>
+                                            </p:graphicEl>
+                                          </p:spTgt>
+                                        </p:tgtEl>
+                                        <p:attrNameLst>
+                                          <p:attrName>style.visibility</p:attrName>
+                                        </p:attrNameLst>
+                                      </p:cBhvr>
+                                      <p:to>
+                                        <p:strVal val="visible"/>
+                                      </p:to>
+                                    </p:set>
+                                    <p:animEffect transition="in" filter="fade">
+                                      <p:cBhvr>
+                                        <p:cTn id="15" dur="500"/>
+                                        <p:tgtEl>
+                                          <p:spTgt spid="6">
+                                            <p:graphicEl>
+                                              <a:dgm id="{5DB06A7B-4B37-0046-87D0-B6F4E9A214F7}"/>
+                                            </p:graphicEl>
+                                          </p:spTgt>
+                                        </p:tgtEl>
+                                      </p:cBhvr>
+                                    </p:animEffect>
+                                  </p:childTnLst>
+                                </p:cTn>
+                              </p:par>
+                              <p:par>
+                                <p:cTn id="16" presetID="10" presetClass="entr" presetSubtype="0" fill="hold" grpId="0" nodeType="withEffect">
+                                  <p:stCondLst>
+                                    <p:cond delay="0"/>
+                                  </p:stCondLst>
+                                  <p:childTnLst>
+                                    <p:set>
+                                      <p:cBhvr>
+                                        <p:cTn id="17" dur="1" fill="hold">
+                                          <p:stCondLst>
+                                            <p:cond delay="0"/>
+                                          </p:stCondLst>
+                                        </p:cTn>
+                                        <p:tgtEl>
+                                          <p:spTgt spid="6">
+                                            <p:graphicEl>
+                                              <a:dgm id="{66FFD7BE-09E7-DA40-A903-F11A86160C9F}"/>
+                                            </p:graphicEl>
+                                          </p:spTgt>
+                                        </p:tgtEl>
+                                        <p:attrNameLst>
+                                          <p:attrName>style.visibility</p:attrName>
+                                        </p:attrNameLst>
+                                      </p:cBhvr>
+                                      <p:to>
+                                        <p:strVal val="visible"/>
+                                      </p:to>
+                                    </p:set>
+                                    <p:animEffect transition="in" filter="fade">
+                                      <p:cBhvr>
+                                        <p:cTn id="18" dur="500"/>
+                                        <p:tgtEl>
+                                          <p:spTgt spid="6">
+                                            <p:graphicEl>
+                                              <a:dgm id="{66FFD7BE-09E7-DA40-A903-F11A86160C9F}"/>
+                                            </p:graphicEl>
+                                          </p:spTgt>
+                                        </p:tgtEl>
+                                      </p:cBhvr>
+                                    </p:animEffect>
+                                  </p:childTnLst>
+                                </p:cTn>
+                              </p:par>
+                            </p:childTnLst>
+                          </p:cTn>
+                        </p:par>
+                      </p:childTnLst>
+                    </p:cTn>
+                  </p:par>
+                  <p:par>
+                    <p:cTn id="19" fill="hold">
+                      <p:stCondLst>
+                        <p:cond delay="indefinite"/>
+                      </p:stCondLst>
+                      <p:childTnLst>
+                        <p:par>
+                          <p:cTn id="20" fill="hold">
+                            <p:stCondLst>
+                              <p:cond delay="0"/>
+                            </p:stCondLst>
+                            <p:childTnLst>
+                              <p:par>
+                                <p:cTn id="21" presetID="10" presetClass="entr" presetSubtype="0" fill="hold" grpId="0" nodeType="clickEffect">
+                                  <p:stCondLst>
+                                    <p:cond delay="0"/>
+                                  </p:stCondLst>
+                                  <p:childTnLst>
+                                    <p:set>
+                                      <p:cBhvr>
+                                        <p:cTn id="22" dur="1" fill="hold">
+                                          <p:stCondLst>
+                                            <p:cond delay="0"/>
+                                          </p:stCondLst>
+                                        </p:cTn>
+                                        <p:tgtEl>
+                                          <p:spTgt spid="6">
+                                            <p:graphicEl>
+                                              <a:dgm id="{7E401668-B05E-40B0-9442-4D8424AB595F}"/>
+                                            </p:graphicEl>
+                                          </p:spTgt>
+                                        </p:tgtEl>
+                                        <p:attrNameLst>
+                                          <p:attrName>style.visibility</p:attrName>
+                                        </p:attrNameLst>
+                                      </p:cBhvr>
+                                      <p:to>
+                                        <p:strVal val="visible"/>
+                                      </p:to>
+                                    </p:set>
+                                    <p:animEffect transition="in" filter="fade">
+                                      <p:cBhvr>
+                                        <p:cTn id="23" dur="500"/>
+                                        <p:tgtEl>
+                                          <p:spTgt spid="6">
+                                            <p:graphicEl>
+                                              <a:dgm id="{7E401668-B05E-40B0-9442-4D8424AB595F}"/>
+                                            </p:graphicEl>
+                                          </p:spTgt>
+                                        </p:tgtEl>
+                                      </p:cBhvr>
+                                    </p:animEffect>
+                                  </p:childTnLst>
+                                </p:cTn>
+                              </p:par>
+                            </p:childTnLst>
+                          </p:cTn>
+                        </p:par>
+                      </p:childTnLst>
+                    </p:cTn>
+                  </p:par>
+                  <p:par>
+                    <p:cTn id="24" fill="hold">
+                      <p:stCondLst>
+                        <p:cond delay="indefinite"/>
+                      </p:stCondLst>
+                      <p:childTnLst>
+                        <p:par>
+                          <p:cTn id="25" fill="hold">
+                            <p:stCondLst>
+                              <p:cond delay="0"/>
+                            </p:stCondLst>
+                            <p:childTnLst>
+                              <p:par>
+                                <p:cTn id="26" presetID="10" presetClass="entr" presetSubtype="0" fill="hold" grpId="0" nodeType="clickEffect">
+                                  <p:stCondLst>
+                                    <p:cond delay="0"/>
+                                  </p:stCondLst>
+                                  <p:childTnLst>
+                                    <p:set>
+                                      <p:cBhvr>
+                                        <p:cTn id="27" dur="1" fill="hold">
+                                          <p:stCondLst>
+                                            <p:cond delay="0"/>
+                                          </p:stCondLst>
+                                        </p:cTn>
+                                        <p:tgtEl>
+                                          <p:spTgt spid="35"/>
+                                        </p:tgtEl>
+                                        <p:attrNameLst>
+                                          <p:attrName>style.visibility</p:attrName>
+                                        </p:attrNameLst>
+                                      </p:cBhvr>
+                                      <p:to>
+                                        <p:strVal val="visible"/>
+                                      </p:to>
+                                    </p:set>
+                                    <p:animEffect transition="in" filter="fade">
+                                      <p:cBhvr>
+                                        <p:cTn id="28" dur="500"/>
+                                        <p:tgtEl>
+                                          <p:spTgt spid="35"/>
+                                        </p:tgtEl>
+                                      </p:cBhvr>
+                                    </p:animEffect>
+                                  </p:childTnLst>
+                                </p:cTn>
+                              </p:par>
+                              <p:par>
+                                <p:cTn id="29" presetID="10" presetClass="entr" presetSubtype="0" fill="hold" grpId="0" nodeType="withEffect">
+                                  <p:stCondLst>
+                                    <p:cond delay="0"/>
+                                  </p:stCondLst>
+                                  <p:childTnLst>
+                                    <p:set>
+                                      <p:cBhvr>
+                                        <p:cTn id="30" dur="1" fill="hold">
+                                          <p:stCondLst>
+                                            <p:cond delay="0"/>
+                                          </p:stCondLst>
+                                        </p:cTn>
+                                        <p:tgtEl>
+                                          <p:spTgt spid="36"/>
+                                        </p:tgtEl>
+                                        <p:attrNameLst>
+                                          <p:attrName>style.visibility</p:attrName>
+                                        </p:attrNameLst>
+                                      </p:cBhvr>
+                                      <p:to>
+                                        <p:strVal val="visible"/>
+                                      </p:to>
+                                    </p:set>
+                                    <p:animEffect transition="in" filter="fade">
+                                      <p:cBhvr>
+                                        <p:cTn id="31" dur="500"/>
+                                        <p:tgtEl>
+                                          <p:spTgt spid="36"/>
+                                        </p:tgtEl>
+                                      </p:cBhvr>
+                                    </p:animEffect>
+                                  </p:childTnLst>
+                                </p:cTn>
+                              </p:par>
+                            </p:childTnLst>
+                          </p:cTn>
+                        </p:par>
+                      </p:childTnLst>
+                    </p:cTn>
+                  </p:par>
+                </p:childTnLst>
+              </p:cTn>
+              <p:prevCondLst>
+                <p:cond evt="onPrev" delay="0">
+                  <p:tgtEl>
+                    <p:sldTgt/>
+                  </p:tgtEl>
+                </p:cond>
+              </p:prevCondLst>
+              <p:nextCondLst>
+                <p:cond evt="onNext" delay="0">
+                  <p:tgtEl>
+                    <p:sldTgt/>
+                  </p:tgtEl>
+                </p:cond>
+              </p:nextCondLst>
+            </p:seq>
+          </p:childTnLst>
+        </p:cTn>
+      </p:par>
+    </p:tnLst>
+    <p:bldLst>
+      <p:bldGraphic spid="6" grpId="0">
+        <p:bldSub>
+          <a:bldDgm bld="one"/>
+        </p:bldSub>
+      </p:bldGraphic>
+      <p:bldP spid="35" grpId="0" animBg="1"/>
+      <p:bldP spid="36" grpId="0" animBg="1"/>
+      <p:bldP spid="37" grpId="0"/>
+    </p:bldLst>
   </p:timing>
 </p:sld>
 </file>
@@ -10647,6 +10659,1965 @@
 </file>
 
 <file path=ppt/slides/slide6.xml><?xml version="1.0" encoding="utf-8"?>
+<p:sld xmlns:a="http://schemas.openxmlformats.org/drawingml/2006/main" xmlns:r="http://schemas.openxmlformats.org/officeDocument/2006/relationships" xmlns:p="http://schemas.openxmlformats.org/presentationml/2006/main">
+  <p:cSld>
+    <p:spTree>
+      <p:nvGrpSpPr>
+        <p:cNvPr id="1" name=""/>
+        <p:cNvGrpSpPr/>
+        <p:nvPr/>
+      </p:nvGrpSpPr>
+      <p:grpSpPr>
+        <a:xfrm>
+          <a:off x="0" y="0"/>
+          <a:ext cx="0" cy="0"/>
+          <a:chOff x="0" y="0"/>
+          <a:chExt cx="0" cy="0"/>
+        </a:xfrm>
+      </p:grpSpPr>
+      <p:sp>
+        <p:nvSpPr>
+          <p:cNvPr id="99" name="Freeform 98"/>
+          <p:cNvSpPr/>
+          <p:nvPr/>
+        </p:nvSpPr>
+        <p:spPr>
+          <a:xfrm>
+            <a:off x="1438275" y="1390650"/>
+            <a:ext cx="6505575" cy="361950"/>
+          </a:xfrm>
+          <a:custGeom>
+            <a:avLst/>
+            <a:gdLst>
+              <a:gd name="connsiteX0" fmla="*/ 0 w 6505575"/>
+              <a:gd name="connsiteY0" fmla="*/ 361950 h 361950"/>
+              <a:gd name="connsiteX1" fmla="*/ 3219450 w 6505575"/>
+              <a:gd name="connsiteY1" fmla="*/ 0 h 361950"/>
+              <a:gd name="connsiteX2" fmla="*/ 6505575 w 6505575"/>
+              <a:gd name="connsiteY2" fmla="*/ 361950 h 361950"/>
+              <a:gd name="connsiteX0" fmla="*/ 0 w 6505575"/>
+              <a:gd name="connsiteY0" fmla="*/ 361950 h 361950"/>
+              <a:gd name="connsiteX1" fmla="*/ 3219450 w 6505575"/>
+              <a:gd name="connsiteY1" fmla="*/ 0 h 361950"/>
+              <a:gd name="connsiteX2" fmla="*/ 6505575 w 6505575"/>
+              <a:gd name="connsiteY2" fmla="*/ 361950 h 361950"/>
+            </a:gdLst>
+            <a:ahLst/>
+            <a:cxnLst>
+              <a:cxn ang="0">
+                <a:pos x="connsiteX0" y="connsiteY0"/>
+              </a:cxn>
+              <a:cxn ang="0">
+                <a:pos x="connsiteX1" y="connsiteY1"/>
+              </a:cxn>
+              <a:cxn ang="0">
+                <a:pos x="connsiteX2" y="connsiteY2"/>
+              </a:cxn>
+            </a:cxnLst>
+            <a:rect l="l" t="t" r="r" b="b"/>
+            <a:pathLst>
+              <a:path w="6505575" h="361950">
+                <a:moveTo>
+                  <a:pt x="0" y="361950"/>
+                </a:moveTo>
+                <a:cubicBezTo>
+                  <a:pt x="1067594" y="180975"/>
+                  <a:pt x="2135188" y="0"/>
+                  <a:pt x="3219450" y="0"/>
+                </a:cubicBezTo>
+                <a:cubicBezTo>
+                  <a:pt x="4303712" y="0"/>
+                  <a:pt x="5404643" y="180975"/>
+                  <a:pt x="6505575" y="361950"/>
+                </a:cubicBezTo>
+              </a:path>
+            </a:pathLst>
+          </a:custGeom>
+          <a:noFill/>
+          <a:ln w="38100">
+            <a:solidFill>
+              <a:srgbClr val="00B0F0"/>
+            </a:solidFill>
+          </a:ln>
+        </p:spPr>
+        <p:style>
+          <a:lnRef idx="2">
+            <a:schemeClr val="accent1">
+              <a:shade val="50000"/>
+            </a:schemeClr>
+          </a:lnRef>
+          <a:fillRef idx="1">
+            <a:schemeClr val="accent1"/>
+          </a:fillRef>
+          <a:effectRef idx="0">
+            <a:schemeClr val="accent1"/>
+          </a:effectRef>
+          <a:fontRef idx="minor">
+            <a:schemeClr val="lt1"/>
+          </a:fontRef>
+        </p:style>
+        <p:txBody>
+          <a:bodyPr rtlCol="0" anchor="ctr"/>
+          <a:lstStyle/>
+          <a:p>
+            <a:pPr algn="ctr"/>
+            <a:endParaRPr lang="en-US"/>
+          </a:p>
+        </p:txBody>
+      </p:sp>
+      <p:cxnSp>
+        <p:nvCxnSpPr>
+          <p:cNvPr id="60" name="Straight Connector 59"/>
+          <p:cNvCxnSpPr/>
+          <p:nvPr/>
+        </p:nvCxnSpPr>
+        <p:spPr>
+          <a:xfrm>
+            <a:off x="1472227" y="3952062"/>
+            <a:ext cx="1" cy="219888"/>
+          </a:xfrm>
+          <a:prstGeom prst="line">
+            <a:avLst/>
+          </a:prstGeom>
+          <a:ln w="38100"/>
+        </p:spPr>
+        <p:style>
+          <a:lnRef idx="1">
+            <a:schemeClr val="accent1"/>
+          </a:lnRef>
+          <a:fillRef idx="0">
+            <a:schemeClr val="accent1"/>
+          </a:fillRef>
+          <a:effectRef idx="0">
+            <a:schemeClr val="accent1"/>
+          </a:effectRef>
+          <a:fontRef idx="minor">
+            <a:schemeClr val="tx1"/>
+          </a:fontRef>
+        </p:style>
+      </p:cxnSp>
+      <p:cxnSp>
+        <p:nvCxnSpPr>
+          <p:cNvPr id="62" name="Straight Connector 61"/>
+          <p:cNvCxnSpPr/>
+          <p:nvPr/>
+        </p:nvCxnSpPr>
+        <p:spPr>
+          <a:xfrm>
+            <a:off x="1472227" y="2952989"/>
+            <a:ext cx="1" cy="219888"/>
+          </a:xfrm>
+          <a:prstGeom prst="line">
+            <a:avLst/>
+          </a:prstGeom>
+          <a:ln w="38100"/>
+        </p:spPr>
+        <p:style>
+          <a:lnRef idx="1">
+            <a:schemeClr val="accent1"/>
+          </a:lnRef>
+          <a:fillRef idx="0">
+            <a:schemeClr val="accent1"/>
+          </a:fillRef>
+          <a:effectRef idx="0">
+            <a:schemeClr val="accent1"/>
+          </a:effectRef>
+          <a:fontRef idx="minor">
+            <a:schemeClr val="tx1"/>
+          </a:fontRef>
+        </p:style>
+      </p:cxnSp>
+      <p:sp>
+        <p:nvSpPr>
+          <p:cNvPr id="2" name="Title 1"/>
+          <p:cNvSpPr>
+            <a:spLocks noGrp="1"/>
+          </p:cNvSpPr>
+          <p:nvPr>
+            <p:ph type="title"/>
+          </p:nvPr>
+        </p:nvSpPr>
+        <p:spPr/>
+        <p:txBody>
+          <a:bodyPr/>
+          <a:lstStyle/>
+          <a:p>
+            <a:r>
+              <a:rPr lang="en-US" dirty="0" err="1" smtClean="0"/>
+              <a:t>HaaS</a:t>
+            </a:r>
+            <a:r>
+              <a:rPr lang="en-US" dirty="0" smtClean="0"/>
+              <a:t> Structure</a:t>
+            </a:r>
+            <a:endParaRPr lang="en-US" dirty="0"/>
+          </a:p>
+        </p:txBody>
+      </p:sp>
+      <p:sp>
+        <p:nvSpPr>
+          <p:cNvPr id="15" name="Freeform 14"/>
+          <p:cNvSpPr/>
+          <p:nvPr/>
+        </p:nvSpPr>
+        <p:spPr>
+          <a:xfrm>
+            <a:off x="3733800" y="1736677"/>
+            <a:ext cx="2027187" cy="1216312"/>
+          </a:xfrm>
+          <a:custGeom>
+            <a:avLst/>
+            <a:gdLst>
+              <a:gd name="connsiteX0" fmla="*/ 0 w 2027187"/>
+              <a:gd name="connsiteY0" fmla="*/ 0 h 1216312"/>
+              <a:gd name="connsiteX1" fmla="*/ 2027187 w 2027187"/>
+              <a:gd name="connsiteY1" fmla="*/ 0 h 1216312"/>
+              <a:gd name="connsiteX2" fmla="*/ 2027187 w 2027187"/>
+              <a:gd name="connsiteY2" fmla="*/ 1216312 h 1216312"/>
+              <a:gd name="connsiteX3" fmla="*/ 0 w 2027187"/>
+              <a:gd name="connsiteY3" fmla="*/ 1216312 h 1216312"/>
+              <a:gd name="connsiteX4" fmla="*/ 0 w 2027187"/>
+              <a:gd name="connsiteY4" fmla="*/ 0 h 1216312"/>
+            </a:gdLst>
+            <a:ahLst/>
+            <a:cxnLst>
+              <a:cxn ang="0">
+                <a:pos x="connsiteX0" y="connsiteY0"/>
+              </a:cxn>
+              <a:cxn ang="0">
+                <a:pos x="connsiteX1" y="connsiteY1"/>
+              </a:cxn>
+              <a:cxn ang="0">
+                <a:pos x="connsiteX2" y="connsiteY2"/>
+              </a:cxn>
+              <a:cxn ang="0">
+                <a:pos x="connsiteX3" y="connsiteY3"/>
+              </a:cxn>
+              <a:cxn ang="0">
+                <a:pos x="connsiteX4" y="connsiteY4"/>
+              </a:cxn>
+            </a:cxnLst>
+            <a:rect l="l" t="t" r="r" b="b"/>
+            <a:pathLst>
+              <a:path w="2027187" h="1216312">
+                <a:moveTo>
+                  <a:pt x="0" y="0"/>
+                </a:moveTo>
+                <a:lnTo>
+                  <a:pt x="2027187" y="0"/>
+                </a:lnTo>
+                <a:lnTo>
+                  <a:pt x="2027187" y="1216312"/>
+                </a:lnTo>
+                <a:lnTo>
+                  <a:pt x="0" y="1216312"/>
+                </a:lnTo>
+                <a:lnTo>
+                  <a:pt x="0" y="0"/>
+                </a:lnTo>
+                <a:close/>
+              </a:path>
+            </a:pathLst>
+          </a:custGeom>
+          <a:solidFill>
+            <a:schemeClr val="accent3"/>
+          </a:solidFill>
+        </p:spPr>
+        <p:style>
+          <a:lnRef idx="2">
+            <a:schemeClr val="lt1">
+              <a:hueOff val="0"/>
+              <a:satOff val="0"/>
+              <a:lumOff val="0"/>
+              <a:alphaOff val="0"/>
+            </a:schemeClr>
+          </a:lnRef>
+          <a:fillRef idx="1">
+            <a:schemeClr val="accent1">
+              <a:hueOff val="0"/>
+              <a:satOff val="0"/>
+              <a:lumOff val="0"/>
+              <a:alphaOff val="0"/>
+            </a:schemeClr>
+          </a:fillRef>
+          <a:effectRef idx="0">
+            <a:schemeClr val="accent1">
+              <a:hueOff val="0"/>
+              <a:satOff val="0"/>
+              <a:lumOff val="0"/>
+              <a:alphaOff val="0"/>
+            </a:schemeClr>
+          </a:effectRef>
+          <a:fontRef idx="minor">
+            <a:schemeClr val="lt1"/>
+          </a:fontRef>
+        </p:style>
+        <p:txBody>
+          <a:bodyPr spcFirstLastPara="0" vert="horz" wrap="square" lIns="118110" tIns="118110" rIns="118110" bIns="118110" numCol="1" spcCol="1270" anchor="ctr" anchorCtr="0">
+            <a:noAutofit/>
+          </a:bodyPr>
+          <a:lstStyle/>
+          <a:p>
+            <a:pPr lvl="0" algn="ctr" defTabSz="1377950">
+              <a:lnSpc>
+                <a:spcPct val="90000"/>
+              </a:lnSpc>
+              <a:spcBef>
+                <a:spcPct val="0"/>
+              </a:spcBef>
+              <a:spcAft>
+                <a:spcPct val="35000"/>
+              </a:spcAft>
+            </a:pPr>
+            <a:r>
+              <a:rPr lang="en-US" sz="3100" kern="1200" dirty="0" smtClean="0"/>
+              <a:t>Nodes</a:t>
+            </a:r>
+            <a:endParaRPr lang="en-US" sz="3100" kern="1200" dirty="0"/>
+          </a:p>
+        </p:txBody>
+      </p:sp>
+      <p:sp>
+        <p:nvSpPr>
+          <p:cNvPr id="16" name="Freeform 15"/>
+          <p:cNvSpPr/>
+          <p:nvPr/>
+        </p:nvSpPr>
+        <p:spPr>
+          <a:xfrm>
+            <a:off x="5638800" y="3127511"/>
+            <a:ext cx="1384609" cy="830765"/>
+          </a:xfrm>
+          <a:custGeom>
+            <a:avLst/>
+            <a:gdLst>
+              <a:gd name="connsiteX0" fmla="*/ 0 w 1384609"/>
+              <a:gd name="connsiteY0" fmla="*/ 0 h 830765"/>
+              <a:gd name="connsiteX1" fmla="*/ 1384609 w 1384609"/>
+              <a:gd name="connsiteY1" fmla="*/ 0 h 830765"/>
+              <a:gd name="connsiteX2" fmla="*/ 1384609 w 1384609"/>
+              <a:gd name="connsiteY2" fmla="*/ 830765 h 830765"/>
+              <a:gd name="connsiteX3" fmla="*/ 0 w 1384609"/>
+              <a:gd name="connsiteY3" fmla="*/ 830765 h 830765"/>
+              <a:gd name="connsiteX4" fmla="*/ 0 w 1384609"/>
+              <a:gd name="connsiteY4" fmla="*/ 0 h 830765"/>
+            </a:gdLst>
+            <a:ahLst/>
+            <a:cxnLst>
+              <a:cxn ang="0">
+                <a:pos x="connsiteX0" y="connsiteY0"/>
+              </a:cxn>
+              <a:cxn ang="0">
+                <a:pos x="connsiteX1" y="connsiteY1"/>
+              </a:cxn>
+              <a:cxn ang="0">
+                <a:pos x="connsiteX2" y="connsiteY2"/>
+              </a:cxn>
+              <a:cxn ang="0">
+                <a:pos x="connsiteX3" y="connsiteY3"/>
+              </a:cxn>
+              <a:cxn ang="0">
+                <a:pos x="connsiteX4" y="connsiteY4"/>
+              </a:cxn>
+            </a:cxnLst>
+            <a:rect l="l" t="t" r="r" b="b"/>
+            <a:pathLst>
+              <a:path w="1384609" h="830765">
+                <a:moveTo>
+                  <a:pt x="0" y="0"/>
+                </a:moveTo>
+                <a:lnTo>
+                  <a:pt x="1384609" y="0"/>
+                </a:lnTo>
+                <a:lnTo>
+                  <a:pt x="1384609" y="830765"/>
+                </a:lnTo>
+                <a:lnTo>
+                  <a:pt x="0" y="830765"/>
+                </a:lnTo>
+                <a:lnTo>
+                  <a:pt x="0" y="0"/>
+                </a:lnTo>
+                <a:close/>
+              </a:path>
+            </a:pathLst>
+          </a:custGeom>
+          <a:solidFill>
+            <a:srgbClr val="FF0066"/>
+          </a:solidFill>
+        </p:spPr>
+        <p:style>
+          <a:lnRef idx="2">
+            <a:schemeClr val="lt1">
+              <a:hueOff val="0"/>
+              <a:satOff val="0"/>
+              <a:lumOff val="0"/>
+              <a:alphaOff val="0"/>
+            </a:schemeClr>
+          </a:lnRef>
+          <a:fillRef idx="1">
+            <a:schemeClr val="accent1">
+              <a:hueOff val="0"/>
+              <a:satOff val="0"/>
+              <a:lumOff val="0"/>
+              <a:alphaOff val="0"/>
+            </a:schemeClr>
+          </a:fillRef>
+          <a:effectRef idx="0">
+            <a:schemeClr val="accent1">
+              <a:hueOff val="0"/>
+              <a:satOff val="0"/>
+              <a:lumOff val="0"/>
+              <a:alphaOff val="0"/>
+            </a:schemeClr>
+          </a:effectRef>
+          <a:fontRef idx="minor">
+            <a:schemeClr val="lt1"/>
+          </a:fontRef>
+        </p:style>
+        <p:txBody>
+          <a:bodyPr spcFirstLastPara="0" vert="horz" wrap="square" lIns="118110" tIns="118110" rIns="118110" bIns="118110" numCol="1" spcCol="1270" anchor="ctr" anchorCtr="0">
+            <a:noAutofit/>
+          </a:bodyPr>
+          <a:lstStyle/>
+          <a:p>
+            <a:pPr lvl="0" algn="ctr" defTabSz="1377950">
+              <a:lnSpc>
+                <a:spcPct val="90000"/>
+              </a:lnSpc>
+              <a:spcBef>
+                <a:spcPct val="0"/>
+              </a:spcBef>
+              <a:spcAft>
+                <a:spcPct val="35000"/>
+              </a:spcAft>
+            </a:pPr>
+            <a:r>
+              <a:rPr lang="en-US" sz="3100" kern="1200" dirty="0" smtClean="0"/>
+              <a:t>NICs</a:t>
+            </a:r>
+            <a:endParaRPr lang="en-US" sz="3100" kern="1200" dirty="0"/>
+          </a:p>
+        </p:txBody>
+      </p:sp>
+      <p:sp>
+        <p:nvSpPr>
+          <p:cNvPr id="20" name="Freeform 19"/>
+          <p:cNvSpPr/>
+          <p:nvPr/>
+        </p:nvSpPr>
+        <p:spPr>
+          <a:xfrm>
+            <a:off x="4451624" y="4192098"/>
+            <a:ext cx="1351027" cy="810617"/>
+          </a:xfrm>
+          <a:custGeom>
+            <a:avLst/>
+            <a:gdLst>
+              <a:gd name="connsiteX0" fmla="*/ 0 w 1523066"/>
+              <a:gd name="connsiteY0" fmla="*/ 0 h 913840"/>
+              <a:gd name="connsiteX1" fmla="*/ 1523066 w 1523066"/>
+              <a:gd name="connsiteY1" fmla="*/ 0 h 913840"/>
+              <a:gd name="connsiteX2" fmla="*/ 1523066 w 1523066"/>
+              <a:gd name="connsiteY2" fmla="*/ 913840 h 913840"/>
+              <a:gd name="connsiteX3" fmla="*/ 0 w 1523066"/>
+              <a:gd name="connsiteY3" fmla="*/ 913840 h 913840"/>
+              <a:gd name="connsiteX4" fmla="*/ 0 w 1523066"/>
+              <a:gd name="connsiteY4" fmla="*/ 0 h 913840"/>
+            </a:gdLst>
+            <a:ahLst/>
+            <a:cxnLst>
+              <a:cxn ang="0">
+                <a:pos x="connsiteX0" y="connsiteY0"/>
+              </a:cxn>
+              <a:cxn ang="0">
+                <a:pos x="connsiteX1" y="connsiteY1"/>
+              </a:cxn>
+              <a:cxn ang="0">
+                <a:pos x="connsiteX2" y="connsiteY2"/>
+              </a:cxn>
+              <a:cxn ang="0">
+                <a:pos x="connsiteX3" y="connsiteY3"/>
+              </a:cxn>
+              <a:cxn ang="0">
+                <a:pos x="connsiteX4" y="connsiteY4"/>
+              </a:cxn>
+            </a:cxnLst>
+            <a:rect l="l" t="t" r="r" b="b"/>
+            <a:pathLst>
+              <a:path w="1523066" h="913840">
+                <a:moveTo>
+                  <a:pt x="0" y="0"/>
+                </a:moveTo>
+                <a:lnTo>
+                  <a:pt x="1523066" y="0"/>
+                </a:lnTo>
+                <a:lnTo>
+                  <a:pt x="1523066" y="913840"/>
+                </a:lnTo>
+                <a:lnTo>
+                  <a:pt x="0" y="913840"/>
+                </a:lnTo>
+                <a:lnTo>
+                  <a:pt x="0" y="0"/>
+                </a:lnTo>
+                <a:close/>
+              </a:path>
+            </a:pathLst>
+          </a:custGeom>
+          <a:solidFill>
+            <a:schemeClr val="accent6">
+              <a:lumMod val="75000"/>
+            </a:schemeClr>
+          </a:solidFill>
+        </p:spPr>
+        <p:style>
+          <a:lnRef idx="2">
+            <a:schemeClr val="lt1">
+              <a:hueOff val="0"/>
+              <a:satOff val="0"/>
+              <a:lumOff val="0"/>
+              <a:alphaOff val="0"/>
+            </a:schemeClr>
+          </a:lnRef>
+          <a:fillRef idx="1">
+            <a:schemeClr val="accent1">
+              <a:hueOff val="0"/>
+              <a:satOff val="0"/>
+              <a:lumOff val="0"/>
+              <a:alphaOff val="0"/>
+            </a:schemeClr>
+          </a:fillRef>
+          <a:effectRef idx="0">
+            <a:schemeClr val="accent1">
+              <a:hueOff val="0"/>
+              <a:satOff val="0"/>
+              <a:lumOff val="0"/>
+              <a:alphaOff val="0"/>
+            </a:schemeClr>
+          </a:effectRef>
+          <a:fontRef idx="minor">
+            <a:schemeClr val="lt1"/>
+          </a:fontRef>
+        </p:style>
+        <p:txBody>
+          <a:bodyPr spcFirstLastPara="0" vert="horz" wrap="square" lIns="118110" tIns="118110" rIns="118110" bIns="118110" numCol="1" spcCol="1270" anchor="ctr" anchorCtr="0">
+            <a:noAutofit/>
+          </a:bodyPr>
+          <a:lstStyle/>
+          <a:p>
+            <a:pPr lvl="0" algn="ctr" defTabSz="1377950">
+              <a:lnSpc>
+                <a:spcPct val="90000"/>
+              </a:lnSpc>
+              <a:spcBef>
+                <a:spcPct val="0"/>
+              </a:spcBef>
+              <a:spcAft>
+                <a:spcPct val="35000"/>
+              </a:spcAft>
+            </a:pPr>
+            <a:r>
+              <a:rPr lang="en-US" sz="3100" kern="1200" dirty="0" smtClean="0"/>
+              <a:t>HNICs</a:t>
+            </a:r>
+            <a:endParaRPr lang="en-US" sz="3100" kern="1200" dirty="0"/>
+          </a:p>
+        </p:txBody>
+      </p:sp>
+      <p:sp>
+        <p:nvSpPr>
+          <p:cNvPr id="21" name="Freeform 20"/>
+          <p:cNvSpPr/>
+          <p:nvPr/>
+        </p:nvSpPr>
+        <p:spPr>
+          <a:xfrm>
+            <a:off x="779923" y="3121297"/>
+            <a:ext cx="1384609" cy="830765"/>
+          </a:xfrm>
+          <a:custGeom>
+            <a:avLst/>
+            <a:gdLst>
+              <a:gd name="connsiteX0" fmla="*/ 0 w 1384609"/>
+              <a:gd name="connsiteY0" fmla="*/ 0 h 830765"/>
+              <a:gd name="connsiteX1" fmla="*/ 1384609 w 1384609"/>
+              <a:gd name="connsiteY1" fmla="*/ 0 h 830765"/>
+              <a:gd name="connsiteX2" fmla="*/ 1384609 w 1384609"/>
+              <a:gd name="connsiteY2" fmla="*/ 830765 h 830765"/>
+              <a:gd name="connsiteX3" fmla="*/ 0 w 1384609"/>
+              <a:gd name="connsiteY3" fmla="*/ 830765 h 830765"/>
+              <a:gd name="connsiteX4" fmla="*/ 0 w 1384609"/>
+              <a:gd name="connsiteY4" fmla="*/ 0 h 830765"/>
+            </a:gdLst>
+            <a:ahLst/>
+            <a:cxnLst>
+              <a:cxn ang="0">
+                <a:pos x="connsiteX0" y="connsiteY0"/>
+              </a:cxn>
+              <a:cxn ang="0">
+                <a:pos x="connsiteX1" y="connsiteY1"/>
+              </a:cxn>
+              <a:cxn ang="0">
+                <a:pos x="connsiteX2" y="connsiteY2"/>
+              </a:cxn>
+              <a:cxn ang="0">
+                <a:pos x="connsiteX3" y="connsiteY3"/>
+              </a:cxn>
+              <a:cxn ang="0">
+                <a:pos x="connsiteX4" y="connsiteY4"/>
+              </a:cxn>
+            </a:cxnLst>
+            <a:rect l="l" t="t" r="r" b="b"/>
+            <a:pathLst>
+              <a:path w="1384609" h="830765">
+                <a:moveTo>
+                  <a:pt x="0" y="0"/>
+                </a:moveTo>
+                <a:lnTo>
+                  <a:pt x="1384609" y="0"/>
+                </a:lnTo>
+                <a:lnTo>
+                  <a:pt x="1384609" y="830765"/>
+                </a:lnTo>
+                <a:lnTo>
+                  <a:pt x="0" y="830765"/>
+                </a:lnTo>
+                <a:lnTo>
+                  <a:pt x="0" y="0"/>
+                </a:lnTo>
+                <a:close/>
+              </a:path>
+            </a:pathLst>
+          </a:custGeom>
+          <a:solidFill>
+            <a:schemeClr val="accent2">
+              <a:lumMod val="50000"/>
+            </a:schemeClr>
+          </a:solidFill>
+        </p:spPr>
+        <p:style>
+          <a:lnRef idx="2">
+            <a:schemeClr val="lt1">
+              <a:hueOff val="0"/>
+              <a:satOff val="0"/>
+              <a:lumOff val="0"/>
+              <a:alphaOff val="0"/>
+            </a:schemeClr>
+          </a:lnRef>
+          <a:fillRef idx="1">
+            <a:schemeClr val="accent1">
+              <a:hueOff val="0"/>
+              <a:satOff val="0"/>
+              <a:lumOff val="0"/>
+              <a:alphaOff val="0"/>
+            </a:schemeClr>
+          </a:fillRef>
+          <a:effectRef idx="0">
+            <a:schemeClr val="accent1">
+              <a:hueOff val="0"/>
+              <a:satOff val="0"/>
+              <a:lumOff val="0"/>
+              <a:alphaOff val="0"/>
+            </a:schemeClr>
+          </a:effectRef>
+          <a:fontRef idx="minor">
+            <a:schemeClr val="lt1"/>
+          </a:fontRef>
+        </p:style>
+        <p:txBody>
+          <a:bodyPr spcFirstLastPara="0" vert="horz" wrap="square" lIns="118110" tIns="118110" rIns="118110" bIns="118110" numCol="1" spcCol="1270" anchor="ctr" anchorCtr="0">
+            <a:noAutofit/>
+          </a:bodyPr>
+          <a:lstStyle/>
+          <a:p>
+            <a:pPr lvl="0" algn="ctr" defTabSz="1377950">
+              <a:lnSpc>
+                <a:spcPct val="90000"/>
+              </a:lnSpc>
+              <a:spcBef>
+                <a:spcPct val="0"/>
+              </a:spcBef>
+              <a:spcAft>
+                <a:spcPct val="35000"/>
+              </a:spcAft>
+            </a:pPr>
+            <a:r>
+              <a:rPr lang="en-US" sz="2800" dirty="0" smtClean="0"/>
+              <a:t>Head-nodes</a:t>
+            </a:r>
+            <a:endParaRPr lang="en-US" dirty="0"/>
+          </a:p>
+        </p:txBody>
+      </p:sp>
+      <p:sp>
+        <p:nvSpPr>
+          <p:cNvPr id="22" name="Freeform 21"/>
+          <p:cNvSpPr/>
+          <p:nvPr/>
+        </p:nvSpPr>
+        <p:spPr>
+          <a:xfrm>
+            <a:off x="779923" y="4171950"/>
+            <a:ext cx="1384609" cy="830765"/>
+          </a:xfrm>
+          <a:custGeom>
+            <a:avLst/>
+            <a:gdLst>
+              <a:gd name="connsiteX0" fmla="*/ 0 w 1384609"/>
+              <a:gd name="connsiteY0" fmla="*/ 0 h 830765"/>
+              <a:gd name="connsiteX1" fmla="*/ 1384609 w 1384609"/>
+              <a:gd name="connsiteY1" fmla="*/ 0 h 830765"/>
+              <a:gd name="connsiteX2" fmla="*/ 1384609 w 1384609"/>
+              <a:gd name="connsiteY2" fmla="*/ 830765 h 830765"/>
+              <a:gd name="connsiteX3" fmla="*/ 0 w 1384609"/>
+              <a:gd name="connsiteY3" fmla="*/ 830765 h 830765"/>
+              <a:gd name="connsiteX4" fmla="*/ 0 w 1384609"/>
+              <a:gd name="connsiteY4" fmla="*/ 0 h 830765"/>
+            </a:gdLst>
+            <a:ahLst/>
+            <a:cxnLst>
+              <a:cxn ang="0">
+                <a:pos x="connsiteX0" y="connsiteY0"/>
+              </a:cxn>
+              <a:cxn ang="0">
+                <a:pos x="connsiteX1" y="connsiteY1"/>
+              </a:cxn>
+              <a:cxn ang="0">
+                <a:pos x="connsiteX2" y="connsiteY2"/>
+              </a:cxn>
+              <a:cxn ang="0">
+                <a:pos x="connsiteX3" y="connsiteY3"/>
+              </a:cxn>
+              <a:cxn ang="0">
+                <a:pos x="connsiteX4" y="connsiteY4"/>
+              </a:cxn>
+            </a:cxnLst>
+            <a:rect l="l" t="t" r="r" b="b"/>
+            <a:pathLst>
+              <a:path w="1384609" h="830765">
+                <a:moveTo>
+                  <a:pt x="0" y="0"/>
+                </a:moveTo>
+                <a:lnTo>
+                  <a:pt x="1384609" y="0"/>
+                </a:lnTo>
+                <a:lnTo>
+                  <a:pt x="1384609" y="830765"/>
+                </a:lnTo>
+                <a:lnTo>
+                  <a:pt x="0" y="830765"/>
+                </a:lnTo>
+                <a:lnTo>
+                  <a:pt x="0" y="0"/>
+                </a:lnTo>
+                <a:close/>
+              </a:path>
+            </a:pathLst>
+          </a:custGeom>
+          <a:solidFill>
+            <a:schemeClr val="accent2">
+              <a:lumMod val="75000"/>
+            </a:schemeClr>
+          </a:solidFill>
+        </p:spPr>
+        <p:style>
+          <a:lnRef idx="2">
+            <a:schemeClr val="lt1">
+              <a:hueOff val="0"/>
+              <a:satOff val="0"/>
+              <a:lumOff val="0"/>
+              <a:alphaOff val="0"/>
+            </a:schemeClr>
+          </a:lnRef>
+          <a:fillRef idx="1">
+            <a:schemeClr val="accent1">
+              <a:hueOff val="0"/>
+              <a:satOff val="0"/>
+              <a:lumOff val="0"/>
+              <a:alphaOff val="0"/>
+            </a:schemeClr>
+          </a:fillRef>
+          <a:effectRef idx="0">
+            <a:schemeClr val="accent1">
+              <a:hueOff val="0"/>
+              <a:satOff val="0"/>
+              <a:lumOff val="0"/>
+              <a:alphaOff val="0"/>
+            </a:schemeClr>
+          </a:effectRef>
+          <a:fontRef idx="minor">
+            <a:schemeClr val="lt1"/>
+          </a:fontRef>
+        </p:style>
+        <p:txBody>
+          <a:bodyPr spcFirstLastPara="0" vert="horz" wrap="square" lIns="118110" tIns="118110" rIns="118110" bIns="118110" numCol="1" spcCol="1270" anchor="ctr" anchorCtr="0">
+            <a:noAutofit/>
+          </a:bodyPr>
+          <a:lstStyle/>
+          <a:p>
+            <a:pPr lvl="0" algn="ctr" defTabSz="1377950">
+              <a:lnSpc>
+                <a:spcPct val="90000"/>
+              </a:lnSpc>
+              <a:spcBef>
+                <a:spcPct val="0"/>
+              </a:spcBef>
+              <a:spcAft>
+                <a:spcPct val="35000"/>
+              </a:spcAft>
+            </a:pPr>
+            <a:r>
+              <a:rPr lang="en-US" sz="3100" kern="1200" dirty="0" smtClean="0"/>
+              <a:t>Base Images</a:t>
+            </a:r>
+            <a:endParaRPr lang="en-US" sz="3100" kern="1200" dirty="0"/>
+          </a:p>
+        </p:txBody>
+      </p:sp>
+      <p:sp>
+        <p:nvSpPr>
+          <p:cNvPr id="17" name="Freeform 16"/>
+          <p:cNvSpPr/>
+          <p:nvPr/>
+        </p:nvSpPr>
+        <p:spPr>
+          <a:xfrm>
+            <a:off x="6874951" y="1736677"/>
+            <a:ext cx="2027187" cy="1216312"/>
+          </a:xfrm>
+          <a:custGeom>
+            <a:avLst/>
+            <a:gdLst>
+              <a:gd name="connsiteX0" fmla="*/ 0 w 2027187"/>
+              <a:gd name="connsiteY0" fmla="*/ 0 h 1216312"/>
+              <a:gd name="connsiteX1" fmla="*/ 2027187 w 2027187"/>
+              <a:gd name="connsiteY1" fmla="*/ 0 h 1216312"/>
+              <a:gd name="connsiteX2" fmla="*/ 2027187 w 2027187"/>
+              <a:gd name="connsiteY2" fmla="*/ 1216312 h 1216312"/>
+              <a:gd name="connsiteX3" fmla="*/ 0 w 2027187"/>
+              <a:gd name="connsiteY3" fmla="*/ 1216312 h 1216312"/>
+              <a:gd name="connsiteX4" fmla="*/ 0 w 2027187"/>
+              <a:gd name="connsiteY4" fmla="*/ 0 h 1216312"/>
+            </a:gdLst>
+            <a:ahLst/>
+            <a:cxnLst>
+              <a:cxn ang="0">
+                <a:pos x="connsiteX0" y="connsiteY0"/>
+              </a:cxn>
+              <a:cxn ang="0">
+                <a:pos x="connsiteX1" y="connsiteY1"/>
+              </a:cxn>
+              <a:cxn ang="0">
+                <a:pos x="connsiteX2" y="connsiteY2"/>
+              </a:cxn>
+              <a:cxn ang="0">
+                <a:pos x="connsiteX3" y="connsiteY3"/>
+              </a:cxn>
+              <a:cxn ang="0">
+                <a:pos x="connsiteX4" y="connsiteY4"/>
+              </a:cxn>
+            </a:cxnLst>
+            <a:rect l="l" t="t" r="r" b="b"/>
+            <a:pathLst>
+              <a:path w="2027187" h="1216312">
+                <a:moveTo>
+                  <a:pt x="0" y="0"/>
+                </a:moveTo>
+                <a:lnTo>
+                  <a:pt x="2027187" y="0"/>
+                </a:lnTo>
+                <a:lnTo>
+                  <a:pt x="2027187" y="1216312"/>
+                </a:lnTo>
+                <a:lnTo>
+                  <a:pt x="0" y="1216312"/>
+                </a:lnTo>
+                <a:lnTo>
+                  <a:pt x="0" y="0"/>
+                </a:lnTo>
+                <a:close/>
+              </a:path>
+            </a:pathLst>
+          </a:custGeom>
+          <a:solidFill>
+            <a:schemeClr val="accent5"/>
+          </a:solidFill>
+        </p:spPr>
+        <p:style>
+          <a:lnRef idx="2">
+            <a:schemeClr val="lt1">
+              <a:hueOff val="0"/>
+              <a:satOff val="0"/>
+              <a:lumOff val="0"/>
+              <a:alphaOff val="0"/>
+            </a:schemeClr>
+          </a:lnRef>
+          <a:fillRef idx="1">
+            <a:schemeClr val="accent1">
+              <a:hueOff val="0"/>
+              <a:satOff val="0"/>
+              <a:lumOff val="0"/>
+              <a:alphaOff val="0"/>
+            </a:schemeClr>
+          </a:fillRef>
+          <a:effectRef idx="0">
+            <a:schemeClr val="accent1">
+              <a:hueOff val="0"/>
+              <a:satOff val="0"/>
+              <a:lumOff val="0"/>
+              <a:alphaOff val="0"/>
+            </a:schemeClr>
+          </a:effectRef>
+          <a:fontRef idx="minor">
+            <a:schemeClr val="lt1"/>
+          </a:fontRef>
+        </p:style>
+        <p:txBody>
+          <a:bodyPr spcFirstLastPara="0" vert="horz" wrap="square" lIns="118110" tIns="118110" rIns="118110" bIns="118110" numCol="1" spcCol="1270" anchor="ctr" anchorCtr="0">
+            <a:noAutofit/>
+          </a:bodyPr>
+          <a:lstStyle/>
+          <a:p>
+            <a:pPr lvl="0" algn="ctr" defTabSz="1377950">
+              <a:lnSpc>
+                <a:spcPct val="90000"/>
+              </a:lnSpc>
+              <a:spcBef>
+                <a:spcPct val="0"/>
+              </a:spcBef>
+              <a:spcAft>
+                <a:spcPct val="35000"/>
+              </a:spcAft>
+            </a:pPr>
+            <a:r>
+              <a:rPr lang="en-US" sz="3100" kern="1200" dirty="0" smtClean="0"/>
+              <a:t>Networks</a:t>
+            </a:r>
+            <a:endParaRPr lang="en-US" sz="3100" kern="1200" dirty="0"/>
+          </a:p>
+        </p:txBody>
+      </p:sp>
+      <p:sp>
+        <p:nvSpPr>
+          <p:cNvPr id="14" name="Freeform 13"/>
+          <p:cNvSpPr/>
+          <p:nvPr/>
+        </p:nvSpPr>
+        <p:spPr>
+          <a:xfrm>
+            <a:off x="458635" y="1736677"/>
+            <a:ext cx="2027187" cy="1216312"/>
+          </a:xfrm>
+          <a:custGeom>
+            <a:avLst/>
+            <a:gdLst>
+              <a:gd name="connsiteX0" fmla="*/ 0 w 2027187"/>
+              <a:gd name="connsiteY0" fmla="*/ 0 h 1216312"/>
+              <a:gd name="connsiteX1" fmla="*/ 2027187 w 2027187"/>
+              <a:gd name="connsiteY1" fmla="*/ 0 h 1216312"/>
+              <a:gd name="connsiteX2" fmla="*/ 2027187 w 2027187"/>
+              <a:gd name="connsiteY2" fmla="*/ 1216312 h 1216312"/>
+              <a:gd name="connsiteX3" fmla="*/ 0 w 2027187"/>
+              <a:gd name="connsiteY3" fmla="*/ 1216312 h 1216312"/>
+              <a:gd name="connsiteX4" fmla="*/ 0 w 2027187"/>
+              <a:gd name="connsiteY4" fmla="*/ 0 h 1216312"/>
+            </a:gdLst>
+            <a:ahLst/>
+            <a:cxnLst>
+              <a:cxn ang="0">
+                <a:pos x="connsiteX0" y="connsiteY0"/>
+              </a:cxn>
+              <a:cxn ang="0">
+                <a:pos x="connsiteX1" y="connsiteY1"/>
+              </a:cxn>
+              <a:cxn ang="0">
+                <a:pos x="connsiteX2" y="connsiteY2"/>
+              </a:cxn>
+              <a:cxn ang="0">
+                <a:pos x="connsiteX3" y="connsiteY3"/>
+              </a:cxn>
+              <a:cxn ang="0">
+                <a:pos x="connsiteX4" y="connsiteY4"/>
+              </a:cxn>
+            </a:cxnLst>
+            <a:rect l="l" t="t" r="r" b="b"/>
+            <a:pathLst>
+              <a:path w="2027187" h="1216312">
+                <a:moveTo>
+                  <a:pt x="0" y="0"/>
+                </a:moveTo>
+                <a:lnTo>
+                  <a:pt x="2027187" y="0"/>
+                </a:lnTo>
+                <a:lnTo>
+                  <a:pt x="2027187" y="1216312"/>
+                </a:lnTo>
+                <a:lnTo>
+                  <a:pt x="0" y="1216312"/>
+                </a:lnTo>
+                <a:lnTo>
+                  <a:pt x="0" y="0"/>
+                </a:lnTo>
+                <a:close/>
+              </a:path>
+            </a:pathLst>
+          </a:custGeom>
+          <a:solidFill>
+            <a:schemeClr val="accent2"/>
+          </a:solidFill>
+        </p:spPr>
+        <p:style>
+          <a:lnRef idx="2">
+            <a:schemeClr val="lt1">
+              <a:hueOff val="0"/>
+              <a:satOff val="0"/>
+              <a:lumOff val="0"/>
+              <a:alphaOff val="0"/>
+            </a:schemeClr>
+          </a:lnRef>
+          <a:fillRef idx="1">
+            <a:schemeClr val="accent1">
+              <a:hueOff val="0"/>
+              <a:satOff val="0"/>
+              <a:lumOff val="0"/>
+              <a:alphaOff val="0"/>
+            </a:schemeClr>
+          </a:fillRef>
+          <a:effectRef idx="0">
+            <a:schemeClr val="accent1">
+              <a:hueOff val="0"/>
+              <a:satOff val="0"/>
+              <a:lumOff val="0"/>
+              <a:alphaOff val="0"/>
+            </a:schemeClr>
+          </a:effectRef>
+          <a:fontRef idx="minor">
+            <a:schemeClr val="lt1"/>
+          </a:fontRef>
+        </p:style>
+        <p:txBody>
+          <a:bodyPr spcFirstLastPara="0" vert="horz" wrap="square" lIns="118110" tIns="118110" rIns="118110" bIns="118110" numCol="1" spcCol="1270" anchor="ctr" anchorCtr="0">
+            <a:noAutofit/>
+          </a:bodyPr>
+          <a:lstStyle/>
+          <a:p>
+            <a:pPr lvl="0" algn="ctr" defTabSz="1377950">
+              <a:lnSpc>
+                <a:spcPct val="90000"/>
+              </a:lnSpc>
+              <a:spcBef>
+                <a:spcPct val="0"/>
+              </a:spcBef>
+              <a:spcAft>
+                <a:spcPct val="35000"/>
+              </a:spcAft>
+            </a:pPr>
+            <a:r>
+              <a:rPr lang="en-US" sz="3100" kern="1200" dirty="0" smtClean="0"/>
+              <a:t>Projects</a:t>
+            </a:r>
+            <a:endParaRPr lang="en-US" sz="3100" kern="1200" dirty="0"/>
+          </a:p>
+        </p:txBody>
+      </p:sp>
+      <p:cxnSp>
+        <p:nvCxnSpPr>
+          <p:cNvPr id="43" name="Straight Arrow Connector 42"/>
+          <p:cNvCxnSpPr/>
+          <p:nvPr/>
+        </p:nvCxnSpPr>
+        <p:spPr>
+          <a:xfrm>
+            <a:off x="2485822" y="2344833"/>
+            <a:ext cx="1247978" cy="0"/>
+          </a:xfrm>
+          <a:prstGeom prst="straightConnector1">
+            <a:avLst/>
+          </a:prstGeom>
+          <a:ln w="38100">
+            <a:headEnd type="arrow"/>
+            <a:tailEnd type="arrow"/>
+          </a:ln>
+        </p:spPr>
+        <p:style>
+          <a:lnRef idx="1">
+            <a:schemeClr val="accent1"/>
+          </a:lnRef>
+          <a:fillRef idx="0">
+            <a:schemeClr val="accent1"/>
+          </a:fillRef>
+          <a:effectRef idx="0">
+            <a:schemeClr val="accent1"/>
+          </a:effectRef>
+          <a:fontRef idx="minor">
+            <a:schemeClr val="tx1"/>
+          </a:fontRef>
+        </p:style>
+      </p:cxnSp>
+      <p:cxnSp>
+        <p:nvCxnSpPr>
+          <p:cNvPr id="64" name="Curved Connector 63"/>
+          <p:cNvCxnSpPr/>
+          <p:nvPr/>
+        </p:nvCxnSpPr>
+        <p:spPr>
+          <a:xfrm>
+            <a:off x="4747393" y="2952989"/>
+            <a:ext cx="891407" cy="589904"/>
+          </a:xfrm>
+          <a:prstGeom prst="straightConnector1">
+            <a:avLst/>
+          </a:prstGeom>
+          <a:ln w="38100">
+            <a:headEnd type="arrow"/>
+            <a:tailEnd type="arrow"/>
+          </a:ln>
+        </p:spPr>
+        <p:style>
+          <a:lnRef idx="1">
+            <a:schemeClr val="accent1"/>
+          </a:lnRef>
+          <a:fillRef idx="0">
+            <a:schemeClr val="accent1"/>
+          </a:fillRef>
+          <a:effectRef idx="0">
+            <a:schemeClr val="accent1"/>
+          </a:effectRef>
+          <a:fontRef idx="minor">
+            <a:schemeClr val="tx1"/>
+          </a:fontRef>
+        </p:style>
+      </p:cxnSp>
+      <p:cxnSp>
+        <p:nvCxnSpPr>
+          <p:cNvPr id="70" name="Straight Arrow Connector 69"/>
+          <p:cNvCxnSpPr/>
+          <p:nvPr/>
+        </p:nvCxnSpPr>
+        <p:spPr>
+          <a:xfrm flipH="1">
+            <a:off x="7023409" y="2952989"/>
+            <a:ext cx="865135" cy="583690"/>
+          </a:xfrm>
+          <a:prstGeom prst="straightConnector1">
+            <a:avLst/>
+          </a:prstGeom>
+          <a:ln w="38100">
+            <a:headEnd type="arrow"/>
+            <a:tailEnd type="arrow"/>
+          </a:ln>
+        </p:spPr>
+        <p:style>
+          <a:lnRef idx="1">
+            <a:schemeClr val="accent1"/>
+          </a:lnRef>
+          <a:fillRef idx="0">
+            <a:schemeClr val="accent1"/>
+          </a:fillRef>
+          <a:effectRef idx="0">
+            <a:schemeClr val="accent1"/>
+          </a:effectRef>
+          <a:fontRef idx="minor">
+            <a:schemeClr val="tx1"/>
+          </a:fontRef>
+        </p:style>
+      </p:cxnSp>
+      <p:cxnSp>
+        <p:nvCxnSpPr>
+          <p:cNvPr id="74" name="Curved Connector 73"/>
+          <p:cNvCxnSpPr/>
+          <p:nvPr/>
+        </p:nvCxnSpPr>
+        <p:spPr>
+          <a:xfrm>
+            <a:off x="2164532" y="3536679"/>
+            <a:ext cx="2287092" cy="1060727"/>
+          </a:xfrm>
+          <a:prstGeom prst="curvedConnector3">
+            <a:avLst>
+              <a:gd name="adj1" fmla="val 49584"/>
+            </a:avLst>
+          </a:prstGeom>
+          <a:ln w="38100">
+            <a:headEnd type="arrow"/>
+            <a:tailEnd type="arrow"/>
+          </a:ln>
+        </p:spPr>
+        <p:style>
+          <a:lnRef idx="1">
+            <a:schemeClr val="accent1"/>
+          </a:lnRef>
+          <a:fillRef idx="0">
+            <a:schemeClr val="accent1"/>
+          </a:fillRef>
+          <a:effectRef idx="0">
+            <a:schemeClr val="accent1"/>
+          </a:effectRef>
+          <a:fontRef idx="minor">
+            <a:schemeClr val="tx1"/>
+          </a:fontRef>
+        </p:style>
+      </p:cxnSp>
+      <p:cxnSp>
+        <p:nvCxnSpPr>
+          <p:cNvPr id="76" name="Curved Connector 75"/>
+          <p:cNvCxnSpPr/>
+          <p:nvPr/>
+        </p:nvCxnSpPr>
+        <p:spPr>
+          <a:xfrm flipV="1">
+            <a:off x="5802651" y="2952989"/>
+            <a:ext cx="2198349" cy="1634343"/>
+          </a:xfrm>
+          <a:prstGeom prst="curvedConnector3">
+            <a:avLst>
+              <a:gd name="adj1" fmla="val 100260"/>
+            </a:avLst>
+          </a:prstGeom>
+          <a:ln w="38100">
+            <a:headEnd type="arrow"/>
+            <a:tailEnd type="arrow"/>
+          </a:ln>
+        </p:spPr>
+        <p:style>
+          <a:lnRef idx="1">
+            <a:schemeClr val="accent1"/>
+          </a:lnRef>
+          <a:fillRef idx="0">
+            <a:schemeClr val="accent1"/>
+          </a:fillRef>
+          <a:effectRef idx="0">
+            <a:schemeClr val="accent1"/>
+          </a:effectRef>
+          <a:fontRef idx="minor">
+            <a:schemeClr val="tx1"/>
+          </a:fontRef>
+        </p:style>
+      </p:cxnSp>
+    </p:spTree>
+    <p:extLst>
+      <p:ext uri="{BB962C8B-B14F-4D97-AF65-F5344CB8AC3E}">
+        <p14:creationId xmlns:p14="http://schemas.microsoft.com/office/powerpoint/2010/main" val="281827384"/>
+      </p:ext>
+    </p:extLst>
+  </p:cSld>
+  <p:clrMapOvr>
+    <a:masterClrMapping/>
+  </p:clrMapOvr>
+  <p:timing>
+    <p:tnLst>
+      <p:par>
+        <p:cTn id="1" dur="indefinite" restart="never" nodeType="tmRoot">
+          <p:childTnLst>
+            <p:seq concurrent="1" nextAc="seek">
+              <p:cTn id="2" dur="indefinite" nodeType="mainSeq">
+                <p:childTnLst>
+                  <p:par>
+                    <p:cTn id="3" fill="hold">
+                      <p:stCondLst>
+                        <p:cond delay="indefinite"/>
+                      </p:stCondLst>
+                      <p:childTnLst>
+                        <p:par>
+                          <p:cTn id="4" fill="hold">
+                            <p:stCondLst>
+                              <p:cond delay="0"/>
+                            </p:stCondLst>
+                            <p:childTnLst>
+                              <p:par>
+                                <p:cTn id="5" presetID="10" presetClass="entr" presetSubtype="0" fill="hold" grpId="0" nodeType="clickEffect">
+                                  <p:stCondLst>
+                                    <p:cond delay="0"/>
+                                  </p:stCondLst>
+                                  <p:childTnLst>
+                                    <p:set>
+                                      <p:cBhvr>
+                                        <p:cTn id="6" dur="1" fill="hold">
+                                          <p:stCondLst>
+                                            <p:cond delay="0"/>
+                                          </p:stCondLst>
+                                        </p:cTn>
+                                        <p:tgtEl>
+                                          <p:spTgt spid="2"/>
+                                        </p:tgtEl>
+                                        <p:attrNameLst>
+                                          <p:attrName>style.visibility</p:attrName>
+                                        </p:attrNameLst>
+                                      </p:cBhvr>
+                                      <p:to>
+                                        <p:strVal val="visible"/>
+                                      </p:to>
+                                    </p:set>
+                                    <p:animEffect transition="in" filter="fade">
+                                      <p:cBhvr>
+                                        <p:cTn id="7" dur="500"/>
+                                        <p:tgtEl>
+                                          <p:spTgt spid="2"/>
+                                        </p:tgtEl>
+                                      </p:cBhvr>
+                                    </p:animEffect>
+                                  </p:childTnLst>
+                                </p:cTn>
+                              </p:par>
+                            </p:childTnLst>
+                          </p:cTn>
+                        </p:par>
+                      </p:childTnLst>
+                    </p:cTn>
+                  </p:par>
+                  <p:par>
+                    <p:cTn id="8" fill="hold">
+                      <p:stCondLst>
+                        <p:cond delay="indefinite"/>
+                      </p:stCondLst>
+                      <p:childTnLst>
+                        <p:par>
+                          <p:cTn id="9" fill="hold">
+                            <p:stCondLst>
+                              <p:cond delay="0"/>
+                            </p:stCondLst>
+                            <p:childTnLst>
+                              <p:par>
+                                <p:cTn id="10" presetID="10" presetClass="entr" presetSubtype="0" fill="hold" grpId="0" nodeType="clickEffect">
+                                  <p:stCondLst>
+                                    <p:cond delay="0"/>
+                                  </p:stCondLst>
+                                  <p:childTnLst>
+                                    <p:set>
+                                      <p:cBhvr>
+                                        <p:cTn id="11" dur="1" fill="hold">
+                                          <p:stCondLst>
+                                            <p:cond delay="0"/>
+                                          </p:stCondLst>
+                                        </p:cTn>
+                                        <p:tgtEl>
+                                          <p:spTgt spid="14"/>
+                                        </p:tgtEl>
+                                        <p:attrNameLst>
+                                          <p:attrName>style.visibility</p:attrName>
+                                        </p:attrNameLst>
+                                      </p:cBhvr>
+                                      <p:to>
+                                        <p:strVal val="visible"/>
+                                      </p:to>
+                                    </p:set>
+                                    <p:animEffect transition="in" filter="fade">
+                                      <p:cBhvr>
+                                        <p:cTn id="12" dur="500"/>
+                                        <p:tgtEl>
+                                          <p:spTgt spid="14"/>
+                                        </p:tgtEl>
+                                      </p:cBhvr>
+                                    </p:animEffect>
+                                  </p:childTnLst>
+                                </p:cTn>
+                              </p:par>
+                              <p:par>
+                                <p:cTn id="13" presetID="10" presetClass="entr" presetSubtype="0" fill="hold" grpId="0" nodeType="withEffect">
+                                  <p:stCondLst>
+                                    <p:cond delay="0"/>
+                                  </p:stCondLst>
+                                  <p:childTnLst>
+                                    <p:set>
+                                      <p:cBhvr>
+                                        <p:cTn id="14" dur="1" fill="hold">
+                                          <p:stCondLst>
+                                            <p:cond delay="0"/>
+                                          </p:stCondLst>
+                                        </p:cTn>
+                                        <p:tgtEl>
+                                          <p:spTgt spid="15"/>
+                                        </p:tgtEl>
+                                        <p:attrNameLst>
+                                          <p:attrName>style.visibility</p:attrName>
+                                        </p:attrNameLst>
+                                      </p:cBhvr>
+                                      <p:to>
+                                        <p:strVal val="visible"/>
+                                      </p:to>
+                                    </p:set>
+                                    <p:animEffect transition="in" filter="fade">
+                                      <p:cBhvr>
+                                        <p:cTn id="15" dur="500"/>
+                                        <p:tgtEl>
+                                          <p:spTgt spid="15"/>
+                                        </p:tgtEl>
+                                      </p:cBhvr>
+                                    </p:animEffect>
+                                  </p:childTnLst>
+                                </p:cTn>
+                              </p:par>
+                              <p:par>
+                                <p:cTn id="16" presetID="10" presetClass="entr" presetSubtype="0" fill="hold" grpId="0" nodeType="withEffect">
+                                  <p:stCondLst>
+                                    <p:cond delay="0"/>
+                                  </p:stCondLst>
+                                  <p:childTnLst>
+                                    <p:set>
+                                      <p:cBhvr>
+                                        <p:cTn id="17" dur="1" fill="hold">
+                                          <p:stCondLst>
+                                            <p:cond delay="0"/>
+                                          </p:stCondLst>
+                                        </p:cTn>
+                                        <p:tgtEl>
+                                          <p:spTgt spid="17"/>
+                                        </p:tgtEl>
+                                        <p:attrNameLst>
+                                          <p:attrName>style.visibility</p:attrName>
+                                        </p:attrNameLst>
+                                      </p:cBhvr>
+                                      <p:to>
+                                        <p:strVal val="visible"/>
+                                      </p:to>
+                                    </p:set>
+                                    <p:animEffect transition="in" filter="fade">
+                                      <p:cBhvr>
+                                        <p:cTn id="18" dur="500"/>
+                                        <p:tgtEl>
+                                          <p:spTgt spid="17"/>
+                                        </p:tgtEl>
+                                      </p:cBhvr>
+                                    </p:animEffect>
+                                  </p:childTnLst>
+                                </p:cTn>
+                              </p:par>
+                            </p:childTnLst>
+                          </p:cTn>
+                        </p:par>
+                      </p:childTnLst>
+                    </p:cTn>
+                  </p:par>
+                  <p:par>
+                    <p:cTn id="19" fill="hold">
+                      <p:stCondLst>
+                        <p:cond delay="indefinite"/>
+                      </p:stCondLst>
+                      <p:childTnLst>
+                        <p:par>
+                          <p:cTn id="20" fill="hold">
+                            <p:stCondLst>
+                              <p:cond delay="0"/>
+                            </p:stCondLst>
+                            <p:childTnLst>
+                              <p:par>
+                                <p:cTn id="21" presetID="10" presetClass="entr" presetSubtype="0" fill="hold" nodeType="clickEffect">
+                                  <p:stCondLst>
+                                    <p:cond delay="0"/>
+                                  </p:stCondLst>
+                                  <p:childTnLst>
+                                    <p:set>
+                                      <p:cBhvr>
+                                        <p:cTn id="22" dur="1" fill="hold">
+                                          <p:stCondLst>
+                                            <p:cond delay="0"/>
+                                          </p:stCondLst>
+                                        </p:cTn>
+                                        <p:tgtEl>
+                                          <p:spTgt spid="43"/>
+                                        </p:tgtEl>
+                                        <p:attrNameLst>
+                                          <p:attrName>style.visibility</p:attrName>
+                                        </p:attrNameLst>
+                                      </p:cBhvr>
+                                      <p:to>
+                                        <p:strVal val="visible"/>
+                                      </p:to>
+                                    </p:set>
+                                    <p:animEffect transition="in" filter="fade">
+                                      <p:cBhvr>
+                                        <p:cTn id="23" dur="500"/>
+                                        <p:tgtEl>
+                                          <p:spTgt spid="43"/>
+                                        </p:tgtEl>
+                                      </p:cBhvr>
+                                    </p:animEffect>
+                                  </p:childTnLst>
+                                </p:cTn>
+                              </p:par>
+                              <p:par>
+                                <p:cTn id="24" presetID="10" presetClass="entr" presetSubtype="0" fill="hold" grpId="0" nodeType="withEffect">
+                                  <p:stCondLst>
+                                    <p:cond delay="0"/>
+                                  </p:stCondLst>
+                                  <p:childTnLst>
+                                    <p:set>
+                                      <p:cBhvr>
+                                        <p:cTn id="25" dur="1" fill="hold">
+                                          <p:stCondLst>
+                                            <p:cond delay="0"/>
+                                          </p:stCondLst>
+                                        </p:cTn>
+                                        <p:tgtEl>
+                                          <p:spTgt spid="99"/>
+                                        </p:tgtEl>
+                                        <p:attrNameLst>
+                                          <p:attrName>style.visibility</p:attrName>
+                                        </p:attrNameLst>
+                                      </p:cBhvr>
+                                      <p:to>
+                                        <p:strVal val="visible"/>
+                                      </p:to>
+                                    </p:set>
+                                    <p:animEffect transition="in" filter="fade">
+                                      <p:cBhvr>
+                                        <p:cTn id="26" dur="500"/>
+                                        <p:tgtEl>
+                                          <p:spTgt spid="99"/>
+                                        </p:tgtEl>
+                                      </p:cBhvr>
+                                    </p:animEffect>
+                                  </p:childTnLst>
+                                </p:cTn>
+                              </p:par>
+                            </p:childTnLst>
+                          </p:cTn>
+                        </p:par>
+                      </p:childTnLst>
+                    </p:cTn>
+                  </p:par>
+                  <p:par>
+                    <p:cTn id="27" fill="hold">
+                      <p:stCondLst>
+                        <p:cond delay="indefinite"/>
+                      </p:stCondLst>
+                      <p:childTnLst>
+                        <p:par>
+                          <p:cTn id="28" fill="hold">
+                            <p:stCondLst>
+                              <p:cond delay="0"/>
+                            </p:stCondLst>
+                            <p:childTnLst>
+                              <p:par>
+                                <p:cTn id="29" presetID="10" presetClass="entr" presetSubtype="0" fill="hold" nodeType="clickEffect">
+                                  <p:stCondLst>
+                                    <p:cond delay="0"/>
+                                  </p:stCondLst>
+                                  <p:childTnLst>
+                                    <p:set>
+                                      <p:cBhvr>
+                                        <p:cTn id="30" dur="1" fill="hold">
+                                          <p:stCondLst>
+                                            <p:cond delay="0"/>
+                                          </p:stCondLst>
+                                        </p:cTn>
+                                        <p:tgtEl>
+                                          <p:spTgt spid="64"/>
+                                        </p:tgtEl>
+                                        <p:attrNameLst>
+                                          <p:attrName>style.visibility</p:attrName>
+                                        </p:attrNameLst>
+                                      </p:cBhvr>
+                                      <p:to>
+                                        <p:strVal val="visible"/>
+                                      </p:to>
+                                    </p:set>
+                                    <p:animEffect transition="in" filter="fade">
+                                      <p:cBhvr>
+                                        <p:cTn id="31" dur="500"/>
+                                        <p:tgtEl>
+                                          <p:spTgt spid="64"/>
+                                        </p:tgtEl>
+                                      </p:cBhvr>
+                                    </p:animEffect>
+                                  </p:childTnLst>
+                                </p:cTn>
+                              </p:par>
+                              <p:par>
+                                <p:cTn id="32" presetID="10" presetClass="entr" presetSubtype="0" fill="hold" grpId="0" nodeType="withEffect">
+                                  <p:stCondLst>
+                                    <p:cond delay="0"/>
+                                  </p:stCondLst>
+                                  <p:childTnLst>
+                                    <p:set>
+                                      <p:cBhvr>
+                                        <p:cTn id="33" dur="1" fill="hold">
+                                          <p:stCondLst>
+                                            <p:cond delay="0"/>
+                                          </p:stCondLst>
+                                        </p:cTn>
+                                        <p:tgtEl>
+                                          <p:spTgt spid="16"/>
+                                        </p:tgtEl>
+                                        <p:attrNameLst>
+                                          <p:attrName>style.visibility</p:attrName>
+                                        </p:attrNameLst>
+                                      </p:cBhvr>
+                                      <p:to>
+                                        <p:strVal val="visible"/>
+                                      </p:to>
+                                    </p:set>
+                                    <p:animEffect transition="in" filter="fade">
+                                      <p:cBhvr>
+                                        <p:cTn id="34" dur="500"/>
+                                        <p:tgtEl>
+                                          <p:spTgt spid="16"/>
+                                        </p:tgtEl>
+                                      </p:cBhvr>
+                                    </p:animEffect>
+                                  </p:childTnLst>
+                                </p:cTn>
+                              </p:par>
+                              <p:par>
+                                <p:cTn id="35" presetID="10" presetClass="entr" presetSubtype="0" fill="hold" nodeType="withEffect">
+                                  <p:stCondLst>
+                                    <p:cond delay="0"/>
+                                  </p:stCondLst>
+                                  <p:childTnLst>
+                                    <p:set>
+                                      <p:cBhvr>
+                                        <p:cTn id="36" dur="1" fill="hold">
+                                          <p:stCondLst>
+                                            <p:cond delay="0"/>
+                                          </p:stCondLst>
+                                        </p:cTn>
+                                        <p:tgtEl>
+                                          <p:spTgt spid="70"/>
+                                        </p:tgtEl>
+                                        <p:attrNameLst>
+                                          <p:attrName>style.visibility</p:attrName>
+                                        </p:attrNameLst>
+                                      </p:cBhvr>
+                                      <p:to>
+                                        <p:strVal val="visible"/>
+                                      </p:to>
+                                    </p:set>
+                                    <p:animEffect transition="in" filter="fade">
+                                      <p:cBhvr>
+                                        <p:cTn id="37" dur="500"/>
+                                        <p:tgtEl>
+                                          <p:spTgt spid="70"/>
+                                        </p:tgtEl>
+                                      </p:cBhvr>
+                                    </p:animEffect>
+                                  </p:childTnLst>
+                                </p:cTn>
+                              </p:par>
+                            </p:childTnLst>
+                          </p:cTn>
+                        </p:par>
+                      </p:childTnLst>
+                    </p:cTn>
+                  </p:par>
+                  <p:par>
+                    <p:cTn id="38" fill="hold">
+                      <p:stCondLst>
+                        <p:cond delay="indefinite"/>
+                      </p:stCondLst>
+                      <p:childTnLst>
+                        <p:par>
+                          <p:cTn id="39" fill="hold">
+                            <p:stCondLst>
+                              <p:cond delay="0"/>
+                            </p:stCondLst>
+                            <p:childTnLst>
+                              <p:par>
+                                <p:cTn id="40" presetID="10" presetClass="entr" presetSubtype="0" fill="hold" nodeType="clickEffect">
+                                  <p:stCondLst>
+                                    <p:cond delay="0"/>
+                                  </p:stCondLst>
+                                  <p:childTnLst>
+                                    <p:set>
+                                      <p:cBhvr>
+                                        <p:cTn id="41" dur="1" fill="hold">
+                                          <p:stCondLst>
+                                            <p:cond delay="0"/>
+                                          </p:stCondLst>
+                                        </p:cTn>
+                                        <p:tgtEl>
+                                          <p:spTgt spid="62"/>
+                                        </p:tgtEl>
+                                        <p:attrNameLst>
+                                          <p:attrName>style.visibility</p:attrName>
+                                        </p:attrNameLst>
+                                      </p:cBhvr>
+                                      <p:to>
+                                        <p:strVal val="visible"/>
+                                      </p:to>
+                                    </p:set>
+                                    <p:animEffect transition="in" filter="fade">
+                                      <p:cBhvr>
+                                        <p:cTn id="42" dur="500"/>
+                                        <p:tgtEl>
+                                          <p:spTgt spid="62"/>
+                                        </p:tgtEl>
+                                      </p:cBhvr>
+                                    </p:animEffect>
+                                  </p:childTnLst>
+                                </p:cTn>
+                              </p:par>
+                              <p:par>
+                                <p:cTn id="43" presetID="10" presetClass="entr" presetSubtype="0" fill="hold" grpId="0" nodeType="withEffect">
+                                  <p:stCondLst>
+                                    <p:cond delay="0"/>
+                                  </p:stCondLst>
+                                  <p:childTnLst>
+                                    <p:set>
+                                      <p:cBhvr>
+                                        <p:cTn id="44" dur="1" fill="hold">
+                                          <p:stCondLst>
+                                            <p:cond delay="0"/>
+                                          </p:stCondLst>
+                                        </p:cTn>
+                                        <p:tgtEl>
+                                          <p:spTgt spid="21"/>
+                                        </p:tgtEl>
+                                        <p:attrNameLst>
+                                          <p:attrName>style.visibility</p:attrName>
+                                        </p:attrNameLst>
+                                      </p:cBhvr>
+                                      <p:to>
+                                        <p:strVal val="visible"/>
+                                      </p:to>
+                                    </p:set>
+                                    <p:animEffect transition="in" filter="fade">
+                                      <p:cBhvr>
+                                        <p:cTn id="45" dur="500"/>
+                                        <p:tgtEl>
+                                          <p:spTgt spid="21"/>
+                                        </p:tgtEl>
+                                      </p:cBhvr>
+                                    </p:animEffect>
+                                  </p:childTnLst>
+                                </p:cTn>
+                              </p:par>
+                              <p:par>
+                                <p:cTn id="46" presetID="10" presetClass="entr" presetSubtype="0" fill="hold" nodeType="withEffect">
+                                  <p:stCondLst>
+                                    <p:cond delay="0"/>
+                                  </p:stCondLst>
+                                  <p:childTnLst>
+                                    <p:set>
+                                      <p:cBhvr>
+                                        <p:cTn id="47" dur="1" fill="hold">
+                                          <p:stCondLst>
+                                            <p:cond delay="0"/>
+                                          </p:stCondLst>
+                                        </p:cTn>
+                                        <p:tgtEl>
+                                          <p:spTgt spid="60"/>
+                                        </p:tgtEl>
+                                        <p:attrNameLst>
+                                          <p:attrName>style.visibility</p:attrName>
+                                        </p:attrNameLst>
+                                      </p:cBhvr>
+                                      <p:to>
+                                        <p:strVal val="visible"/>
+                                      </p:to>
+                                    </p:set>
+                                    <p:animEffect transition="in" filter="fade">
+                                      <p:cBhvr>
+                                        <p:cTn id="48" dur="500"/>
+                                        <p:tgtEl>
+                                          <p:spTgt spid="60"/>
+                                        </p:tgtEl>
+                                      </p:cBhvr>
+                                    </p:animEffect>
+                                  </p:childTnLst>
+                                </p:cTn>
+                              </p:par>
+                              <p:par>
+                                <p:cTn id="49" presetID="10" presetClass="entr" presetSubtype="0" fill="hold" grpId="0" nodeType="withEffect">
+                                  <p:stCondLst>
+                                    <p:cond delay="0"/>
+                                  </p:stCondLst>
+                                  <p:childTnLst>
+                                    <p:set>
+                                      <p:cBhvr>
+                                        <p:cTn id="50" dur="1" fill="hold">
+                                          <p:stCondLst>
+                                            <p:cond delay="0"/>
+                                          </p:stCondLst>
+                                        </p:cTn>
+                                        <p:tgtEl>
+                                          <p:spTgt spid="22"/>
+                                        </p:tgtEl>
+                                        <p:attrNameLst>
+                                          <p:attrName>style.visibility</p:attrName>
+                                        </p:attrNameLst>
+                                      </p:cBhvr>
+                                      <p:to>
+                                        <p:strVal val="visible"/>
+                                      </p:to>
+                                    </p:set>
+                                    <p:animEffect transition="in" filter="fade">
+                                      <p:cBhvr>
+                                        <p:cTn id="51" dur="500"/>
+                                        <p:tgtEl>
+                                          <p:spTgt spid="22"/>
+                                        </p:tgtEl>
+                                      </p:cBhvr>
+                                    </p:animEffect>
+                                  </p:childTnLst>
+                                </p:cTn>
+                              </p:par>
+                            </p:childTnLst>
+                          </p:cTn>
+                        </p:par>
+                      </p:childTnLst>
+                    </p:cTn>
+                  </p:par>
+                  <p:par>
+                    <p:cTn id="52" fill="hold">
+                      <p:stCondLst>
+                        <p:cond delay="indefinite"/>
+                      </p:stCondLst>
+                      <p:childTnLst>
+                        <p:par>
+                          <p:cTn id="53" fill="hold">
+                            <p:stCondLst>
+                              <p:cond delay="0"/>
+                            </p:stCondLst>
+                            <p:childTnLst>
+                              <p:par>
+                                <p:cTn id="54" presetID="10" presetClass="entr" presetSubtype="0" fill="hold" nodeType="clickEffect">
+                                  <p:stCondLst>
+                                    <p:cond delay="0"/>
+                                  </p:stCondLst>
+                                  <p:childTnLst>
+                                    <p:set>
+                                      <p:cBhvr>
+                                        <p:cTn id="55" dur="1" fill="hold">
+                                          <p:stCondLst>
+                                            <p:cond delay="0"/>
+                                          </p:stCondLst>
+                                        </p:cTn>
+                                        <p:tgtEl>
+                                          <p:spTgt spid="74"/>
+                                        </p:tgtEl>
+                                        <p:attrNameLst>
+                                          <p:attrName>style.visibility</p:attrName>
+                                        </p:attrNameLst>
+                                      </p:cBhvr>
+                                      <p:to>
+                                        <p:strVal val="visible"/>
+                                      </p:to>
+                                    </p:set>
+                                    <p:animEffect transition="in" filter="fade">
+                                      <p:cBhvr>
+                                        <p:cTn id="56" dur="500"/>
+                                        <p:tgtEl>
+                                          <p:spTgt spid="74"/>
+                                        </p:tgtEl>
+                                      </p:cBhvr>
+                                    </p:animEffect>
+                                  </p:childTnLst>
+                                </p:cTn>
+                              </p:par>
+                              <p:par>
+                                <p:cTn id="57" presetID="10" presetClass="entr" presetSubtype="0" fill="hold" grpId="0" nodeType="withEffect">
+                                  <p:stCondLst>
+                                    <p:cond delay="0"/>
+                                  </p:stCondLst>
+                                  <p:childTnLst>
+                                    <p:set>
+                                      <p:cBhvr>
+                                        <p:cTn id="58" dur="1" fill="hold">
+                                          <p:stCondLst>
+                                            <p:cond delay="0"/>
+                                          </p:stCondLst>
+                                        </p:cTn>
+                                        <p:tgtEl>
+                                          <p:spTgt spid="20"/>
+                                        </p:tgtEl>
+                                        <p:attrNameLst>
+                                          <p:attrName>style.visibility</p:attrName>
+                                        </p:attrNameLst>
+                                      </p:cBhvr>
+                                      <p:to>
+                                        <p:strVal val="visible"/>
+                                      </p:to>
+                                    </p:set>
+                                    <p:animEffect transition="in" filter="fade">
+                                      <p:cBhvr>
+                                        <p:cTn id="59" dur="500"/>
+                                        <p:tgtEl>
+                                          <p:spTgt spid="20"/>
+                                        </p:tgtEl>
+                                      </p:cBhvr>
+                                    </p:animEffect>
+                                  </p:childTnLst>
+                                </p:cTn>
+                              </p:par>
+                              <p:par>
+                                <p:cTn id="60" presetID="10" presetClass="entr" presetSubtype="0" fill="hold" nodeType="withEffect">
+                                  <p:stCondLst>
+                                    <p:cond delay="0"/>
+                                  </p:stCondLst>
+                                  <p:childTnLst>
+                                    <p:set>
+                                      <p:cBhvr>
+                                        <p:cTn id="61" dur="1" fill="hold">
+                                          <p:stCondLst>
+                                            <p:cond delay="0"/>
+                                          </p:stCondLst>
+                                        </p:cTn>
+                                        <p:tgtEl>
+                                          <p:spTgt spid="76"/>
+                                        </p:tgtEl>
+                                        <p:attrNameLst>
+                                          <p:attrName>style.visibility</p:attrName>
+                                        </p:attrNameLst>
+                                      </p:cBhvr>
+                                      <p:to>
+                                        <p:strVal val="visible"/>
+                                      </p:to>
+                                    </p:set>
+                                    <p:animEffect transition="in" filter="fade">
+                                      <p:cBhvr>
+                                        <p:cTn id="62" dur="500"/>
+                                        <p:tgtEl>
+                                          <p:spTgt spid="76"/>
+                                        </p:tgtEl>
+                                      </p:cBhvr>
+                                    </p:animEffect>
+                                  </p:childTnLst>
+                                </p:cTn>
+                              </p:par>
+                            </p:childTnLst>
+                          </p:cTn>
+                        </p:par>
+                      </p:childTnLst>
+                    </p:cTn>
+                  </p:par>
+                </p:childTnLst>
+              </p:cTn>
+              <p:prevCondLst>
+                <p:cond evt="onPrev" delay="0">
+                  <p:tgtEl>
+                    <p:sldTgt/>
+                  </p:tgtEl>
+                </p:cond>
+              </p:prevCondLst>
+              <p:nextCondLst>
+                <p:cond evt="onNext" delay="0">
+                  <p:tgtEl>
+                    <p:sldTgt/>
+                  </p:tgtEl>
+                </p:cond>
+              </p:nextCondLst>
+            </p:seq>
+          </p:childTnLst>
+        </p:cTn>
+      </p:par>
+    </p:tnLst>
+    <p:bldLst>
+      <p:bldP spid="99" grpId="0" animBg="1"/>
+      <p:bldP spid="2" grpId="0"/>
+      <p:bldP spid="15" grpId="0" animBg="1"/>
+      <p:bldP spid="16" grpId="0" animBg="1"/>
+      <p:bldP spid="20" grpId="0" animBg="1"/>
+      <p:bldP spid="21" grpId="0" animBg="1"/>
+      <p:bldP spid="22" grpId="0" animBg="1"/>
+      <p:bldP spid="17" grpId="0" animBg="1"/>
+      <p:bldP spid="14" grpId="0" animBg="1"/>
+    </p:bldLst>
+  </p:timing>
+</p:sld>
+</file>
+
+<file path=ppt/slides/slide7.xml><?xml version="1.0" encoding="utf-8"?>
 <p:sld xmlns:a="http://schemas.openxmlformats.org/drawingml/2006/main" xmlns:r="http://schemas.openxmlformats.org/officeDocument/2006/relationships" xmlns:p="http://schemas.openxmlformats.org/presentationml/2006/main">
   <p:cSld>
     <p:spTree>
@@ -15581,6 +17552,20 @@
           </p:nvPr>
         </p:nvSpPr>
         <p:spPr/>
+        <p:style>
+          <a:lnRef idx="2">
+            <a:schemeClr val="dk1"/>
+          </a:lnRef>
+          <a:fillRef idx="1">
+            <a:schemeClr val="lt1"/>
+          </a:fillRef>
+          <a:effectRef idx="0">
+            <a:schemeClr val="dk1"/>
+          </a:effectRef>
+          <a:fontRef idx="minor">
+            <a:schemeClr val="dk1"/>
+          </a:fontRef>
+        </p:style>
         <p:txBody>
           <a:bodyPr>
             <a:normAutofit/>
@@ -15588,7 +17573,7 @@
           <a:lstStyle/>
           <a:p>
             <a:r>
-              <a:rPr lang="en-US" b="1" dirty="0" smtClean="0">
+              <a:rPr lang="en-US" dirty="0" smtClean="0">
                 <a:effectLst>
                   <a:outerShdw blurRad="38100" dist="38100" dir="2700000" algn="tl">
                     <a:srgbClr val="000000">
@@ -15599,7 +17584,7 @@
               </a:rPr>
               <a:t>App Structure and URLS</a:t>
             </a:r>
-            <a:endParaRPr lang="en-US" b="1" dirty="0">
+            <a:endParaRPr lang="en-US" dirty="0">
               <a:effectLst>
                 <a:outerShdw blurRad="38100" dist="38100" dir="2700000" algn="tl">
                   <a:srgbClr val="000000">
@@ -16595,1966 +18580,7 @@
       </p:par>
     </p:tnLst>
     <p:bldLst>
-      <p:bldP spid="2" grpId="0"/>
-    </p:bldLst>
-  </p:timing>
-</p:sld>
-</file>
-
-<file path=ppt/slides/slide7.xml><?xml version="1.0" encoding="utf-8"?>
-<p:sld xmlns:a="http://schemas.openxmlformats.org/drawingml/2006/main" xmlns:r="http://schemas.openxmlformats.org/officeDocument/2006/relationships" xmlns:p="http://schemas.openxmlformats.org/presentationml/2006/main">
-  <p:cSld>
-    <p:spTree>
-      <p:nvGrpSpPr>
-        <p:cNvPr id="1" name=""/>
-        <p:cNvGrpSpPr/>
-        <p:nvPr/>
-      </p:nvGrpSpPr>
-      <p:grpSpPr>
-        <a:xfrm>
-          <a:off x="0" y="0"/>
-          <a:ext cx="0" cy="0"/>
-          <a:chOff x="0" y="0"/>
-          <a:chExt cx="0" cy="0"/>
-        </a:xfrm>
-      </p:grpSpPr>
-      <p:sp>
-        <p:nvSpPr>
-          <p:cNvPr id="99" name="Freeform 98"/>
-          <p:cNvSpPr/>
-          <p:nvPr/>
-        </p:nvSpPr>
-        <p:spPr>
-          <a:xfrm>
-            <a:off x="1438275" y="1390650"/>
-            <a:ext cx="6505575" cy="361950"/>
-          </a:xfrm>
-          <a:custGeom>
-            <a:avLst/>
-            <a:gdLst>
-              <a:gd name="connsiteX0" fmla="*/ 0 w 6505575"/>
-              <a:gd name="connsiteY0" fmla="*/ 361950 h 361950"/>
-              <a:gd name="connsiteX1" fmla="*/ 3219450 w 6505575"/>
-              <a:gd name="connsiteY1" fmla="*/ 0 h 361950"/>
-              <a:gd name="connsiteX2" fmla="*/ 6505575 w 6505575"/>
-              <a:gd name="connsiteY2" fmla="*/ 361950 h 361950"/>
-              <a:gd name="connsiteX0" fmla="*/ 0 w 6505575"/>
-              <a:gd name="connsiteY0" fmla="*/ 361950 h 361950"/>
-              <a:gd name="connsiteX1" fmla="*/ 3219450 w 6505575"/>
-              <a:gd name="connsiteY1" fmla="*/ 0 h 361950"/>
-              <a:gd name="connsiteX2" fmla="*/ 6505575 w 6505575"/>
-              <a:gd name="connsiteY2" fmla="*/ 361950 h 361950"/>
-            </a:gdLst>
-            <a:ahLst/>
-            <a:cxnLst>
-              <a:cxn ang="0">
-                <a:pos x="connsiteX0" y="connsiteY0"/>
-              </a:cxn>
-              <a:cxn ang="0">
-                <a:pos x="connsiteX1" y="connsiteY1"/>
-              </a:cxn>
-              <a:cxn ang="0">
-                <a:pos x="connsiteX2" y="connsiteY2"/>
-              </a:cxn>
-            </a:cxnLst>
-            <a:rect l="l" t="t" r="r" b="b"/>
-            <a:pathLst>
-              <a:path w="6505575" h="361950">
-                <a:moveTo>
-                  <a:pt x="0" y="361950"/>
-                </a:moveTo>
-                <a:cubicBezTo>
-                  <a:pt x="1067594" y="180975"/>
-                  <a:pt x="2135188" y="0"/>
-                  <a:pt x="3219450" y="0"/>
-                </a:cubicBezTo>
-                <a:cubicBezTo>
-                  <a:pt x="4303712" y="0"/>
-                  <a:pt x="5404643" y="180975"/>
-                  <a:pt x="6505575" y="361950"/>
-                </a:cubicBezTo>
-              </a:path>
-            </a:pathLst>
-          </a:custGeom>
-          <a:noFill/>
-          <a:ln w="38100">
-            <a:solidFill>
-              <a:srgbClr val="00B0F0"/>
-            </a:solidFill>
-          </a:ln>
-        </p:spPr>
-        <p:style>
-          <a:lnRef idx="2">
-            <a:schemeClr val="accent1">
-              <a:shade val="50000"/>
-            </a:schemeClr>
-          </a:lnRef>
-          <a:fillRef idx="1">
-            <a:schemeClr val="accent1"/>
-          </a:fillRef>
-          <a:effectRef idx="0">
-            <a:schemeClr val="accent1"/>
-          </a:effectRef>
-          <a:fontRef idx="minor">
-            <a:schemeClr val="lt1"/>
-          </a:fontRef>
-        </p:style>
-        <p:txBody>
-          <a:bodyPr rtlCol="0" anchor="ctr"/>
-          <a:lstStyle/>
-          <a:p>
-            <a:pPr algn="ctr"/>
-            <a:endParaRPr lang="en-US"/>
-          </a:p>
-        </p:txBody>
-      </p:sp>
-      <p:cxnSp>
-        <p:nvCxnSpPr>
-          <p:cNvPr id="60" name="Straight Connector 59"/>
-          <p:cNvCxnSpPr/>
-          <p:nvPr/>
-        </p:nvCxnSpPr>
-        <p:spPr>
-          <a:xfrm>
-            <a:off x="1472227" y="3952062"/>
-            <a:ext cx="1" cy="219888"/>
-          </a:xfrm>
-          <a:prstGeom prst="line">
-            <a:avLst/>
-          </a:prstGeom>
-          <a:ln w="38100"/>
-        </p:spPr>
-        <p:style>
-          <a:lnRef idx="1">
-            <a:schemeClr val="accent1"/>
-          </a:lnRef>
-          <a:fillRef idx="0">
-            <a:schemeClr val="accent1"/>
-          </a:fillRef>
-          <a:effectRef idx="0">
-            <a:schemeClr val="accent1"/>
-          </a:effectRef>
-          <a:fontRef idx="minor">
-            <a:schemeClr val="tx1"/>
-          </a:fontRef>
-        </p:style>
-      </p:cxnSp>
-      <p:cxnSp>
-        <p:nvCxnSpPr>
-          <p:cNvPr id="62" name="Straight Connector 61"/>
-          <p:cNvCxnSpPr/>
-          <p:nvPr/>
-        </p:nvCxnSpPr>
-        <p:spPr>
-          <a:xfrm>
-            <a:off x="1472227" y="2952989"/>
-            <a:ext cx="1" cy="219888"/>
-          </a:xfrm>
-          <a:prstGeom prst="line">
-            <a:avLst/>
-          </a:prstGeom>
-          <a:ln w="38100"/>
-        </p:spPr>
-        <p:style>
-          <a:lnRef idx="1">
-            <a:schemeClr val="accent1"/>
-          </a:lnRef>
-          <a:fillRef idx="0">
-            <a:schemeClr val="accent1"/>
-          </a:fillRef>
-          <a:effectRef idx="0">
-            <a:schemeClr val="accent1"/>
-          </a:effectRef>
-          <a:fontRef idx="minor">
-            <a:schemeClr val="tx1"/>
-          </a:fontRef>
-        </p:style>
-      </p:cxnSp>
-      <p:sp>
-        <p:nvSpPr>
-          <p:cNvPr id="2" name="Title 1"/>
-          <p:cNvSpPr>
-            <a:spLocks noGrp="1"/>
-          </p:cNvSpPr>
-          <p:nvPr>
-            <p:ph type="title"/>
-          </p:nvPr>
-        </p:nvSpPr>
-        <p:spPr/>
-        <p:txBody>
-          <a:bodyPr/>
-          <a:lstStyle/>
-          <a:p>
-            <a:r>
-              <a:rPr lang="en-US" dirty="0" err="1" smtClean="0"/>
-              <a:t>HaaS</a:t>
-            </a:r>
-            <a:r>
-              <a:rPr lang="en-US" dirty="0" smtClean="0"/>
-              <a:t> Structure</a:t>
-            </a:r>
-            <a:endParaRPr lang="en-US" dirty="0"/>
-          </a:p>
-        </p:txBody>
-      </p:sp>
-      <p:sp>
-        <p:nvSpPr>
-          <p:cNvPr id="15" name="Freeform 14"/>
-          <p:cNvSpPr/>
-          <p:nvPr/>
-        </p:nvSpPr>
-        <p:spPr>
-          <a:xfrm>
-            <a:off x="3733800" y="1736677"/>
-            <a:ext cx="2027187" cy="1216312"/>
-          </a:xfrm>
-          <a:custGeom>
-            <a:avLst/>
-            <a:gdLst>
-              <a:gd name="connsiteX0" fmla="*/ 0 w 2027187"/>
-              <a:gd name="connsiteY0" fmla="*/ 0 h 1216312"/>
-              <a:gd name="connsiteX1" fmla="*/ 2027187 w 2027187"/>
-              <a:gd name="connsiteY1" fmla="*/ 0 h 1216312"/>
-              <a:gd name="connsiteX2" fmla="*/ 2027187 w 2027187"/>
-              <a:gd name="connsiteY2" fmla="*/ 1216312 h 1216312"/>
-              <a:gd name="connsiteX3" fmla="*/ 0 w 2027187"/>
-              <a:gd name="connsiteY3" fmla="*/ 1216312 h 1216312"/>
-              <a:gd name="connsiteX4" fmla="*/ 0 w 2027187"/>
-              <a:gd name="connsiteY4" fmla="*/ 0 h 1216312"/>
-            </a:gdLst>
-            <a:ahLst/>
-            <a:cxnLst>
-              <a:cxn ang="0">
-                <a:pos x="connsiteX0" y="connsiteY0"/>
-              </a:cxn>
-              <a:cxn ang="0">
-                <a:pos x="connsiteX1" y="connsiteY1"/>
-              </a:cxn>
-              <a:cxn ang="0">
-                <a:pos x="connsiteX2" y="connsiteY2"/>
-              </a:cxn>
-              <a:cxn ang="0">
-                <a:pos x="connsiteX3" y="connsiteY3"/>
-              </a:cxn>
-              <a:cxn ang="0">
-                <a:pos x="connsiteX4" y="connsiteY4"/>
-              </a:cxn>
-            </a:cxnLst>
-            <a:rect l="l" t="t" r="r" b="b"/>
-            <a:pathLst>
-              <a:path w="2027187" h="1216312">
-                <a:moveTo>
-                  <a:pt x="0" y="0"/>
-                </a:moveTo>
-                <a:lnTo>
-                  <a:pt x="2027187" y="0"/>
-                </a:lnTo>
-                <a:lnTo>
-                  <a:pt x="2027187" y="1216312"/>
-                </a:lnTo>
-                <a:lnTo>
-                  <a:pt x="0" y="1216312"/>
-                </a:lnTo>
-                <a:lnTo>
-                  <a:pt x="0" y="0"/>
-                </a:lnTo>
-                <a:close/>
-              </a:path>
-            </a:pathLst>
-          </a:custGeom>
-          <a:solidFill>
-            <a:schemeClr val="accent3"/>
-          </a:solidFill>
-        </p:spPr>
-        <p:style>
-          <a:lnRef idx="2">
-            <a:schemeClr val="lt1">
-              <a:hueOff val="0"/>
-              <a:satOff val="0"/>
-              <a:lumOff val="0"/>
-              <a:alphaOff val="0"/>
-            </a:schemeClr>
-          </a:lnRef>
-          <a:fillRef idx="1">
-            <a:schemeClr val="accent1">
-              <a:hueOff val="0"/>
-              <a:satOff val="0"/>
-              <a:lumOff val="0"/>
-              <a:alphaOff val="0"/>
-            </a:schemeClr>
-          </a:fillRef>
-          <a:effectRef idx="0">
-            <a:schemeClr val="accent1">
-              <a:hueOff val="0"/>
-              <a:satOff val="0"/>
-              <a:lumOff val="0"/>
-              <a:alphaOff val="0"/>
-            </a:schemeClr>
-          </a:effectRef>
-          <a:fontRef idx="minor">
-            <a:schemeClr val="lt1"/>
-          </a:fontRef>
-        </p:style>
-        <p:txBody>
-          <a:bodyPr spcFirstLastPara="0" vert="horz" wrap="square" lIns="118110" tIns="118110" rIns="118110" bIns="118110" numCol="1" spcCol="1270" anchor="ctr" anchorCtr="0">
-            <a:noAutofit/>
-          </a:bodyPr>
-          <a:lstStyle/>
-          <a:p>
-            <a:pPr lvl="0" algn="ctr" defTabSz="1377950">
-              <a:lnSpc>
-                <a:spcPct val="90000"/>
-              </a:lnSpc>
-              <a:spcBef>
-                <a:spcPct val="0"/>
-              </a:spcBef>
-              <a:spcAft>
-                <a:spcPct val="35000"/>
-              </a:spcAft>
-            </a:pPr>
-            <a:r>
-              <a:rPr lang="en-US" sz="3100" kern="1200" dirty="0" smtClean="0"/>
-              <a:t>Nodes</a:t>
-            </a:r>
-            <a:endParaRPr lang="en-US" sz="3100" kern="1200" dirty="0"/>
-          </a:p>
-        </p:txBody>
-      </p:sp>
-      <p:sp>
-        <p:nvSpPr>
-          <p:cNvPr id="16" name="Freeform 15"/>
-          <p:cNvSpPr/>
-          <p:nvPr/>
-        </p:nvSpPr>
-        <p:spPr>
-          <a:xfrm>
-            <a:off x="5638800" y="3127511"/>
-            <a:ext cx="1384609" cy="830765"/>
-          </a:xfrm>
-          <a:custGeom>
-            <a:avLst/>
-            <a:gdLst>
-              <a:gd name="connsiteX0" fmla="*/ 0 w 1384609"/>
-              <a:gd name="connsiteY0" fmla="*/ 0 h 830765"/>
-              <a:gd name="connsiteX1" fmla="*/ 1384609 w 1384609"/>
-              <a:gd name="connsiteY1" fmla="*/ 0 h 830765"/>
-              <a:gd name="connsiteX2" fmla="*/ 1384609 w 1384609"/>
-              <a:gd name="connsiteY2" fmla="*/ 830765 h 830765"/>
-              <a:gd name="connsiteX3" fmla="*/ 0 w 1384609"/>
-              <a:gd name="connsiteY3" fmla="*/ 830765 h 830765"/>
-              <a:gd name="connsiteX4" fmla="*/ 0 w 1384609"/>
-              <a:gd name="connsiteY4" fmla="*/ 0 h 830765"/>
-            </a:gdLst>
-            <a:ahLst/>
-            <a:cxnLst>
-              <a:cxn ang="0">
-                <a:pos x="connsiteX0" y="connsiteY0"/>
-              </a:cxn>
-              <a:cxn ang="0">
-                <a:pos x="connsiteX1" y="connsiteY1"/>
-              </a:cxn>
-              <a:cxn ang="0">
-                <a:pos x="connsiteX2" y="connsiteY2"/>
-              </a:cxn>
-              <a:cxn ang="0">
-                <a:pos x="connsiteX3" y="connsiteY3"/>
-              </a:cxn>
-              <a:cxn ang="0">
-                <a:pos x="connsiteX4" y="connsiteY4"/>
-              </a:cxn>
-            </a:cxnLst>
-            <a:rect l="l" t="t" r="r" b="b"/>
-            <a:pathLst>
-              <a:path w="1384609" h="830765">
-                <a:moveTo>
-                  <a:pt x="0" y="0"/>
-                </a:moveTo>
-                <a:lnTo>
-                  <a:pt x="1384609" y="0"/>
-                </a:lnTo>
-                <a:lnTo>
-                  <a:pt x="1384609" y="830765"/>
-                </a:lnTo>
-                <a:lnTo>
-                  <a:pt x="0" y="830765"/>
-                </a:lnTo>
-                <a:lnTo>
-                  <a:pt x="0" y="0"/>
-                </a:lnTo>
-                <a:close/>
-              </a:path>
-            </a:pathLst>
-          </a:custGeom>
-          <a:solidFill>
-            <a:srgbClr val="FF0066"/>
-          </a:solidFill>
-        </p:spPr>
-        <p:style>
-          <a:lnRef idx="2">
-            <a:schemeClr val="lt1">
-              <a:hueOff val="0"/>
-              <a:satOff val="0"/>
-              <a:lumOff val="0"/>
-              <a:alphaOff val="0"/>
-            </a:schemeClr>
-          </a:lnRef>
-          <a:fillRef idx="1">
-            <a:schemeClr val="accent1">
-              <a:hueOff val="0"/>
-              <a:satOff val="0"/>
-              <a:lumOff val="0"/>
-              <a:alphaOff val="0"/>
-            </a:schemeClr>
-          </a:fillRef>
-          <a:effectRef idx="0">
-            <a:schemeClr val="accent1">
-              <a:hueOff val="0"/>
-              <a:satOff val="0"/>
-              <a:lumOff val="0"/>
-              <a:alphaOff val="0"/>
-            </a:schemeClr>
-          </a:effectRef>
-          <a:fontRef idx="minor">
-            <a:schemeClr val="lt1"/>
-          </a:fontRef>
-        </p:style>
-        <p:txBody>
-          <a:bodyPr spcFirstLastPara="0" vert="horz" wrap="square" lIns="118110" tIns="118110" rIns="118110" bIns="118110" numCol="1" spcCol="1270" anchor="ctr" anchorCtr="0">
-            <a:noAutofit/>
-          </a:bodyPr>
-          <a:lstStyle/>
-          <a:p>
-            <a:pPr lvl="0" algn="ctr" defTabSz="1377950">
-              <a:lnSpc>
-                <a:spcPct val="90000"/>
-              </a:lnSpc>
-              <a:spcBef>
-                <a:spcPct val="0"/>
-              </a:spcBef>
-              <a:spcAft>
-                <a:spcPct val="35000"/>
-              </a:spcAft>
-            </a:pPr>
-            <a:r>
-              <a:rPr lang="en-US" sz="3100" kern="1200" dirty="0" smtClean="0"/>
-              <a:t>NICs</a:t>
-            </a:r>
-            <a:endParaRPr lang="en-US" sz="3100" kern="1200" dirty="0"/>
-          </a:p>
-        </p:txBody>
-      </p:sp>
-      <p:sp>
-        <p:nvSpPr>
-          <p:cNvPr id="20" name="Freeform 19"/>
-          <p:cNvSpPr/>
-          <p:nvPr/>
-        </p:nvSpPr>
-        <p:spPr>
-          <a:xfrm>
-            <a:off x="4451624" y="4192098"/>
-            <a:ext cx="1351027" cy="810617"/>
-          </a:xfrm>
-          <a:custGeom>
-            <a:avLst/>
-            <a:gdLst>
-              <a:gd name="connsiteX0" fmla="*/ 0 w 1523066"/>
-              <a:gd name="connsiteY0" fmla="*/ 0 h 913840"/>
-              <a:gd name="connsiteX1" fmla="*/ 1523066 w 1523066"/>
-              <a:gd name="connsiteY1" fmla="*/ 0 h 913840"/>
-              <a:gd name="connsiteX2" fmla="*/ 1523066 w 1523066"/>
-              <a:gd name="connsiteY2" fmla="*/ 913840 h 913840"/>
-              <a:gd name="connsiteX3" fmla="*/ 0 w 1523066"/>
-              <a:gd name="connsiteY3" fmla="*/ 913840 h 913840"/>
-              <a:gd name="connsiteX4" fmla="*/ 0 w 1523066"/>
-              <a:gd name="connsiteY4" fmla="*/ 0 h 913840"/>
-            </a:gdLst>
-            <a:ahLst/>
-            <a:cxnLst>
-              <a:cxn ang="0">
-                <a:pos x="connsiteX0" y="connsiteY0"/>
-              </a:cxn>
-              <a:cxn ang="0">
-                <a:pos x="connsiteX1" y="connsiteY1"/>
-              </a:cxn>
-              <a:cxn ang="0">
-                <a:pos x="connsiteX2" y="connsiteY2"/>
-              </a:cxn>
-              <a:cxn ang="0">
-                <a:pos x="connsiteX3" y="connsiteY3"/>
-              </a:cxn>
-              <a:cxn ang="0">
-                <a:pos x="connsiteX4" y="connsiteY4"/>
-              </a:cxn>
-            </a:cxnLst>
-            <a:rect l="l" t="t" r="r" b="b"/>
-            <a:pathLst>
-              <a:path w="1523066" h="913840">
-                <a:moveTo>
-                  <a:pt x="0" y="0"/>
-                </a:moveTo>
-                <a:lnTo>
-                  <a:pt x="1523066" y="0"/>
-                </a:lnTo>
-                <a:lnTo>
-                  <a:pt x="1523066" y="913840"/>
-                </a:lnTo>
-                <a:lnTo>
-                  <a:pt x="0" y="913840"/>
-                </a:lnTo>
-                <a:lnTo>
-                  <a:pt x="0" y="0"/>
-                </a:lnTo>
-                <a:close/>
-              </a:path>
-            </a:pathLst>
-          </a:custGeom>
-          <a:solidFill>
-            <a:schemeClr val="accent6">
-              <a:lumMod val="75000"/>
-            </a:schemeClr>
-          </a:solidFill>
-        </p:spPr>
-        <p:style>
-          <a:lnRef idx="2">
-            <a:schemeClr val="lt1">
-              <a:hueOff val="0"/>
-              <a:satOff val="0"/>
-              <a:lumOff val="0"/>
-              <a:alphaOff val="0"/>
-            </a:schemeClr>
-          </a:lnRef>
-          <a:fillRef idx="1">
-            <a:schemeClr val="accent1">
-              <a:hueOff val="0"/>
-              <a:satOff val="0"/>
-              <a:lumOff val="0"/>
-              <a:alphaOff val="0"/>
-            </a:schemeClr>
-          </a:fillRef>
-          <a:effectRef idx="0">
-            <a:schemeClr val="accent1">
-              <a:hueOff val="0"/>
-              <a:satOff val="0"/>
-              <a:lumOff val="0"/>
-              <a:alphaOff val="0"/>
-            </a:schemeClr>
-          </a:effectRef>
-          <a:fontRef idx="minor">
-            <a:schemeClr val="lt1"/>
-          </a:fontRef>
-        </p:style>
-        <p:txBody>
-          <a:bodyPr spcFirstLastPara="0" vert="horz" wrap="square" lIns="118110" tIns="118110" rIns="118110" bIns="118110" numCol="1" spcCol="1270" anchor="ctr" anchorCtr="0">
-            <a:noAutofit/>
-          </a:bodyPr>
-          <a:lstStyle/>
-          <a:p>
-            <a:pPr lvl="0" algn="ctr" defTabSz="1377950">
-              <a:lnSpc>
-                <a:spcPct val="90000"/>
-              </a:lnSpc>
-              <a:spcBef>
-                <a:spcPct val="0"/>
-              </a:spcBef>
-              <a:spcAft>
-                <a:spcPct val="35000"/>
-              </a:spcAft>
-            </a:pPr>
-            <a:r>
-              <a:rPr lang="en-US" sz="3100" kern="1200" dirty="0" smtClean="0"/>
-              <a:t>HNICs</a:t>
-            </a:r>
-            <a:endParaRPr lang="en-US" sz="3100" kern="1200" dirty="0"/>
-          </a:p>
-        </p:txBody>
-      </p:sp>
-      <p:sp>
-        <p:nvSpPr>
-          <p:cNvPr id="21" name="Freeform 20"/>
-          <p:cNvSpPr/>
-          <p:nvPr/>
-        </p:nvSpPr>
-        <p:spPr>
-          <a:xfrm>
-            <a:off x="779923" y="3121297"/>
-            <a:ext cx="1384609" cy="830765"/>
-          </a:xfrm>
-          <a:custGeom>
-            <a:avLst/>
-            <a:gdLst>
-              <a:gd name="connsiteX0" fmla="*/ 0 w 1384609"/>
-              <a:gd name="connsiteY0" fmla="*/ 0 h 830765"/>
-              <a:gd name="connsiteX1" fmla="*/ 1384609 w 1384609"/>
-              <a:gd name="connsiteY1" fmla="*/ 0 h 830765"/>
-              <a:gd name="connsiteX2" fmla="*/ 1384609 w 1384609"/>
-              <a:gd name="connsiteY2" fmla="*/ 830765 h 830765"/>
-              <a:gd name="connsiteX3" fmla="*/ 0 w 1384609"/>
-              <a:gd name="connsiteY3" fmla="*/ 830765 h 830765"/>
-              <a:gd name="connsiteX4" fmla="*/ 0 w 1384609"/>
-              <a:gd name="connsiteY4" fmla="*/ 0 h 830765"/>
-            </a:gdLst>
-            <a:ahLst/>
-            <a:cxnLst>
-              <a:cxn ang="0">
-                <a:pos x="connsiteX0" y="connsiteY0"/>
-              </a:cxn>
-              <a:cxn ang="0">
-                <a:pos x="connsiteX1" y="connsiteY1"/>
-              </a:cxn>
-              <a:cxn ang="0">
-                <a:pos x="connsiteX2" y="connsiteY2"/>
-              </a:cxn>
-              <a:cxn ang="0">
-                <a:pos x="connsiteX3" y="connsiteY3"/>
-              </a:cxn>
-              <a:cxn ang="0">
-                <a:pos x="connsiteX4" y="connsiteY4"/>
-              </a:cxn>
-            </a:cxnLst>
-            <a:rect l="l" t="t" r="r" b="b"/>
-            <a:pathLst>
-              <a:path w="1384609" h="830765">
-                <a:moveTo>
-                  <a:pt x="0" y="0"/>
-                </a:moveTo>
-                <a:lnTo>
-                  <a:pt x="1384609" y="0"/>
-                </a:lnTo>
-                <a:lnTo>
-                  <a:pt x="1384609" y="830765"/>
-                </a:lnTo>
-                <a:lnTo>
-                  <a:pt x="0" y="830765"/>
-                </a:lnTo>
-                <a:lnTo>
-                  <a:pt x="0" y="0"/>
-                </a:lnTo>
-                <a:close/>
-              </a:path>
-            </a:pathLst>
-          </a:custGeom>
-          <a:solidFill>
-            <a:schemeClr val="accent2">
-              <a:lumMod val="50000"/>
-            </a:schemeClr>
-          </a:solidFill>
-        </p:spPr>
-        <p:style>
-          <a:lnRef idx="2">
-            <a:schemeClr val="lt1">
-              <a:hueOff val="0"/>
-              <a:satOff val="0"/>
-              <a:lumOff val="0"/>
-              <a:alphaOff val="0"/>
-            </a:schemeClr>
-          </a:lnRef>
-          <a:fillRef idx="1">
-            <a:schemeClr val="accent1">
-              <a:hueOff val="0"/>
-              <a:satOff val="0"/>
-              <a:lumOff val="0"/>
-              <a:alphaOff val="0"/>
-            </a:schemeClr>
-          </a:fillRef>
-          <a:effectRef idx="0">
-            <a:schemeClr val="accent1">
-              <a:hueOff val="0"/>
-              <a:satOff val="0"/>
-              <a:lumOff val="0"/>
-              <a:alphaOff val="0"/>
-            </a:schemeClr>
-          </a:effectRef>
-          <a:fontRef idx="minor">
-            <a:schemeClr val="lt1"/>
-          </a:fontRef>
-        </p:style>
-        <p:txBody>
-          <a:bodyPr spcFirstLastPara="0" vert="horz" wrap="square" lIns="118110" tIns="118110" rIns="118110" bIns="118110" numCol="1" spcCol="1270" anchor="ctr" anchorCtr="0">
-            <a:noAutofit/>
-          </a:bodyPr>
-          <a:lstStyle/>
-          <a:p>
-            <a:pPr lvl="0" algn="ctr" defTabSz="1377950">
-              <a:lnSpc>
-                <a:spcPct val="90000"/>
-              </a:lnSpc>
-              <a:spcBef>
-                <a:spcPct val="0"/>
-              </a:spcBef>
-              <a:spcAft>
-                <a:spcPct val="35000"/>
-              </a:spcAft>
-            </a:pPr>
-            <a:r>
-              <a:rPr lang="en-US" sz="2800" dirty="0" smtClean="0"/>
-              <a:t>Head-nodes</a:t>
-            </a:r>
-            <a:endParaRPr lang="en-US" dirty="0"/>
-          </a:p>
-        </p:txBody>
-      </p:sp>
-      <p:sp>
-        <p:nvSpPr>
-          <p:cNvPr id="22" name="Freeform 21"/>
-          <p:cNvSpPr/>
-          <p:nvPr/>
-        </p:nvSpPr>
-        <p:spPr>
-          <a:xfrm>
-            <a:off x="779923" y="4171950"/>
-            <a:ext cx="1384609" cy="830765"/>
-          </a:xfrm>
-          <a:custGeom>
-            <a:avLst/>
-            <a:gdLst>
-              <a:gd name="connsiteX0" fmla="*/ 0 w 1384609"/>
-              <a:gd name="connsiteY0" fmla="*/ 0 h 830765"/>
-              <a:gd name="connsiteX1" fmla="*/ 1384609 w 1384609"/>
-              <a:gd name="connsiteY1" fmla="*/ 0 h 830765"/>
-              <a:gd name="connsiteX2" fmla="*/ 1384609 w 1384609"/>
-              <a:gd name="connsiteY2" fmla="*/ 830765 h 830765"/>
-              <a:gd name="connsiteX3" fmla="*/ 0 w 1384609"/>
-              <a:gd name="connsiteY3" fmla="*/ 830765 h 830765"/>
-              <a:gd name="connsiteX4" fmla="*/ 0 w 1384609"/>
-              <a:gd name="connsiteY4" fmla="*/ 0 h 830765"/>
-            </a:gdLst>
-            <a:ahLst/>
-            <a:cxnLst>
-              <a:cxn ang="0">
-                <a:pos x="connsiteX0" y="connsiteY0"/>
-              </a:cxn>
-              <a:cxn ang="0">
-                <a:pos x="connsiteX1" y="connsiteY1"/>
-              </a:cxn>
-              <a:cxn ang="0">
-                <a:pos x="connsiteX2" y="connsiteY2"/>
-              </a:cxn>
-              <a:cxn ang="0">
-                <a:pos x="connsiteX3" y="connsiteY3"/>
-              </a:cxn>
-              <a:cxn ang="0">
-                <a:pos x="connsiteX4" y="connsiteY4"/>
-              </a:cxn>
-            </a:cxnLst>
-            <a:rect l="l" t="t" r="r" b="b"/>
-            <a:pathLst>
-              <a:path w="1384609" h="830765">
-                <a:moveTo>
-                  <a:pt x="0" y="0"/>
-                </a:moveTo>
-                <a:lnTo>
-                  <a:pt x="1384609" y="0"/>
-                </a:lnTo>
-                <a:lnTo>
-                  <a:pt x="1384609" y="830765"/>
-                </a:lnTo>
-                <a:lnTo>
-                  <a:pt x="0" y="830765"/>
-                </a:lnTo>
-                <a:lnTo>
-                  <a:pt x="0" y="0"/>
-                </a:lnTo>
-                <a:close/>
-              </a:path>
-            </a:pathLst>
-          </a:custGeom>
-          <a:solidFill>
-            <a:schemeClr val="accent2">
-              <a:lumMod val="75000"/>
-            </a:schemeClr>
-          </a:solidFill>
-        </p:spPr>
-        <p:style>
-          <a:lnRef idx="2">
-            <a:schemeClr val="lt1">
-              <a:hueOff val="0"/>
-              <a:satOff val="0"/>
-              <a:lumOff val="0"/>
-              <a:alphaOff val="0"/>
-            </a:schemeClr>
-          </a:lnRef>
-          <a:fillRef idx="1">
-            <a:schemeClr val="accent1">
-              <a:hueOff val="0"/>
-              <a:satOff val="0"/>
-              <a:lumOff val="0"/>
-              <a:alphaOff val="0"/>
-            </a:schemeClr>
-          </a:fillRef>
-          <a:effectRef idx="0">
-            <a:schemeClr val="accent1">
-              <a:hueOff val="0"/>
-              <a:satOff val="0"/>
-              <a:lumOff val="0"/>
-              <a:alphaOff val="0"/>
-            </a:schemeClr>
-          </a:effectRef>
-          <a:fontRef idx="minor">
-            <a:schemeClr val="lt1"/>
-          </a:fontRef>
-        </p:style>
-        <p:txBody>
-          <a:bodyPr spcFirstLastPara="0" vert="horz" wrap="square" lIns="118110" tIns="118110" rIns="118110" bIns="118110" numCol="1" spcCol="1270" anchor="ctr" anchorCtr="0">
-            <a:noAutofit/>
-          </a:bodyPr>
-          <a:lstStyle/>
-          <a:p>
-            <a:pPr lvl="0" algn="ctr" defTabSz="1377950">
-              <a:lnSpc>
-                <a:spcPct val="90000"/>
-              </a:lnSpc>
-              <a:spcBef>
-                <a:spcPct val="0"/>
-              </a:spcBef>
-              <a:spcAft>
-                <a:spcPct val="35000"/>
-              </a:spcAft>
-            </a:pPr>
-            <a:r>
-              <a:rPr lang="en-US" sz="3100" kern="1200" dirty="0" smtClean="0"/>
-              <a:t>Base Images</a:t>
-            </a:r>
-            <a:endParaRPr lang="en-US" sz="3100" kern="1200" dirty="0"/>
-          </a:p>
-        </p:txBody>
-      </p:sp>
-      <p:sp>
-        <p:nvSpPr>
-          <p:cNvPr id="17" name="Freeform 16"/>
-          <p:cNvSpPr/>
-          <p:nvPr/>
-        </p:nvSpPr>
-        <p:spPr>
-          <a:xfrm>
-            <a:off x="6874951" y="1736677"/>
-            <a:ext cx="2027187" cy="1216312"/>
-          </a:xfrm>
-          <a:custGeom>
-            <a:avLst/>
-            <a:gdLst>
-              <a:gd name="connsiteX0" fmla="*/ 0 w 2027187"/>
-              <a:gd name="connsiteY0" fmla="*/ 0 h 1216312"/>
-              <a:gd name="connsiteX1" fmla="*/ 2027187 w 2027187"/>
-              <a:gd name="connsiteY1" fmla="*/ 0 h 1216312"/>
-              <a:gd name="connsiteX2" fmla="*/ 2027187 w 2027187"/>
-              <a:gd name="connsiteY2" fmla="*/ 1216312 h 1216312"/>
-              <a:gd name="connsiteX3" fmla="*/ 0 w 2027187"/>
-              <a:gd name="connsiteY3" fmla="*/ 1216312 h 1216312"/>
-              <a:gd name="connsiteX4" fmla="*/ 0 w 2027187"/>
-              <a:gd name="connsiteY4" fmla="*/ 0 h 1216312"/>
-            </a:gdLst>
-            <a:ahLst/>
-            <a:cxnLst>
-              <a:cxn ang="0">
-                <a:pos x="connsiteX0" y="connsiteY0"/>
-              </a:cxn>
-              <a:cxn ang="0">
-                <a:pos x="connsiteX1" y="connsiteY1"/>
-              </a:cxn>
-              <a:cxn ang="0">
-                <a:pos x="connsiteX2" y="connsiteY2"/>
-              </a:cxn>
-              <a:cxn ang="0">
-                <a:pos x="connsiteX3" y="connsiteY3"/>
-              </a:cxn>
-              <a:cxn ang="0">
-                <a:pos x="connsiteX4" y="connsiteY4"/>
-              </a:cxn>
-            </a:cxnLst>
-            <a:rect l="l" t="t" r="r" b="b"/>
-            <a:pathLst>
-              <a:path w="2027187" h="1216312">
-                <a:moveTo>
-                  <a:pt x="0" y="0"/>
-                </a:moveTo>
-                <a:lnTo>
-                  <a:pt x="2027187" y="0"/>
-                </a:lnTo>
-                <a:lnTo>
-                  <a:pt x="2027187" y="1216312"/>
-                </a:lnTo>
-                <a:lnTo>
-                  <a:pt x="0" y="1216312"/>
-                </a:lnTo>
-                <a:lnTo>
-                  <a:pt x="0" y="0"/>
-                </a:lnTo>
-                <a:close/>
-              </a:path>
-            </a:pathLst>
-          </a:custGeom>
-          <a:solidFill>
-            <a:schemeClr val="accent5"/>
-          </a:solidFill>
-        </p:spPr>
-        <p:style>
-          <a:lnRef idx="2">
-            <a:schemeClr val="lt1">
-              <a:hueOff val="0"/>
-              <a:satOff val="0"/>
-              <a:lumOff val="0"/>
-              <a:alphaOff val="0"/>
-            </a:schemeClr>
-          </a:lnRef>
-          <a:fillRef idx="1">
-            <a:schemeClr val="accent1">
-              <a:hueOff val="0"/>
-              <a:satOff val="0"/>
-              <a:lumOff val="0"/>
-              <a:alphaOff val="0"/>
-            </a:schemeClr>
-          </a:fillRef>
-          <a:effectRef idx="0">
-            <a:schemeClr val="accent1">
-              <a:hueOff val="0"/>
-              <a:satOff val="0"/>
-              <a:lumOff val="0"/>
-              <a:alphaOff val="0"/>
-            </a:schemeClr>
-          </a:effectRef>
-          <a:fontRef idx="minor">
-            <a:schemeClr val="lt1"/>
-          </a:fontRef>
-        </p:style>
-        <p:txBody>
-          <a:bodyPr spcFirstLastPara="0" vert="horz" wrap="square" lIns="118110" tIns="118110" rIns="118110" bIns="118110" numCol="1" spcCol="1270" anchor="ctr" anchorCtr="0">
-            <a:noAutofit/>
-          </a:bodyPr>
-          <a:lstStyle/>
-          <a:p>
-            <a:pPr lvl="0" algn="ctr" defTabSz="1377950">
-              <a:lnSpc>
-                <a:spcPct val="90000"/>
-              </a:lnSpc>
-              <a:spcBef>
-                <a:spcPct val="0"/>
-              </a:spcBef>
-              <a:spcAft>
-                <a:spcPct val="35000"/>
-              </a:spcAft>
-            </a:pPr>
-            <a:r>
-              <a:rPr lang="en-US" sz="3100" kern="1200" dirty="0" smtClean="0"/>
-              <a:t>Networks</a:t>
-            </a:r>
-            <a:endParaRPr lang="en-US" sz="3100" kern="1200" dirty="0"/>
-          </a:p>
-        </p:txBody>
-      </p:sp>
-      <p:sp>
-        <p:nvSpPr>
-          <p:cNvPr id="14" name="Freeform 13"/>
-          <p:cNvSpPr/>
-          <p:nvPr/>
-        </p:nvSpPr>
-        <p:spPr>
-          <a:xfrm>
-            <a:off x="458635" y="1736677"/>
-            <a:ext cx="2027187" cy="1216312"/>
-          </a:xfrm>
-          <a:custGeom>
-            <a:avLst/>
-            <a:gdLst>
-              <a:gd name="connsiteX0" fmla="*/ 0 w 2027187"/>
-              <a:gd name="connsiteY0" fmla="*/ 0 h 1216312"/>
-              <a:gd name="connsiteX1" fmla="*/ 2027187 w 2027187"/>
-              <a:gd name="connsiteY1" fmla="*/ 0 h 1216312"/>
-              <a:gd name="connsiteX2" fmla="*/ 2027187 w 2027187"/>
-              <a:gd name="connsiteY2" fmla="*/ 1216312 h 1216312"/>
-              <a:gd name="connsiteX3" fmla="*/ 0 w 2027187"/>
-              <a:gd name="connsiteY3" fmla="*/ 1216312 h 1216312"/>
-              <a:gd name="connsiteX4" fmla="*/ 0 w 2027187"/>
-              <a:gd name="connsiteY4" fmla="*/ 0 h 1216312"/>
-            </a:gdLst>
-            <a:ahLst/>
-            <a:cxnLst>
-              <a:cxn ang="0">
-                <a:pos x="connsiteX0" y="connsiteY0"/>
-              </a:cxn>
-              <a:cxn ang="0">
-                <a:pos x="connsiteX1" y="connsiteY1"/>
-              </a:cxn>
-              <a:cxn ang="0">
-                <a:pos x="connsiteX2" y="connsiteY2"/>
-              </a:cxn>
-              <a:cxn ang="0">
-                <a:pos x="connsiteX3" y="connsiteY3"/>
-              </a:cxn>
-              <a:cxn ang="0">
-                <a:pos x="connsiteX4" y="connsiteY4"/>
-              </a:cxn>
-            </a:cxnLst>
-            <a:rect l="l" t="t" r="r" b="b"/>
-            <a:pathLst>
-              <a:path w="2027187" h="1216312">
-                <a:moveTo>
-                  <a:pt x="0" y="0"/>
-                </a:moveTo>
-                <a:lnTo>
-                  <a:pt x="2027187" y="0"/>
-                </a:lnTo>
-                <a:lnTo>
-                  <a:pt x="2027187" y="1216312"/>
-                </a:lnTo>
-                <a:lnTo>
-                  <a:pt x="0" y="1216312"/>
-                </a:lnTo>
-                <a:lnTo>
-                  <a:pt x="0" y="0"/>
-                </a:lnTo>
-                <a:close/>
-              </a:path>
-            </a:pathLst>
-          </a:custGeom>
-          <a:solidFill>
-            <a:schemeClr val="accent2"/>
-          </a:solidFill>
-        </p:spPr>
-        <p:style>
-          <a:lnRef idx="2">
-            <a:schemeClr val="lt1">
-              <a:hueOff val="0"/>
-              <a:satOff val="0"/>
-              <a:lumOff val="0"/>
-              <a:alphaOff val="0"/>
-            </a:schemeClr>
-          </a:lnRef>
-          <a:fillRef idx="1">
-            <a:schemeClr val="accent1">
-              <a:hueOff val="0"/>
-              <a:satOff val="0"/>
-              <a:lumOff val="0"/>
-              <a:alphaOff val="0"/>
-            </a:schemeClr>
-          </a:fillRef>
-          <a:effectRef idx="0">
-            <a:schemeClr val="accent1">
-              <a:hueOff val="0"/>
-              <a:satOff val="0"/>
-              <a:lumOff val="0"/>
-              <a:alphaOff val="0"/>
-            </a:schemeClr>
-          </a:effectRef>
-          <a:fontRef idx="minor">
-            <a:schemeClr val="lt1"/>
-          </a:fontRef>
-        </p:style>
-        <p:txBody>
-          <a:bodyPr spcFirstLastPara="0" vert="horz" wrap="square" lIns="118110" tIns="118110" rIns="118110" bIns="118110" numCol="1" spcCol="1270" anchor="ctr" anchorCtr="0">
-            <a:noAutofit/>
-          </a:bodyPr>
-          <a:lstStyle/>
-          <a:p>
-            <a:pPr lvl="0" algn="ctr" defTabSz="1377950">
-              <a:lnSpc>
-                <a:spcPct val="90000"/>
-              </a:lnSpc>
-              <a:spcBef>
-                <a:spcPct val="0"/>
-              </a:spcBef>
-              <a:spcAft>
-                <a:spcPct val="35000"/>
-              </a:spcAft>
-            </a:pPr>
-            <a:r>
-              <a:rPr lang="en-US" sz="3100" kern="1200" dirty="0" smtClean="0"/>
-              <a:t>Projects</a:t>
-            </a:r>
-            <a:endParaRPr lang="en-US" sz="3100" kern="1200" dirty="0"/>
-          </a:p>
-        </p:txBody>
-      </p:sp>
-      <p:cxnSp>
-        <p:nvCxnSpPr>
-          <p:cNvPr id="43" name="Straight Arrow Connector 42"/>
-          <p:cNvCxnSpPr/>
-          <p:nvPr/>
-        </p:nvCxnSpPr>
-        <p:spPr>
-          <a:xfrm>
-            <a:off x="2485822" y="2344833"/>
-            <a:ext cx="1247978" cy="0"/>
-          </a:xfrm>
-          <a:prstGeom prst="straightConnector1">
-            <a:avLst/>
-          </a:prstGeom>
-          <a:ln w="38100">
-            <a:headEnd type="arrow"/>
-            <a:tailEnd type="arrow"/>
-          </a:ln>
-        </p:spPr>
-        <p:style>
-          <a:lnRef idx="1">
-            <a:schemeClr val="accent1"/>
-          </a:lnRef>
-          <a:fillRef idx="0">
-            <a:schemeClr val="accent1"/>
-          </a:fillRef>
-          <a:effectRef idx="0">
-            <a:schemeClr val="accent1"/>
-          </a:effectRef>
-          <a:fontRef idx="minor">
-            <a:schemeClr val="tx1"/>
-          </a:fontRef>
-        </p:style>
-      </p:cxnSp>
-      <p:cxnSp>
-        <p:nvCxnSpPr>
-          <p:cNvPr id="64" name="Curved Connector 63"/>
-          <p:cNvCxnSpPr/>
-          <p:nvPr/>
-        </p:nvCxnSpPr>
-        <p:spPr>
-          <a:xfrm>
-            <a:off x="4747393" y="2952989"/>
-            <a:ext cx="891407" cy="589904"/>
-          </a:xfrm>
-          <a:prstGeom prst="straightConnector1">
-            <a:avLst/>
-          </a:prstGeom>
-          <a:ln w="38100">
-            <a:headEnd type="arrow"/>
-            <a:tailEnd type="arrow"/>
-          </a:ln>
-        </p:spPr>
-        <p:style>
-          <a:lnRef idx="1">
-            <a:schemeClr val="accent1"/>
-          </a:lnRef>
-          <a:fillRef idx="0">
-            <a:schemeClr val="accent1"/>
-          </a:fillRef>
-          <a:effectRef idx="0">
-            <a:schemeClr val="accent1"/>
-          </a:effectRef>
-          <a:fontRef idx="minor">
-            <a:schemeClr val="tx1"/>
-          </a:fontRef>
-        </p:style>
-      </p:cxnSp>
-      <p:cxnSp>
-        <p:nvCxnSpPr>
-          <p:cNvPr id="70" name="Straight Arrow Connector 69"/>
-          <p:cNvCxnSpPr/>
-          <p:nvPr/>
-        </p:nvCxnSpPr>
-        <p:spPr>
-          <a:xfrm flipH="1">
-            <a:off x="7023409" y="2952989"/>
-            <a:ext cx="865135" cy="583690"/>
-          </a:xfrm>
-          <a:prstGeom prst="straightConnector1">
-            <a:avLst/>
-          </a:prstGeom>
-          <a:ln w="38100">
-            <a:headEnd type="arrow"/>
-            <a:tailEnd type="arrow"/>
-          </a:ln>
-        </p:spPr>
-        <p:style>
-          <a:lnRef idx="1">
-            <a:schemeClr val="accent1"/>
-          </a:lnRef>
-          <a:fillRef idx="0">
-            <a:schemeClr val="accent1"/>
-          </a:fillRef>
-          <a:effectRef idx="0">
-            <a:schemeClr val="accent1"/>
-          </a:effectRef>
-          <a:fontRef idx="minor">
-            <a:schemeClr val="tx1"/>
-          </a:fontRef>
-        </p:style>
-      </p:cxnSp>
-      <p:cxnSp>
-        <p:nvCxnSpPr>
-          <p:cNvPr id="74" name="Curved Connector 73"/>
-          <p:cNvCxnSpPr/>
-          <p:nvPr/>
-        </p:nvCxnSpPr>
-        <p:spPr>
-          <a:xfrm>
-            <a:off x="2164532" y="3536679"/>
-            <a:ext cx="2287092" cy="1060727"/>
-          </a:xfrm>
-          <a:prstGeom prst="curvedConnector3">
-            <a:avLst>
-              <a:gd name="adj1" fmla="val 49584"/>
-            </a:avLst>
-          </a:prstGeom>
-          <a:ln w="38100">
-            <a:headEnd type="arrow"/>
-            <a:tailEnd type="arrow"/>
-          </a:ln>
-        </p:spPr>
-        <p:style>
-          <a:lnRef idx="1">
-            <a:schemeClr val="accent1"/>
-          </a:lnRef>
-          <a:fillRef idx="0">
-            <a:schemeClr val="accent1"/>
-          </a:fillRef>
-          <a:effectRef idx="0">
-            <a:schemeClr val="accent1"/>
-          </a:effectRef>
-          <a:fontRef idx="minor">
-            <a:schemeClr val="tx1"/>
-          </a:fontRef>
-        </p:style>
-      </p:cxnSp>
-      <p:cxnSp>
-        <p:nvCxnSpPr>
-          <p:cNvPr id="76" name="Curved Connector 75"/>
-          <p:cNvCxnSpPr/>
-          <p:nvPr/>
-        </p:nvCxnSpPr>
-        <p:spPr>
-          <a:xfrm flipV="1">
-            <a:off x="5802651" y="2952989"/>
-            <a:ext cx="2198349" cy="1634343"/>
-          </a:xfrm>
-          <a:prstGeom prst="curvedConnector3">
-            <a:avLst>
-              <a:gd name="adj1" fmla="val 100260"/>
-            </a:avLst>
-          </a:prstGeom>
-          <a:ln w="38100">
-            <a:headEnd type="arrow"/>
-            <a:tailEnd type="arrow"/>
-          </a:ln>
-        </p:spPr>
-        <p:style>
-          <a:lnRef idx="1">
-            <a:schemeClr val="accent1"/>
-          </a:lnRef>
-          <a:fillRef idx="0">
-            <a:schemeClr val="accent1"/>
-          </a:fillRef>
-          <a:effectRef idx="0">
-            <a:schemeClr val="accent1"/>
-          </a:effectRef>
-          <a:fontRef idx="minor">
-            <a:schemeClr val="tx1"/>
-          </a:fontRef>
-        </p:style>
-      </p:cxnSp>
-    </p:spTree>
-    <p:extLst>
-      <p:ext uri="{BB962C8B-B14F-4D97-AF65-F5344CB8AC3E}">
-        <p14:creationId xmlns:p14="http://schemas.microsoft.com/office/powerpoint/2010/main" val="281827384"/>
-      </p:ext>
-    </p:extLst>
-  </p:cSld>
-  <p:clrMapOvr>
-    <a:masterClrMapping/>
-  </p:clrMapOvr>
-  <p:timing>
-    <p:tnLst>
-      <p:par>
-        <p:cTn id="1" dur="indefinite" restart="never" nodeType="tmRoot">
-          <p:childTnLst>
-            <p:seq concurrent="1" nextAc="seek">
-              <p:cTn id="2" dur="indefinite" nodeType="mainSeq">
-                <p:childTnLst>
-                  <p:par>
-                    <p:cTn id="3" fill="hold">
-                      <p:stCondLst>
-                        <p:cond delay="indefinite"/>
-                      </p:stCondLst>
-                      <p:childTnLst>
-                        <p:par>
-                          <p:cTn id="4" fill="hold">
-                            <p:stCondLst>
-                              <p:cond delay="0"/>
-                            </p:stCondLst>
-                            <p:childTnLst>
-                              <p:par>
-                                <p:cTn id="5" presetID="10" presetClass="entr" presetSubtype="0" fill="hold" grpId="0" nodeType="clickEffect">
-                                  <p:stCondLst>
-                                    <p:cond delay="0"/>
-                                  </p:stCondLst>
-                                  <p:childTnLst>
-                                    <p:set>
-                                      <p:cBhvr>
-                                        <p:cTn id="6" dur="1" fill="hold">
-                                          <p:stCondLst>
-                                            <p:cond delay="0"/>
-                                          </p:stCondLst>
-                                        </p:cTn>
-                                        <p:tgtEl>
-                                          <p:spTgt spid="2"/>
-                                        </p:tgtEl>
-                                        <p:attrNameLst>
-                                          <p:attrName>style.visibility</p:attrName>
-                                        </p:attrNameLst>
-                                      </p:cBhvr>
-                                      <p:to>
-                                        <p:strVal val="visible"/>
-                                      </p:to>
-                                    </p:set>
-                                    <p:animEffect transition="in" filter="fade">
-                                      <p:cBhvr>
-                                        <p:cTn id="7" dur="500"/>
-                                        <p:tgtEl>
-                                          <p:spTgt spid="2"/>
-                                        </p:tgtEl>
-                                      </p:cBhvr>
-                                    </p:animEffect>
-                                  </p:childTnLst>
-                                </p:cTn>
-                              </p:par>
-                            </p:childTnLst>
-                          </p:cTn>
-                        </p:par>
-                      </p:childTnLst>
-                    </p:cTn>
-                  </p:par>
-                  <p:par>
-                    <p:cTn id="8" fill="hold">
-                      <p:stCondLst>
-                        <p:cond delay="indefinite"/>
-                      </p:stCondLst>
-                      <p:childTnLst>
-                        <p:par>
-                          <p:cTn id="9" fill="hold">
-                            <p:stCondLst>
-                              <p:cond delay="0"/>
-                            </p:stCondLst>
-                            <p:childTnLst>
-                              <p:par>
-                                <p:cTn id="10" presetID="10" presetClass="entr" presetSubtype="0" fill="hold" grpId="0" nodeType="clickEffect">
-                                  <p:stCondLst>
-                                    <p:cond delay="0"/>
-                                  </p:stCondLst>
-                                  <p:childTnLst>
-                                    <p:set>
-                                      <p:cBhvr>
-                                        <p:cTn id="11" dur="1" fill="hold">
-                                          <p:stCondLst>
-                                            <p:cond delay="0"/>
-                                          </p:stCondLst>
-                                        </p:cTn>
-                                        <p:tgtEl>
-                                          <p:spTgt spid="14"/>
-                                        </p:tgtEl>
-                                        <p:attrNameLst>
-                                          <p:attrName>style.visibility</p:attrName>
-                                        </p:attrNameLst>
-                                      </p:cBhvr>
-                                      <p:to>
-                                        <p:strVal val="visible"/>
-                                      </p:to>
-                                    </p:set>
-                                    <p:animEffect transition="in" filter="fade">
-                                      <p:cBhvr>
-                                        <p:cTn id="12" dur="500"/>
-                                        <p:tgtEl>
-                                          <p:spTgt spid="14"/>
-                                        </p:tgtEl>
-                                      </p:cBhvr>
-                                    </p:animEffect>
-                                  </p:childTnLst>
-                                </p:cTn>
-                              </p:par>
-                              <p:par>
-                                <p:cTn id="13" presetID="10" presetClass="entr" presetSubtype="0" fill="hold" grpId="0" nodeType="withEffect">
-                                  <p:stCondLst>
-                                    <p:cond delay="0"/>
-                                  </p:stCondLst>
-                                  <p:childTnLst>
-                                    <p:set>
-                                      <p:cBhvr>
-                                        <p:cTn id="14" dur="1" fill="hold">
-                                          <p:stCondLst>
-                                            <p:cond delay="0"/>
-                                          </p:stCondLst>
-                                        </p:cTn>
-                                        <p:tgtEl>
-                                          <p:spTgt spid="15"/>
-                                        </p:tgtEl>
-                                        <p:attrNameLst>
-                                          <p:attrName>style.visibility</p:attrName>
-                                        </p:attrNameLst>
-                                      </p:cBhvr>
-                                      <p:to>
-                                        <p:strVal val="visible"/>
-                                      </p:to>
-                                    </p:set>
-                                    <p:animEffect transition="in" filter="fade">
-                                      <p:cBhvr>
-                                        <p:cTn id="15" dur="500"/>
-                                        <p:tgtEl>
-                                          <p:spTgt spid="15"/>
-                                        </p:tgtEl>
-                                      </p:cBhvr>
-                                    </p:animEffect>
-                                  </p:childTnLst>
-                                </p:cTn>
-                              </p:par>
-                              <p:par>
-                                <p:cTn id="16" presetID="10" presetClass="entr" presetSubtype="0" fill="hold" grpId="0" nodeType="withEffect">
-                                  <p:stCondLst>
-                                    <p:cond delay="0"/>
-                                  </p:stCondLst>
-                                  <p:childTnLst>
-                                    <p:set>
-                                      <p:cBhvr>
-                                        <p:cTn id="17" dur="1" fill="hold">
-                                          <p:stCondLst>
-                                            <p:cond delay="0"/>
-                                          </p:stCondLst>
-                                        </p:cTn>
-                                        <p:tgtEl>
-                                          <p:spTgt spid="17"/>
-                                        </p:tgtEl>
-                                        <p:attrNameLst>
-                                          <p:attrName>style.visibility</p:attrName>
-                                        </p:attrNameLst>
-                                      </p:cBhvr>
-                                      <p:to>
-                                        <p:strVal val="visible"/>
-                                      </p:to>
-                                    </p:set>
-                                    <p:animEffect transition="in" filter="fade">
-                                      <p:cBhvr>
-                                        <p:cTn id="18" dur="500"/>
-                                        <p:tgtEl>
-                                          <p:spTgt spid="17"/>
-                                        </p:tgtEl>
-                                      </p:cBhvr>
-                                    </p:animEffect>
-                                  </p:childTnLst>
-                                </p:cTn>
-                              </p:par>
-                            </p:childTnLst>
-                          </p:cTn>
-                        </p:par>
-                      </p:childTnLst>
-                    </p:cTn>
-                  </p:par>
-                  <p:par>
-                    <p:cTn id="19" fill="hold">
-                      <p:stCondLst>
-                        <p:cond delay="indefinite"/>
-                      </p:stCondLst>
-                      <p:childTnLst>
-                        <p:par>
-                          <p:cTn id="20" fill="hold">
-                            <p:stCondLst>
-                              <p:cond delay="0"/>
-                            </p:stCondLst>
-                            <p:childTnLst>
-                              <p:par>
-                                <p:cTn id="21" presetID="10" presetClass="entr" presetSubtype="0" fill="hold" nodeType="clickEffect">
-                                  <p:stCondLst>
-                                    <p:cond delay="0"/>
-                                  </p:stCondLst>
-                                  <p:childTnLst>
-                                    <p:set>
-                                      <p:cBhvr>
-                                        <p:cTn id="22" dur="1" fill="hold">
-                                          <p:stCondLst>
-                                            <p:cond delay="0"/>
-                                          </p:stCondLst>
-                                        </p:cTn>
-                                        <p:tgtEl>
-                                          <p:spTgt spid="43"/>
-                                        </p:tgtEl>
-                                        <p:attrNameLst>
-                                          <p:attrName>style.visibility</p:attrName>
-                                        </p:attrNameLst>
-                                      </p:cBhvr>
-                                      <p:to>
-                                        <p:strVal val="visible"/>
-                                      </p:to>
-                                    </p:set>
-                                    <p:animEffect transition="in" filter="fade">
-                                      <p:cBhvr>
-                                        <p:cTn id="23" dur="500"/>
-                                        <p:tgtEl>
-                                          <p:spTgt spid="43"/>
-                                        </p:tgtEl>
-                                      </p:cBhvr>
-                                    </p:animEffect>
-                                  </p:childTnLst>
-                                </p:cTn>
-                              </p:par>
-                              <p:par>
-                                <p:cTn id="24" presetID="10" presetClass="entr" presetSubtype="0" fill="hold" grpId="0" nodeType="withEffect">
-                                  <p:stCondLst>
-                                    <p:cond delay="0"/>
-                                  </p:stCondLst>
-                                  <p:childTnLst>
-                                    <p:set>
-                                      <p:cBhvr>
-                                        <p:cTn id="25" dur="1" fill="hold">
-                                          <p:stCondLst>
-                                            <p:cond delay="0"/>
-                                          </p:stCondLst>
-                                        </p:cTn>
-                                        <p:tgtEl>
-                                          <p:spTgt spid="99"/>
-                                        </p:tgtEl>
-                                        <p:attrNameLst>
-                                          <p:attrName>style.visibility</p:attrName>
-                                        </p:attrNameLst>
-                                      </p:cBhvr>
-                                      <p:to>
-                                        <p:strVal val="visible"/>
-                                      </p:to>
-                                    </p:set>
-                                    <p:animEffect transition="in" filter="fade">
-                                      <p:cBhvr>
-                                        <p:cTn id="26" dur="500"/>
-                                        <p:tgtEl>
-                                          <p:spTgt spid="99"/>
-                                        </p:tgtEl>
-                                      </p:cBhvr>
-                                    </p:animEffect>
-                                  </p:childTnLst>
-                                </p:cTn>
-                              </p:par>
-                            </p:childTnLst>
-                          </p:cTn>
-                        </p:par>
-                      </p:childTnLst>
-                    </p:cTn>
-                  </p:par>
-                  <p:par>
-                    <p:cTn id="27" fill="hold">
-                      <p:stCondLst>
-                        <p:cond delay="indefinite"/>
-                      </p:stCondLst>
-                      <p:childTnLst>
-                        <p:par>
-                          <p:cTn id="28" fill="hold">
-                            <p:stCondLst>
-                              <p:cond delay="0"/>
-                            </p:stCondLst>
-                            <p:childTnLst>
-                              <p:par>
-                                <p:cTn id="29" presetID="10" presetClass="entr" presetSubtype="0" fill="hold" nodeType="clickEffect">
-                                  <p:stCondLst>
-                                    <p:cond delay="0"/>
-                                  </p:stCondLst>
-                                  <p:childTnLst>
-                                    <p:set>
-                                      <p:cBhvr>
-                                        <p:cTn id="30" dur="1" fill="hold">
-                                          <p:stCondLst>
-                                            <p:cond delay="0"/>
-                                          </p:stCondLst>
-                                        </p:cTn>
-                                        <p:tgtEl>
-                                          <p:spTgt spid="64"/>
-                                        </p:tgtEl>
-                                        <p:attrNameLst>
-                                          <p:attrName>style.visibility</p:attrName>
-                                        </p:attrNameLst>
-                                      </p:cBhvr>
-                                      <p:to>
-                                        <p:strVal val="visible"/>
-                                      </p:to>
-                                    </p:set>
-                                    <p:animEffect transition="in" filter="fade">
-                                      <p:cBhvr>
-                                        <p:cTn id="31" dur="500"/>
-                                        <p:tgtEl>
-                                          <p:spTgt spid="64"/>
-                                        </p:tgtEl>
-                                      </p:cBhvr>
-                                    </p:animEffect>
-                                  </p:childTnLst>
-                                </p:cTn>
-                              </p:par>
-                              <p:par>
-                                <p:cTn id="32" presetID="10" presetClass="entr" presetSubtype="0" fill="hold" grpId="0" nodeType="withEffect">
-                                  <p:stCondLst>
-                                    <p:cond delay="0"/>
-                                  </p:stCondLst>
-                                  <p:childTnLst>
-                                    <p:set>
-                                      <p:cBhvr>
-                                        <p:cTn id="33" dur="1" fill="hold">
-                                          <p:stCondLst>
-                                            <p:cond delay="0"/>
-                                          </p:stCondLst>
-                                        </p:cTn>
-                                        <p:tgtEl>
-                                          <p:spTgt spid="16"/>
-                                        </p:tgtEl>
-                                        <p:attrNameLst>
-                                          <p:attrName>style.visibility</p:attrName>
-                                        </p:attrNameLst>
-                                      </p:cBhvr>
-                                      <p:to>
-                                        <p:strVal val="visible"/>
-                                      </p:to>
-                                    </p:set>
-                                    <p:animEffect transition="in" filter="fade">
-                                      <p:cBhvr>
-                                        <p:cTn id="34" dur="500"/>
-                                        <p:tgtEl>
-                                          <p:spTgt spid="16"/>
-                                        </p:tgtEl>
-                                      </p:cBhvr>
-                                    </p:animEffect>
-                                  </p:childTnLst>
-                                </p:cTn>
-                              </p:par>
-                              <p:par>
-                                <p:cTn id="35" presetID="10" presetClass="entr" presetSubtype="0" fill="hold" nodeType="withEffect">
-                                  <p:stCondLst>
-                                    <p:cond delay="0"/>
-                                  </p:stCondLst>
-                                  <p:childTnLst>
-                                    <p:set>
-                                      <p:cBhvr>
-                                        <p:cTn id="36" dur="1" fill="hold">
-                                          <p:stCondLst>
-                                            <p:cond delay="0"/>
-                                          </p:stCondLst>
-                                        </p:cTn>
-                                        <p:tgtEl>
-                                          <p:spTgt spid="70"/>
-                                        </p:tgtEl>
-                                        <p:attrNameLst>
-                                          <p:attrName>style.visibility</p:attrName>
-                                        </p:attrNameLst>
-                                      </p:cBhvr>
-                                      <p:to>
-                                        <p:strVal val="visible"/>
-                                      </p:to>
-                                    </p:set>
-                                    <p:animEffect transition="in" filter="fade">
-                                      <p:cBhvr>
-                                        <p:cTn id="37" dur="500"/>
-                                        <p:tgtEl>
-                                          <p:spTgt spid="70"/>
-                                        </p:tgtEl>
-                                      </p:cBhvr>
-                                    </p:animEffect>
-                                  </p:childTnLst>
-                                </p:cTn>
-                              </p:par>
-                            </p:childTnLst>
-                          </p:cTn>
-                        </p:par>
-                      </p:childTnLst>
-                    </p:cTn>
-                  </p:par>
-                  <p:par>
-                    <p:cTn id="38" fill="hold">
-                      <p:stCondLst>
-                        <p:cond delay="indefinite"/>
-                      </p:stCondLst>
-                      <p:childTnLst>
-                        <p:par>
-                          <p:cTn id="39" fill="hold">
-                            <p:stCondLst>
-                              <p:cond delay="0"/>
-                            </p:stCondLst>
-                            <p:childTnLst>
-                              <p:par>
-                                <p:cTn id="40" presetID="10" presetClass="entr" presetSubtype="0" fill="hold" nodeType="clickEffect">
-                                  <p:stCondLst>
-                                    <p:cond delay="0"/>
-                                  </p:stCondLst>
-                                  <p:childTnLst>
-                                    <p:set>
-                                      <p:cBhvr>
-                                        <p:cTn id="41" dur="1" fill="hold">
-                                          <p:stCondLst>
-                                            <p:cond delay="0"/>
-                                          </p:stCondLst>
-                                        </p:cTn>
-                                        <p:tgtEl>
-                                          <p:spTgt spid="62"/>
-                                        </p:tgtEl>
-                                        <p:attrNameLst>
-                                          <p:attrName>style.visibility</p:attrName>
-                                        </p:attrNameLst>
-                                      </p:cBhvr>
-                                      <p:to>
-                                        <p:strVal val="visible"/>
-                                      </p:to>
-                                    </p:set>
-                                    <p:animEffect transition="in" filter="fade">
-                                      <p:cBhvr>
-                                        <p:cTn id="42" dur="500"/>
-                                        <p:tgtEl>
-                                          <p:spTgt spid="62"/>
-                                        </p:tgtEl>
-                                      </p:cBhvr>
-                                    </p:animEffect>
-                                  </p:childTnLst>
-                                </p:cTn>
-                              </p:par>
-                              <p:par>
-                                <p:cTn id="43" presetID="10" presetClass="entr" presetSubtype="0" fill="hold" grpId="0" nodeType="withEffect">
-                                  <p:stCondLst>
-                                    <p:cond delay="0"/>
-                                  </p:stCondLst>
-                                  <p:childTnLst>
-                                    <p:set>
-                                      <p:cBhvr>
-                                        <p:cTn id="44" dur="1" fill="hold">
-                                          <p:stCondLst>
-                                            <p:cond delay="0"/>
-                                          </p:stCondLst>
-                                        </p:cTn>
-                                        <p:tgtEl>
-                                          <p:spTgt spid="21"/>
-                                        </p:tgtEl>
-                                        <p:attrNameLst>
-                                          <p:attrName>style.visibility</p:attrName>
-                                        </p:attrNameLst>
-                                      </p:cBhvr>
-                                      <p:to>
-                                        <p:strVal val="visible"/>
-                                      </p:to>
-                                    </p:set>
-                                    <p:animEffect transition="in" filter="fade">
-                                      <p:cBhvr>
-                                        <p:cTn id="45" dur="500"/>
-                                        <p:tgtEl>
-                                          <p:spTgt spid="21"/>
-                                        </p:tgtEl>
-                                      </p:cBhvr>
-                                    </p:animEffect>
-                                  </p:childTnLst>
-                                </p:cTn>
-                              </p:par>
-                              <p:par>
-                                <p:cTn id="46" presetID="10" presetClass="entr" presetSubtype="0" fill="hold" nodeType="withEffect">
-                                  <p:stCondLst>
-                                    <p:cond delay="0"/>
-                                  </p:stCondLst>
-                                  <p:childTnLst>
-                                    <p:set>
-                                      <p:cBhvr>
-                                        <p:cTn id="47" dur="1" fill="hold">
-                                          <p:stCondLst>
-                                            <p:cond delay="0"/>
-                                          </p:stCondLst>
-                                        </p:cTn>
-                                        <p:tgtEl>
-                                          <p:spTgt spid="60"/>
-                                        </p:tgtEl>
-                                        <p:attrNameLst>
-                                          <p:attrName>style.visibility</p:attrName>
-                                        </p:attrNameLst>
-                                      </p:cBhvr>
-                                      <p:to>
-                                        <p:strVal val="visible"/>
-                                      </p:to>
-                                    </p:set>
-                                    <p:animEffect transition="in" filter="fade">
-                                      <p:cBhvr>
-                                        <p:cTn id="48" dur="500"/>
-                                        <p:tgtEl>
-                                          <p:spTgt spid="60"/>
-                                        </p:tgtEl>
-                                      </p:cBhvr>
-                                    </p:animEffect>
-                                  </p:childTnLst>
-                                </p:cTn>
-                              </p:par>
-                              <p:par>
-                                <p:cTn id="49" presetID="10" presetClass="entr" presetSubtype="0" fill="hold" grpId="0" nodeType="withEffect">
-                                  <p:stCondLst>
-                                    <p:cond delay="0"/>
-                                  </p:stCondLst>
-                                  <p:childTnLst>
-                                    <p:set>
-                                      <p:cBhvr>
-                                        <p:cTn id="50" dur="1" fill="hold">
-                                          <p:stCondLst>
-                                            <p:cond delay="0"/>
-                                          </p:stCondLst>
-                                        </p:cTn>
-                                        <p:tgtEl>
-                                          <p:spTgt spid="22"/>
-                                        </p:tgtEl>
-                                        <p:attrNameLst>
-                                          <p:attrName>style.visibility</p:attrName>
-                                        </p:attrNameLst>
-                                      </p:cBhvr>
-                                      <p:to>
-                                        <p:strVal val="visible"/>
-                                      </p:to>
-                                    </p:set>
-                                    <p:animEffect transition="in" filter="fade">
-                                      <p:cBhvr>
-                                        <p:cTn id="51" dur="500"/>
-                                        <p:tgtEl>
-                                          <p:spTgt spid="22"/>
-                                        </p:tgtEl>
-                                      </p:cBhvr>
-                                    </p:animEffect>
-                                  </p:childTnLst>
-                                </p:cTn>
-                              </p:par>
-                            </p:childTnLst>
-                          </p:cTn>
-                        </p:par>
-                      </p:childTnLst>
-                    </p:cTn>
-                  </p:par>
-                  <p:par>
-                    <p:cTn id="52" fill="hold">
-                      <p:stCondLst>
-                        <p:cond delay="indefinite"/>
-                      </p:stCondLst>
-                      <p:childTnLst>
-                        <p:par>
-                          <p:cTn id="53" fill="hold">
-                            <p:stCondLst>
-                              <p:cond delay="0"/>
-                            </p:stCondLst>
-                            <p:childTnLst>
-                              <p:par>
-                                <p:cTn id="54" presetID="10" presetClass="entr" presetSubtype="0" fill="hold" nodeType="clickEffect">
-                                  <p:stCondLst>
-                                    <p:cond delay="0"/>
-                                  </p:stCondLst>
-                                  <p:childTnLst>
-                                    <p:set>
-                                      <p:cBhvr>
-                                        <p:cTn id="55" dur="1" fill="hold">
-                                          <p:stCondLst>
-                                            <p:cond delay="0"/>
-                                          </p:stCondLst>
-                                        </p:cTn>
-                                        <p:tgtEl>
-                                          <p:spTgt spid="74"/>
-                                        </p:tgtEl>
-                                        <p:attrNameLst>
-                                          <p:attrName>style.visibility</p:attrName>
-                                        </p:attrNameLst>
-                                      </p:cBhvr>
-                                      <p:to>
-                                        <p:strVal val="visible"/>
-                                      </p:to>
-                                    </p:set>
-                                    <p:animEffect transition="in" filter="fade">
-                                      <p:cBhvr>
-                                        <p:cTn id="56" dur="500"/>
-                                        <p:tgtEl>
-                                          <p:spTgt spid="74"/>
-                                        </p:tgtEl>
-                                      </p:cBhvr>
-                                    </p:animEffect>
-                                  </p:childTnLst>
-                                </p:cTn>
-                              </p:par>
-                              <p:par>
-                                <p:cTn id="57" presetID="10" presetClass="entr" presetSubtype="0" fill="hold" grpId="0" nodeType="withEffect">
-                                  <p:stCondLst>
-                                    <p:cond delay="0"/>
-                                  </p:stCondLst>
-                                  <p:childTnLst>
-                                    <p:set>
-                                      <p:cBhvr>
-                                        <p:cTn id="58" dur="1" fill="hold">
-                                          <p:stCondLst>
-                                            <p:cond delay="0"/>
-                                          </p:stCondLst>
-                                        </p:cTn>
-                                        <p:tgtEl>
-                                          <p:spTgt spid="20"/>
-                                        </p:tgtEl>
-                                        <p:attrNameLst>
-                                          <p:attrName>style.visibility</p:attrName>
-                                        </p:attrNameLst>
-                                      </p:cBhvr>
-                                      <p:to>
-                                        <p:strVal val="visible"/>
-                                      </p:to>
-                                    </p:set>
-                                    <p:animEffect transition="in" filter="fade">
-                                      <p:cBhvr>
-                                        <p:cTn id="59" dur="500"/>
-                                        <p:tgtEl>
-                                          <p:spTgt spid="20"/>
-                                        </p:tgtEl>
-                                      </p:cBhvr>
-                                    </p:animEffect>
-                                  </p:childTnLst>
-                                </p:cTn>
-                              </p:par>
-                              <p:par>
-                                <p:cTn id="60" presetID="10" presetClass="entr" presetSubtype="0" fill="hold" nodeType="withEffect">
-                                  <p:stCondLst>
-                                    <p:cond delay="0"/>
-                                  </p:stCondLst>
-                                  <p:childTnLst>
-                                    <p:set>
-                                      <p:cBhvr>
-                                        <p:cTn id="61" dur="1" fill="hold">
-                                          <p:stCondLst>
-                                            <p:cond delay="0"/>
-                                          </p:stCondLst>
-                                        </p:cTn>
-                                        <p:tgtEl>
-                                          <p:spTgt spid="76"/>
-                                        </p:tgtEl>
-                                        <p:attrNameLst>
-                                          <p:attrName>style.visibility</p:attrName>
-                                        </p:attrNameLst>
-                                      </p:cBhvr>
-                                      <p:to>
-                                        <p:strVal val="visible"/>
-                                      </p:to>
-                                    </p:set>
-                                    <p:animEffect transition="in" filter="fade">
-                                      <p:cBhvr>
-                                        <p:cTn id="62" dur="500"/>
-                                        <p:tgtEl>
-                                          <p:spTgt spid="76"/>
-                                        </p:tgtEl>
-                                      </p:cBhvr>
-                                    </p:animEffect>
-                                  </p:childTnLst>
-                                </p:cTn>
-                              </p:par>
-                            </p:childTnLst>
-                          </p:cTn>
-                        </p:par>
-                      </p:childTnLst>
-                    </p:cTn>
-                  </p:par>
-                </p:childTnLst>
-              </p:cTn>
-              <p:prevCondLst>
-                <p:cond evt="onPrev" delay="0">
-                  <p:tgtEl>
-                    <p:sldTgt/>
-                  </p:tgtEl>
-                </p:cond>
-              </p:prevCondLst>
-              <p:nextCondLst>
-                <p:cond evt="onNext" delay="0">
-                  <p:tgtEl>
-                    <p:sldTgt/>
-                  </p:tgtEl>
-                </p:cond>
-              </p:nextCondLst>
-            </p:seq>
-          </p:childTnLst>
-        </p:cTn>
-      </p:par>
-    </p:tnLst>
-    <p:bldLst>
-      <p:bldP spid="99" grpId="0" animBg="1"/>
-      <p:bldP spid="2" grpId="0"/>
-      <p:bldP spid="15" grpId="0" animBg="1"/>
-      <p:bldP spid="16" grpId="0" animBg="1"/>
-      <p:bldP spid="20" grpId="0" animBg="1"/>
-      <p:bldP spid="21" grpId="0" animBg="1"/>
-      <p:bldP spid="22" grpId="0" animBg="1"/>
-      <p:bldP spid="17" grpId="0" animBg="1"/>
-      <p:bldP spid="14" grpId="0" animBg="1"/>
+      <p:bldP spid="2" grpId="0" animBg="1"/>
     </p:bldLst>
   </p:timing>
 </p:sld>

--- a/MOCUIPlugin-final.pptx
+++ b/MOCUIPlugin-final.pptx
@@ -114,7 +114,7 @@
   </p:defaultTextStyle>
   <p:extLst>
     <p:ext uri="{EFAFB233-063F-42B5-8137-9DF3F51BA10A}">
-      <p15:sldGuideLst xmlns="" xmlns:p15="http://schemas.microsoft.com/office/powerpoint/2012/main">
+      <p15:sldGuideLst xmlns:p15="http://schemas.microsoft.com/office/powerpoint/2012/main" xmlns="">
         <p15:guide id="1" orient="horz" pos="1620">
           <p15:clr>
             <a:srgbClr val="A4A3A4"/>
@@ -1205,19 +1205,19 @@
     </dgm:pt>
   </dgm:ptLst>
   <dgm:cxnLst>
+    <dgm:cxn modelId="{F1159019-032A-4F99-9ED5-1010434EFB32}" srcId="{DCE7B4F7-0717-6543-93C9-47756FDF8E5C}" destId="{69628AFF-EBCF-4229-93F1-768A27CDBF6C}" srcOrd="3" destOrd="0" parTransId="{0F874767-CC34-4CC4-B624-32531BC29D74}" sibTransId="{3F0A59F4-F3BF-4B9A-8719-5C98187B9BE6}"/>
+    <dgm:cxn modelId="{8F5A726F-1B3B-4D1F-8B1B-D9809B58AABF}" type="presOf" srcId="{F4858C5F-2910-C14B-AE65-5EC1486E1D33}" destId="{66FFD7BE-09E7-DA40-A903-F11A86160C9F}" srcOrd="0" destOrd="0" presId="urn:microsoft.com/office/officeart/2005/8/layout/pyramid1"/>
+    <dgm:cxn modelId="{3C111C00-9819-40BC-B6B5-3A95EC1C9935}" type="presOf" srcId="{F4858C5F-2910-C14B-AE65-5EC1486E1D33}" destId="{DD308B38-ED00-B646-B2CB-26EE36FBD94C}" srcOrd="1" destOrd="0" presId="urn:microsoft.com/office/officeart/2005/8/layout/pyramid1"/>
     <dgm:cxn modelId="{2D9C3DD1-7828-4E10-AA4A-EDB3433FBF29}" type="presOf" srcId="{DCE7B4F7-0717-6543-93C9-47756FDF8E5C}" destId="{C5375A42-A305-8945-A9AE-42E1E1941F90}" srcOrd="0" destOrd="0" presId="urn:microsoft.com/office/officeart/2005/8/layout/pyramid1"/>
-    <dgm:cxn modelId="{DAD67794-D282-47E3-B322-73B5893F6822}" type="presOf" srcId="{463497ED-E0E2-7542-AC5E-B4BF3A69E2D9}" destId="{671FD104-BF24-DF42-A3CF-ABEF6EFA5A28}" srcOrd="1" destOrd="0" presId="urn:microsoft.com/office/officeart/2005/8/layout/pyramid1"/>
+    <dgm:cxn modelId="{6E81EC71-E600-477B-93CD-406B82DF27F4}" type="presOf" srcId="{4E9BD0BE-2937-6448-BF83-4AD76DE67E5B}" destId="{766CF9A7-B66E-6A46-BCC8-441490CF598F}" srcOrd="1" destOrd="0" presId="urn:microsoft.com/office/officeart/2005/8/layout/pyramid1"/>
     <dgm:cxn modelId="{0E5BE658-9FE5-4B70-8A3A-A7F281937D68}" type="presOf" srcId="{69628AFF-EBCF-4229-93F1-768A27CDBF6C}" destId="{7E401668-B05E-40B0-9442-4D8424AB595F}" srcOrd="0" destOrd="0" presId="urn:microsoft.com/office/officeart/2005/8/layout/pyramid1"/>
     <dgm:cxn modelId="{7806E36D-EC2A-0942-83D1-A1EB71444710}" srcId="{DCE7B4F7-0717-6543-93C9-47756FDF8E5C}" destId="{463497ED-E0E2-7542-AC5E-B4BF3A69E2D9}" srcOrd="0" destOrd="0" parTransId="{9F87FB96-D78E-0440-ABF9-754D0863C5C0}" sibTransId="{F1007C82-9CC2-F04B-B898-312929A68477}"/>
-    <dgm:cxn modelId="{6E81EC71-E600-477B-93CD-406B82DF27F4}" type="presOf" srcId="{4E9BD0BE-2937-6448-BF83-4AD76DE67E5B}" destId="{766CF9A7-B66E-6A46-BCC8-441490CF598F}" srcOrd="1" destOrd="0" presId="urn:microsoft.com/office/officeart/2005/8/layout/pyramid1"/>
-    <dgm:cxn modelId="{F1159019-032A-4F99-9ED5-1010434EFB32}" srcId="{DCE7B4F7-0717-6543-93C9-47756FDF8E5C}" destId="{69628AFF-EBCF-4229-93F1-768A27CDBF6C}" srcOrd="3" destOrd="0" parTransId="{0F874767-CC34-4CC4-B624-32531BC29D74}" sibTransId="{3F0A59F4-F3BF-4B9A-8719-5C98187B9BE6}"/>
-    <dgm:cxn modelId="{19BD7A9F-DAED-400D-AF68-0A85041F3F11}" type="presOf" srcId="{4E9BD0BE-2937-6448-BF83-4AD76DE67E5B}" destId="{5DB06A7B-4B37-0046-87D0-B6F4E9A214F7}" srcOrd="0" destOrd="0" presId="urn:microsoft.com/office/officeart/2005/8/layout/pyramid1"/>
-    <dgm:cxn modelId="{8F5A726F-1B3B-4D1F-8B1B-D9809B58AABF}" type="presOf" srcId="{F4858C5F-2910-C14B-AE65-5EC1486E1D33}" destId="{66FFD7BE-09E7-DA40-A903-F11A86160C9F}" srcOrd="0" destOrd="0" presId="urn:microsoft.com/office/officeart/2005/8/layout/pyramid1"/>
+    <dgm:cxn modelId="{DAD67794-D282-47E3-B322-73B5893F6822}" type="presOf" srcId="{463497ED-E0E2-7542-AC5E-B4BF3A69E2D9}" destId="{671FD104-BF24-DF42-A3CF-ABEF6EFA5A28}" srcOrd="1" destOrd="0" presId="urn:microsoft.com/office/officeart/2005/8/layout/pyramid1"/>
     <dgm:cxn modelId="{DDAB17A6-AD81-44B7-BADC-6CE41847579E}" type="presOf" srcId="{463497ED-E0E2-7542-AC5E-B4BF3A69E2D9}" destId="{FFEF248A-9CDD-0C4E-AC18-CF912B6168D5}" srcOrd="0" destOrd="0" presId="urn:microsoft.com/office/officeart/2005/8/layout/pyramid1"/>
     <dgm:cxn modelId="{B5B1DAD5-7C20-4352-AF62-6EDA19C4B53D}" type="presOf" srcId="{69628AFF-EBCF-4229-93F1-768A27CDBF6C}" destId="{47BF2EAB-77EC-4BD1-8420-096FC1EC99A1}" srcOrd="1" destOrd="0" presId="urn:microsoft.com/office/officeart/2005/8/layout/pyramid1"/>
     <dgm:cxn modelId="{22BEC169-42B4-934A-AD5C-35C05F575F36}" srcId="{DCE7B4F7-0717-6543-93C9-47756FDF8E5C}" destId="{F4858C5F-2910-C14B-AE65-5EC1486E1D33}" srcOrd="2" destOrd="0" parTransId="{B234DB13-B1E2-784F-9ACB-C199CD54B54E}" sibTransId="{580F1A18-344A-2346-9AB6-D72EAF720ADB}"/>
-    <dgm:cxn modelId="{3C111C00-9819-40BC-B6B5-3A95EC1C9935}" type="presOf" srcId="{F4858C5F-2910-C14B-AE65-5EC1486E1D33}" destId="{DD308B38-ED00-B646-B2CB-26EE36FBD94C}" srcOrd="1" destOrd="0" presId="urn:microsoft.com/office/officeart/2005/8/layout/pyramid1"/>
     <dgm:cxn modelId="{116DFD73-190B-7B44-93AB-02505E9B17C4}" srcId="{DCE7B4F7-0717-6543-93C9-47756FDF8E5C}" destId="{4E9BD0BE-2937-6448-BF83-4AD76DE67E5B}" srcOrd="1" destOrd="0" parTransId="{2D253641-ADEA-354C-B18B-9DFC8A8A6DB9}" sibTransId="{56573B77-0D84-D24E-9DDB-B55EF7AE5D2D}"/>
+    <dgm:cxn modelId="{19BD7A9F-DAED-400D-AF68-0A85041F3F11}" type="presOf" srcId="{4E9BD0BE-2937-6448-BF83-4AD76DE67E5B}" destId="{5DB06A7B-4B37-0046-87D0-B6F4E9A214F7}" srcOrd="0" destOrd="0" presId="urn:microsoft.com/office/officeart/2005/8/layout/pyramid1"/>
     <dgm:cxn modelId="{ABB40FD4-CC27-447B-A664-A2163598D634}" type="presParOf" srcId="{C5375A42-A305-8945-A9AE-42E1E1941F90}" destId="{9377526D-6290-2D4E-864B-C98F673B539B}" srcOrd="0" destOrd="0" presId="urn:microsoft.com/office/officeart/2005/8/layout/pyramid1"/>
     <dgm:cxn modelId="{A60EA3AC-276C-422F-AD55-AA6A8C371C82}" type="presParOf" srcId="{9377526D-6290-2D4E-864B-C98F673B539B}" destId="{FFEF248A-9CDD-0C4E-AC18-CF912B6168D5}" srcOrd="0" destOrd="0" presId="urn:microsoft.com/office/officeart/2005/8/layout/pyramid1"/>
     <dgm:cxn modelId="{BAED7D49-3EDB-4269-95D8-CB36214EE693}" type="presParOf" srcId="{9377526D-6290-2D4E-864B-C98F673B539B}" destId="{671FD104-BF24-DF42-A3CF-ABEF6EFA5A28}" srcOrd="1" destOrd="0" presId="urn:microsoft.com/office/officeart/2005/8/layout/pyramid1"/>
@@ -3007,7 +3007,7 @@
             <a:fld id="{A8ADFD5B-A66C-449C-B6E8-FB716D07777D}" type="datetimeFigureOut">
               <a:rPr lang="en-US" smtClean="0"/>
               <a:pPr/>
-              <a:t>5/3/2015</a:t>
+              <a:t>5/4/2015</a:t>
             </a:fld>
             <a:endParaRPr lang="en-US"/>
           </a:p>
@@ -3647,7 +3647,7 @@
                 </a:solidFill>
               </a:rPr>
               <a:pPr algn="ctr"/>
-              <a:t>5/3/2015</a:t>
+              <a:t>5/4/2015</a:t>
             </a:fld>
             <a:endParaRPr kumimoji="0" lang="en-US" sz="2000" dirty="0">
               <a:solidFill>
@@ -3846,7 +3846,7 @@
             <a:fld id="{E4606EA6-EFEA-4C30-9264-4F9291A5780D}" type="datetime1">
               <a:rPr kumimoji="0" lang="en-US" smtClean="0"/>
               <a:pPr/>
-              <a:t>5/3/2015</a:t>
+              <a:t>5/4/2015</a:t>
             </a:fld>
             <a:endParaRPr kumimoji="0" lang="en-US"/>
           </a:p>
@@ -4277,7 +4277,7 @@
             <a:fld id="{6FCF9F07-3BC7-4570-B054-79111B0A380C}" type="datetime1">
               <a:rPr kumimoji="0" lang="en-US" smtClean="0"/>
               <a:pPr/>
-              <a:t>5/3/2015</a:t>
+              <a:t>5/4/2015</a:t>
             </a:fld>
             <a:endParaRPr kumimoji="0" lang="en-US"/>
           </a:p>
@@ -4542,7 +4542,7 @@
             <a:fld id="{E4606EA6-EFEA-4C30-9264-4F9291A5780D}" type="datetime1">
               <a:rPr kumimoji="0" lang="en-US" smtClean="0"/>
               <a:pPr/>
-              <a:t>5/3/2015</a:t>
+              <a:t>5/4/2015</a:t>
             </a:fld>
             <a:endParaRPr kumimoji="0" lang="en-US"/>
           </a:p>
@@ -4797,7 +4797,7 @@
             <a:fld id="{E4606EA6-EFEA-4C30-9264-4F9291A5780D}" type="datetime1">
               <a:rPr kumimoji="0" lang="en-US" smtClean="0"/>
               <a:pPr/>
-              <a:t>5/3/2015</a:t>
+              <a:t>5/4/2015</a:t>
             </a:fld>
             <a:endParaRPr kumimoji="0" lang="en-US"/>
           </a:p>
@@ -5010,7 +5010,7 @@
             <a:fld id="{6DFADB5D-B7A0-47E3-AD2D-B1A6F8614213}" type="datetime1">
               <a:rPr kumimoji="0" lang="en-US" smtClean="0"/>
               <a:pPr/>
-              <a:t>5/3/2015</a:t>
+              <a:t>5/4/2015</a:t>
             </a:fld>
             <a:endParaRPr kumimoji="0" lang="en-US"/>
           </a:p>
@@ -5123,7 +5123,7 @@
             <a:fld id="{72968126-03FC-49C0-B9B8-2B561CCC3D90}" type="datetime1">
               <a:rPr kumimoji="0" lang="en-US" smtClean="0"/>
               <a:pPr/>
-              <a:t>5/3/2015</a:t>
+              <a:t>5/4/2015</a:t>
             </a:fld>
             <a:endParaRPr kumimoji="0" lang="en-US"/>
           </a:p>
@@ -5276,7 +5276,7 @@
             <a:fld id="{F49A8198-4617-485E-9585-4840B69DBBA6}" type="datetime1">
               <a:rPr kumimoji="0" lang="en-US" smtClean="0"/>
               <a:pPr/>
-              <a:t>5/3/2015</a:t>
+              <a:t>5/4/2015</a:t>
             </a:fld>
             <a:endParaRPr kumimoji="0" lang="en-US"/>
           </a:p>
@@ -5865,7 +5865,7 @@
             <a:fld id="{E4606EA6-EFEA-4C30-9264-4F9291A5780D}" type="datetime1">
               <a:rPr kumimoji="0" lang="en-US" smtClean="0"/>
               <a:pPr/>
-              <a:t>5/3/2015</a:t>
+              <a:t>5/4/2015</a:t>
             </a:fld>
             <a:endParaRPr kumimoji="0" lang="en-US"/>
           </a:p>
@@ -6065,7 +6065,7 @@
             <a:fld id="{E4606EA6-EFEA-4C30-9264-4F9291A5780D}" type="datetime1">
               <a:rPr kumimoji="0" lang="en-US" smtClean="0"/>
               <a:pPr/>
-              <a:t>5/3/2015</a:t>
+              <a:t>5/4/2015</a:t>
             </a:fld>
             <a:endParaRPr kumimoji="0" lang="en-US" sz="1400" dirty="0">
               <a:solidFill>
@@ -6854,8 +6854,12 @@
               </a:rPr>
             </a:br>
             <a:r>
+              <a:rPr lang="en-US" sz="1200" dirty="0" smtClean="0"/>
+              <a:t>Jonathan </a:t>
+            </a:r>
+            <a:r>
               <a:rPr lang="en-US" sz="1200" dirty="0"/>
-              <a:t>Jon Bell</a:t>
+              <a:t>Bell</a:t>
             </a:r>
             <a:r>
               <a:rPr lang="en-US" sz="1050" b="1" dirty="0">
